--- a/AI_Learning_Modul.pptx
+++ b/AI_Learning_Modul.pptx
@@ -61,7 +61,7 @@
     <p:sldId id="309" r:id="rId60"/>
     <p:sldId id="310" r:id="rId61"/>
   </p:sldIdLst>
-  <p:sldSz cx="9144000" cy="6858000" type="screen4x3"/>
+  <p:sldSz cx="12191999" cy="6858000" type="screen4x3"/>
   <p:notesSz cx="6858000" cy="9144000"/>
   <p:defaultTextStyle>
     <a:defPPr>

--- a/AI_Learning_Modul.pptx
+++ b/AI_Learning_Modul.pptx
@@ -61,7 +61,7 @@
     <p:sldId id="309" r:id="rId60"/>
     <p:sldId id="310" r:id="rId61"/>
   </p:sldIdLst>
-  <p:sldSz cx="12191999" cy="6858000" type="screen4x3"/>
+  <p:sldSz cx="12191695" cy="6858000" type="screen4x3"/>
   <p:notesSz cx="6858000" cy="9144000"/>
   <p:defaultTextStyle>
     <a:defPPr>
@@ -3166,7 +3166,7 @@
           <a:lstStyle/>
           <a:p>
             <a:pPr>
-              <a:defRPr sz="3600" b="1">
+              <a:defRPr sz="3200" b="1">
                 <a:solidFill>
                   <a:srgbClr val="191919"/>
                 </a:solidFill>
@@ -3300,7 +3300,7 @@
           <a:lstStyle/>
           <a:p>
             <a:pPr>
-              <a:defRPr sz="3600" b="1">
+              <a:defRPr sz="3200" b="1">
                 <a:solidFill>
                   <a:srgbClr val="191919"/>
                 </a:solidFill>
@@ -3353,8 +3353,8 @@
         </p:nvSpPr>
         <p:spPr>
           <a:xfrm>
-            <a:off x="822960" y="1645920"/>
-            <a:ext cx="10972800" cy="4754880"/>
+            <a:off x="612648" y="1508760"/>
+            <a:ext cx="10972800" cy="4572000"/>
           </a:xfrm>
           <a:prstGeom prst="rect">
             <a:avLst/>
@@ -3369,7 +3369,7 @@
           <a:p>
             <a:pPr>
               <a:spcAft>
-                <a:spcPts val="400"/>
+                <a:spcPts val="500"/>
               </a:spcAft>
               <a:defRPr sz="1800">
                 <a:solidFill>
@@ -3391,7 +3391,7 @@
           <a:p>
             <a:pPr>
               <a:spcAft>
-                <a:spcPts val="400"/>
+                <a:spcPts val="500"/>
               </a:spcAft>
               <a:defRPr sz="1800">
                 <a:solidFill>
@@ -3413,7 +3413,7 @@
           <a:p>
             <a:pPr>
               <a:spcAft>
-                <a:spcPts val="400"/>
+                <a:spcPts val="500"/>
               </a:spcAft>
               <a:defRPr sz="1800">
                 <a:solidFill>
@@ -3435,7 +3435,7 @@
           <a:p>
             <a:pPr>
               <a:spcAft>
-                <a:spcPts val="400"/>
+                <a:spcPts val="500"/>
               </a:spcAft>
               <a:defRPr sz="1800">
                 <a:solidFill>
@@ -3464,8 +3464,8 @@
         </p:nvSpPr>
         <p:spPr>
           <a:xfrm>
-            <a:off x="685800" y="6035040"/>
-            <a:ext cx="10972800" cy="685800"/>
+            <a:off x="612648" y="5897880"/>
+            <a:ext cx="10972800" cy="658368"/>
           </a:xfrm>
           <a:prstGeom prst="roundRect">
             <a:avLst/>
@@ -3473,7 +3473,7 @@
           <a:solidFill>
             <a:srgbClr val="C8E6C9"/>
           </a:solidFill>
-          <a:ln w="25400">
+          <a:ln w="19050">
             <a:solidFill>
               <a:srgbClr val="191919"/>
             </a:solidFill>
@@ -3494,11 +3494,11 @@
           </a:fontRef>
         </p:style>
         <p:txBody>
-          <a:bodyPr rtlCol="0" anchor="ctr"/>
+          <a:bodyPr rtlCol="0" anchor="ctr" wrap="square"/>
           <a:lstStyle/>
           <a:p>
             <a:pPr algn="ctr">
-              <a:defRPr sz="1400">
+              <a:defRPr sz="1300">
                 <a:solidFill>
                   <a:srgbClr val="191919"/>
                 </a:solidFill>
@@ -3559,7 +3559,7 @@
           <a:lstStyle/>
           <a:p>
             <a:pPr>
-              <a:defRPr sz="3600" b="1">
+              <a:defRPr sz="3200" b="1">
                 <a:solidFill>
                   <a:srgbClr val="191919"/>
                 </a:solidFill>
@@ -3612,8 +3612,8 @@
         </p:nvSpPr>
         <p:spPr>
           <a:xfrm>
-            <a:off x="822960" y="1554480"/>
-            <a:ext cx="5303520" cy="365760"/>
+            <a:off x="612648" y="1508760"/>
+            <a:ext cx="5257800" cy="365760"/>
           </a:xfrm>
           <a:prstGeom prst="rect">
             <a:avLst/>
@@ -3654,8 +3654,8 @@
         </p:nvSpPr>
         <p:spPr>
           <a:xfrm>
-            <a:off x="6400800" y="1554480"/>
-            <a:ext cx="5303520" cy="365760"/>
+            <a:off x="6327648" y="1508760"/>
+            <a:ext cx="5257800" cy="365760"/>
           </a:xfrm>
           <a:prstGeom prst="rect">
             <a:avLst/>
@@ -3696,8 +3696,8 @@
         </p:nvSpPr>
         <p:spPr>
           <a:xfrm>
-            <a:off x="822960" y="2011680"/>
-            <a:ext cx="5303520" cy="4480560"/>
+            <a:off x="612648" y="1920240"/>
+            <a:ext cx="5257800" cy="3840479"/>
           </a:xfrm>
           <a:prstGeom prst="rect">
             <a:avLst/>
@@ -3712,7 +3712,7 @@
           <a:p>
             <a:pPr>
               <a:spcAft>
-                <a:spcPts val="400"/>
+                <a:spcPts val="500"/>
               </a:spcAft>
               <a:defRPr sz="1600">
                 <a:solidFill>
@@ -3734,7 +3734,7 @@
           <a:p>
             <a:pPr>
               <a:spcAft>
-                <a:spcPts val="400"/>
+                <a:spcPts val="500"/>
               </a:spcAft>
               <a:defRPr sz="1600">
                 <a:solidFill>
@@ -3756,7 +3756,7 @@
           <a:p>
             <a:pPr>
               <a:spcAft>
-                <a:spcPts val="400"/>
+                <a:spcPts val="500"/>
               </a:spcAft>
               <a:defRPr sz="1600">
                 <a:solidFill>
@@ -3778,7 +3778,7 @@
           <a:p>
             <a:pPr>
               <a:spcAft>
-                <a:spcPts val="400"/>
+                <a:spcPts val="500"/>
               </a:spcAft>
               <a:defRPr sz="1600">
                 <a:solidFill>
@@ -3807,8 +3807,8 @@
         </p:nvSpPr>
         <p:spPr>
           <a:xfrm>
-            <a:off x="6400800" y="2011680"/>
-            <a:ext cx="5303520" cy="4480560"/>
+            <a:off x="6327648" y="1920240"/>
+            <a:ext cx="5257800" cy="3840479"/>
           </a:xfrm>
           <a:prstGeom prst="rect">
             <a:avLst/>
@@ -3823,7 +3823,7 @@
           <a:p>
             <a:pPr>
               <a:spcAft>
-                <a:spcPts val="400"/>
+                <a:spcPts val="500"/>
               </a:spcAft>
               <a:defRPr sz="1600">
                 <a:solidFill>
@@ -3845,7 +3845,7 @@
           <a:p>
             <a:pPr>
               <a:spcAft>
-                <a:spcPts val="400"/>
+                <a:spcPts val="500"/>
               </a:spcAft>
               <a:defRPr sz="1600">
                 <a:solidFill>
@@ -3867,7 +3867,7 @@
           <a:p>
             <a:pPr>
               <a:spcAft>
-                <a:spcPts val="400"/>
+                <a:spcPts val="500"/>
               </a:spcAft>
               <a:defRPr sz="1600">
                 <a:solidFill>
@@ -3889,7 +3889,7 @@
           <a:p>
             <a:pPr>
               <a:spcAft>
-                <a:spcPts val="400"/>
+                <a:spcPts val="500"/>
               </a:spcAft>
               <a:defRPr sz="1600">
                 <a:solidFill>
@@ -3952,7 +3952,7 @@
           <a:lstStyle/>
           <a:p>
             <a:pPr>
-              <a:defRPr sz="3600" b="1">
+              <a:defRPr sz="3200" b="1">
                 <a:solidFill>
                   <a:srgbClr val="191919"/>
                 </a:solidFill>
@@ -3979,8 +3979,8 @@
         </p:nvSpPr>
         <p:spPr>
           <a:xfrm>
-            <a:off x="822960" y="2011680"/>
-            <a:ext cx="10972800" cy="1828800"/>
+            <a:off x="612648" y="2057400"/>
+            <a:ext cx="10972800" cy="1463040"/>
           </a:xfrm>
           <a:prstGeom prst="rect">
             <a:avLst/>
@@ -4055,7 +4055,7 @@
           <a:lstStyle/>
           <a:p>
             <a:pPr>
-              <a:defRPr sz="3600" b="1">
+              <a:defRPr sz="3200" b="1">
                 <a:solidFill>
                   <a:srgbClr val="191919"/>
                 </a:solidFill>
@@ -4108,8 +4108,8 @@
         </p:nvSpPr>
         <p:spPr>
           <a:xfrm>
-            <a:off x="822960" y="1645920"/>
-            <a:ext cx="10972800" cy="4754880"/>
+            <a:off x="612648" y="1508760"/>
+            <a:ext cx="10972800" cy="4572000"/>
           </a:xfrm>
           <a:prstGeom prst="rect">
             <a:avLst/>
@@ -4124,29 +4124,29 @@
           <a:p>
             <a:pPr>
               <a:spcAft>
-                <a:spcPts val="400"/>
-              </a:spcAft>
-              <a:defRPr sz="1800">
-                <a:solidFill>
-                  <a:srgbClr val="191919"/>
-                </a:solidFill>
-                <a:latin typeface="Comic Sans MS"/>
-              </a:defRPr>
-            </a:pPr>
-            <a:r>
-              <a:rPr>
-                <a:solidFill>
-                  <a:srgbClr val="191919"/>
-                </a:solidFill>
-                <a:latin typeface="Comic Sans MS"/>
-              </a:rPr>
-              <a:t>MAE: rata-rata selisih |aktual - prediksi| (lebih mudah dipahami).</a:t>
-            </a:r>
-          </a:p>
-          <a:p>
-            <a:pPr>
-              <a:spcAft>
-                <a:spcPts val="400"/>
+                <a:spcPts val="500"/>
+              </a:spcAft>
+              <a:defRPr sz="1800">
+                <a:solidFill>
+                  <a:srgbClr val="191919"/>
+                </a:solidFill>
+                <a:latin typeface="Comic Sans MS"/>
+              </a:defRPr>
+            </a:pPr>
+            <a:r>
+              <a:rPr>
+                <a:solidFill>
+                  <a:srgbClr val="191919"/>
+                </a:solidFill>
+                <a:latin typeface="Comic Sans MS"/>
+              </a:rPr>
+              <a:t>MAE: rata-rata selisih |aktual − prediksi| (lebih mudah dipahami).</a:t>
+            </a:r>
+          </a:p>
+          <a:p>
+            <a:pPr>
+              <a:spcAft>
+                <a:spcPts val="500"/>
               </a:spcAft>
               <a:defRPr sz="1800">
                 <a:solidFill>
@@ -4168,7 +4168,7 @@
           <a:p>
             <a:pPr>
               <a:spcAft>
-                <a:spcPts val="400"/>
+                <a:spcPts val="500"/>
               </a:spcAft>
               <a:defRPr sz="1800">
                 <a:solidFill>
@@ -4190,7 +4190,7 @@
           <a:p>
             <a:pPr>
               <a:spcAft>
-                <a:spcPts val="400"/>
+                <a:spcPts val="500"/>
               </a:spcAft>
               <a:defRPr sz="1800">
                 <a:solidFill>
@@ -4253,7 +4253,7 @@
           <a:lstStyle/>
           <a:p>
             <a:pPr>
-              <a:defRPr sz="3600" b="1">
+              <a:defRPr sz="3200" b="1">
                 <a:solidFill>
                   <a:srgbClr val="191919"/>
                 </a:solidFill>
@@ -4306,8 +4306,8 @@
         </p:nvSpPr>
         <p:spPr>
           <a:xfrm>
-            <a:off x="822960" y="1645920"/>
-            <a:ext cx="10972800" cy="2926080"/>
+            <a:off x="612648" y="1508760"/>
+            <a:ext cx="10972800" cy="2743200"/>
           </a:xfrm>
           <a:prstGeom prst="rect">
             <a:avLst/>
@@ -4322,7 +4322,7 @@
           <a:p>
             <a:pPr>
               <a:spcAft>
-                <a:spcPts val="400"/>
+                <a:spcPts val="500"/>
               </a:spcAft>
               <a:defRPr sz="1800">
                 <a:solidFill>
@@ -4344,7 +4344,7 @@
           <a:p>
             <a:pPr>
               <a:spcAft>
-                <a:spcPts val="400"/>
+                <a:spcPts val="500"/>
               </a:spcAft>
               <a:defRPr sz="1800">
                 <a:solidFill>
@@ -4366,7 +4366,7 @@
           <a:p>
             <a:pPr>
               <a:spcAft>
-                <a:spcPts val="400"/>
+                <a:spcPts val="500"/>
               </a:spcAft>
               <a:defRPr sz="1800">
                 <a:solidFill>
@@ -4395,8 +4395,8 @@
         </p:nvSpPr>
         <p:spPr>
           <a:xfrm>
-            <a:off x="685800" y="6035040"/>
-            <a:ext cx="10972800" cy="685800"/>
+            <a:off x="612648" y="5897880"/>
+            <a:ext cx="10972800" cy="658368"/>
           </a:xfrm>
           <a:prstGeom prst="roundRect">
             <a:avLst/>
@@ -4404,7 +4404,7 @@
           <a:solidFill>
             <a:srgbClr val="C8E6C9"/>
           </a:solidFill>
-          <a:ln w="25400">
+          <a:ln w="19050">
             <a:solidFill>
               <a:srgbClr val="191919"/>
             </a:solidFill>
@@ -4425,25 +4425,25 @@
           </a:fontRef>
         </p:style>
         <p:txBody>
-          <a:bodyPr rtlCol="0" anchor="ctr"/>
+          <a:bodyPr rtlCol="0" anchor="ctr" wrap="square"/>
           <a:lstStyle/>
           <a:p>
             <a:pPr algn="ctr">
-              <a:defRPr sz="1400">
-                <a:solidFill>
-                  <a:srgbClr val="191919"/>
-                </a:solidFill>
-                <a:latin typeface="Comic Sans MS"/>
-              </a:defRPr>
-            </a:pPr>
-            <a:r>
-              <a:rPr>
-                <a:solidFill>
-                  <a:srgbClr val="191919"/>
-                </a:solidFill>
-                <a:latin typeface="Comic Sans MS"/>
-              </a:rPr>
-              <a:t>Jangan lihat 1 metric saja: cek juga plot residual/pred vs actual jika tersedia.</a:t>
+              <a:defRPr sz="1300">
+                <a:solidFill>
+                  <a:srgbClr val="191919"/>
+                </a:solidFill>
+                <a:latin typeface="Comic Sans MS"/>
+              </a:defRPr>
+            </a:pPr>
+            <a:r>
+              <a:rPr>
+                <a:solidFill>
+                  <a:srgbClr val="191919"/>
+                </a:solidFill>
+                <a:latin typeface="Comic Sans MS"/>
+              </a:rPr>
+              <a:t>Jangan lihat 1 metric saja: cek juga plot residual / pred vs actual jika tersedia.</a:t>
             </a:r>
           </a:p>
         </p:txBody>
@@ -4490,7 +4490,7 @@
           <a:lstStyle/>
           <a:p>
             <a:pPr>
-              <a:defRPr sz="3600" b="1">
+              <a:defRPr sz="3200" b="1">
                 <a:solidFill>
                   <a:srgbClr val="191919"/>
                 </a:solidFill>
@@ -4543,8 +4543,8 @@
         </p:nvSpPr>
         <p:spPr>
           <a:xfrm>
-            <a:off x="822960" y="1645920"/>
-            <a:ext cx="10972800" cy="4754880"/>
+            <a:off x="612648" y="1508760"/>
+            <a:ext cx="10972800" cy="4572000"/>
           </a:xfrm>
           <a:prstGeom prst="rect">
             <a:avLst/>
@@ -4559,7 +4559,7 @@
           <a:p>
             <a:pPr>
               <a:spcAft>
-                <a:spcPts val="400"/>
+                <a:spcPts val="500"/>
               </a:spcAft>
               <a:defRPr sz="1800">
                 <a:solidFill>
@@ -4581,7 +4581,7 @@
           <a:p>
             <a:pPr>
               <a:spcAft>
-                <a:spcPts val="400"/>
+                <a:spcPts val="500"/>
               </a:spcAft>
               <a:defRPr sz="1800">
                 <a:solidFill>
@@ -4603,7 +4603,7 @@
           <a:p>
             <a:pPr>
               <a:spcAft>
-                <a:spcPts val="400"/>
+                <a:spcPts val="500"/>
               </a:spcAft>
               <a:defRPr sz="1800">
                 <a:solidFill>
@@ -4625,7 +4625,7 @@
           <a:p>
             <a:pPr>
               <a:spcAft>
-                <a:spcPts val="400"/>
+                <a:spcPts val="500"/>
               </a:spcAft>
               <a:defRPr sz="1800">
                 <a:solidFill>
@@ -4688,7 +4688,7 @@
           <a:lstStyle/>
           <a:p>
             <a:pPr>
-              <a:defRPr sz="3600" b="1">
+              <a:defRPr sz="3200" b="1">
                 <a:solidFill>
                   <a:srgbClr val="191919"/>
                 </a:solidFill>
@@ -4741,8 +4741,8 @@
         </p:nvSpPr>
         <p:spPr>
           <a:xfrm>
-            <a:off x="822960" y="1554480"/>
-            <a:ext cx="5303520" cy="365760"/>
+            <a:off x="612648" y="1508760"/>
+            <a:ext cx="5257800" cy="365760"/>
           </a:xfrm>
           <a:prstGeom prst="rect">
             <a:avLst/>
@@ -4783,8 +4783,8 @@
         </p:nvSpPr>
         <p:spPr>
           <a:xfrm>
-            <a:off x="6400800" y="1554480"/>
-            <a:ext cx="5303520" cy="365760"/>
+            <a:off x="6327648" y="1508760"/>
+            <a:ext cx="5257800" cy="365760"/>
           </a:xfrm>
           <a:prstGeom prst="rect">
             <a:avLst/>
@@ -4825,8 +4825,8 @@
         </p:nvSpPr>
         <p:spPr>
           <a:xfrm>
-            <a:off x="822960" y="2011680"/>
-            <a:ext cx="5303520" cy="4480560"/>
+            <a:off x="612648" y="1920240"/>
+            <a:ext cx="5257800" cy="3840479"/>
           </a:xfrm>
           <a:prstGeom prst="rect">
             <a:avLst/>
@@ -4841,7 +4841,7 @@
           <a:p>
             <a:pPr>
               <a:spcAft>
-                <a:spcPts val="400"/>
+                <a:spcPts val="500"/>
               </a:spcAft>
               <a:defRPr sz="1600">
                 <a:solidFill>
@@ -4863,7 +4863,7 @@
           <a:p>
             <a:pPr>
               <a:spcAft>
-                <a:spcPts val="400"/>
+                <a:spcPts val="500"/>
               </a:spcAft>
               <a:defRPr sz="1600">
                 <a:solidFill>
@@ -4885,7 +4885,7 @@
           <a:p>
             <a:pPr>
               <a:spcAft>
-                <a:spcPts val="400"/>
+                <a:spcPts val="500"/>
               </a:spcAft>
               <a:defRPr sz="1600">
                 <a:solidFill>
@@ -4907,7 +4907,7 @@
           <a:p>
             <a:pPr>
               <a:spcAft>
-                <a:spcPts val="400"/>
+                <a:spcPts val="500"/>
               </a:spcAft>
               <a:defRPr sz="1600">
                 <a:solidFill>
@@ -4936,8 +4936,8 @@
         </p:nvSpPr>
         <p:spPr>
           <a:xfrm>
-            <a:off x="6400800" y="2011680"/>
-            <a:ext cx="5303520" cy="4480560"/>
+            <a:off x="6327648" y="1920240"/>
+            <a:ext cx="5257800" cy="3840479"/>
           </a:xfrm>
           <a:prstGeom prst="rect">
             <a:avLst/>
@@ -4952,7 +4952,7 @@
           <a:p>
             <a:pPr>
               <a:spcAft>
-                <a:spcPts val="400"/>
+                <a:spcPts val="500"/>
               </a:spcAft>
               <a:defRPr sz="1600">
                 <a:solidFill>
@@ -4974,7 +4974,7 @@
           <a:p>
             <a:pPr>
               <a:spcAft>
-                <a:spcPts val="400"/>
+                <a:spcPts val="500"/>
               </a:spcAft>
               <a:defRPr sz="1600">
                 <a:solidFill>
@@ -4996,7 +4996,7 @@
           <a:p>
             <a:pPr>
               <a:spcAft>
-                <a:spcPts val="400"/>
+                <a:spcPts val="500"/>
               </a:spcAft>
               <a:defRPr sz="1600">
                 <a:solidFill>
@@ -5025,8 +5025,8 @@
         </p:nvSpPr>
         <p:spPr>
           <a:xfrm>
-            <a:off x="685800" y="6035040"/>
-            <a:ext cx="10972800" cy="685800"/>
+            <a:off x="612648" y="5897880"/>
+            <a:ext cx="10972800" cy="658368"/>
           </a:xfrm>
           <a:prstGeom prst="roundRect">
             <a:avLst/>
@@ -5034,7 +5034,7 @@
           <a:solidFill>
             <a:srgbClr val="C8E6C9"/>
           </a:solidFill>
-          <a:ln w="25400">
+          <a:ln w="19050">
             <a:solidFill>
               <a:srgbClr val="191919"/>
             </a:solidFill>
@@ -5055,25 +5055,25 @@
           </a:fontRef>
         </p:style>
         <p:txBody>
-          <a:bodyPr rtlCol="0" anchor="ctr"/>
+          <a:bodyPr rtlCol="0" anchor="ctr" wrap="square"/>
           <a:lstStyle/>
           <a:p>
             <a:pPr algn="ctr">
-              <a:defRPr sz="1400">
-                <a:solidFill>
-                  <a:srgbClr val="191919"/>
-                </a:solidFill>
-                <a:latin typeface="Comic Sans MS"/>
-              </a:defRPr>
-            </a:pPr>
-            <a:r>
-              <a:rPr>
-                <a:solidFill>
-                  <a:srgbClr val="191919"/>
-                </a:solidFill>
-                <a:latin typeface="Comic Sans MS"/>
-              </a:rPr>
-              <a:t>Iris dataset biasanya seimbang, jadi accuracy cukup representatif. Pada kasus fraud/spam, F1 lebih aman.</a:t>
+              <a:defRPr sz="1300">
+                <a:solidFill>
+                  <a:srgbClr val="191919"/>
+                </a:solidFill>
+                <a:latin typeface="Comic Sans MS"/>
+              </a:defRPr>
+            </a:pPr>
+            <a:r>
+              <a:rPr>
+                <a:solidFill>
+                  <a:srgbClr val="191919"/>
+                </a:solidFill>
+                <a:latin typeface="Comic Sans MS"/>
+              </a:rPr>
+              <a:t>Iris biasanya seimbang (accuracy cukup). Pada fraud/spam, F1 lebih aman.</a:t>
             </a:r>
           </a:p>
         </p:txBody>
@@ -5120,7 +5120,7 @@
           <a:lstStyle/>
           <a:p>
             <a:pPr>
-              <a:defRPr sz="3600" b="1">
+              <a:defRPr sz="3200" b="1">
                 <a:solidFill>
                   <a:srgbClr val="191919"/>
                 </a:solidFill>
@@ -5147,8 +5147,8 @@
         </p:nvSpPr>
         <p:spPr>
           <a:xfrm>
-            <a:off x="822960" y="2011680"/>
-            <a:ext cx="10972800" cy="1828800"/>
+            <a:off x="612648" y="2057400"/>
+            <a:ext cx="10972800" cy="1463040"/>
           </a:xfrm>
           <a:prstGeom prst="rect">
             <a:avLst/>
@@ -5223,7 +5223,7 @@
           <a:lstStyle/>
           <a:p>
             <a:pPr>
-              <a:defRPr sz="3600" b="1">
+              <a:defRPr sz="3200" b="1">
                 <a:solidFill>
                   <a:srgbClr val="191919"/>
                 </a:solidFill>
@@ -5276,8 +5276,8 @@
         </p:nvSpPr>
         <p:spPr>
           <a:xfrm>
-            <a:off x="822960" y="1645920"/>
-            <a:ext cx="10972800" cy="3840480"/>
+            <a:off x="612648" y="1508760"/>
+            <a:ext cx="10972800" cy="2743200"/>
           </a:xfrm>
           <a:prstGeom prst="rect">
             <a:avLst/>
@@ -5292,7 +5292,7 @@
           <a:p>
             <a:pPr>
               <a:spcAft>
-                <a:spcPts val="400"/>
+                <a:spcPts val="500"/>
               </a:spcAft>
               <a:defRPr sz="1800">
                 <a:solidFill>
@@ -5314,29 +5314,29 @@
           <a:p>
             <a:pPr>
               <a:spcAft>
-                <a:spcPts val="400"/>
-              </a:spcAft>
-              <a:defRPr sz="1800">
-                <a:solidFill>
-                  <a:srgbClr val="191919"/>
-                </a:solidFill>
-                <a:latin typeface="Comic Sans MS"/>
-              </a:defRPr>
-            </a:pPr>
-            <a:r>
-              <a:rPr>
-                <a:solidFill>
-                  <a:srgbClr val="191919"/>
-                </a:solidFill>
-                <a:latin typeface="Comic Sans MS"/>
-              </a:rPr>
-              <a:t>Output: rumus garis (slope &amp; intercept), R²/MAE/RMSE, dan plot.</a:t>
-            </a:r>
-          </a:p>
-          <a:p>
-            <a:pPr>
-              <a:spcAft>
-                <a:spcPts val="400"/>
+                <a:spcPts val="500"/>
+              </a:spcAft>
+              <a:defRPr sz="1800">
+                <a:solidFill>
+                  <a:srgbClr val="191919"/>
+                </a:solidFill>
+                <a:latin typeface="Comic Sans MS"/>
+              </a:defRPr>
+            </a:pPr>
+            <a:r>
+              <a:rPr>
+                <a:solidFill>
+                  <a:srgbClr val="191919"/>
+                </a:solidFill>
+                <a:latin typeface="Comic Sans MS"/>
+              </a:rPr>
+              <a:t>Output: rumus garis (slope &amp; intercept), R² / MAE / RMSE, dan plot.</a:t>
+            </a:r>
+          </a:p>
+          <a:p>
+            <a:pPr>
+              <a:spcAft>
+                <a:spcPts val="500"/>
               </a:spcAft>
               <a:defRPr sz="1800">
                 <a:solidFill>
@@ -5365,8 +5365,8 @@
         </p:nvSpPr>
         <p:spPr>
           <a:xfrm>
-            <a:off x="822960" y="4754880"/>
-            <a:ext cx="10972800" cy="1097280"/>
+            <a:off x="612648" y="4389120"/>
+            <a:ext cx="10972800" cy="914400"/>
           </a:xfrm>
           <a:prstGeom prst="roundRect">
             <a:avLst/>
@@ -5374,7 +5374,7 @@
           <a:solidFill>
             <a:srgbClr val="F5F5F5"/>
           </a:solidFill>
-          <a:ln w="25400">
+          <a:ln w="19050">
             <a:solidFill>
               <a:srgbClr val="191919"/>
             </a:solidFill>
@@ -5407,7 +5407,7 @@
               </a:defRPr>
             </a:pPr>
             <a:r>
-              <a:rPr sz="1500">
+              <a:rPr sz="1400">
                 <a:solidFill>
                   <a:srgbClr val="191919"/>
                 </a:solidFill>
@@ -5460,7 +5460,7 @@
           <a:lstStyle/>
           <a:p>
             <a:pPr>
-              <a:defRPr sz="3600" b="1">
+              <a:defRPr sz="3200" b="1">
                 <a:solidFill>
                   <a:srgbClr val="191919"/>
                 </a:solidFill>
@@ -5513,8 +5513,8 @@
         </p:nvSpPr>
         <p:spPr>
           <a:xfrm>
-            <a:off x="594360" y="2011680"/>
-            <a:ext cx="2057400" cy="822960"/>
+            <a:off x="-73151" y="1600200"/>
+            <a:ext cx="1828800" cy="777240"/>
           </a:xfrm>
           <a:prstGeom prst="roundRect">
             <a:avLst/>
@@ -5522,7 +5522,7 @@
           <a:solidFill>
             <a:srgbClr val="B3E5FC"/>
           </a:solidFill>
-          <a:ln w="25400">
+          <a:ln w="19050">
             <a:solidFill>
               <a:srgbClr val="191919"/>
             </a:solidFill>
@@ -5543,11 +5543,11 @@
           </a:fontRef>
         </p:style>
         <p:txBody>
-          <a:bodyPr rtlCol="0" anchor="ctr"/>
+          <a:bodyPr rtlCol="0" anchor="ctr" wrap="square"/>
           <a:lstStyle/>
           <a:p>
             <a:pPr algn="ctr">
-              <a:defRPr sz="1600" b="1">
+              <a:defRPr sz="1500" b="1">
                 <a:solidFill>
                   <a:srgbClr val="191919"/>
                 </a:solidFill>
@@ -5574,8 +5574,8 @@
         </p:nvSpPr>
         <p:spPr>
           <a:xfrm>
-            <a:off x="2651760" y="2212848"/>
-            <a:ext cx="228600" cy="420624"/>
+            <a:off x="1755648" y="1828800"/>
+            <a:ext cx="274320" cy="320040"/>
           </a:xfrm>
           <a:prstGeom prst="rightArrow">
             <a:avLst/>
@@ -5626,8 +5626,8 @@
         </p:nvSpPr>
         <p:spPr>
           <a:xfrm>
-            <a:off x="2880360" y="2011680"/>
-            <a:ext cx="2057400" cy="822960"/>
+            <a:off x="2029967" y="1600200"/>
+            <a:ext cx="1828800" cy="777240"/>
           </a:xfrm>
           <a:prstGeom prst="roundRect">
             <a:avLst/>
@@ -5635,7 +5635,7 @@
           <a:solidFill>
             <a:srgbClr val="B3E5FC"/>
           </a:solidFill>
-          <a:ln w="25400">
+          <a:ln w="19050">
             <a:solidFill>
               <a:srgbClr val="191919"/>
             </a:solidFill>
@@ -5656,11 +5656,11 @@
           </a:fontRef>
         </p:style>
         <p:txBody>
-          <a:bodyPr rtlCol="0" anchor="ctr"/>
+          <a:bodyPr rtlCol="0" anchor="ctr" wrap="square"/>
           <a:lstStyle/>
           <a:p>
             <a:pPr algn="ctr">
-              <a:defRPr sz="1600" b="1">
+              <a:defRPr sz="1500" b="1">
                 <a:solidFill>
                   <a:srgbClr val="191919"/>
                 </a:solidFill>
@@ -5687,8 +5687,8 @@
         </p:nvSpPr>
         <p:spPr>
           <a:xfrm>
-            <a:off x="4937760" y="2212848"/>
-            <a:ext cx="228600" cy="420624"/>
+            <a:off x="3858768" y="1828800"/>
+            <a:ext cx="274320" cy="320040"/>
           </a:xfrm>
           <a:prstGeom prst="rightArrow">
             <a:avLst/>
@@ -5739,8 +5739,8 @@
         </p:nvSpPr>
         <p:spPr>
           <a:xfrm>
-            <a:off x="5166360" y="2011680"/>
-            <a:ext cx="2057400" cy="822960"/>
+            <a:off x="4133087" y="1600200"/>
+            <a:ext cx="1828800" cy="777240"/>
           </a:xfrm>
           <a:prstGeom prst="roundRect">
             <a:avLst/>
@@ -5748,7 +5748,7 @@
           <a:solidFill>
             <a:srgbClr val="B3E5FC"/>
           </a:solidFill>
-          <a:ln w="25400">
+          <a:ln w="19050">
             <a:solidFill>
               <a:srgbClr val="191919"/>
             </a:solidFill>
@@ -5769,11 +5769,11 @@
           </a:fontRef>
         </p:style>
         <p:txBody>
-          <a:bodyPr rtlCol="0" anchor="ctr"/>
+          <a:bodyPr rtlCol="0" anchor="ctr" wrap="square"/>
           <a:lstStyle/>
           <a:p>
             <a:pPr algn="ctr">
-              <a:defRPr sz="1600" b="1">
+              <a:defRPr sz="1500" b="1">
                 <a:solidFill>
                   <a:srgbClr val="191919"/>
                 </a:solidFill>
@@ -5800,8 +5800,8 @@
         </p:nvSpPr>
         <p:spPr>
           <a:xfrm>
-            <a:off x="7223760" y="2212848"/>
-            <a:ext cx="228600" cy="420624"/>
+            <a:off x="5961888" y="1828800"/>
+            <a:ext cx="274320" cy="320040"/>
           </a:xfrm>
           <a:prstGeom prst="rightArrow">
             <a:avLst/>
@@ -5852,8 +5852,8 @@
         </p:nvSpPr>
         <p:spPr>
           <a:xfrm>
-            <a:off x="7452360" y="2011680"/>
-            <a:ext cx="2057400" cy="822960"/>
+            <a:off x="6236207" y="1600200"/>
+            <a:ext cx="1828800" cy="777240"/>
           </a:xfrm>
           <a:prstGeom prst="roundRect">
             <a:avLst/>
@@ -5861,7 +5861,7 @@
           <a:solidFill>
             <a:srgbClr val="B3E5FC"/>
           </a:solidFill>
-          <a:ln w="25400">
+          <a:ln w="19050">
             <a:solidFill>
               <a:srgbClr val="191919"/>
             </a:solidFill>
@@ -5882,11 +5882,11 @@
           </a:fontRef>
         </p:style>
         <p:txBody>
-          <a:bodyPr rtlCol="0" anchor="ctr"/>
+          <a:bodyPr rtlCol="0" anchor="ctr" wrap="square"/>
           <a:lstStyle/>
           <a:p>
             <a:pPr algn="ctr">
-              <a:defRPr sz="1600" b="1">
+              <a:defRPr sz="1500" b="1">
                 <a:solidFill>
                   <a:srgbClr val="191919"/>
                 </a:solidFill>
@@ -5913,8 +5913,8 @@
         </p:nvSpPr>
         <p:spPr>
           <a:xfrm>
-            <a:off x="9509760" y="2212848"/>
-            <a:ext cx="228600" cy="420624"/>
+            <a:off x="8065008" y="1828800"/>
+            <a:ext cx="274320" cy="320040"/>
           </a:xfrm>
           <a:prstGeom prst="rightArrow">
             <a:avLst/>
@@ -5965,8 +5965,8 @@
         </p:nvSpPr>
         <p:spPr>
           <a:xfrm>
-            <a:off x="9738360" y="2011680"/>
-            <a:ext cx="2057400" cy="822960"/>
+            <a:off x="8339327" y="1600200"/>
+            <a:ext cx="1828800" cy="777240"/>
           </a:xfrm>
           <a:prstGeom prst="roundRect">
             <a:avLst/>
@@ -5974,7 +5974,7 @@
           <a:solidFill>
             <a:srgbClr val="B3E5FC"/>
           </a:solidFill>
-          <a:ln w="25400">
+          <a:ln w="19050">
             <a:solidFill>
               <a:srgbClr val="191919"/>
             </a:solidFill>
@@ -5995,11 +5995,11 @@
           </a:fontRef>
         </p:style>
         <p:txBody>
-          <a:bodyPr rtlCol="0" anchor="ctr"/>
+          <a:bodyPr rtlCol="0" anchor="ctr" wrap="square"/>
           <a:lstStyle/>
           <a:p>
             <a:pPr algn="ctr">
-              <a:defRPr sz="1600" b="1">
+              <a:defRPr sz="1500" b="1">
                 <a:solidFill>
                   <a:srgbClr val="191919"/>
                 </a:solidFill>
@@ -6026,8 +6026,8 @@
         </p:nvSpPr>
         <p:spPr>
           <a:xfrm>
-            <a:off x="11795760" y="2212848"/>
-            <a:ext cx="228600" cy="420624"/>
+            <a:off x="10168128" y="1828800"/>
+            <a:ext cx="274320" cy="320040"/>
           </a:xfrm>
           <a:prstGeom prst="rightArrow">
             <a:avLst/>
@@ -6078,8 +6078,8 @@
         </p:nvSpPr>
         <p:spPr>
           <a:xfrm>
-            <a:off x="12024360" y="2011680"/>
-            <a:ext cx="2057400" cy="822960"/>
+            <a:off x="10442448" y="1600200"/>
+            <a:ext cx="1828800" cy="777240"/>
           </a:xfrm>
           <a:prstGeom prst="roundRect">
             <a:avLst/>
@@ -6087,7 +6087,7 @@
           <a:solidFill>
             <a:srgbClr val="B3E5FC"/>
           </a:solidFill>
-          <a:ln w="25400">
+          <a:ln w="19050">
             <a:solidFill>
               <a:srgbClr val="191919"/>
             </a:solidFill>
@@ -6108,11 +6108,11 @@
           </a:fontRef>
         </p:style>
         <p:txBody>
-          <a:bodyPr rtlCol="0" anchor="ctr"/>
+          <a:bodyPr rtlCol="0" anchor="ctr" wrap="square"/>
           <a:lstStyle/>
           <a:p>
             <a:pPr algn="ctr">
-              <a:defRPr sz="1600" b="1">
+              <a:defRPr sz="1500" b="1">
                 <a:solidFill>
                   <a:srgbClr val="191919"/>
                 </a:solidFill>
@@ -6139,8 +6139,8 @@
         </p:nvSpPr>
         <p:spPr>
           <a:xfrm>
-            <a:off x="822960" y="3291840"/>
-            <a:ext cx="10972800" cy="2468880"/>
+            <a:off x="612648" y="3108960"/>
+            <a:ext cx="10972800" cy="2286000"/>
           </a:xfrm>
           <a:prstGeom prst="rect">
             <a:avLst/>
@@ -6155,7 +6155,7 @@
           <a:p>
             <a:pPr>
               <a:spcAft>
-                <a:spcPts val="400"/>
+                <a:spcPts val="500"/>
               </a:spcAft>
               <a:defRPr sz="1800">
                 <a:solidFill>
@@ -6177,7 +6177,7 @@
           <a:p>
             <a:pPr>
               <a:spcAft>
-                <a:spcPts val="400"/>
+                <a:spcPts val="500"/>
               </a:spcAft>
               <a:defRPr sz="1800">
                 <a:solidFill>
@@ -6240,7 +6240,7 @@
           <a:lstStyle/>
           <a:p>
             <a:pPr>
-              <a:defRPr sz="3600" b="1">
+              <a:defRPr sz="3200" b="1">
                 <a:solidFill>
                   <a:srgbClr val="191919"/>
                 </a:solidFill>
@@ -6293,8 +6293,8 @@
         </p:nvSpPr>
         <p:spPr>
           <a:xfrm>
-            <a:off x="822960" y="1554480"/>
-            <a:ext cx="10972800" cy="4754880"/>
+            <a:off x="612648" y="1508760"/>
+            <a:ext cx="10972800" cy="4572000"/>
           </a:xfrm>
           <a:prstGeom prst="rect">
             <a:avLst/>
@@ -6309,7 +6309,7 @@
           <a:p>
             <a:pPr>
               <a:spcAft>
-                <a:spcPts val="400"/>
+                <a:spcPts val="500"/>
               </a:spcAft>
               <a:defRPr sz="1800">
                 <a:solidFill>
@@ -6331,7 +6331,7 @@
           <a:p>
             <a:pPr>
               <a:spcAft>
-                <a:spcPts val="400"/>
+                <a:spcPts val="500"/>
               </a:spcAft>
               <a:defRPr sz="1800">
                 <a:solidFill>
@@ -6353,7 +6353,7 @@
           <a:p>
             <a:pPr>
               <a:spcAft>
-                <a:spcPts val="400"/>
+                <a:spcPts val="500"/>
               </a:spcAft>
               <a:defRPr sz="1800">
                 <a:solidFill>
@@ -6375,51 +6375,51 @@
           <a:p>
             <a:pPr>
               <a:spcAft>
-                <a:spcPts val="400"/>
-              </a:spcAft>
-              <a:defRPr sz="1800">
-                <a:solidFill>
-                  <a:srgbClr val="191919"/>
-                </a:solidFill>
-                <a:latin typeface="Comic Sans MS"/>
-              </a:defRPr>
-            </a:pPr>
-            <a:r>
-              <a:rPr>
-                <a:solidFill>
-                  <a:srgbClr val="191919"/>
-                </a:solidFill>
-                <a:latin typeface="Comic Sans MS"/>
-              </a:rPr>
-              <a:t>3) Metrik regression: MAE/RMSE/R² (cara baca)</a:t>
-            </a:r>
-          </a:p>
-          <a:p>
-            <a:pPr>
-              <a:spcAft>
-                <a:spcPts val="400"/>
-              </a:spcAft>
-              <a:defRPr sz="1800">
-                <a:solidFill>
-                  <a:srgbClr val="191919"/>
-                </a:solidFill>
-                <a:latin typeface="Comic Sans MS"/>
-              </a:defRPr>
-            </a:pPr>
-            <a:r>
-              <a:rPr>
-                <a:solidFill>
-                  <a:srgbClr val="191919"/>
-                </a:solidFill>
-                <a:latin typeface="Comic Sans MS"/>
-              </a:rPr>
-              <a:t>4) Metrik classification: accuracy/precision/recall/F1 + confusion matrix</a:t>
-            </a:r>
-          </a:p>
-          <a:p>
-            <a:pPr>
-              <a:spcAft>
-                <a:spcPts val="400"/>
+                <a:spcPts val="500"/>
+              </a:spcAft>
+              <a:defRPr sz="1800">
+                <a:solidFill>
+                  <a:srgbClr val="191919"/>
+                </a:solidFill>
+                <a:latin typeface="Comic Sans MS"/>
+              </a:defRPr>
+            </a:pPr>
+            <a:r>
+              <a:rPr>
+                <a:solidFill>
+                  <a:srgbClr val="191919"/>
+                </a:solidFill>
+                <a:latin typeface="Comic Sans MS"/>
+              </a:rPr>
+              <a:t>3) Metrik regression: MAE / RMSE / R² (cara baca)</a:t>
+            </a:r>
+          </a:p>
+          <a:p>
+            <a:pPr>
+              <a:spcAft>
+                <a:spcPts val="500"/>
+              </a:spcAft>
+              <a:defRPr sz="1800">
+                <a:solidFill>
+                  <a:srgbClr val="191919"/>
+                </a:solidFill>
+                <a:latin typeface="Comic Sans MS"/>
+              </a:defRPr>
+            </a:pPr>
+            <a:r>
+              <a:rPr>
+                <a:solidFill>
+                  <a:srgbClr val="191919"/>
+                </a:solidFill>
+                <a:latin typeface="Comic Sans MS"/>
+              </a:rPr>
+              <a:t>4) Metrik classification: accuracy / precision / recall / F1</a:t>
+            </a:r>
+          </a:p>
+          <a:p>
+            <a:pPr>
+              <a:spcAft>
+                <a:spcPts val="500"/>
               </a:spcAft>
               <a:defRPr sz="1800">
                 <a:solidFill>
@@ -6441,7 +6441,7 @@
           <a:p>
             <a:pPr>
               <a:spcAft>
-                <a:spcPts val="400"/>
+                <a:spcPts val="500"/>
               </a:spcAft>
               <a:defRPr sz="1800">
                 <a:solidFill>
@@ -6504,7 +6504,7 @@
           <a:lstStyle/>
           <a:p>
             <a:pPr>
-              <a:defRPr sz="3600" b="1">
+              <a:defRPr sz="3200" b="1">
                 <a:solidFill>
                   <a:srgbClr val="191919"/>
                 </a:solidFill>
@@ -6557,8 +6557,8 @@
         </p:nvSpPr>
         <p:spPr>
           <a:xfrm>
-            <a:off x="822960" y="1645920"/>
-            <a:ext cx="10972800" cy="4754880"/>
+            <a:off x="612648" y="1508760"/>
+            <a:ext cx="10972800" cy="4572000"/>
           </a:xfrm>
           <a:prstGeom prst="rect">
             <a:avLst/>
@@ -6573,7 +6573,7 @@
           <a:p>
             <a:pPr>
               <a:spcAft>
-                <a:spcPts val="400"/>
+                <a:spcPts val="500"/>
               </a:spcAft>
               <a:defRPr sz="1800">
                 <a:solidFill>
@@ -6595,7 +6595,7 @@
           <a:p>
             <a:pPr>
               <a:spcAft>
-                <a:spcPts val="400"/>
+                <a:spcPts val="500"/>
               </a:spcAft>
               <a:defRPr sz="1800">
                 <a:solidFill>
@@ -6617,7 +6617,7 @@
           <a:p>
             <a:pPr>
               <a:spcAft>
-                <a:spcPts val="400"/>
+                <a:spcPts val="500"/>
               </a:spcAft>
               <a:defRPr sz="1800">
                 <a:solidFill>
@@ -6639,7 +6639,7 @@
           <a:p>
             <a:pPr>
               <a:spcAft>
-                <a:spcPts val="400"/>
+                <a:spcPts val="500"/>
               </a:spcAft>
               <a:defRPr sz="1800">
                 <a:solidFill>
@@ -6702,7 +6702,7 @@
           <a:lstStyle/>
           <a:p>
             <a:pPr>
-              <a:defRPr sz="3600" b="1">
+              <a:defRPr sz="3200" b="1">
                 <a:solidFill>
                   <a:srgbClr val="191919"/>
                 </a:solidFill>
@@ -6755,8 +6755,8 @@
         </p:nvSpPr>
         <p:spPr>
           <a:xfrm>
-            <a:off x="822960" y="1645920"/>
-            <a:ext cx="10972800" cy="4754880"/>
+            <a:off x="612648" y="1508760"/>
+            <a:ext cx="10972800" cy="4572000"/>
           </a:xfrm>
           <a:prstGeom prst="rect">
             <a:avLst/>
@@ -6771,7 +6771,7 @@
           <a:p>
             <a:pPr>
               <a:spcAft>
-                <a:spcPts val="400"/>
+                <a:spcPts val="500"/>
               </a:spcAft>
               <a:defRPr sz="1800">
                 <a:solidFill>
@@ -6793,7 +6793,7 @@
           <a:p>
             <a:pPr>
               <a:spcAft>
-                <a:spcPts val="400"/>
+                <a:spcPts val="500"/>
               </a:spcAft>
               <a:defRPr sz="1800">
                 <a:solidFill>
@@ -6815,7 +6815,7 @@
           <a:p>
             <a:pPr>
               <a:spcAft>
-                <a:spcPts val="400"/>
+                <a:spcPts val="500"/>
               </a:spcAft>
               <a:defRPr sz="1800">
                 <a:solidFill>
@@ -6844,8 +6844,8 @@
         </p:nvSpPr>
         <p:spPr>
           <a:xfrm>
-            <a:off x="685800" y="6035040"/>
-            <a:ext cx="10972800" cy="685800"/>
+            <a:off x="612648" y="5897880"/>
+            <a:ext cx="10972800" cy="658368"/>
           </a:xfrm>
           <a:prstGeom prst="roundRect">
             <a:avLst/>
@@ -6853,7 +6853,7 @@
           <a:solidFill>
             <a:srgbClr val="C8E6C9"/>
           </a:solidFill>
-          <a:ln w="25400">
+          <a:ln w="19050">
             <a:solidFill>
               <a:srgbClr val="191919"/>
             </a:solidFill>
@@ -6874,11 +6874,11 @@
           </a:fontRef>
         </p:style>
         <p:txBody>
-          <a:bodyPr rtlCol="0" anchor="ctr"/>
+          <a:bodyPr rtlCol="0" anchor="ctr" wrap="square"/>
           <a:lstStyle/>
           <a:p>
             <a:pPr algn="ctr">
-              <a:defRPr sz="1400">
+              <a:defRPr sz="1300">
                 <a:solidFill>
                   <a:srgbClr val="191919"/>
                 </a:solidFill>
@@ -6939,7 +6939,7 @@
           <a:lstStyle/>
           <a:p>
             <a:pPr>
-              <a:defRPr sz="3600" b="1">
+              <a:defRPr sz="3200" b="1">
                 <a:solidFill>
                   <a:srgbClr val="191919"/>
                 </a:solidFill>
@@ -6992,8 +6992,8 @@
         </p:nvSpPr>
         <p:spPr>
           <a:xfrm>
-            <a:off x="822960" y="1645920"/>
-            <a:ext cx="10972800" cy="4754880"/>
+            <a:off x="612648" y="1508760"/>
+            <a:ext cx="10972800" cy="4572000"/>
           </a:xfrm>
           <a:prstGeom prst="rect">
             <a:avLst/>
@@ -7008,31 +7008,31 @@
           <a:p>
             <a:pPr>
               <a:spcAft>
-                <a:spcPts val="400"/>
-              </a:spcAft>
-              <a:defRPr sz="1700">
-                <a:solidFill>
-                  <a:srgbClr val="191919"/>
-                </a:solidFill>
-                <a:latin typeface="Comic Sans MS"/>
-              </a:defRPr>
-            </a:pPr>
-            <a:r>
-              <a:rPr>
-                <a:solidFill>
-                  <a:srgbClr val="191919"/>
-                </a:solidFill>
-                <a:latin typeface="Comic Sans MS"/>
-              </a:rPr>
-              <a:t>A) Noise naik: titik data makin menyebar → garis terbaik tetap dicari, tapi error rata-rata naik.</a:t>
-            </a:r>
-          </a:p>
-          <a:p>
-            <a:pPr>
-              <a:spcAft>
-                <a:spcPts val="400"/>
-              </a:spcAft>
-              <a:defRPr sz="1700">
+                <a:spcPts val="500"/>
+              </a:spcAft>
+              <a:defRPr sz="1600">
+                <a:solidFill>
+                  <a:srgbClr val="191919"/>
+                </a:solidFill>
+                <a:latin typeface="Comic Sans MS"/>
+              </a:defRPr>
+            </a:pPr>
+            <a:r>
+              <a:rPr>
+                <a:solidFill>
+                  <a:srgbClr val="191919"/>
+                </a:solidFill>
+                <a:latin typeface="Comic Sans MS"/>
+              </a:rPr>
+              <a:t>A) Noise naik: titik data makin menyebar → error rata-rata naik.</a:t>
+            </a:r>
+          </a:p>
+          <a:p>
+            <a:pPr>
+              <a:spcAft>
+                <a:spcPts val="500"/>
+              </a:spcAft>
+              <a:defRPr sz="1600">
                 <a:solidFill>
                   <a:srgbClr val="191919"/>
                 </a:solidFill>
@@ -7052,31 +7052,31 @@
           <a:p>
             <a:pPr>
               <a:spcAft>
-                <a:spcPts val="400"/>
-              </a:spcAft>
-              <a:defRPr sz="1700">
-                <a:solidFill>
-                  <a:srgbClr val="191919"/>
-                </a:solidFill>
-                <a:latin typeface="Comic Sans MS"/>
-              </a:defRPr>
-            </a:pPr>
-            <a:r>
-              <a:rPr>
-                <a:solidFill>
-                  <a:srgbClr val="191919"/>
-                </a:solidFill>
-                <a:latin typeface="Comic Sans MS"/>
-              </a:rPr>
-              <a:t>B) Sample size naik: estimasi slope/intercept makin stabil (lebih sedikit 'kebetulan').</a:t>
-            </a:r>
-          </a:p>
-          <a:p>
-            <a:pPr>
-              <a:spcAft>
-                <a:spcPts val="400"/>
-              </a:spcAft>
-              <a:defRPr sz="1700">
+                <a:spcPts val="500"/>
+              </a:spcAft>
+              <a:defRPr sz="1600">
+                <a:solidFill>
+                  <a:srgbClr val="191919"/>
+                </a:solidFill>
+                <a:latin typeface="Comic Sans MS"/>
+              </a:defRPr>
+            </a:pPr>
+            <a:r>
+              <a:rPr>
+                <a:solidFill>
+                  <a:srgbClr val="191919"/>
+                </a:solidFill>
+                <a:latin typeface="Comic Sans MS"/>
+              </a:rPr>
+              <a:t>B) Sample size naik: estimasi slope/intercept makin stabil.</a:t>
+            </a:r>
+          </a:p>
+          <a:p>
+            <a:pPr>
+              <a:spcAft>
+                <a:spcPts val="500"/>
+              </a:spcAft>
+              <a:defRPr sz="1600">
                 <a:solidFill>
                   <a:srgbClr val="191919"/>
                 </a:solidFill>
@@ -7096,9 +7096,9 @@
           <a:p>
             <a:pPr>
               <a:spcAft>
-                <a:spcPts val="400"/>
-              </a:spcAft>
-              <a:defRPr sz="1700">
+                <a:spcPts val="500"/>
+              </a:spcAft>
+              <a:defRPr sz="1600">
                 <a:solidFill>
                   <a:srgbClr val="191919"/>
                 </a:solidFill>
@@ -7118,23 +7118,23 @@
           <a:p>
             <a:pPr>
               <a:spcAft>
-                <a:spcPts val="400"/>
-              </a:spcAft>
-              <a:defRPr sz="1700">
-                <a:solidFill>
-                  <a:srgbClr val="191919"/>
-                </a:solidFill>
-                <a:latin typeface="Comic Sans MS"/>
-              </a:defRPr>
-            </a:pPr>
-            <a:r>
-              <a:rPr>
-                <a:solidFill>
-                  <a:srgbClr val="191919"/>
-                </a:solidFill>
-                <a:latin typeface="Comic Sans MS"/>
-              </a:rPr>
-              <a:t>   Dampak: RMSE melonjak, MAE naik tapi biasanya tidak setajam RMSE.</a:t>
+                <a:spcPts val="500"/>
+              </a:spcAft>
+              <a:defRPr sz="1600">
+                <a:solidFill>
+                  <a:srgbClr val="191919"/>
+                </a:solidFill>
+                <a:latin typeface="Comic Sans MS"/>
+              </a:defRPr>
+            </a:pPr>
+            <a:r>
+              <a:rPr>
+                <a:solidFill>
+                  <a:srgbClr val="191919"/>
+                </a:solidFill>
+                <a:latin typeface="Comic Sans MS"/>
+              </a:rPr>
+              <a:t>   Dampak: RMSE melonjak, MAE naik tapi tidak setajam RMSE.</a:t>
             </a:r>
           </a:p>
         </p:txBody>
@@ -7181,7 +7181,7 @@
           <a:lstStyle/>
           <a:p>
             <a:pPr>
-              <a:defRPr sz="3600" b="1">
+              <a:defRPr sz="3200" b="1">
                 <a:solidFill>
                   <a:srgbClr val="191919"/>
                 </a:solidFill>
@@ -7234,8 +7234,8 @@
         </p:nvSpPr>
         <p:spPr>
           <a:xfrm>
-            <a:off x="822960" y="1554480"/>
-            <a:ext cx="5303520" cy="365760"/>
+            <a:off x="612648" y="1508760"/>
+            <a:ext cx="5257800" cy="365760"/>
           </a:xfrm>
           <a:prstGeom prst="rect">
             <a:avLst/>
@@ -7276,8 +7276,8 @@
         </p:nvSpPr>
         <p:spPr>
           <a:xfrm>
-            <a:off x="6400800" y="1554480"/>
-            <a:ext cx="5303520" cy="365760"/>
+            <a:off x="6327648" y="1508760"/>
+            <a:ext cx="5257800" cy="365760"/>
           </a:xfrm>
           <a:prstGeom prst="rect">
             <a:avLst/>
@@ -7318,8 +7318,8 @@
         </p:nvSpPr>
         <p:spPr>
           <a:xfrm>
-            <a:off x="822960" y="2011680"/>
-            <a:ext cx="5303520" cy="4480560"/>
+            <a:off x="612648" y="1920240"/>
+            <a:ext cx="5257800" cy="3840479"/>
           </a:xfrm>
           <a:prstGeom prst="rect">
             <a:avLst/>
@@ -7334,7 +7334,7 @@
           <a:p>
             <a:pPr>
               <a:spcAft>
-                <a:spcPts val="400"/>
+                <a:spcPts val="500"/>
               </a:spcAft>
               <a:defRPr sz="1600">
                 <a:solidFill>
@@ -7356,7 +7356,7 @@
           <a:p>
             <a:pPr>
               <a:spcAft>
-                <a:spcPts val="400"/>
+                <a:spcPts val="500"/>
               </a:spcAft>
               <a:defRPr sz="1600">
                 <a:solidFill>
@@ -7378,7 +7378,7 @@
           <a:p>
             <a:pPr>
               <a:spcAft>
-                <a:spcPts val="400"/>
+                <a:spcPts val="500"/>
               </a:spcAft>
               <a:defRPr sz="1600">
                 <a:solidFill>
@@ -7400,7 +7400,7 @@
           <a:p>
             <a:pPr>
               <a:spcAft>
-                <a:spcPts val="400"/>
+                <a:spcPts val="500"/>
               </a:spcAft>
               <a:defRPr sz="1600">
                 <a:solidFill>
@@ -7416,7 +7416,7 @@
                 </a:solidFill>
                 <a:latin typeface="Comic Sans MS"/>
               </a:rPr>
-              <a:t>Akses jalan/transportasi</a:t>
+              <a:t>Akses jalan / transportasi</a:t>
             </a:r>
           </a:p>
         </p:txBody>
@@ -7429,8 +7429,8 @@
         </p:nvSpPr>
         <p:spPr>
           <a:xfrm>
-            <a:off x="6400800" y="2011680"/>
-            <a:ext cx="5303520" cy="4480560"/>
+            <a:off x="6327648" y="1920240"/>
+            <a:ext cx="5257800" cy="3840479"/>
           </a:xfrm>
           <a:prstGeom prst="rect">
             <a:avLst/>
@@ -7445,7 +7445,7 @@
           <a:p>
             <a:pPr>
               <a:spcAft>
-                <a:spcPts val="400"/>
+                <a:spcPts val="500"/>
               </a:spcAft>
               <a:defRPr sz="1600">
                 <a:solidFill>
@@ -7467,7 +7467,7 @@
           <a:p>
             <a:pPr>
               <a:spcAft>
-                <a:spcPts val="400"/>
+                <a:spcPts val="500"/>
               </a:spcAft>
               <a:defRPr sz="1600">
                 <a:solidFill>
@@ -7483,13 +7483,13 @@
                 </a:solidFill>
                 <a:latin typeface="Comic Sans MS"/>
               </a:rPr>
-              <a:t>Metric: MAE/RMSE (dalam rupiah) + R²</a:t>
-            </a:r>
-          </a:p>
-          <a:p>
-            <a:pPr>
-              <a:spcAft>
-                <a:spcPts val="400"/>
+              <a:t>Metric: MAE / RMSE (rupiah) + R²</a:t>
+            </a:r>
+          </a:p>
+          <a:p>
+            <a:pPr>
+              <a:spcAft>
+                <a:spcPts val="500"/>
               </a:spcAft>
               <a:defRPr sz="1600">
                 <a:solidFill>
@@ -7505,13 +7505,13 @@
                 </a:solidFill>
                 <a:latin typeface="Comic Sans MS"/>
               </a:rPr>
-              <a:t>Waspada: data leakage (harga appraisal/indikator masa depan)</a:t>
-            </a:r>
-          </a:p>
-          <a:p>
-            <a:pPr>
-              <a:spcAft>
-                <a:spcPts val="400"/>
+              <a:t>Waspada: data leakage (harga appraisal)</a:t>
+            </a:r>
+          </a:p>
+          <a:p>
+            <a:pPr>
+              <a:spcAft>
+                <a:spcPts val="500"/>
               </a:spcAft>
               <a:defRPr sz="1600">
                 <a:solidFill>
@@ -7527,7 +7527,7 @@
                 </a:solidFill>
                 <a:latin typeface="Comic Sans MS"/>
               </a:rPr>
-              <a:t>Output berguna: interval harga &amp; alasan fitur penting</a:t>
+              <a:t>Output: interval harga &amp; fitur penting</a:t>
             </a:r>
           </a:p>
         </p:txBody>
@@ -7540,8 +7540,8 @@
         </p:nvSpPr>
         <p:spPr>
           <a:xfrm>
-            <a:off x="685800" y="6035040"/>
-            <a:ext cx="10972800" cy="685800"/>
+            <a:off x="612648" y="5897880"/>
+            <a:ext cx="10972800" cy="658368"/>
           </a:xfrm>
           <a:prstGeom prst="roundRect">
             <a:avLst/>
@@ -7549,7 +7549,7 @@
           <a:solidFill>
             <a:srgbClr val="C8E6C9"/>
           </a:solidFill>
-          <a:ln w="25400">
+          <a:ln w="19050">
             <a:solidFill>
               <a:srgbClr val="191919"/>
             </a:solidFill>
@@ -7570,25 +7570,25 @@
           </a:fontRef>
         </p:style>
         <p:txBody>
-          <a:bodyPr rtlCol="0" anchor="ctr"/>
+          <a:bodyPr rtlCol="0" anchor="ctr" wrap="square"/>
           <a:lstStyle/>
           <a:p>
             <a:pPr algn="ctr">
-              <a:defRPr sz="1400">
-                <a:solidFill>
-                  <a:srgbClr val="191919"/>
-                </a:solidFill>
-                <a:latin typeface="Comic Sans MS"/>
-              </a:defRPr>
-            </a:pPr>
-            <a:r>
-              <a:rPr>
-                <a:solidFill>
-                  <a:srgbClr val="191919"/>
-                </a:solidFill>
-                <a:latin typeface="Comic Sans MS"/>
-              </a:rPr>
-              <a:t>Checklist: mulai dari baseline linear → tambah fitur → bandingkan MAE di test.</a:t>
+              <a:defRPr sz="1300">
+                <a:solidFill>
+                  <a:srgbClr val="191919"/>
+                </a:solidFill>
+                <a:latin typeface="Comic Sans MS"/>
+              </a:defRPr>
+            </a:pPr>
+            <a:r>
+              <a:rPr>
+                <a:solidFill>
+                  <a:srgbClr val="191919"/>
+                </a:solidFill>
+                <a:latin typeface="Comic Sans MS"/>
+              </a:rPr>
+              <a:t>Checklist: baseline linear → tambah fitur → bandingkan MAE di test.</a:t>
             </a:r>
           </a:p>
         </p:txBody>
@@ -7635,7 +7635,7 @@
           <a:lstStyle/>
           <a:p>
             <a:pPr>
-              <a:defRPr sz="3600" b="1">
+              <a:defRPr sz="3200" b="1">
                 <a:solidFill>
                   <a:srgbClr val="191919"/>
                 </a:solidFill>
@@ -7662,8 +7662,8 @@
         </p:nvSpPr>
         <p:spPr>
           <a:xfrm>
-            <a:off x="822960" y="2011680"/>
-            <a:ext cx="10972800" cy="1828800"/>
+            <a:off x="612648" y="2057400"/>
+            <a:ext cx="10972800" cy="1463040"/>
           </a:xfrm>
           <a:prstGeom prst="rect">
             <a:avLst/>
@@ -7738,7 +7738,7 @@
           <a:lstStyle/>
           <a:p>
             <a:pPr>
-              <a:defRPr sz="3600" b="1">
+              <a:defRPr sz="3200" b="1">
                 <a:solidFill>
                   <a:srgbClr val="191919"/>
                 </a:solidFill>
@@ -7791,8 +7791,8 @@
         </p:nvSpPr>
         <p:spPr>
           <a:xfrm>
-            <a:off x="822960" y="1645920"/>
-            <a:ext cx="10972800" cy="3840480"/>
+            <a:off x="612648" y="1508760"/>
+            <a:ext cx="10972800" cy="2743200"/>
           </a:xfrm>
           <a:prstGeom prst="rect">
             <a:avLst/>
@@ -7807,7 +7807,7 @@
           <a:p>
             <a:pPr>
               <a:spcAft>
-                <a:spcPts val="400"/>
+                <a:spcPts val="500"/>
               </a:spcAft>
               <a:defRPr sz="1800">
                 <a:solidFill>
@@ -7829,7 +7829,7 @@
           <a:p>
             <a:pPr>
               <a:spcAft>
-                <a:spcPts val="400"/>
+                <a:spcPts val="500"/>
               </a:spcAft>
               <a:defRPr sz="1800">
                 <a:solidFill>
@@ -7851,7 +7851,7 @@
           <a:p>
             <a:pPr>
               <a:spcAft>
-                <a:spcPts val="400"/>
+                <a:spcPts val="500"/>
               </a:spcAft>
               <a:defRPr sz="1800">
                 <a:solidFill>
@@ -7880,8 +7880,8 @@
         </p:nvSpPr>
         <p:spPr>
           <a:xfrm>
-            <a:off x="822960" y="4754880"/>
-            <a:ext cx="10972800" cy="1097280"/>
+            <a:off x="612648" y="4389120"/>
+            <a:ext cx="10972800" cy="914400"/>
           </a:xfrm>
           <a:prstGeom prst="roundRect">
             <a:avLst/>
@@ -7889,7 +7889,7 @@
           <a:solidFill>
             <a:srgbClr val="F5F5F5"/>
           </a:solidFill>
-          <a:ln w="25400">
+          <a:ln w="19050">
             <a:solidFill>
               <a:srgbClr val="191919"/>
             </a:solidFill>
@@ -7922,7 +7922,7 @@
               </a:defRPr>
             </a:pPr>
             <a:r>
-              <a:rPr sz="1500">
+              <a:rPr sz="1400">
                 <a:solidFill>
                   <a:srgbClr val="191919"/>
                 </a:solidFill>
@@ -7975,7 +7975,7 @@
           <a:lstStyle/>
           <a:p>
             <a:pPr>
-              <a:defRPr sz="3600" b="1">
+              <a:defRPr sz="3200" b="1">
                 <a:solidFill>
                   <a:srgbClr val="191919"/>
                 </a:solidFill>
@@ -8028,8 +8028,8 @@
         </p:nvSpPr>
         <p:spPr>
           <a:xfrm>
-            <a:off x="822960" y="1645920"/>
-            <a:ext cx="10972800" cy="4754880"/>
+            <a:off x="612648" y="1508760"/>
+            <a:ext cx="10972800" cy="4572000"/>
           </a:xfrm>
           <a:prstGeom prst="rect">
             <a:avLst/>
@@ -8044,7 +8044,7 @@
           <a:p>
             <a:pPr>
               <a:spcAft>
-                <a:spcPts val="400"/>
+                <a:spcPts val="500"/>
               </a:spcAft>
               <a:defRPr sz="1800">
                 <a:solidFill>
@@ -8066,29 +8066,29 @@
           <a:p>
             <a:pPr>
               <a:spcAft>
-                <a:spcPts val="400"/>
-              </a:spcAft>
-              <a:defRPr sz="1800">
-                <a:solidFill>
-                  <a:srgbClr val="191919"/>
-                </a:solidFill>
-                <a:latin typeface="Comic Sans MS"/>
-              </a:defRPr>
-            </a:pPr>
-            <a:r>
-              <a:rPr>
-                <a:solidFill>
-                  <a:srgbClr val="191919"/>
-                </a:solidFill>
-                <a:latin typeface="Comic Sans MS"/>
-              </a:rPr>
-              <a:t>Split dipilih yang paling meningkatkan pemisahan kelas (information gain / gini).</a:t>
-            </a:r>
-          </a:p>
-          <a:p>
-            <a:pPr>
-              <a:spcAft>
-                <a:spcPts val="400"/>
+                <a:spcPts val="500"/>
+              </a:spcAft>
+              <a:defRPr sz="1800">
+                <a:solidFill>
+                  <a:srgbClr val="191919"/>
+                </a:solidFill>
+                <a:latin typeface="Comic Sans MS"/>
+              </a:defRPr>
+            </a:pPr>
+            <a:r>
+              <a:rPr>
+                <a:solidFill>
+                  <a:srgbClr val="191919"/>
+                </a:solidFill>
+                <a:latin typeface="Comic Sans MS"/>
+              </a:rPr>
+              <a:t>Split dipilih yang paling meningkatkan pemisahan kelas (gini / information gain).</a:t>
+            </a:r>
+          </a:p>
+          <a:p>
+            <a:pPr>
+              <a:spcAft>
+                <a:spcPts val="500"/>
               </a:spcAft>
               <a:defRPr sz="1800">
                 <a:solidFill>
@@ -8151,7 +8151,7 @@
           <a:lstStyle/>
           <a:p>
             <a:pPr>
-              <a:defRPr sz="3600" b="1">
+              <a:defRPr sz="3200" b="1">
                 <a:solidFill>
                   <a:srgbClr val="191919"/>
                 </a:solidFill>
@@ -8204,8 +8204,8 @@
         </p:nvSpPr>
         <p:spPr>
           <a:xfrm>
-            <a:off x="822960" y="1645920"/>
-            <a:ext cx="10972800" cy="4754880"/>
+            <a:off x="612648" y="1508760"/>
+            <a:ext cx="10972800" cy="4572000"/>
           </a:xfrm>
           <a:prstGeom prst="rect">
             <a:avLst/>
@@ -8220,7 +8220,7 @@
           <a:p>
             <a:pPr>
               <a:spcAft>
-                <a:spcPts val="400"/>
+                <a:spcPts val="500"/>
               </a:spcAft>
               <a:defRPr sz="1800">
                 <a:solidFill>
@@ -8242,29 +8242,29 @@
           <a:p>
             <a:pPr>
               <a:spcAft>
-                <a:spcPts val="400"/>
-              </a:spcAft>
-              <a:defRPr sz="1800">
-                <a:solidFill>
-                  <a:srgbClr val="191919"/>
-                </a:solidFill>
-                <a:latin typeface="Comic Sans MS"/>
-              </a:defRPr>
-            </a:pPr>
-            <a:r>
-              <a:rPr>
-                <a:solidFill>
-                  <a:srgbClr val="191919"/>
-                </a:solidFill>
-                <a:latin typeface="Comic Sans MS"/>
-              </a:rPr>
-              <a:t>Jika versicolor sering diprediksi virginica: berarti fitur overlap di area tersebut.</a:t>
-            </a:r>
-          </a:p>
-          <a:p>
-            <a:pPr>
-              <a:spcAft>
-                <a:spcPts val="400"/>
+                <a:spcPts val="500"/>
+              </a:spcAft>
+              <a:defRPr sz="1800">
+                <a:solidFill>
+                  <a:srgbClr val="191919"/>
+                </a:solidFill>
+                <a:latin typeface="Comic Sans MS"/>
+              </a:defRPr>
+            </a:pPr>
+            <a:r>
+              <a:rPr>
+                <a:solidFill>
+                  <a:srgbClr val="191919"/>
+                </a:solidFill>
+                <a:latin typeface="Comic Sans MS"/>
+              </a:rPr>
+              <a:t>Jika versicolor sering diprediksi virginica: fitur overlap di area tersebut.</a:t>
+            </a:r>
+          </a:p>
+          <a:p>
+            <a:pPr>
+              <a:spcAft>
+                <a:spcPts val="500"/>
               </a:spcAft>
               <a:defRPr sz="1800">
                 <a:solidFill>
@@ -8327,7 +8327,7 @@
           <a:lstStyle/>
           <a:p>
             <a:pPr>
-              <a:defRPr sz="3600" b="1">
+              <a:defRPr sz="3200" b="1">
                 <a:solidFill>
                   <a:srgbClr val="191919"/>
                 </a:solidFill>
@@ -8380,8 +8380,8 @@
         </p:nvSpPr>
         <p:spPr>
           <a:xfrm>
-            <a:off x="822960" y="1645920"/>
-            <a:ext cx="10972800" cy="4754880"/>
+            <a:off x="612648" y="1508760"/>
+            <a:ext cx="10972800" cy="4572000"/>
           </a:xfrm>
           <a:prstGeom prst="rect">
             <a:avLst/>
@@ -8396,7 +8396,7 @@
           <a:p>
             <a:pPr>
               <a:spcAft>
-                <a:spcPts val="400"/>
+                <a:spcPts val="500"/>
               </a:spcAft>
               <a:defRPr sz="1800">
                 <a:solidFill>
@@ -8418,7 +8418,7 @@
           <a:p>
             <a:pPr>
               <a:spcAft>
-                <a:spcPts val="400"/>
+                <a:spcPts val="500"/>
               </a:spcAft>
               <a:defRPr sz="1800">
                 <a:solidFill>
@@ -8440,7 +8440,7 @@
           <a:p>
             <a:pPr>
               <a:spcAft>
-                <a:spcPts val="400"/>
+                <a:spcPts val="500"/>
               </a:spcAft>
               <a:defRPr sz="1800">
                 <a:solidFill>
@@ -8469,8 +8469,8 @@
         </p:nvSpPr>
         <p:spPr>
           <a:xfrm>
-            <a:off x="685800" y="6035040"/>
-            <a:ext cx="10972800" cy="685800"/>
+            <a:off x="612648" y="5897880"/>
+            <a:ext cx="10972800" cy="658368"/>
           </a:xfrm>
           <a:prstGeom prst="roundRect">
             <a:avLst/>
@@ -8478,7 +8478,7 @@
           <a:solidFill>
             <a:srgbClr val="C8E6C9"/>
           </a:solidFill>
-          <a:ln w="25400">
+          <a:ln w="19050">
             <a:solidFill>
               <a:srgbClr val="191919"/>
             </a:solidFill>
@@ -8499,11 +8499,11 @@
           </a:fontRef>
         </p:style>
         <p:txBody>
-          <a:bodyPr rtlCol="0" anchor="ctr"/>
+          <a:bodyPr rtlCol="0" anchor="ctr" wrap="square"/>
           <a:lstStyle/>
           <a:p>
             <a:pPr algn="ctr">
-              <a:defRPr sz="1400">
+              <a:defRPr sz="1300">
                 <a:solidFill>
                   <a:srgbClr val="191919"/>
                 </a:solidFill>
@@ -8564,7 +8564,7 @@
           <a:lstStyle/>
           <a:p>
             <a:pPr>
-              <a:defRPr sz="3600" b="1">
+              <a:defRPr sz="3200" b="1">
                 <a:solidFill>
                   <a:srgbClr val="191919"/>
                 </a:solidFill>
@@ -8617,8 +8617,8 @@
         </p:nvSpPr>
         <p:spPr>
           <a:xfrm>
-            <a:off x="822960" y="1645920"/>
-            <a:ext cx="10972800" cy="4754880"/>
+            <a:off x="612648" y="1508760"/>
+            <a:ext cx="10972800" cy="4572000"/>
           </a:xfrm>
           <a:prstGeom prst="rect">
             <a:avLst/>
@@ -8633,9 +8633,9 @@
           <a:p>
             <a:pPr>
               <a:spcAft>
-                <a:spcPts val="400"/>
-              </a:spcAft>
-              <a:defRPr sz="1700">
+                <a:spcPts val="500"/>
+              </a:spcAft>
+              <a:defRPr sz="1600">
                 <a:solidFill>
                   <a:srgbClr val="191919"/>
                 </a:solidFill>
@@ -8655,31 +8655,31 @@
           <a:p>
             <a:pPr>
               <a:spcAft>
-                <a:spcPts val="400"/>
-              </a:spcAft>
-              <a:defRPr sz="1700">
-                <a:solidFill>
-                  <a:srgbClr val="191919"/>
-                </a:solidFill>
-                <a:latin typeface="Comic Sans MS"/>
-              </a:defRPr>
-            </a:pPr>
-            <a:r>
-              <a:rPr>
-                <a:solidFill>
-                  <a:srgbClr val="191919"/>
-                </a:solidFill>
-                <a:latin typeface="Comic Sans MS"/>
-              </a:rPr>
-              <a:t>   max_depth besar: aturan banyak → train tinggi, test bisa turun (overfitting).</a:t>
-            </a:r>
-          </a:p>
-          <a:p>
-            <a:pPr>
-              <a:spcAft>
-                <a:spcPts val="400"/>
-              </a:spcAft>
-              <a:defRPr sz="1700">
+                <a:spcPts val="500"/>
+              </a:spcAft>
+              <a:defRPr sz="1600">
+                <a:solidFill>
+                  <a:srgbClr val="191919"/>
+                </a:solidFill>
+                <a:latin typeface="Comic Sans MS"/>
+              </a:defRPr>
+            </a:pPr>
+            <a:r>
+              <a:rPr>
+                <a:solidFill>
+                  <a:srgbClr val="191919"/>
+                </a:solidFill>
+                <a:latin typeface="Comic Sans MS"/>
+              </a:rPr>
+              <a:t>   max_depth besar: train tinggi, test bisa turun (overfitting).</a:t>
+            </a:r>
+          </a:p>
+          <a:p>
+            <a:pPr>
+              <a:spcAft>
+                <a:spcPts val="500"/>
+              </a:spcAft>
+              <a:defRPr sz="1600">
                 <a:solidFill>
                   <a:srgbClr val="191919"/>
                 </a:solidFill>
@@ -8699,9 +8699,9 @@
           <a:p>
             <a:pPr>
               <a:spcAft>
-                <a:spcPts val="400"/>
-              </a:spcAft>
-              <a:defRPr sz="1700">
+                <a:spcPts val="500"/>
+              </a:spcAft>
+              <a:defRPr sz="1600">
                 <a:solidFill>
                   <a:srgbClr val="191919"/>
                 </a:solidFill>
@@ -8721,9 +8721,9 @@
           <a:p>
             <a:pPr>
               <a:spcAft>
-                <a:spcPts val="400"/>
-              </a:spcAft>
-              <a:defRPr sz="1700">
+                <a:spcPts val="500"/>
+              </a:spcAft>
+              <a:defRPr sz="1600">
                 <a:solidFill>
                   <a:srgbClr val="191919"/>
                 </a:solidFill>
@@ -8784,7 +8784,7 @@
           <a:lstStyle/>
           <a:p>
             <a:pPr>
-              <a:defRPr sz="3600" b="1">
+              <a:defRPr sz="3200" b="1">
                 <a:solidFill>
                   <a:srgbClr val="191919"/>
                 </a:solidFill>
@@ -8837,8 +8837,8 @@
         </p:nvSpPr>
         <p:spPr>
           <a:xfrm>
-            <a:off x="822960" y="1554480"/>
-            <a:ext cx="5303520" cy="365760"/>
+            <a:off x="612648" y="1508760"/>
+            <a:ext cx="5257800" cy="365760"/>
           </a:xfrm>
           <a:prstGeom prst="rect">
             <a:avLst/>
@@ -8879,8 +8879,8 @@
         </p:nvSpPr>
         <p:spPr>
           <a:xfrm>
-            <a:off x="6400800" y="1554480"/>
-            <a:ext cx="5303520" cy="365760"/>
+            <a:off x="6327648" y="1508760"/>
+            <a:ext cx="5257800" cy="365760"/>
           </a:xfrm>
           <a:prstGeom prst="rect">
             <a:avLst/>
@@ -8921,8 +8921,8 @@
         </p:nvSpPr>
         <p:spPr>
           <a:xfrm>
-            <a:off x="822960" y="2011680"/>
-            <a:ext cx="5303520" cy="4480560"/>
+            <a:off x="612648" y="1920240"/>
+            <a:ext cx="5257800" cy="3840479"/>
           </a:xfrm>
           <a:prstGeom prst="rect">
             <a:avLst/>
@@ -8937,7 +8937,7 @@
           <a:p>
             <a:pPr>
               <a:spcAft>
-                <a:spcPts val="400"/>
+                <a:spcPts val="500"/>
               </a:spcAft>
               <a:defRPr sz="1600">
                 <a:solidFill>
@@ -8953,13 +8953,13 @@
                 </a:solidFill>
                 <a:latin typeface="Comic Sans MS"/>
               </a:rPr>
-              <a:t>01_linear_regression.py (Regression)</a:t>
-            </a:r>
-          </a:p>
-          <a:p>
-            <a:pPr>
-              <a:spcAft>
-                <a:spcPts val="400"/>
+              <a:t>01_linear_regression.py  (Regression)</a:t>
+            </a:r>
+          </a:p>
+          <a:p>
+            <a:pPr>
+              <a:spcAft>
+                <a:spcPts val="500"/>
               </a:spcAft>
               <a:defRPr sz="1600">
                 <a:solidFill>
@@ -8975,13 +8975,13 @@
                 </a:solidFill>
                 <a:latin typeface="Comic Sans MS"/>
               </a:rPr>
-              <a:t>02_classification.py (Classification)</a:t>
-            </a:r>
-          </a:p>
-          <a:p>
-            <a:pPr>
-              <a:spcAft>
-                <a:spcPts val="400"/>
+              <a:t>02_classification.py  (Classification)</a:t>
+            </a:r>
+          </a:p>
+          <a:p>
+            <a:pPr>
+              <a:spcAft>
+                <a:spcPts val="500"/>
               </a:spcAft>
               <a:defRPr sz="1600">
                 <a:solidFill>
@@ -8997,13 +8997,13 @@
                 </a:solidFill>
                 <a:latin typeface="Comic Sans MS"/>
               </a:rPr>
-              <a:t>03_neural_network.py (MNIST NN)</a:t>
-            </a:r>
-          </a:p>
-          <a:p>
-            <a:pPr>
-              <a:spcAft>
-                <a:spcPts val="400"/>
+              <a:t>03_neural_network.py  (MNIST NN)</a:t>
+            </a:r>
+          </a:p>
+          <a:p>
+            <a:pPr>
+              <a:spcAft>
+                <a:spcPts val="500"/>
               </a:spcAft>
               <a:defRPr sz="1600">
                 <a:solidFill>
@@ -9019,7 +9019,7 @@
                 </a:solidFill>
                 <a:latin typeface="Comic Sans MS"/>
               </a:rPr>
-              <a:t>04_computer_vision.py (CNN CIFAR-10)</a:t>
+              <a:t>04_computer_vision.py  (CNN CIFAR-10)</a:t>
             </a:r>
           </a:p>
         </p:txBody>
@@ -9032,8 +9032,8 @@
         </p:nvSpPr>
         <p:spPr>
           <a:xfrm>
-            <a:off x="6400800" y="2011680"/>
-            <a:ext cx="5303520" cy="4480560"/>
+            <a:off x="6327648" y="1920240"/>
+            <a:ext cx="5257800" cy="3840479"/>
           </a:xfrm>
           <a:prstGeom prst="rect">
             <a:avLst/>
@@ -9048,7 +9048,7 @@
           <a:p>
             <a:pPr>
               <a:spcAft>
-                <a:spcPts val="400"/>
+                <a:spcPts val="500"/>
               </a:spcAft>
               <a:defRPr sz="1600">
                 <a:solidFill>
@@ -9064,13 +9064,13 @@
                 </a:solidFill>
                 <a:latin typeface="Comic Sans MS"/>
               </a:rPr>
-              <a:t>BUKU_PANDUAN_AI.pdf (buku modul)</a:t>
-            </a:r>
-          </a:p>
-          <a:p>
-            <a:pPr>
-              <a:spcAft>
-                <a:spcPts val="400"/>
+              <a:t>BUKU_PANDUAN_AI.pdf  (buku modul)</a:t>
+            </a:r>
+          </a:p>
+          <a:p>
+            <a:pPr>
+              <a:spcAft>
+                <a:spcPts val="500"/>
               </a:spcAft>
               <a:defRPr sz="1600">
                 <a:solidFill>
@@ -9086,13 +9086,13 @@
                 </a:solidFill>
                 <a:latin typeface="Comic Sans MS"/>
               </a:rPr>
-              <a:t>AI_Learning_Modul.pptx (slide)</a:t>
-            </a:r>
-          </a:p>
-          <a:p>
-            <a:pPr>
-              <a:spcAft>
-                <a:spcPts val="400"/>
+              <a:t>AI_Learning_Modul.pptx  (slide ini)</a:t>
+            </a:r>
+          </a:p>
+          <a:p>
+            <a:pPr>
+              <a:spcAft>
+                <a:spcPts val="500"/>
               </a:spcAft>
               <a:defRPr sz="1600">
                 <a:solidFill>
@@ -9108,13 +9108,13 @@
                 </a:solidFill>
                 <a:latin typeface="Comic Sans MS"/>
               </a:rPr>
-              <a:t>TUTORIAL.md (cara run + tips)</a:t>
-            </a:r>
-          </a:p>
-          <a:p>
-            <a:pPr>
-              <a:spcAft>
-                <a:spcPts val="400"/>
+              <a:t>TUTORIAL.md  (cara run + tips)</a:t>
+            </a:r>
+          </a:p>
+          <a:p>
+            <a:pPr>
+              <a:spcAft>
+                <a:spcPts val="500"/>
               </a:spcAft>
               <a:defRPr sz="1600">
                 <a:solidFill>
@@ -9130,13 +9130,13 @@
                 </a:solidFill>
                 <a:latin typeface="Comic Sans MS"/>
               </a:rPr>
-              <a:t>PANDUAN.md (perilaku normal vs error)</a:t>
-            </a:r>
-          </a:p>
-          <a:p>
-            <a:pPr>
-              <a:spcAft>
-                <a:spcPts val="400"/>
+              <a:t>PANDUAN.md  (perilaku normal vs error)</a:t>
+            </a:r>
+          </a:p>
+          <a:p>
+            <a:pPr>
+              <a:spcAft>
+                <a:spcPts val="500"/>
               </a:spcAft>
               <a:defRPr sz="1600">
                 <a:solidFill>
@@ -9152,7 +9152,7 @@
                 </a:solidFill>
                 <a:latin typeface="Comic Sans MS"/>
               </a:rPr>
-              <a:t>GLOSSARY.md (istilah)</a:t>
+              <a:t>GLOSSARY.md  (istilah)</a:t>
             </a:r>
           </a:p>
         </p:txBody>
@@ -9165,8 +9165,8 @@
         </p:nvSpPr>
         <p:spPr>
           <a:xfrm>
-            <a:off x="685800" y="6035040"/>
-            <a:ext cx="10972800" cy="685800"/>
+            <a:off x="612648" y="5897880"/>
+            <a:ext cx="10972800" cy="658368"/>
           </a:xfrm>
           <a:prstGeom prst="roundRect">
             <a:avLst/>
@@ -9174,7 +9174,7 @@
           <a:solidFill>
             <a:srgbClr val="C8E6C9"/>
           </a:solidFill>
-          <a:ln w="25400">
+          <a:ln w="19050">
             <a:solidFill>
               <a:srgbClr val="191919"/>
             </a:solidFill>
@@ -9195,11 +9195,11 @@
           </a:fontRef>
         </p:style>
         <p:txBody>
-          <a:bodyPr rtlCol="0" anchor="ctr"/>
+          <a:bodyPr rtlCol="0" anchor="ctr" wrap="square"/>
           <a:lstStyle/>
           <a:p>
             <a:pPr algn="ctr">
-              <a:defRPr sz="1400">
+              <a:defRPr sz="1300">
                 <a:solidFill>
                   <a:srgbClr val="191919"/>
                 </a:solidFill>
@@ -9260,7 +9260,7 @@
           <a:lstStyle/>
           <a:p>
             <a:pPr>
-              <a:defRPr sz="3600" b="1">
+              <a:defRPr sz="3200" b="1">
                 <a:solidFill>
                   <a:srgbClr val="191919"/>
                 </a:solidFill>
@@ -9313,8 +9313,8 @@
         </p:nvSpPr>
         <p:spPr>
           <a:xfrm>
-            <a:off x="822960" y="1554480"/>
-            <a:ext cx="5303520" cy="365760"/>
+            <a:off x="612648" y="1508760"/>
+            <a:ext cx="5257800" cy="365760"/>
           </a:xfrm>
           <a:prstGeom prst="rect">
             <a:avLst/>
@@ -9355,8 +9355,8 @@
         </p:nvSpPr>
         <p:spPr>
           <a:xfrm>
-            <a:off x="6400800" y="1554480"/>
-            <a:ext cx="5303520" cy="365760"/>
+            <a:off x="6327648" y="1508760"/>
+            <a:ext cx="5257800" cy="365760"/>
           </a:xfrm>
           <a:prstGeom prst="rect">
             <a:avLst/>
@@ -9397,8 +9397,8 @@
         </p:nvSpPr>
         <p:spPr>
           <a:xfrm>
-            <a:off x="822960" y="2011680"/>
-            <a:ext cx="5303520" cy="4480560"/>
+            <a:off x="612648" y="1920240"/>
+            <a:ext cx="5257800" cy="3840479"/>
           </a:xfrm>
           <a:prstGeom prst="rect">
             <a:avLst/>
@@ -9413,7 +9413,7 @@
           <a:p>
             <a:pPr>
               <a:spcAft>
-                <a:spcPts val="400"/>
+                <a:spcPts val="500"/>
               </a:spcAft>
               <a:defRPr sz="1600">
                 <a:solidFill>
@@ -9435,7 +9435,7 @@
           <a:p>
             <a:pPr>
               <a:spcAft>
-                <a:spcPts val="400"/>
+                <a:spcPts val="500"/>
               </a:spcAft>
               <a:defRPr sz="1600">
                 <a:solidFill>
@@ -9451,13 +9451,13 @@
                 </a:solidFill>
                 <a:latin typeface="Comic Sans MS"/>
               </a:rPr>
-              <a:t>Accuracy bisa menipu (99% benar tapi semua diprediksi 'normal')</a:t>
-            </a:r>
-          </a:p>
-          <a:p>
-            <a:pPr>
-              <a:spcAft>
-                <a:spcPts val="400"/>
+              <a:t>Accuracy bisa menipu (99% 'normal')</a:t>
+            </a:r>
+          </a:p>
+          <a:p>
+            <a:pPr>
+              <a:spcAft>
+                <a:spcPts val="500"/>
               </a:spcAft>
               <a:defRPr sz="1600">
                 <a:solidFill>
@@ -9473,7 +9473,7 @@
                 </a:solidFill>
                 <a:latin typeface="Comic Sans MS"/>
               </a:rPr>
-              <a:t>Biaya salah beda: FN (miss fraud) biasanya lebih mahal</a:t>
+              <a:t>Biaya salah beda: FN lebih mahal</a:t>
             </a:r>
           </a:p>
         </p:txBody>
@@ -9486,8 +9486,8 @@
         </p:nvSpPr>
         <p:spPr>
           <a:xfrm>
-            <a:off x="6400800" y="2011680"/>
-            <a:ext cx="5303520" cy="4480560"/>
+            <a:off x="6327648" y="1920240"/>
+            <a:ext cx="5257800" cy="3840479"/>
           </a:xfrm>
           <a:prstGeom prst="rect">
             <a:avLst/>
@@ -9502,7 +9502,7 @@
           <a:p>
             <a:pPr>
               <a:spcAft>
-                <a:spcPts val="400"/>
+                <a:spcPts val="500"/>
               </a:spcAft>
               <a:defRPr sz="1600">
                 <a:solidFill>
@@ -9518,13 +9518,13 @@
                 </a:solidFill>
                 <a:latin typeface="Comic Sans MS"/>
               </a:rPr>
-              <a:t>Fokus metric: precision/recall/F1</a:t>
-            </a:r>
-          </a:p>
-          <a:p>
-            <a:pPr>
-              <a:spcAft>
-                <a:spcPts val="400"/>
+              <a:t>Fokus: precision / recall / F1</a:t>
+            </a:r>
+          </a:p>
+          <a:p>
+            <a:pPr>
+              <a:spcAft>
+                <a:spcPts val="500"/>
               </a:spcAft>
               <a:defRPr sz="1600">
                 <a:solidFill>
@@ -9540,13 +9540,13 @@
                 </a:solidFill>
                 <a:latin typeface="Comic Sans MS"/>
               </a:rPr>
-              <a:t>Gunakan confusion matrix untuk lihat FP vs FN</a:t>
-            </a:r>
-          </a:p>
-          <a:p>
-            <a:pPr>
-              <a:spcAft>
-                <a:spcPts val="400"/>
+              <a:t>Confusion matrix: lihat FP vs FN</a:t>
+            </a:r>
+          </a:p>
+          <a:p>
+            <a:pPr>
+              <a:spcAft>
+                <a:spcPts val="500"/>
               </a:spcAft>
               <a:defRPr sz="1600">
                 <a:solidFill>
@@ -9568,7 +9568,7 @@
           <a:p>
             <a:pPr>
               <a:spcAft>
-                <a:spcPts val="400"/>
+                <a:spcPts val="500"/>
               </a:spcAft>
               <a:defRPr sz="1600">
                 <a:solidFill>
@@ -9584,7 +9584,7 @@
                 </a:solidFill>
                 <a:latin typeface="Comic Sans MS"/>
               </a:rPr>
-              <a:t>Gunakan stratified split + cross-validation</a:t>
+              <a:t>Stratified split + cross-validation</a:t>
             </a:r>
           </a:p>
         </p:txBody>
@@ -9597,8 +9597,8 @@
         </p:nvSpPr>
         <p:spPr>
           <a:xfrm>
-            <a:off x="685800" y="6035040"/>
-            <a:ext cx="10972800" cy="685800"/>
+            <a:off x="612648" y="5897880"/>
+            <a:ext cx="10972800" cy="658368"/>
           </a:xfrm>
           <a:prstGeom prst="roundRect">
             <a:avLst/>
@@ -9606,7 +9606,7 @@
           <a:solidFill>
             <a:srgbClr val="C8E6C9"/>
           </a:solidFill>
-          <a:ln w="25400">
+          <a:ln w="19050">
             <a:solidFill>
               <a:srgbClr val="191919"/>
             </a:solidFill>
@@ -9627,11 +9627,11 @@
           </a:fontRef>
         </p:style>
         <p:txBody>
-          <a:bodyPr rtlCol="0" anchor="ctr"/>
+          <a:bodyPr rtlCol="0" anchor="ctr" wrap="square"/>
           <a:lstStyle/>
           <a:p>
             <a:pPr algn="ctr">
-              <a:defRPr sz="1400">
+              <a:defRPr sz="1300">
                 <a:solidFill>
                   <a:srgbClr val="191919"/>
                 </a:solidFill>
@@ -9692,7 +9692,7 @@
           <a:lstStyle/>
           <a:p>
             <a:pPr>
-              <a:defRPr sz="3600" b="1">
+              <a:defRPr sz="3200" b="1">
                 <a:solidFill>
                   <a:srgbClr val="191919"/>
                 </a:solidFill>
@@ -9719,8 +9719,8 @@
         </p:nvSpPr>
         <p:spPr>
           <a:xfrm>
-            <a:off x="822960" y="2011680"/>
-            <a:ext cx="10972800" cy="1828800"/>
+            <a:off x="612648" y="2057400"/>
+            <a:ext cx="10972800" cy="1463040"/>
           </a:xfrm>
           <a:prstGeom prst="rect">
             <a:avLst/>
@@ -9795,7 +9795,7 @@
           <a:lstStyle/>
           <a:p>
             <a:pPr>
-              <a:defRPr sz="3600" b="1">
+              <a:defRPr sz="3200" b="1">
                 <a:solidFill>
                   <a:srgbClr val="191919"/>
                 </a:solidFill>
@@ -9848,8 +9848,8 @@
         </p:nvSpPr>
         <p:spPr>
           <a:xfrm>
-            <a:off x="822960" y="1645920"/>
-            <a:ext cx="10972800" cy="3840480"/>
+            <a:off x="612648" y="1508760"/>
+            <a:ext cx="10972800" cy="2743200"/>
           </a:xfrm>
           <a:prstGeom prst="rect">
             <a:avLst/>
@@ -9864,7 +9864,7 @@
           <a:p>
             <a:pPr>
               <a:spcAft>
-                <a:spcPts val="400"/>
+                <a:spcPts val="500"/>
               </a:spcAft>
               <a:defRPr sz="1800">
                 <a:solidFill>
@@ -9886,7 +9886,7 @@
           <a:p>
             <a:pPr>
               <a:spcAft>
-                <a:spcPts val="400"/>
+                <a:spcPts val="500"/>
               </a:spcAft>
               <a:defRPr sz="1800">
                 <a:solidFill>
@@ -9908,7 +9908,7 @@
           <a:p>
             <a:pPr>
               <a:spcAft>
-                <a:spcPts val="400"/>
+                <a:spcPts val="500"/>
               </a:spcAft>
               <a:defRPr sz="1800">
                 <a:solidFill>
@@ -9937,8 +9937,8 @@
         </p:nvSpPr>
         <p:spPr>
           <a:xfrm>
-            <a:off x="822960" y="4754880"/>
-            <a:ext cx="10972800" cy="1097280"/>
+            <a:off x="612648" y="4389120"/>
+            <a:ext cx="10972800" cy="914400"/>
           </a:xfrm>
           <a:prstGeom prst="roundRect">
             <a:avLst/>
@@ -9946,7 +9946,7 @@
           <a:solidFill>
             <a:srgbClr val="F5F5F5"/>
           </a:solidFill>
-          <a:ln w="25400">
+          <a:ln w="19050">
             <a:solidFill>
               <a:srgbClr val="191919"/>
             </a:solidFill>
@@ -9979,7 +9979,7 @@
               </a:defRPr>
             </a:pPr>
             <a:r>
-              <a:rPr sz="1500">
+              <a:rPr sz="1400">
                 <a:solidFill>
                   <a:srgbClr val="191919"/>
                 </a:solidFill>
@@ -10032,7 +10032,7 @@
           <a:lstStyle/>
           <a:p>
             <a:pPr>
-              <a:defRPr sz="3600" b="1">
+              <a:defRPr sz="3200" b="1">
                 <a:solidFill>
                   <a:srgbClr val="191919"/>
                 </a:solidFill>
@@ -10085,8 +10085,8 @@
         </p:nvSpPr>
         <p:spPr>
           <a:xfrm>
-            <a:off x="822960" y="1554480"/>
-            <a:ext cx="5303520" cy="365760"/>
+            <a:off x="612648" y="1508760"/>
+            <a:ext cx="5257800" cy="365760"/>
           </a:xfrm>
           <a:prstGeom prst="rect">
             <a:avLst/>
@@ -10127,8 +10127,8 @@
         </p:nvSpPr>
         <p:spPr>
           <a:xfrm>
-            <a:off x="6400800" y="1554480"/>
-            <a:ext cx="5303520" cy="365760"/>
+            <a:off x="6327648" y="1508760"/>
+            <a:ext cx="5257800" cy="365760"/>
           </a:xfrm>
           <a:prstGeom prst="rect">
             <a:avLst/>
@@ -10169,8 +10169,8 @@
         </p:nvSpPr>
         <p:spPr>
           <a:xfrm>
-            <a:off x="822960" y="2011680"/>
-            <a:ext cx="5303520" cy="4480560"/>
+            <a:off x="612648" y="1920240"/>
+            <a:ext cx="5257800" cy="3840479"/>
           </a:xfrm>
           <a:prstGeom prst="rect">
             <a:avLst/>
@@ -10185,7 +10185,7 @@
           <a:p>
             <a:pPr>
               <a:spcAft>
-                <a:spcPts val="400"/>
+                <a:spcPts val="500"/>
               </a:spcAft>
               <a:defRPr sz="1600">
                 <a:solidFill>
@@ -10207,7 +10207,7 @@
           <a:p>
             <a:pPr>
               <a:spcAft>
-                <a:spcPts val="400"/>
+                <a:spcPts val="500"/>
               </a:spcAft>
               <a:defRPr sz="1600">
                 <a:solidFill>
@@ -10229,7 +10229,7 @@
           <a:p>
             <a:pPr>
               <a:spcAft>
-                <a:spcPts val="400"/>
+                <a:spcPts val="500"/>
               </a:spcAft>
               <a:defRPr sz="1600">
                 <a:solidFill>
@@ -10251,7 +10251,7 @@
           <a:p>
             <a:pPr>
               <a:spcAft>
-                <a:spcPts val="400"/>
+                <a:spcPts val="500"/>
               </a:spcAft>
               <a:defRPr sz="1600">
                 <a:solidFill>
@@ -10280,8 +10280,8 @@
         </p:nvSpPr>
         <p:spPr>
           <a:xfrm>
-            <a:off x="6400800" y="2011680"/>
-            <a:ext cx="5303520" cy="4480560"/>
+            <a:off x="6327648" y="1920240"/>
+            <a:ext cx="5257800" cy="3840479"/>
           </a:xfrm>
           <a:prstGeom prst="rect">
             <a:avLst/>
@@ -10296,7 +10296,7 @@
           <a:p>
             <a:pPr>
               <a:spcAft>
-                <a:spcPts val="400"/>
+                <a:spcPts val="500"/>
               </a:spcAft>
               <a:defRPr sz="1600">
                 <a:solidFill>
@@ -10318,7 +10318,7 @@
           <a:p>
             <a:pPr>
               <a:spcAft>
-                <a:spcPts val="400"/>
+                <a:spcPts val="500"/>
               </a:spcAft>
               <a:defRPr sz="1600">
                 <a:solidFill>
@@ -10340,7 +10340,7 @@
           <a:p>
             <a:pPr>
               <a:spcAft>
-                <a:spcPts val="400"/>
+                <a:spcPts val="500"/>
               </a:spcAft>
               <a:defRPr sz="1600">
                 <a:solidFill>
@@ -10362,7 +10362,7 @@
           <a:p>
             <a:pPr>
               <a:spcAft>
-                <a:spcPts val="400"/>
+                <a:spcPts val="500"/>
               </a:spcAft>
               <a:defRPr sz="1600">
                 <a:solidFill>
@@ -10425,7 +10425,7 @@
           <a:lstStyle/>
           <a:p>
             <a:pPr>
-              <a:defRPr sz="3600" b="1">
+              <a:defRPr sz="3200" b="1">
                 <a:solidFill>
                   <a:srgbClr val="191919"/>
                 </a:solidFill>
@@ -10478,8 +10478,8 @@
         </p:nvSpPr>
         <p:spPr>
           <a:xfrm>
-            <a:off x="822960" y="1645920"/>
-            <a:ext cx="10972800" cy="4754880"/>
+            <a:off x="612648" y="1508760"/>
+            <a:ext cx="10972800" cy="4572000"/>
           </a:xfrm>
           <a:prstGeom prst="rect">
             <a:avLst/>
@@ -10494,7 +10494,7 @@
           <a:p>
             <a:pPr>
               <a:spcAft>
-                <a:spcPts val="400"/>
+                <a:spcPts val="500"/>
               </a:spcAft>
               <a:defRPr sz="1800">
                 <a:solidFill>
@@ -10516,7 +10516,7 @@
           <a:p>
             <a:pPr>
               <a:spcAft>
-                <a:spcPts val="400"/>
+                <a:spcPts val="500"/>
               </a:spcAft>
               <a:defRPr sz="1800">
                 <a:solidFill>
@@ -10538,45 +10538,45 @@
           <a:p>
             <a:pPr>
               <a:spcAft>
-                <a:spcPts val="400"/>
-              </a:spcAft>
-              <a:defRPr sz="1800">
-                <a:solidFill>
-                  <a:srgbClr val="191919"/>
-                </a:solidFill>
-                <a:latin typeface="Comic Sans MS"/>
-              </a:defRPr>
-            </a:pPr>
-            <a:r>
-              <a:rPr>
-                <a:solidFill>
-                  <a:srgbClr val="191919"/>
-                </a:solidFill>
-                <a:latin typeface="Comic Sans MS"/>
-              </a:rPr>
-              <a:t>Gradient descent/Adam melakukan update kecil berulang sampai model membaik.</a:t>
-            </a:r>
-          </a:p>
-          <a:p>
-            <a:pPr>
-              <a:spcAft>
-                <a:spcPts val="400"/>
-              </a:spcAft>
-              <a:defRPr sz="1800">
-                <a:solidFill>
-                  <a:srgbClr val="191919"/>
-                </a:solidFill>
-                <a:latin typeface="Comic Sans MS"/>
-              </a:defRPr>
-            </a:pPr>
-            <a:r>
-              <a:rPr>
-                <a:solidFill>
-                  <a:srgbClr val="191919"/>
-                </a:solidFill>
-                <a:latin typeface="Comic Sans MS"/>
-              </a:rPr>
-              <a:t>Overfitting muncul jika model terlalu kompleks / epoch terlalu banyak tanpa regularisasi.</a:t>
+                <a:spcPts val="500"/>
+              </a:spcAft>
+              <a:defRPr sz="1800">
+                <a:solidFill>
+                  <a:srgbClr val="191919"/>
+                </a:solidFill>
+                <a:latin typeface="Comic Sans MS"/>
+              </a:defRPr>
+            </a:pPr>
+            <a:r>
+              <a:rPr>
+                <a:solidFill>
+                  <a:srgbClr val="191919"/>
+                </a:solidFill>
+                <a:latin typeface="Comic Sans MS"/>
+              </a:rPr>
+              <a:t>Gradient descent / Adam melakukan update kecil berulang sampai model membaik.</a:t>
+            </a:r>
+          </a:p>
+          <a:p>
+            <a:pPr>
+              <a:spcAft>
+                <a:spcPts val="500"/>
+              </a:spcAft>
+              <a:defRPr sz="1800">
+                <a:solidFill>
+                  <a:srgbClr val="191919"/>
+                </a:solidFill>
+                <a:latin typeface="Comic Sans MS"/>
+              </a:defRPr>
+            </a:pPr>
+            <a:r>
+              <a:rPr>
+                <a:solidFill>
+                  <a:srgbClr val="191919"/>
+                </a:solidFill>
+                <a:latin typeface="Comic Sans MS"/>
+              </a:rPr>
+              <a:t>Overfitting muncul jika model terlalu kompleks / epoch terlalu banyak.</a:t>
             </a:r>
           </a:p>
         </p:txBody>
@@ -10623,7 +10623,7 @@
           <a:lstStyle/>
           <a:p>
             <a:pPr>
-              <a:defRPr sz="3600" b="1">
+              <a:defRPr sz="3200" b="1">
                 <a:solidFill>
                   <a:srgbClr val="191919"/>
                 </a:solidFill>
@@ -10676,8 +10676,8 @@
         </p:nvSpPr>
         <p:spPr>
           <a:xfrm>
-            <a:off x="822960" y="1645920"/>
-            <a:ext cx="10972800" cy="4754880"/>
+            <a:off x="612648" y="1508760"/>
+            <a:ext cx="10972800" cy="4572000"/>
           </a:xfrm>
           <a:prstGeom prst="rect">
             <a:avLst/>
@@ -10692,7 +10692,7 @@
           <a:p>
             <a:pPr>
               <a:spcAft>
-                <a:spcPts val="400"/>
+                <a:spcPts val="500"/>
               </a:spcAft>
               <a:defRPr sz="1800">
                 <a:solidFill>
@@ -10714,7 +10714,7 @@
           <a:p>
             <a:pPr>
               <a:spcAft>
-                <a:spcPts val="400"/>
+                <a:spcPts val="500"/>
               </a:spcAft>
               <a:defRPr sz="1800">
                 <a:solidFill>
@@ -10736,23 +10736,23 @@
           <a:p>
             <a:pPr>
               <a:spcAft>
-                <a:spcPts val="400"/>
-              </a:spcAft>
-              <a:defRPr sz="1800">
-                <a:solidFill>
-                  <a:srgbClr val="191919"/>
-                </a:solidFill>
-                <a:latin typeface="Comic Sans MS"/>
-              </a:defRPr>
-            </a:pPr>
-            <a:r>
-              <a:rPr>
-                <a:solidFill>
-                  <a:srgbClr val="191919"/>
-                </a:solidFill>
-                <a:latin typeface="Comic Sans MS"/>
-              </a:rPr>
-              <a:t>Latihan C: Salah satu digit sering salah (mis. 4 vs 9). Kenapa? Cari contoh gambarnya.</a:t>
+                <a:spcPts val="500"/>
+              </a:spcAft>
+              <a:defRPr sz="1800">
+                <a:solidFill>
+                  <a:srgbClr val="191919"/>
+                </a:solidFill>
+                <a:latin typeface="Comic Sans MS"/>
+              </a:defRPr>
+            </a:pPr>
+            <a:r>
+              <a:rPr>
+                <a:solidFill>
+                  <a:srgbClr val="191919"/>
+                </a:solidFill>
+                <a:latin typeface="Comic Sans MS"/>
+              </a:rPr>
+              <a:t>Latihan C: Digit mana yang sering salah (mis. 4 vs 9)? Kenapa?</a:t>
             </a:r>
           </a:p>
         </p:txBody>
@@ -10799,7 +10799,7 @@
           <a:lstStyle/>
           <a:p>
             <a:pPr>
-              <a:defRPr sz="3600" b="1">
+              <a:defRPr sz="3200" b="1">
                 <a:solidFill>
                   <a:srgbClr val="191919"/>
                 </a:solidFill>
@@ -10852,8 +10852,8 @@
         </p:nvSpPr>
         <p:spPr>
           <a:xfrm>
-            <a:off x="822960" y="1645920"/>
-            <a:ext cx="10972800" cy="4754880"/>
+            <a:off x="612648" y="1508760"/>
+            <a:ext cx="10972800" cy="4572000"/>
           </a:xfrm>
           <a:prstGeom prst="rect">
             <a:avLst/>
@@ -10868,75 +10868,75 @@
           <a:p>
             <a:pPr>
               <a:spcAft>
-                <a:spcPts val="400"/>
-              </a:spcAft>
-              <a:defRPr sz="1700">
-                <a:solidFill>
-                  <a:srgbClr val="191919"/>
-                </a:solidFill>
-                <a:latin typeface="Comic Sans MS"/>
-              </a:defRPr>
-            </a:pPr>
-            <a:r>
-              <a:rPr>
-                <a:solidFill>
-                  <a:srgbClr val="191919"/>
-                </a:solidFill>
-                <a:latin typeface="Comic Sans MS"/>
-              </a:rPr>
-              <a:t>A) Epoch naik: train accuracy naik; kalau test/val tidak naik → mulai overfitting.</a:t>
-            </a:r>
-          </a:p>
-          <a:p>
-            <a:pPr>
-              <a:spcAft>
-                <a:spcPts val="400"/>
-              </a:spcAft>
-              <a:defRPr sz="1700">
-                <a:solidFill>
-                  <a:srgbClr val="191919"/>
-                </a:solidFill>
-                <a:latin typeface="Comic Sans MS"/>
-              </a:defRPr>
-            </a:pPr>
-            <a:r>
-              <a:rPr>
-                <a:solidFill>
-                  <a:srgbClr val="191919"/>
-                </a:solidFill>
-                <a:latin typeface="Comic Sans MS"/>
-              </a:rPr>
-              <a:t>B) Dropout: train accuracy bisa turun sedikit, tapi val/test bisa lebih stabil.</a:t>
-            </a:r>
-          </a:p>
-          <a:p>
-            <a:pPr>
-              <a:spcAft>
-                <a:spcPts val="400"/>
-              </a:spcAft>
-              <a:defRPr sz="1700">
-                <a:solidFill>
-                  <a:srgbClr val="191919"/>
-                </a:solidFill>
-                <a:latin typeface="Comic Sans MS"/>
-              </a:defRPr>
-            </a:pPr>
-            <a:r>
-              <a:rPr>
-                <a:solidFill>
-                  <a:srgbClr val="191919"/>
-                </a:solidFill>
-                <a:latin typeface="Comic Sans MS"/>
-              </a:rPr>
-              <a:t>C) Digit mirip (4 vs 9): bentuk tulisan bervariasi; pixel noise dan gaya tulisan bikin overlap.</a:t>
-            </a:r>
-          </a:p>
-          <a:p>
-            <a:pPr>
-              <a:spcAft>
-                <a:spcPts val="400"/>
-              </a:spcAft>
-              <a:defRPr sz="1700">
+                <a:spcPts val="500"/>
+              </a:spcAft>
+              <a:defRPr sz="1600">
+                <a:solidFill>
+                  <a:srgbClr val="191919"/>
+                </a:solidFill>
+                <a:latin typeface="Comic Sans MS"/>
+              </a:defRPr>
+            </a:pPr>
+            <a:r>
+              <a:rPr>
+                <a:solidFill>
+                  <a:srgbClr val="191919"/>
+                </a:solidFill>
+                <a:latin typeface="Comic Sans MS"/>
+              </a:rPr>
+              <a:t>A) Epoch naik: train accuracy naik; kalau val tidak naik → overfitting.</a:t>
+            </a:r>
+          </a:p>
+          <a:p>
+            <a:pPr>
+              <a:spcAft>
+                <a:spcPts val="500"/>
+              </a:spcAft>
+              <a:defRPr sz="1600">
+                <a:solidFill>
+                  <a:srgbClr val="191919"/>
+                </a:solidFill>
+                <a:latin typeface="Comic Sans MS"/>
+              </a:defRPr>
+            </a:pPr>
+            <a:r>
+              <a:rPr>
+                <a:solidFill>
+                  <a:srgbClr val="191919"/>
+                </a:solidFill>
+                <a:latin typeface="Comic Sans MS"/>
+              </a:rPr>
+              <a:t>B) Dropout: train accuracy turun sedikit, tapi val/test bisa lebih stabil.</a:t>
+            </a:r>
+          </a:p>
+          <a:p>
+            <a:pPr>
+              <a:spcAft>
+                <a:spcPts val="500"/>
+              </a:spcAft>
+              <a:defRPr sz="1600">
+                <a:solidFill>
+                  <a:srgbClr val="191919"/>
+                </a:solidFill>
+                <a:latin typeface="Comic Sans MS"/>
+              </a:defRPr>
+            </a:pPr>
+            <a:r>
+              <a:rPr>
+                <a:solidFill>
+                  <a:srgbClr val="191919"/>
+                </a:solidFill>
+                <a:latin typeface="Comic Sans MS"/>
+              </a:rPr>
+              <a:t>C) Digit mirip (4 vs 9): gaya tulisan bervariasi; noise bikin overlap.</a:t>
+            </a:r>
+          </a:p>
+          <a:p>
+            <a:pPr>
+              <a:spcAft>
+                <a:spcPts val="500"/>
+              </a:spcAft>
+              <a:defRPr sz="1600">
                 <a:solidFill>
                   <a:srgbClr val="191919"/>
                 </a:solidFill>
@@ -10997,7 +10997,7 @@
           <a:lstStyle/>
           <a:p>
             <a:pPr>
-              <a:defRPr sz="3600" b="1">
+              <a:defRPr sz="3200" b="1">
                 <a:solidFill>
                   <a:srgbClr val="191919"/>
                 </a:solidFill>
@@ -11050,8 +11050,8 @@
         </p:nvSpPr>
         <p:spPr>
           <a:xfrm>
-            <a:off x="822960" y="1554480"/>
-            <a:ext cx="5303520" cy="365760"/>
+            <a:off x="612648" y="1508760"/>
+            <a:ext cx="5257800" cy="365760"/>
           </a:xfrm>
           <a:prstGeom prst="rect">
             <a:avLst/>
@@ -11092,8 +11092,8 @@
         </p:nvSpPr>
         <p:spPr>
           <a:xfrm>
-            <a:off x="6400800" y="1554480"/>
-            <a:ext cx="5303520" cy="365760"/>
+            <a:off x="6327648" y="1508760"/>
+            <a:ext cx="5257800" cy="365760"/>
           </a:xfrm>
           <a:prstGeom prst="rect">
             <a:avLst/>
@@ -11134,8 +11134,8 @@
         </p:nvSpPr>
         <p:spPr>
           <a:xfrm>
-            <a:off x="822960" y="2011680"/>
-            <a:ext cx="5303520" cy="4480560"/>
+            <a:off x="612648" y="1920240"/>
+            <a:ext cx="5257800" cy="3840479"/>
           </a:xfrm>
           <a:prstGeom prst="rect">
             <a:avLst/>
@@ -11150,7 +11150,7 @@
           <a:p>
             <a:pPr>
               <a:spcAft>
-                <a:spcPts val="400"/>
+                <a:spcPts val="500"/>
               </a:spcAft>
               <a:defRPr sz="1600">
                 <a:solidFill>
@@ -11172,7 +11172,7 @@
           <a:p>
             <a:pPr>
               <a:spcAft>
-                <a:spcPts val="400"/>
+                <a:spcPts val="500"/>
               </a:spcAft>
               <a:defRPr sz="1600">
                 <a:solidFill>
@@ -11194,7 +11194,7 @@
           <a:p>
             <a:pPr>
               <a:spcAft>
-                <a:spcPts val="400"/>
+                <a:spcPts val="500"/>
               </a:spcAft>
               <a:defRPr sz="1600">
                 <a:solidFill>
@@ -11223,8 +11223,8 @@
         </p:nvSpPr>
         <p:spPr>
           <a:xfrm>
-            <a:off x="6400800" y="2011680"/>
-            <a:ext cx="5303520" cy="4480560"/>
+            <a:off x="6327648" y="1920240"/>
+            <a:ext cx="5257800" cy="3840479"/>
           </a:xfrm>
           <a:prstGeom prst="rect">
             <a:avLst/>
@@ -11239,7 +11239,7 @@
           <a:p>
             <a:pPr>
               <a:spcAft>
-                <a:spcPts val="400"/>
+                <a:spcPts val="500"/>
               </a:spcAft>
               <a:defRPr sz="1600">
                 <a:solidFill>
@@ -11261,7 +11261,7 @@
           <a:p>
             <a:pPr>
               <a:spcAft>
-                <a:spcPts val="400"/>
+                <a:spcPts val="500"/>
               </a:spcAft>
               <a:defRPr sz="1600">
                 <a:solidFill>
@@ -11283,7 +11283,7 @@
           <a:p>
             <a:pPr>
               <a:spcAft>
-                <a:spcPts val="400"/>
+                <a:spcPts val="500"/>
               </a:spcAft>
               <a:defRPr sz="1600">
                 <a:solidFill>
@@ -11299,13 +11299,13 @@
                 </a:solidFill>
                 <a:latin typeface="Comic Sans MS"/>
               </a:rPr>
-              <a:t>Model CNN/CRNN untuk teks panjang</a:t>
-            </a:r>
-          </a:p>
-          <a:p>
-            <a:pPr>
-              <a:spcAft>
-                <a:spcPts val="400"/>
+              <a:t>Model CNN / CRNN untuk teks panjang</a:t>
+            </a:r>
+          </a:p>
+          <a:p>
+            <a:pPr>
+              <a:spcAft>
+                <a:spcPts val="500"/>
               </a:spcAft>
               <a:defRPr sz="1600">
                 <a:solidFill>
@@ -11321,7 +11321,7 @@
                 </a:solidFill>
                 <a:latin typeface="Comic Sans MS"/>
               </a:rPr>
-              <a:t>Evaluasi: accuracy per karakter/word error rate</a:t>
+              <a:t>Evaluasi: word error rate</a:t>
             </a:r>
           </a:p>
         </p:txBody>
@@ -11334,8 +11334,8 @@
         </p:nvSpPr>
         <p:spPr>
           <a:xfrm>
-            <a:off x="685800" y="6035040"/>
-            <a:ext cx="10972800" cy="685800"/>
+            <a:off x="612648" y="5897880"/>
+            <a:ext cx="10972800" cy="658368"/>
           </a:xfrm>
           <a:prstGeom prst="roundRect">
             <a:avLst/>
@@ -11343,7 +11343,7 @@
           <a:solidFill>
             <a:srgbClr val="C8E6C9"/>
           </a:solidFill>
-          <a:ln w="25400">
+          <a:ln w="19050">
             <a:solidFill>
               <a:srgbClr val="191919"/>
             </a:solidFill>
@@ -11364,25 +11364,25 @@
           </a:fontRef>
         </p:style>
         <p:txBody>
-          <a:bodyPr rtlCol="0" anchor="ctr"/>
+          <a:bodyPr rtlCol="0" anchor="ctr" wrap="square"/>
           <a:lstStyle/>
           <a:p>
             <a:pPr algn="ctr">
-              <a:defRPr sz="1400">
-                <a:solidFill>
-                  <a:srgbClr val="191919"/>
-                </a:solidFill>
-                <a:latin typeface="Comic Sans MS"/>
-              </a:defRPr>
-            </a:pPr>
-            <a:r>
-              <a:rPr>
-                <a:solidFill>
-                  <a:srgbClr val="191919"/>
-                </a:solidFill>
-                <a:latin typeface="Comic Sans MS"/>
-              </a:rPr>
-              <a:t>MNIST adalah latihan dasar. Kasus OCR nyata butuh data &amp; preprocessing lebih serius.</a:t>
+              <a:defRPr sz="1300">
+                <a:solidFill>
+                  <a:srgbClr val="191919"/>
+                </a:solidFill>
+                <a:latin typeface="Comic Sans MS"/>
+              </a:defRPr>
+            </a:pPr>
+            <a:r>
+              <a:rPr>
+                <a:solidFill>
+                  <a:srgbClr val="191919"/>
+                </a:solidFill>
+                <a:latin typeface="Comic Sans MS"/>
+              </a:rPr>
+              <a:t>MNIST adalah latihan dasar. OCR nyata butuh data &amp; preprocessing lebih serius.</a:t>
             </a:r>
           </a:p>
         </p:txBody>
@@ -11429,7 +11429,7 @@
           <a:lstStyle/>
           <a:p>
             <a:pPr>
-              <a:defRPr sz="3600" b="1">
+              <a:defRPr sz="3200" b="1">
                 <a:solidFill>
                   <a:srgbClr val="191919"/>
                 </a:solidFill>
@@ -11456,8 +11456,8 @@
         </p:nvSpPr>
         <p:spPr>
           <a:xfrm>
-            <a:off x="822960" y="2011680"/>
-            <a:ext cx="10972800" cy="1828800"/>
+            <a:off x="612648" y="2057400"/>
+            <a:ext cx="10972800" cy="1463040"/>
           </a:xfrm>
           <a:prstGeom prst="rect">
             <a:avLst/>
@@ -11532,7 +11532,7 @@
           <a:lstStyle/>
           <a:p>
             <a:pPr>
-              <a:defRPr sz="3600" b="1">
+              <a:defRPr sz="3200" b="1">
                 <a:solidFill>
                   <a:srgbClr val="191919"/>
                 </a:solidFill>
@@ -11585,8 +11585,8 @@
         </p:nvSpPr>
         <p:spPr>
           <a:xfrm>
-            <a:off x="822960" y="1645920"/>
-            <a:ext cx="10972800" cy="3840480"/>
+            <a:off x="612648" y="1508760"/>
+            <a:ext cx="10972800" cy="2743200"/>
           </a:xfrm>
           <a:prstGeom prst="rect">
             <a:avLst/>
@@ -11601,7 +11601,7 @@
           <a:p>
             <a:pPr>
               <a:spcAft>
-                <a:spcPts val="400"/>
+                <a:spcPts val="500"/>
               </a:spcAft>
               <a:defRPr sz="1800">
                 <a:solidFill>
@@ -11623,7 +11623,7 @@
           <a:p>
             <a:pPr>
               <a:spcAft>
-                <a:spcPts val="400"/>
+                <a:spcPts val="500"/>
               </a:spcAft>
               <a:defRPr sz="1800">
                 <a:solidFill>
@@ -11645,7 +11645,7 @@
           <a:p>
             <a:pPr>
               <a:spcAft>
-                <a:spcPts val="400"/>
+                <a:spcPts val="500"/>
               </a:spcAft>
               <a:defRPr sz="1800">
                 <a:solidFill>
@@ -11674,8 +11674,8 @@
         </p:nvSpPr>
         <p:spPr>
           <a:xfrm>
-            <a:off x="822960" y="4754880"/>
-            <a:ext cx="10972800" cy="1097280"/>
+            <a:off x="612648" y="4389120"/>
+            <a:ext cx="10972800" cy="914400"/>
           </a:xfrm>
           <a:prstGeom prst="roundRect">
             <a:avLst/>
@@ -11683,7 +11683,7 @@
           <a:solidFill>
             <a:srgbClr val="F5F5F5"/>
           </a:solidFill>
-          <a:ln w="25400">
+          <a:ln w="19050">
             <a:solidFill>
               <a:srgbClr val="191919"/>
             </a:solidFill>
@@ -11716,7 +11716,7 @@
               </a:defRPr>
             </a:pPr>
             <a:r>
-              <a:rPr sz="1500">
+              <a:rPr sz="1400">
                 <a:solidFill>
                   <a:srgbClr val="191919"/>
                 </a:solidFill>
@@ -11769,7 +11769,7 @@
           <a:lstStyle/>
           <a:p>
             <a:pPr>
-              <a:defRPr sz="3600" b="1">
+              <a:defRPr sz="3200" b="1">
                 <a:solidFill>
                   <a:srgbClr val="191919"/>
                 </a:solidFill>
@@ -11796,8 +11796,8 @@
         </p:nvSpPr>
         <p:spPr>
           <a:xfrm>
-            <a:off x="594360" y="2011680"/>
-            <a:ext cx="2057400" cy="822960"/>
+            <a:off x="-73151" y="1600200"/>
+            <a:ext cx="1828800" cy="777240"/>
           </a:xfrm>
           <a:prstGeom prst="roundRect">
             <a:avLst/>
@@ -11805,7 +11805,7 @@
           <a:solidFill>
             <a:srgbClr val="B3E5FC"/>
           </a:solidFill>
-          <a:ln w="25400">
+          <a:ln w="19050">
             <a:solidFill>
               <a:srgbClr val="191919"/>
             </a:solidFill>
@@ -11826,11 +11826,11 @@
           </a:fontRef>
         </p:style>
         <p:txBody>
-          <a:bodyPr rtlCol="0" anchor="ctr"/>
+          <a:bodyPr rtlCol="0" anchor="ctr" wrap="square"/>
           <a:lstStyle/>
           <a:p>
             <a:pPr algn="ctr">
-              <a:defRPr sz="1600" b="1">
+              <a:defRPr sz="1500" b="1">
                 <a:solidFill>
                   <a:srgbClr val="191919"/>
                 </a:solidFill>
@@ -11857,8 +11857,8 @@
         </p:nvSpPr>
         <p:spPr>
           <a:xfrm>
-            <a:off x="2651760" y="2212848"/>
-            <a:ext cx="228600" cy="420624"/>
+            <a:off x="1755648" y="1828800"/>
+            <a:ext cx="274320" cy="320040"/>
           </a:xfrm>
           <a:prstGeom prst="rightArrow">
             <a:avLst/>
@@ -11909,8 +11909,8 @@
         </p:nvSpPr>
         <p:spPr>
           <a:xfrm>
-            <a:off x="2880360" y="2011680"/>
-            <a:ext cx="2057400" cy="822960"/>
+            <a:off x="2029967" y="1600200"/>
+            <a:ext cx="1828800" cy="777240"/>
           </a:xfrm>
           <a:prstGeom prst="roundRect">
             <a:avLst/>
@@ -11918,7 +11918,7 @@
           <a:solidFill>
             <a:srgbClr val="B3E5FC"/>
           </a:solidFill>
-          <a:ln w="25400">
+          <a:ln w="19050">
             <a:solidFill>
               <a:srgbClr val="191919"/>
             </a:solidFill>
@@ -11939,11 +11939,11 @@
           </a:fontRef>
         </p:style>
         <p:txBody>
-          <a:bodyPr rtlCol="0" anchor="ctr"/>
+          <a:bodyPr rtlCol="0" anchor="ctr" wrap="square"/>
           <a:lstStyle/>
           <a:p>
             <a:pPr algn="ctr">
-              <a:defRPr sz="1600" b="1">
+              <a:defRPr sz="1500" b="1">
                 <a:solidFill>
                   <a:srgbClr val="191919"/>
                 </a:solidFill>
@@ -11970,8 +11970,8 @@
         </p:nvSpPr>
         <p:spPr>
           <a:xfrm>
-            <a:off x="4937760" y="2212848"/>
-            <a:ext cx="228600" cy="420624"/>
+            <a:off x="3858768" y="1828800"/>
+            <a:ext cx="274320" cy="320040"/>
           </a:xfrm>
           <a:prstGeom prst="rightArrow">
             <a:avLst/>
@@ -12022,8 +12022,8 @@
         </p:nvSpPr>
         <p:spPr>
           <a:xfrm>
-            <a:off x="5166360" y="2011680"/>
-            <a:ext cx="2057400" cy="822960"/>
+            <a:off x="4133087" y="1600200"/>
+            <a:ext cx="1828800" cy="777240"/>
           </a:xfrm>
           <a:prstGeom prst="roundRect">
             <a:avLst/>
@@ -12031,7 +12031,7 @@
           <a:solidFill>
             <a:srgbClr val="B3E5FC"/>
           </a:solidFill>
-          <a:ln w="25400">
+          <a:ln w="19050">
             <a:solidFill>
               <a:srgbClr val="191919"/>
             </a:solidFill>
@@ -12052,11 +12052,11 @@
           </a:fontRef>
         </p:style>
         <p:txBody>
-          <a:bodyPr rtlCol="0" anchor="ctr"/>
+          <a:bodyPr rtlCol="0" anchor="ctr" wrap="square"/>
           <a:lstStyle/>
           <a:p>
             <a:pPr algn="ctr">
-              <a:defRPr sz="1600" b="1">
+              <a:defRPr sz="1500" b="1">
                 <a:solidFill>
                   <a:srgbClr val="191919"/>
                 </a:solidFill>
@@ -12083,8 +12083,8 @@
         </p:nvSpPr>
         <p:spPr>
           <a:xfrm>
-            <a:off x="7223760" y="2212848"/>
-            <a:ext cx="228600" cy="420624"/>
+            <a:off x="5961888" y="1828800"/>
+            <a:ext cx="274320" cy="320040"/>
           </a:xfrm>
           <a:prstGeom prst="rightArrow">
             <a:avLst/>
@@ -12135,8 +12135,8 @@
         </p:nvSpPr>
         <p:spPr>
           <a:xfrm>
-            <a:off x="7452360" y="2011680"/>
-            <a:ext cx="2057400" cy="822960"/>
+            <a:off x="6236207" y="1600200"/>
+            <a:ext cx="1828800" cy="777240"/>
           </a:xfrm>
           <a:prstGeom prst="roundRect">
             <a:avLst/>
@@ -12144,7 +12144,7 @@
           <a:solidFill>
             <a:srgbClr val="B3E5FC"/>
           </a:solidFill>
-          <a:ln w="25400">
+          <a:ln w="19050">
             <a:solidFill>
               <a:srgbClr val="191919"/>
             </a:solidFill>
@@ -12165,11 +12165,11 @@
           </a:fontRef>
         </p:style>
         <p:txBody>
-          <a:bodyPr rtlCol="0" anchor="ctr"/>
+          <a:bodyPr rtlCol="0" anchor="ctr" wrap="square"/>
           <a:lstStyle/>
           <a:p>
             <a:pPr algn="ctr">
-              <a:defRPr sz="1600" b="1">
+              <a:defRPr sz="1500" b="1">
                 <a:solidFill>
                   <a:srgbClr val="191919"/>
                 </a:solidFill>
@@ -12196,8 +12196,8 @@
         </p:nvSpPr>
         <p:spPr>
           <a:xfrm>
-            <a:off x="9509760" y="2212848"/>
-            <a:ext cx="228600" cy="420624"/>
+            <a:off x="8065008" y="1828800"/>
+            <a:ext cx="274320" cy="320040"/>
           </a:xfrm>
           <a:prstGeom prst="rightArrow">
             <a:avLst/>
@@ -12248,8 +12248,8 @@
         </p:nvSpPr>
         <p:spPr>
           <a:xfrm>
-            <a:off x="9738360" y="2011680"/>
-            <a:ext cx="2057400" cy="822960"/>
+            <a:off x="8339327" y="1600200"/>
+            <a:ext cx="1828800" cy="777240"/>
           </a:xfrm>
           <a:prstGeom prst="roundRect">
             <a:avLst/>
@@ -12257,7 +12257,7 @@
           <a:solidFill>
             <a:srgbClr val="B3E5FC"/>
           </a:solidFill>
-          <a:ln w="25400">
+          <a:ln w="19050">
             <a:solidFill>
               <a:srgbClr val="191919"/>
             </a:solidFill>
@@ -12278,11 +12278,11 @@
           </a:fontRef>
         </p:style>
         <p:txBody>
-          <a:bodyPr rtlCol="0" anchor="ctr"/>
+          <a:bodyPr rtlCol="0" anchor="ctr" wrap="square"/>
           <a:lstStyle/>
           <a:p>
             <a:pPr algn="ctr">
-              <a:defRPr sz="1600" b="1">
+              <a:defRPr sz="1500" b="1">
                 <a:solidFill>
                   <a:srgbClr val="191919"/>
                 </a:solidFill>
@@ -12309,8 +12309,8 @@
         </p:nvSpPr>
         <p:spPr>
           <a:xfrm>
-            <a:off x="11795760" y="2212848"/>
-            <a:ext cx="228600" cy="420624"/>
+            <a:off x="10168128" y="1828800"/>
+            <a:ext cx="274320" cy="320040"/>
           </a:xfrm>
           <a:prstGeom prst="rightArrow">
             <a:avLst/>
@@ -12361,8 +12361,8 @@
         </p:nvSpPr>
         <p:spPr>
           <a:xfrm>
-            <a:off x="12024360" y="2011680"/>
-            <a:ext cx="2057400" cy="822960"/>
+            <a:off x="10442448" y="1600200"/>
+            <a:ext cx="1828800" cy="777240"/>
           </a:xfrm>
           <a:prstGeom prst="roundRect">
             <a:avLst/>
@@ -12370,7 +12370,7 @@
           <a:solidFill>
             <a:srgbClr val="B3E5FC"/>
           </a:solidFill>
-          <a:ln w="25400">
+          <a:ln w="19050">
             <a:solidFill>
               <a:srgbClr val="191919"/>
             </a:solidFill>
@@ -12391,11 +12391,11 @@
           </a:fontRef>
         </p:style>
         <p:txBody>
-          <a:bodyPr rtlCol="0" anchor="ctr"/>
+          <a:bodyPr rtlCol="0" anchor="ctr" wrap="square"/>
           <a:lstStyle/>
           <a:p>
             <a:pPr algn="ctr">
-              <a:defRPr sz="1600" b="1">
+              <a:defRPr sz="1500" b="1">
                 <a:solidFill>
                   <a:srgbClr val="191919"/>
                 </a:solidFill>
@@ -12422,8 +12422,8 @@
         </p:nvSpPr>
         <p:spPr>
           <a:xfrm>
-            <a:off x="822960" y="3291840"/>
-            <a:ext cx="10972800" cy="2468880"/>
+            <a:off x="612648" y="3108960"/>
+            <a:ext cx="10972800" cy="2286000"/>
           </a:xfrm>
           <a:prstGeom prst="rect">
             <a:avLst/>
@@ -12438,7 +12438,7 @@
           <a:p>
             <a:pPr>
               <a:spcAft>
-                <a:spcPts val="400"/>
+                <a:spcPts val="500"/>
               </a:spcAft>
               <a:defRPr sz="1800">
                 <a:solidFill>
@@ -12460,23 +12460,23 @@
           <a:p>
             <a:pPr>
               <a:spcAft>
-                <a:spcPts val="400"/>
-              </a:spcAft>
-              <a:defRPr sz="1800">
-                <a:solidFill>
-                  <a:srgbClr val="191919"/>
-                </a:solidFill>
-                <a:latin typeface="Comic Sans MS"/>
-              </a:defRPr>
-            </a:pPr>
-            <a:r>
-              <a:rPr>
-                <a:solidFill>
-                  <a:srgbClr val="191919"/>
-                </a:solidFill>
-                <a:latin typeface="Comic Sans MS"/>
-              </a:rPr>
-              <a:t>Target akhir: Anda bisa menjelaskan 2 hal: (1) hasil/metric, (2) mengapa hasilnya begitu.</a:t>
+                <a:spcPts val="500"/>
+              </a:spcAft>
+              <a:defRPr sz="1800">
+                <a:solidFill>
+                  <a:srgbClr val="191919"/>
+                </a:solidFill>
+                <a:latin typeface="Comic Sans MS"/>
+              </a:defRPr>
+            </a:pPr>
+            <a:r>
+              <a:rPr>
+                <a:solidFill>
+                  <a:srgbClr val="191919"/>
+                </a:solidFill>
+                <a:latin typeface="Comic Sans MS"/>
+              </a:rPr>
+              <a:t>Target akhir: Anda bisa menjelaskan 2 hal — (1) hasil/metric, (2) mengapa hasilnya begitu.</a:t>
             </a:r>
           </a:p>
         </p:txBody>
@@ -12523,7 +12523,7 @@
           <a:lstStyle/>
           <a:p>
             <a:pPr>
-              <a:defRPr sz="3600" b="1">
+              <a:defRPr sz="3200" b="1">
                 <a:solidFill>
                   <a:srgbClr val="191919"/>
                 </a:solidFill>
@@ -12576,8 +12576,8 @@
         </p:nvSpPr>
         <p:spPr>
           <a:xfrm>
-            <a:off x="822960" y="1645920"/>
-            <a:ext cx="10972800" cy="4754880"/>
+            <a:off x="612648" y="1508760"/>
+            <a:ext cx="10972800" cy="4572000"/>
           </a:xfrm>
           <a:prstGeom prst="rect">
             <a:avLst/>
@@ -12592,51 +12592,51 @@
           <a:p>
             <a:pPr>
               <a:spcAft>
-                <a:spcPts val="400"/>
-              </a:spcAft>
-              <a:defRPr sz="1800">
-                <a:solidFill>
-                  <a:srgbClr val="191919"/>
-                </a:solidFill>
-                <a:latin typeface="Comic Sans MS"/>
-              </a:defRPr>
-            </a:pPr>
-            <a:r>
-              <a:rPr>
-                <a:solidFill>
-                  <a:srgbClr val="191919"/>
-                </a:solidFill>
-                <a:latin typeface="Comic Sans MS"/>
-              </a:rPr>
-              <a:t>Convolution menangkap pola lokal (edge/texture) tanpa harus 'melihat' seluruh gambar sekaligus.</a:t>
-            </a:r>
-          </a:p>
-          <a:p>
-            <a:pPr>
-              <a:spcAft>
-                <a:spcPts val="400"/>
-              </a:spcAft>
-              <a:defRPr sz="1800">
-                <a:solidFill>
-                  <a:srgbClr val="191919"/>
-                </a:solidFill>
-                <a:latin typeface="Comic Sans MS"/>
-              </a:defRPr>
-            </a:pPr>
-            <a:r>
-              <a:rPr>
-                <a:solidFill>
-                  <a:srgbClr val="191919"/>
-                </a:solidFill>
-                <a:latin typeface="Comic Sans MS"/>
-              </a:rPr>
-              <a:t>Pooling mereduksi ukuran dan membuat model lebih tahan terhadap pergeseran kecil.</a:t>
-            </a:r>
-          </a:p>
-          <a:p>
-            <a:pPr>
-              <a:spcAft>
-                <a:spcPts val="400"/>
+                <a:spcPts val="500"/>
+              </a:spcAft>
+              <a:defRPr sz="1800">
+                <a:solidFill>
+                  <a:srgbClr val="191919"/>
+                </a:solidFill>
+                <a:latin typeface="Comic Sans MS"/>
+              </a:defRPr>
+            </a:pPr>
+            <a:r>
+              <a:rPr>
+                <a:solidFill>
+                  <a:srgbClr val="191919"/>
+                </a:solidFill>
+                <a:latin typeface="Comic Sans MS"/>
+              </a:rPr>
+              <a:t>Convolution menangkap pola lokal (edge/texture) tanpa 'melihat' seluruh gambar.</a:t>
+            </a:r>
+          </a:p>
+          <a:p>
+            <a:pPr>
+              <a:spcAft>
+                <a:spcPts val="500"/>
+              </a:spcAft>
+              <a:defRPr sz="1800">
+                <a:solidFill>
+                  <a:srgbClr val="191919"/>
+                </a:solidFill>
+                <a:latin typeface="Comic Sans MS"/>
+              </a:defRPr>
+            </a:pPr>
+            <a:r>
+              <a:rPr>
+                <a:solidFill>
+                  <a:srgbClr val="191919"/>
+                </a:solidFill>
+                <a:latin typeface="Comic Sans MS"/>
+              </a:rPr>
+              <a:t>Pooling mereduksi ukuran dan membuat model tahan terhadap pergeseran kecil.</a:t>
+            </a:r>
+          </a:p>
+          <a:p>
+            <a:pPr>
+              <a:spcAft>
+                <a:spcPts val="500"/>
               </a:spcAft>
               <a:defRPr sz="1800">
                 <a:solidFill>
@@ -12699,7 +12699,7 @@
           <a:lstStyle/>
           <a:p>
             <a:pPr>
-              <a:defRPr sz="3600" b="1">
+              <a:defRPr sz="3200" b="1">
                 <a:solidFill>
                   <a:srgbClr val="191919"/>
                 </a:solidFill>
@@ -12752,8 +12752,8 @@
         </p:nvSpPr>
         <p:spPr>
           <a:xfrm>
-            <a:off x="822960" y="1645920"/>
-            <a:ext cx="10972800" cy="4754880"/>
+            <a:off x="612648" y="1508760"/>
+            <a:ext cx="10972800" cy="4572000"/>
           </a:xfrm>
           <a:prstGeom prst="rect">
             <a:avLst/>
@@ -12768,67 +12768,67 @@
           <a:p>
             <a:pPr>
               <a:spcAft>
-                <a:spcPts val="400"/>
-              </a:spcAft>
-              <a:defRPr sz="1800">
-                <a:solidFill>
-                  <a:srgbClr val="191919"/>
-                </a:solidFill>
-                <a:latin typeface="Comic Sans MS"/>
-              </a:defRPr>
-            </a:pPr>
-            <a:r>
-              <a:rPr>
-                <a:solidFill>
-                  <a:srgbClr val="191919"/>
-                </a:solidFill>
-                <a:latin typeface="Comic Sans MS"/>
-              </a:rPr>
-              <a:t>Latihan A: Tambah filter (mis. 16→32) dan lihat akurasi + waktu training.</a:t>
-            </a:r>
-          </a:p>
-          <a:p>
-            <a:pPr>
-              <a:spcAft>
-                <a:spcPts val="400"/>
-              </a:spcAft>
-              <a:defRPr sz="1800">
-                <a:solidFill>
-                  <a:srgbClr val="191919"/>
-                </a:solidFill>
-                <a:latin typeface="Comic Sans MS"/>
-              </a:defRPr>
-            </a:pPr>
-            <a:r>
-              <a:rPr>
-                <a:solidFill>
-                  <a:srgbClr val="191919"/>
-                </a:solidFill>
-                <a:latin typeface="Comic Sans MS"/>
-              </a:rPr>
-              <a:t>Latihan B: Tambah 1 layer conv. Apakah akurasi naik atau malah overfitting?</a:t>
-            </a:r>
-          </a:p>
-          <a:p>
-            <a:pPr>
-              <a:spcAft>
-                <a:spcPts val="400"/>
-              </a:spcAft>
-              <a:defRPr sz="1800">
-                <a:solidFill>
-                  <a:srgbClr val="191919"/>
-                </a:solidFill>
-                <a:latin typeface="Comic Sans MS"/>
-              </a:defRPr>
-            </a:pPr>
-            <a:r>
-              <a:rPr>
-                <a:solidFill>
-                  <a:srgbClr val="191919"/>
-                </a:solidFill>
-                <a:latin typeface="Comic Sans MS"/>
-              </a:rPr>
-              <a:t>Latihan C: Kurangi epoch untuk eksperimen cepat. Bagaimana trade-off waktu vs performa?</a:t>
+                <a:spcPts val="500"/>
+              </a:spcAft>
+              <a:defRPr sz="1800">
+                <a:solidFill>
+                  <a:srgbClr val="191919"/>
+                </a:solidFill>
+                <a:latin typeface="Comic Sans MS"/>
+              </a:defRPr>
+            </a:pPr>
+            <a:r>
+              <a:rPr>
+                <a:solidFill>
+                  <a:srgbClr val="191919"/>
+                </a:solidFill>
+                <a:latin typeface="Comic Sans MS"/>
+              </a:rPr>
+              <a:t>Latihan A: Tambah filter (16→32) dan lihat akurasi + waktu training.</a:t>
+            </a:r>
+          </a:p>
+          <a:p>
+            <a:pPr>
+              <a:spcAft>
+                <a:spcPts val="500"/>
+              </a:spcAft>
+              <a:defRPr sz="1800">
+                <a:solidFill>
+                  <a:srgbClr val="191919"/>
+                </a:solidFill>
+                <a:latin typeface="Comic Sans MS"/>
+              </a:defRPr>
+            </a:pPr>
+            <a:r>
+              <a:rPr>
+                <a:solidFill>
+                  <a:srgbClr val="191919"/>
+                </a:solidFill>
+                <a:latin typeface="Comic Sans MS"/>
+              </a:rPr>
+              <a:t>Latihan B: Tambah 1 layer conv. Akurasi naik atau overfitting?</a:t>
+            </a:r>
+          </a:p>
+          <a:p>
+            <a:pPr>
+              <a:spcAft>
+                <a:spcPts val="500"/>
+              </a:spcAft>
+              <a:defRPr sz="1800">
+                <a:solidFill>
+                  <a:srgbClr val="191919"/>
+                </a:solidFill>
+                <a:latin typeface="Comic Sans MS"/>
+              </a:defRPr>
+            </a:pPr>
+            <a:r>
+              <a:rPr>
+                <a:solidFill>
+                  <a:srgbClr val="191919"/>
+                </a:solidFill>
+                <a:latin typeface="Comic Sans MS"/>
+              </a:rPr>
+              <a:t>Latihan C: Kurangi epoch untuk eksperimen cepat. Trade-off waktu vs performa?</a:t>
             </a:r>
           </a:p>
         </p:txBody>
@@ -12875,7 +12875,7 @@
           <a:lstStyle/>
           <a:p>
             <a:pPr>
-              <a:defRPr sz="3600" b="1">
+              <a:defRPr sz="3200" b="1">
                 <a:solidFill>
                   <a:srgbClr val="191919"/>
                 </a:solidFill>
@@ -12928,8 +12928,8 @@
         </p:nvSpPr>
         <p:spPr>
           <a:xfrm>
-            <a:off x="822960" y="1645920"/>
-            <a:ext cx="10972800" cy="4754880"/>
+            <a:off x="612648" y="1508760"/>
+            <a:ext cx="10972800" cy="4572000"/>
           </a:xfrm>
           <a:prstGeom prst="rect">
             <a:avLst/>
@@ -12944,53 +12944,53 @@
           <a:p>
             <a:pPr>
               <a:spcAft>
-                <a:spcPts val="400"/>
-              </a:spcAft>
-              <a:defRPr sz="1700">
-                <a:solidFill>
-                  <a:srgbClr val="191919"/>
-                </a:solidFill>
-                <a:latin typeface="Comic Sans MS"/>
-              </a:defRPr>
-            </a:pPr>
-            <a:r>
-              <a:rPr>
-                <a:solidFill>
-                  <a:srgbClr val="191919"/>
-                </a:solidFill>
-                <a:latin typeface="Comic Sans MS"/>
-              </a:rPr>
-              <a:t>A) Filter naik: kapasitas model naik → akurasi bisa naik, tapi training lebih lama.</a:t>
-            </a:r>
-          </a:p>
-          <a:p>
-            <a:pPr>
-              <a:spcAft>
-                <a:spcPts val="400"/>
-              </a:spcAft>
-              <a:defRPr sz="1700">
-                <a:solidFill>
-                  <a:srgbClr val="191919"/>
-                </a:solidFill>
-                <a:latin typeface="Comic Sans MS"/>
-              </a:defRPr>
-            </a:pPr>
-            <a:r>
-              <a:rPr>
-                <a:solidFill>
-                  <a:srgbClr val="191919"/>
-                </a:solidFill>
-                <a:latin typeface="Comic Sans MS"/>
-              </a:rPr>
-              <a:t>B) Layer bertambah: bisa menangkap pola lebih kompleks, tapi risiko overfitting naik.</a:t>
-            </a:r>
-          </a:p>
-          <a:p>
-            <a:pPr>
-              <a:spcAft>
-                <a:spcPts val="400"/>
-              </a:spcAft>
-              <a:defRPr sz="1700">
+                <a:spcPts val="500"/>
+              </a:spcAft>
+              <a:defRPr sz="1600">
+                <a:solidFill>
+                  <a:srgbClr val="191919"/>
+                </a:solidFill>
+                <a:latin typeface="Comic Sans MS"/>
+              </a:defRPr>
+            </a:pPr>
+            <a:r>
+              <a:rPr>
+                <a:solidFill>
+                  <a:srgbClr val="191919"/>
+                </a:solidFill>
+                <a:latin typeface="Comic Sans MS"/>
+              </a:rPr>
+              <a:t>A) Filter naik: kapasitas naik → akurasi bisa naik, tapi training lebih lama.</a:t>
+            </a:r>
+          </a:p>
+          <a:p>
+            <a:pPr>
+              <a:spcAft>
+                <a:spcPts val="500"/>
+              </a:spcAft>
+              <a:defRPr sz="1600">
+                <a:solidFill>
+                  <a:srgbClr val="191919"/>
+                </a:solidFill>
+                <a:latin typeface="Comic Sans MS"/>
+              </a:defRPr>
+            </a:pPr>
+            <a:r>
+              <a:rPr>
+                <a:solidFill>
+                  <a:srgbClr val="191919"/>
+                </a:solidFill>
+                <a:latin typeface="Comic Sans MS"/>
+              </a:rPr>
+              <a:t>B) Layer bertambah: pola lebih kompleks, tapi risiko overfitting naik.</a:t>
+            </a:r>
+          </a:p>
+          <a:p>
+            <a:pPr>
+              <a:spcAft>
+                <a:spcPts val="500"/>
+              </a:spcAft>
+              <a:defRPr sz="1600">
                 <a:solidFill>
                   <a:srgbClr val="191919"/>
                 </a:solidFill>
@@ -13010,23 +13010,23 @@
           <a:p>
             <a:pPr>
               <a:spcAft>
-                <a:spcPts val="400"/>
-              </a:spcAft>
-              <a:defRPr sz="1700">
-                <a:solidFill>
-                  <a:srgbClr val="191919"/>
-                </a:solidFill>
-                <a:latin typeface="Comic Sans MS"/>
-              </a:defRPr>
-            </a:pPr>
-            <a:r>
-              <a:rPr>
-                <a:solidFill>
-                  <a:srgbClr val="191919"/>
-                </a:solidFill>
-                <a:latin typeface="Comic Sans MS"/>
-              </a:rPr>
-              <a:t>   Praktik: cari baseline cepat dulu → baru training lebih lama saat arsitektur sudah oke.</a:t>
+                <a:spcPts val="500"/>
+              </a:spcAft>
+              <a:defRPr sz="1600">
+                <a:solidFill>
+                  <a:srgbClr val="191919"/>
+                </a:solidFill>
+                <a:latin typeface="Comic Sans MS"/>
+              </a:defRPr>
+            </a:pPr>
+            <a:r>
+              <a:rPr>
+                <a:solidFill>
+                  <a:srgbClr val="191919"/>
+                </a:solidFill>
+                <a:latin typeface="Comic Sans MS"/>
+              </a:rPr>
+              <a:t>   Praktik: baseline cepat dulu → training lama saat arsitektur oke.</a:t>
             </a:r>
           </a:p>
         </p:txBody>
@@ -13073,21 +13073,21 @@
           <a:lstStyle/>
           <a:p>
             <a:pPr>
-              <a:defRPr sz="3600" b="1">
-                <a:solidFill>
-                  <a:srgbClr val="191919"/>
-                </a:solidFill>
-                <a:latin typeface="Comic Sans MS"/>
-              </a:defRPr>
-            </a:pPr>
-            <a:r>
-              <a:rPr>
-                <a:solidFill>
-                  <a:srgbClr val="191919"/>
-                </a:solidFill>
-                <a:latin typeface="Comic Sans MS"/>
-              </a:rPr>
-              <a:t>Modul 4: Contoh Kasus Nyata (Quality Check / Klasifikasi Produk)</a:t>
+              <a:defRPr sz="3200" b="1">
+                <a:solidFill>
+                  <a:srgbClr val="191919"/>
+                </a:solidFill>
+                <a:latin typeface="Comic Sans MS"/>
+              </a:defRPr>
+            </a:pPr>
+            <a:r>
+              <a:rPr>
+                <a:solidFill>
+                  <a:srgbClr val="191919"/>
+                </a:solidFill>
+                <a:latin typeface="Comic Sans MS"/>
+              </a:rPr>
+              <a:t>Modul 4: Kasus Nyata (Quality Check / Klasifikasi Produk)</a:t>
             </a:r>
           </a:p>
         </p:txBody>
@@ -13126,8 +13126,8 @@
         </p:nvSpPr>
         <p:spPr>
           <a:xfrm>
-            <a:off x="822960" y="1554480"/>
-            <a:ext cx="5303520" cy="365760"/>
+            <a:off x="612648" y="1508760"/>
+            <a:ext cx="5257800" cy="365760"/>
           </a:xfrm>
           <a:prstGeom prst="rect">
             <a:avLst/>
@@ -13168,8 +13168,8 @@
         </p:nvSpPr>
         <p:spPr>
           <a:xfrm>
-            <a:off x="6400800" y="1554480"/>
-            <a:ext cx="5303520" cy="365760"/>
+            <a:off x="6327648" y="1508760"/>
+            <a:ext cx="5257800" cy="365760"/>
           </a:xfrm>
           <a:prstGeom prst="rect">
             <a:avLst/>
@@ -13210,8 +13210,8 @@
         </p:nvSpPr>
         <p:spPr>
           <a:xfrm>
-            <a:off x="822960" y="2011680"/>
-            <a:ext cx="5303520" cy="4480560"/>
+            <a:off x="612648" y="1920240"/>
+            <a:ext cx="5257800" cy="3840479"/>
           </a:xfrm>
           <a:prstGeom prst="rect">
             <a:avLst/>
@@ -13226,7 +13226,7 @@
           <a:p>
             <a:pPr>
               <a:spcAft>
-                <a:spcPts val="400"/>
+                <a:spcPts val="500"/>
               </a:spcAft>
               <a:defRPr sz="1600">
                 <a:solidFill>
@@ -13248,7 +13248,7 @@
           <a:p>
             <a:pPr>
               <a:spcAft>
-                <a:spcPts val="400"/>
+                <a:spcPts val="500"/>
               </a:spcAft>
               <a:defRPr sz="1600">
                 <a:solidFill>
@@ -13270,7 +13270,7 @@
           <a:p>
             <a:pPr>
               <a:spcAft>
-                <a:spcPts val="400"/>
+                <a:spcPts val="500"/>
               </a:spcAft>
               <a:defRPr sz="1600">
                 <a:solidFill>
@@ -13286,7 +13286,7 @@
                 </a:solidFill>
                 <a:latin typeface="Comic Sans MS"/>
               </a:rPr>
-              <a:t>Klasifikasi makanan (fresh/tidak)</a:t>
+              <a:t>Klasifikasi makanan (fresh / tidak)</a:t>
             </a:r>
           </a:p>
         </p:txBody>
@@ -13299,8 +13299,8 @@
         </p:nvSpPr>
         <p:spPr>
           <a:xfrm>
-            <a:off x="6400800" y="2011680"/>
-            <a:ext cx="5303520" cy="4480560"/>
+            <a:off x="6327648" y="1920240"/>
+            <a:ext cx="5257800" cy="3840479"/>
           </a:xfrm>
           <a:prstGeom prst="rect">
             <a:avLst/>
@@ -13315,7 +13315,7 @@
           <a:p>
             <a:pPr>
               <a:spcAft>
-                <a:spcPts val="400"/>
+                <a:spcPts val="500"/>
               </a:spcAft>
               <a:defRPr sz="1600">
                 <a:solidFill>
@@ -13331,13 +13331,13 @@
                 </a:solidFill>
                 <a:latin typeface="Comic Sans MS"/>
               </a:rPr>
-              <a:t>Data harus representatif (cahaya, kamera, sudut)</a:t>
-            </a:r>
-          </a:p>
-          <a:p>
-            <a:pPr>
-              <a:spcAft>
-                <a:spcPts val="400"/>
+              <a:t>Data harus representatif (cahaya, sudut)</a:t>
+            </a:r>
+          </a:p>
+          <a:p>
+            <a:pPr>
+              <a:spcAft>
+                <a:spcPts val="500"/>
               </a:spcAft>
               <a:defRPr sz="1600">
                 <a:solidFill>
@@ -13353,13 +13353,13 @@
                 </a:solidFill>
                 <a:latin typeface="Comic Sans MS"/>
               </a:rPr>
-              <a:t>Evaluasi: per kelas (kelas minoritas sering gagal)</a:t>
-            </a:r>
-          </a:p>
-          <a:p>
-            <a:pPr>
-              <a:spcAft>
-                <a:spcPts val="400"/>
+              <a:t>Evaluasi per kelas (minoritas sering gagal)</a:t>
+            </a:r>
+          </a:p>
+          <a:p>
+            <a:pPr>
+              <a:spcAft>
+                <a:spcPts val="500"/>
               </a:spcAft>
               <a:defRPr sz="1600">
                 <a:solidFill>
@@ -13375,13 +13375,13 @@
                 </a:solidFill>
                 <a:latin typeface="Comic Sans MS"/>
               </a:rPr>
-              <a:t>Waspada: domain shift (kamera produksi vs data training)</a:t>
-            </a:r>
-          </a:p>
-          <a:p>
-            <a:pPr>
-              <a:spcAft>
-                <a:spcPts val="400"/>
+              <a:t>Waspada: domain shift</a:t>
+            </a:r>
+          </a:p>
+          <a:p>
+            <a:pPr>
+              <a:spcAft>
+                <a:spcPts val="500"/>
               </a:spcAft>
               <a:defRPr sz="1600">
                 <a:solidFill>
@@ -13397,7 +13397,7 @@
                 </a:solidFill>
                 <a:latin typeface="Comic Sans MS"/>
               </a:rPr>
-              <a:t>Solusi: transfer learning + monitoring performa</a:t>
+              <a:t>Solusi: transfer learning + monitoring</a:t>
             </a:r>
           </a:p>
         </p:txBody>
@@ -13444,7 +13444,7 @@
           <a:lstStyle/>
           <a:p>
             <a:pPr>
-              <a:defRPr sz="3600" b="1">
+              <a:defRPr sz="3200" b="1">
                 <a:solidFill>
                   <a:srgbClr val="191919"/>
                 </a:solidFill>
@@ -13471,8 +13471,8 @@
         </p:nvSpPr>
         <p:spPr>
           <a:xfrm>
-            <a:off x="822960" y="2011680"/>
-            <a:ext cx="10972800" cy="1828800"/>
+            <a:off x="612648" y="2057400"/>
+            <a:ext cx="10972800" cy="1463040"/>
           </a:xfrm>
           <a:prstGeom prst="rect">
             <a:avLst/>
@@ -13547,7 +13547,7 @@
           <a:lstStyle/>
           <a:p>
             <a:pPr>
-              <a:defRPr sz="3600" b="1">
+              <a:defRPr sz="3200" b="1">
                 <a:solidFill>
                   <a:srgbClr val="191919"/>
                 </a:solidFill>
@@ -13600,8 +13600,8 @@
         </p:nvSpPr>
         <p:spPr>
           <a:xfrm>
-            <a:off x="822960" y="1645920"/>
-            <a:ext cx="10972800" cy="2743200"/>
+            <a:off x="612648" y="1508760"/>
+            <a:ext cx="10972800" cy="1828800"/>
           </a:xfrm>
           <a:prstGeom prst="rect">
             <a:avLst/>
@@ -13616,7 +13616,7 @@
           <a:p>
             <a:pPr>
               <a:spcAft>
-                <a:spcPts val="400"/>
+                <a:spcPts val="500"/>
               </a:spcAft>
               <a:defRPr sz="1800">
                 <a:solidFill>
@@ -13638,7 +13638,7 @@
           <a:p>
             <a:pPr>
               <a:spcAft>
-                <a:spcPts val="400"/>
+                <a:spcPts val="500"/>
               </a:spcAft>
               <a:defRPr sz="1800">
                 <a:solidFill>
@@ -13667,8 +13667,8 @@
         </p:nvSpPr>
         <p:spPr>
           <a:xfrm>
-            <a:off x="822960" y="3749039"/>
-            <a:ext cx="10972800" cy="1188720"/>
+            <a:off x="612648" y="3474720"/>
+            <a:ext cx="10972800" cy="914400"/>
           </a:xfrm>
           <a:prstGeom prst="roundRect">
             <a:avLst/>
@@ -13676,7 +13676,7 @@
           <a:solidFill>
             <a:srgbClr val="F5F5F5"/>
           </a:solidFill>
-          <a:ln w="25400">
+          <a:ln w="19050">
             <a:solidFill>
               <a:srgbClr val="191919"/>
             </a:solidFill>
@@ -13709,7 +13709,7 @@
               </a:defRPr>
             </a:pPr>
             <a:r>
-              <a:rPr sz="1500">
+              <a:rPr sz="1400">
                 <a:solidFill>
                   <a:srgbClr val="191919"/>
                 </a:solidFill>
@@ -13762,7 +13762,7 @@
           <a:lstStyle/>
           <a:p>
             <a:pPr>
-              <a:defRPr sz="3600" b="1">
+              <a:defRPr sz="3200" b="1">
                 <a:solidFill>
                   <a:srgbClr val="191919"/>
                 </a:solidFill>
@@ -13815,8 +13815,8 @@
         </p:nvSpPr>
         <p:spPr>
           <a:xfrm>
-            <a:off x="822960" y="1645920"/>
-            <a:ext cx="10972800" cy="2743200"/>
+            <a:off x="612648" y="1508760"/>
+            <a:ext cx="10972800" cy="1828800"/>
           </a:xfrm>
           <a:prstGeom prst="rect">
             <a:avLst/>
@@ -13831,45 +13831,45 @@
           <a:p>
             <a:pPr>
               <a:spcAft>
-                <a:spcPts val="400"/>
-              </a:spcAft>
-              <a:defRPr sz="1800">
-                <a:solidFill>
-                  <a:srgbClr val="191919"/>
-                </a:solidFill>
-                <a:latin typeface="Comic Sans MS"/>
-              </a:defRPr>
-            </a:pPr>
-            <a:r>
-              <a:rPr>
-                <a:solidFill>
-                  <a:srgbClr val="191919"/>
-                </a:solidFill>
-                <a:latin typeface="Comic Sans MS"/>
-              </a:rPr>
-              <a:t>Jika pip install -r requirements.txt gagal: update pip dulu.</a:t>
-            </a:r>
-          </a:p>
-          <a:p>
-            <a:pPr>
-              <a:spcAft>
-                <a:spcPts val="400"/>
-              </a:spcAft>
-              <a:defRPr sz="1800">
-                <a:solidFill>
-                  <a:srgbClr val="191919"/>
-                </a:solidFill>
-                <a:latin typeface="Comic Sans MS"/>
-              </a:defRPr>
-            </a:pPr>
-            <a:r>
-              <a:rPr>
-                <a:solidFill>
-                  <a:srgbClr val="191919"/>
-                </a:solidFill>
-                <a:latin typeface="Comic Sans MS"/>
-              </a:rPr>
-              <a:t>Untuk kasus tertentu: install paket satu per satu untuk menemukan penyebab.</a:t>
+                <a:spcPts val="500"/>
+              </a:spcAft>
+              <a:defRPr sz="1800">
+                <a:solidFill>
+                  <a:srgbClr val="191919"/>
+                </a:solidFill>
+                <a:latin typeface="Comic Sans MS"/>
+              </a:defRPr>
+            </a:pPr>
+            <a:r>
+              <a:rPr>
+                <a:solidFill>
+                  <a:srgbClr val="191919"/>
+                </a:solidFill>
+                <a:latin typeface="Comic Sans MS"/>
+              </a:rPr>
+              <a:t>Jika pip install gagal: update pip dulu.</a:t>
+            </a:r>
+          </a:p>
+          <a:p>
+            <a:pPr>
+              <a:spcAft>
+                <a:spcPts val="500"/>
+              </a:spcAft>
+              <a:defRPr sz="1800">
+                <a:solidFill>
+                  <a:srgbClr val="191919"/>
+                </a:solidFill>
+                <a:latin typeface="Comic Sans MS"/>
+              </a:defRPr>
+            </a:pPr>
+            <a:r>
+              <a:rPr>
+                <a:solidFill>
+                  <a:srgbClr val="191919"/>
+                </a:solidFill>
+                <a:latin typeface="Comic Sans MS"/>
+              </a:rPr>
+              <a:t>Install paket satu per satu untuk menemukan penyebab.</a:t>
             </a:r>
           </a:p>
         </p:txBody>
@@ -13882,8 +13882,8 @@
         </p:nvSpPr>
         <p:spPr>
           <a:xfrm>
-            <a:off x="822960" y="3749039"/>
-            <a:ext cx="10972800" cy="1463040"/>
+            <a:off x="612648" y="3474720"/>
+            <a:ext cx="10972800" cy="1280160"/>
           </a:xfrm>
           <a:prstGeom prst="roundRect">
             <a:avLst/>
@@ -13891,7 +13891,7 @@
           <a:solidFill>
             <a:srgbClr val="F5F5F5"/>
           </a:solidFill>
-          <a:ln w="25400">
+          <a:ln w="19050">
             <a:solidFill>
               <a:srgbClr val="191919"/>
             </a:solidFill>
@@ -13924,7 +13924,7 @@
               </a:defRPr>
             </a:pPr>
             <a:r>
-              <a:rPr sz="1500">
+              <a:rPr sz="1400">
                 <a:solidFill>
                   <a:srgbClr val="191919"/>
                 </a:solidFill>
@@ -13943,7 +13943,7 @@
               </a:defRPr>
             </a:pPr>
             <a:r>
-              <a:rPr sz="1500">
+              <a:rPr sz="1400">
                 <a:solidFill>
                   <a:srgbClr val="191919"/>
                 </a:solidFill>
@@ -13996,7 +13996,7 @@
           <a:lstStyle/>
           <a:p>
             <a:pPr>
-              <a:defRPr sz="3600" b="1">
+              <a:defRPr sz="3200" b="1">
                 <a:solidFill>
                   <a:srgbClr val="191919"/>
                 </a:solidFill>
@@ -14049,8 +14049,8 @@
         </p:nvSpPr>
         <p:spPr>
           <a:xfrm>
-            <a:off x="822960" y="1645920"/>
-            <a:ext cx="10972800" cy="4754880"/>
+            <a:off x="612648" y="1508760"/>
+            <a:ext cx="10972800" cy="4572000"/>
           </a:xfrm>
           <a:prstGeom prst="rect">
             <a:avLst/>
@@ -14065,7 +14065,7 @@
           <a:p>
             <a:pPr>
               <a:spcAft>
-                <a:spcPts val="400"/>
+                <a:spcPts val="500"/>
               </a:spcAft>
               <a:defRPr sz="1800">
                 <a:solidFill>
@@ -14087,7 +14087,7 @@
           <a:p>
             <a:pPr>
               <a:spcAft>
-                <a:spcPts val="400"/>
+                <a:spcPts val="500"/>
               </a:spcAft>
               <a:defRPr sz="1800">
                 <a:solidFill>
@@ -14109,7 +14109,7 @@
           <a:p>
             <a:pPr>
               <a:spcAft>
-                <a:spcPts val="400"/>
+                <a:spcPts val="500"/>
               </a:spcAft>
               <a:defRPr sz="1800">
                 <a:solidFill>
@@ -14131,7 +14131,7 @@
           <a:p>
             <a:pPr>
               <a:spcAft>
-                <a:spcPts val="400"/>
+                <a:spcPts val="500"/>
               </a:spcAft>
               <a:defRPr sz="1800">
                 <a:solidFill>
@@ -14194,7 +14194,7 @@
           <a:lstStyle/>
           <a:p>
             <a:pPr>
-              <a:defRPr sz="3600" b="1">
+              <a:defRPr sz="3200" b="1">
                 <a:solidFill>
                   <a:srgbClr val="191919"/>
                 </a:solidFill>
@@ -14247,8 +14247,8 @@
         </p:nvSpPr>
         <p:spPr>
           <a:xfrm>
-            <a:off x="822960" y="1645920"/>
-            <a:ext cx="10972800" cy="4754880"/>
+            <a:off x="612648" y="1508760"/>
+            <a:ext cx="10972800" cy="4572000"/>
           </a:xfrm>
           <a:prstGeom prst="rect">
             <a:avLst/>
@@ -14263,7 +14263,7 @@
           <a:p>
             <a:pPr>
               <a:spcAft>
-                <a:spcPts val="400"/>
+                <a:spcPts val="500"/>
               </a:spcAft>
               <a:defRPr sz="1800">
                 <a:solidFill>
@@ -14285,29 +14285,29 @@
           <a:p>
             <a:pPr>
               <a:spcAft>
-                <a:spcPts val="400"/>
-              </a:spcAft>
-              <a:defRPr sz="1800">
-                <a:solidFill>
-                  <a:srgbClr val="191919"/>
-                </a:solidFill>
-                <a:latin typeface="Comic Sans MS"/>
-              </a:defRPr>
-            </a:pPr>
-            <a:r>
-              <a:rPr>
-                <a:solidFill>
-                  <a:srgbClr val="191919"/>
-                </a:solidFill>
-                <a:latin typeface="Comic Sans MS"/>
-              </a:rPr>
-              <a:t>Ubah 1 hal saja per eksperimen (mis. epoch, depth, filter).</a:t>
-            </a:r>
-          </a:p>
-          <a:p>
-            <a:pPr>
-              <a:spcAft>
-                <a:spcPts val="400"/>
+                <a:spcPts val="500"/>
+              </a:spcAft>
+              <a:defRPr sz="1800">
+                <a:solidFill>
+                  <a:srgbClr val="191919"/>
+                </a:solidFill>
+                <a:latin typeface="Comic Sans MS"/>
+              </a:defRPr>
+            </a:pPr>
+            <a:r>
+              <a:rPr>
+                <a:solidFill>
+                  <a:srgbClr val="191919"/>
+                </a:solidFill>
+                <a:latin typeface="Comic Sans MS"/>
+              </a:rPr>
+              <a:t>Ubah 1 hal saja per eksperimen (epoch, depth, filter, dll.).</a:t>
+            </a:r>
+          </a:p>
+          <a:p>
+            <a:pPr>
+              <a:spcAft>
+                <a:spcPts val="500"/>
               </a:spcAft>
               <a:defRPr sz="1800">
                 <a:solidFill>
@@ -14329,23 +14329,23 @@
           <a:p>
             <a:pPr>
               <a:spcAft>
-                <a:spcPts val="400"/>
-              </a:spcAft>
-              <a:defRPr sz="1800">
-                <a:solidFill>
-                  <a:srgbClr val="191919"/>
-                </a:solidFill>
-                <a:latin typeface="Comic Sans MS"/>
-              </a:defRPr>
-            </a:pPr>
-            <a:r>
-              <a:rPr>
-                <a:solidFill>
-                  <a:srgbClr val="191919"/>
-                </a:solidFill>
-                <a:latin typeface="Comic Sans MS"/>
-              </a:rPr>
-              <a:t>Tujuan: Anda bisa menjawab 'perubahan apa yang membuat model membaik?'.</a:t>
+                <a:spcPts val="500"/>
+              </a:spcAft>
+              <a:defRPr sz="1800">
+                <a:solidFill>
+                  <a:srgbClr val="191919"/>
+                </a:solidFill>
+                <a:latin typeface="Comic Sans MS"/>
+              </a:defRPr>
+            </a:pPr>
+            <a:r>
+              <a:rPr>
+                <a:solidFill>
+                  <a:srgbClr val="191919"/>
+                </a:solidFill>
+                <a:latin typeface="Comic Sans MS"/>
+              </a:rPr>
+              <a:t>Tujuan: menjawab 'perubahan apa yang membuat model membaik?'.</a:t>
             </a:r>
           </a:p>
         </p:txBody>
@@ -14392,7 +14392,7 @@
           <a:lstStyle/>
           <a:p>
             <a:pPr>
-              <a:defRPr sz="3600" b="1">
+              <a:defRPr sz="3200" b="1">
                 <a:solidFill>
                   <a:srgbClr val="191919"/>
                 </a:solidFill>
@@ -14445,8 +14445,8 @@
         </p:nvSpPr>
         <p:spPr>
           <a:xfrm>
-            <a:off x="822960" y="1645920"/>
-            <a:ext cx="10972800" cy="4754880"/>
+            <a:off x="612648" y="1508760"/>
+            <a:ext cx="10972800" cy="4572000"/>
           </a:xfrm>
           <a:prstGeom prst="rect">
             <a:avLst/>
@@ -14461,7 +14461,7 @@
           <a:p>
             <a:pPr>
               <a:spcAft>
-                <a:spcPts val="400"/>
+                <a:spcPts val="500"/>
               </a:spcAft>
               <a:defRPr sz="1800">
                 <a:solidFill>
@@ -14483,7 +14483,7 @@
           <a:p>
             <a:pPr>
               <a:spcAft>
-                <a:spcPts val="400"/>
+                <a:spcPts val="500"/>
               </a:spcAft>
               <a:defRPr sz="1800">
                 <a:solidFill>
@@ -14505,7 +14505,7 @@
           <a:p>
             <a:pPr>
               <a:spcAft>
-                <a:spcPts val="400"/>
+                <a:spcPts val="500"/>
               </a:spcAft>
               <a:defRPr sz="1800">
                 <a:solidFill>
@@ -14527,7 +14527,7 @@
           <a:p>
             <a:pPr>
               <a:spcAft>
-                <a:spcPts val="400"/>
+                <a:spcPts val="500"/>
               </a:spcAft>
               <a:defRPr sz="1800">
                 <a:solidFill>
@@ -14549,7 +14549,7 @@
           <a:p>
             <a:pPr>
               <a:spcAft>
-                <a:spcPts val="400"/>
+                <a:spcPts val="500"/>
               </a:spcAft>
               <a:defRPr sz="1800">
                 <a:solidFill>
@@ -14612,7 +14612,7 @@
           <a:lstStyle/>
           <a:p>
             <a:pPr>
-              <a:defRPr sz="3600" b="1">
+              <a:defRPr sz="3200" b="1">
                 <a:solidFill>
                   <a:srgbClr val="191919"/>
                 </a:solidFill>
@@ -14639,8 +14639,8 @@
         </p:nvSpPr>
         <p:spPr>
           <a:xfrm>
-            <a:off x="822960" y="2011680"/>
-            <a:ext cx="10972800" cy="1828800"/>
+            <a:off x="612648" y="2057400"/>
+            <a:ext cx="10972800" cy="1463040"/>
           </a:xfrm>
           <a:prstGeom prst="rect">
             <a:avLst/>
@@ -14715,7 +14715,7 @@
           <a:lstStyle/>
           <a:p>
             <a:pPr>
-              <a:defRPr sz="3600" b="1">
+              <a:defRPr sz="3200" b="1">
                 <a:solidFill>
                   <a:srgbClr val="191919"/>
                 </a:solidFill>
@@ -14768,8 +14768,8 @@
         </p:nvSpPr>
         <p:spPr>
           <a:xfrm>
-            <a:off x="822960" y="1554480"/>
-            <a:ext cx="5303520" cy="365760"/>
+            <a:off x="612648" y="1508760"/>
+            <a:ext cx="5257800" cy="365760"/>
           </a:xfrm>
           <a:prstGeom prst="rect">
             <a:avLst/>
@@ -14810,8 +14810,8 @@
         </p:nvSpPr>
         <p:spPr>
           <a:xfrm>
-            <a:off x="6400800" y="1554480"/>
-            <a:ext cx="5303520" cy="365760"/>
+            <a:off x="6327648" y="1508760"/>
+            <a:ext cx="5257800" cy="365760"/>
           </a:xfrm>
           <a:prstGeom prst="rect">
             <a:avLst/>
@@ -14852,8 +14852,8 @@
         </p:nvSpPr>
         <p:spPr>
           <a:xfrm>
-            <a:off x="822960" y="2011680"/>
-            <a:ext cx="5303520" cy="4480560"/>
+            <a:off x="612648" y="1920240"/>
+            <a:ext cx="5257800" cy="3840479"/>
           </a:xfrm>
           <a:prstGeom prst="rect">
             <a:avLst/>
@@ -14868,7 +14868,7 @@
           <a:p>
             <a:pPr>
               <a:spcAft>
-                <a:spcPts val="400"/>
+                <a:spcPts val="500"/>
               </a:spcAft>
               <a:defRPr sz="1600">
                 <a:solidFill>
@@ -14890,7 +14890,7 @@
           <a:p>
             <a:pPr>
               <a:spcAft>
-                <a:spcPts val="400"/>
+                <a:spcPts val="500"/>
               </a:spcAft>
               <a:defRPr sz="1600">
                 <a:solidFill>
@@ -14912,7 +14912,7 @@
           <a:p>
             <a:pPr>
               <a:spcAft>
-                <a:spcPts val="400"/>
+                <a:spcPts val="500"/>
               </a:spcAft>
               <a:defRPr sz="1600">
                 <a:solidFill>
@@ -14941,8 +14941,8 @@
         </p:nvSpPr>
         <p:spPr>
           <a:xfrm>
-            <a:off x="6400800" y="2011680"/>
-            <a:ext cx="5303520" cy="4480560"/>
+            <a:off x="6327648" y="1920240"/>
+            <a:ext cx="5257800" cy="3840479"/>
           </a:xfrm>
           <a:prstGeom prst="rect">
             <a:avLst/>
@@ -14957,7 +14957,7 @@
           <a:p>
             <a:pPr>
               <a:spcAft>
-                <a:spcPts val="400"/>
+                <a:spcPts val="500"/>
               </a:spcAft>
               <a:defRPr sz="1600">
                 <a:solidFill>
@@ -14973,13 +14973,13 @@
                 </a:solidFill>
                 <a:latin typeface="Comic Sans MS"/>
               </a:rPr>
-              <a:t>Simpan model (joblib/keras .h5/.keras)</a:t>
-            </a:r>
-          </a:p>
-          <a:p>
-            <a:pPr>
-              <a:spcAft>
-                <a:spcPts val="400"/>
+              <a:t>Simpan model (joblib / keras .h5)</a:t>
+            </a:r>
+          </a:p>
+          <a:p>
+            <a:pPr>
+              <a:spcAft>
+                <a:spcPts val="500"/>
               </a:spcAft>
               <a:defRPr sz="1600">
                 <a:solidFill>
@@ -15001,7 +15001,7 @@
           <a:p>
             <a:pPr>
               <a:spcAft>
-                <a:spcPts val="400"/>
+                <a:spcPts val="500"/>
               </a:spcAft>
               <a:defRPr sz="1600">
                 <a:solidFill>
@@ -15017,7 +15017,7 @@
                 </a:solidFill>
                 <a:latin typeface="Comic Sans MS"/>
               </a:rPr>
-              <a:t>Monitoring: data baru beda dari data training</a:t>
+              <a:t>Monitoring: data baru beda dari training</a:t>
             </a:r>
           </a:p>
         </p:txBody>
@@ -15030,8 +15030,8 @@
         </p:nvSpPr>
         <p:spPr>
           <a:xfrm>
-            <a:off x="685800" y="6035040"/>
-            <a:ext cx="10972800" cy="685800"/>
+            <a:off x="612648" y="5897880"/>
+            <a:ext cx="10972800" cy="658368"/>
           </a:xfrm>
           <a:prstGeom prst="roundRect">
             <a:avLst/>
@@ -15039,7 +15039,7 @@
           <a:solidFill>
             <a:srgbClr val="C8E6C9"/>
           </a:solidFill>
-          <a:ln w="25400">
+          <a:ln w="19050">
             <a:solidFill>
               <a:srgbClr val="191919"/>
             </a:solidFill>
@@ -15060,25 +15060,25 @@
           </a:fontRef>
         </p:style>
         <p:txBody>
-          <a:bodyPr rtlCol="0" anchor="ctr"/>
+          <a:bodyPr rtlCol="0" anchor="ctr" wrap="square"/>
           <a:lstStyle/>
           <a:p>
             <a:pPr algn="ctr">
-              <a:defRPr sz="1400">
-                <a:solidFill>
-                  <a:srgbClr val="191919"/>
-                </a:solidFill>
-                <a:latin typeface="Comic Sans MS"/>
-              </a:defRPr>
-            </a:pPr>
-            <a:r>
-              <a:rPr>
-                <a:solidFill>
-                  <a:srgbClr val="191919"/>
-                </a:solidFill>
-                <a:latin typeface="Comic Sans MS"/>
-              </a:rPr>
-              <a:t>Kalau Anda ingin, saya bisa bantu buat 1 demo Streamlit untuk Modul 1 atau Modul 2.</a:t>
+              <a:defRPr sz="1300">
+                <a:solidFill>
+                  <a:srgbClr val="191919"/>
+                </a:solidFill>
+                <a:latin typeface="Comic Sans MS"/>
+              </a:defRPr>
+            </a:pPr>
+            <a:r>
+              <a:rPr>
+                <a:solidFill>
+                  <a:srgbClr val="191919"/>
+                </a:solidFill>
+                <a:latin typeface="Comic Sans MS"/>
+              </a:rPr>
+              <a:t>Saya bisa bantu buat 1 demo Streamlit untuk Modul 1 atau 2.</a:t>
             </a:r>
           </a:p>
         </p:txBody>
@@ -15125,7 +15125,7 @@
           <a:lstStyle/>
           <a:p>
             <a:pPr>
-              <a:defRPr sz="3600" b="1">
+              <a:defRPr sz="3200" b="1">
                 <a:solidFill>
                   <a:srgbClr val="191919"/>
                 </a:solidFill>
@@ -15178,8 +15178,8 @@
         </p:nvSpPr>
         <p:spPr>
           <a:xfrm>
-            <a:off x="822960" y="1645920"/>
-            <a:ext cx="10972800" cy="4754880"/>
+            <a:off x="612648" y="1508760"/>
+            <a:ext cx="10972800" cy="4572000"/>
           </a:xfrm>
           <a:prstGeom prst="rect">
             <a:avLst/>
@@ -15194,7 +15194,7 @@
           <a:p>
             <a:pPr>
               <a:spcAft>
-                <a:spcPts val="400"/>
+                <a:spcPts val="500"/>
               </a:spcAft>
               <a:defRPr sz="1800">
                 <a:solidFill>
@@ -15216,7 +15216,7 @@
           <a:p>
             <a:pPr>
               <a:spcAft>
-                <a:spcPts val="400"/>
+                <a:spcPts val="500"/>
               </a:spcAft>
               <a:defRPr sz="1800">
                 <a:solidFill>
@@ -15238,7 +15238,7 @@
           <a:p>
             <a:pPr>
               <a:spcAft>
-                <a:spcPts val="400"/>
+                <a:spcPts val="500"/>
               </a:spcAft>
               <a:defRPr sz="1800">
                 <a:solidFill>
@@ -15260,7 +15260,7 @@
           <a:p>
             <a:pPr>
               <a:spcAft>
-                <a:spcPts val="400"/>
+                <a:spcPts val="500"/>
               </a:spcAft>
               <a:defRPr sz="1800">
                 <a:solidFill>
@@ -15323,7 +15323,7 @@
           <a:lstStyle/>
           <a:p>
             <a:pPr>
-              <a:defRPr sz="3600" b="1">
+              <a:defRPr sz="3200" b="1">
                 <a:solidFill>
                   <a:srgbClr val="191919"/>
                 </a:solidFill>
@@ -15350,8 +15350,8 @@
         </p:nvSpPr>
         <p:spPr>
           <a:xfrm>
-            <a:off x="822960" y="2011680"/>
-            <a:ext cx="10972800" cy="1828800"/>
+            <a:off x="612648" y="2057400"/>
+            <a:ext cx="10972800" cy="1463040"/>
           </a:xfrm>
           <a:prstGeom prst="rect">
             <a:avLst/>
@@ -15426,7 +15426,7 @@
           <a:lstStyle/>
           <a:p>
             <a:pPr>
-              <a:defRPr sz="3600" b="1">
+              <a:defRPr sz="3200" b="1">
                 <a:solidFill>
                   <a:srgbClr val="191919"/>
                 </a:solidFill>
@@ -15479,8 +15479,8 @@
         </p:nvSpPr>
         <p:spPr>
           <a:xfrm>
-            <a:off x="822960" y="1645920"/>
-            <a:ext cx="10972800" cy="4754880"/>
+            <a:off x="612648" y="1508760"/>
+            <a:ext cx="10972800" cy="4572000"/>
           </a:xfrm>
           <a:prstGeom prst="rect">
             <a:avLst/>
@@ -15495,7 +15495,7 @@
           <a:p>
             <a:pPr>
               <a:spcAft>
-                <a:spcPts val="400"/>
+                <a:spcPts val="500"/>
               </a:spcAft>
               <a:defRPr sz="1800">
                 <a:solidFill>
@@ -15517,7 +15517,7 @@
           <a:p>
             <a:pPr>
               <a:spcAft>
-                <a:spcPts val="400"/>
+                <a:spcPts val="500"/>
               </a:spcAft>
               <a:defRPr sz="1800">
                 <a:solidFill>
@@ -15539,7 +15539,7 @@
           <a:p>
             <a:pPr>
               <a:spcAft>
-                <a:spcPts val="400"/>
+                <a:spcPts val="500"/>
               </a:spcAft>
               <a:defRPr sz="1800">
                 <a:solidFill>
@@ -15561,7 +15561,7 @@
           <a:p>
             <a:pPr>
               <a:spcAft>
-                <a:spcPts val="400"/>
+                <a:spcPts val="500"/>
               </a:spcAft>
               <a:defRPr sz="1800">
                 <a:solidFill>
@@ -15583,7 +15583,7 @@
           <a:p>
             <a:pPr>
               <a:spcAft>
-                <a:spcPts val="400"/>
+                <a:spcPts val="500"/>
               </a:spcAft>
               <a:defRPr sz="1800">
                 <a:solidFill>
@@ -15605,7 +15605,7 @@
           <a:p>
             <a:pPr>
               <a:spcAft>
-                <a:spcPts val="400"/>
+                <a:spcPts val="500"/>
               </a:spcAft>
               <a:defRPr sz="1800">
                 <a:solidFill>
@@ -15668,7 +15668,7 @@
           <a:lstStyle/>
           <a:p>
             <a:pPr>
-              <a:defRPr sz="3600" b="1">
+              <a:defRPr sz="3200" b="1">
                 <a:solidFill>
                   <a:srgbClr val="191919"/>
                 </a:solidFill>
@@ -15695,8 +15695,8 @@
         </p:nvSpPr>
         <p:spPr>
           <a:xfrm>
-            <a:off x="594360" y="2011680"/>
-            <a:ext cx="2057400" cy="822960"/>
+            <a:off x="978408" y="1600200"/>
+            <a:ext cx="1828800" cy="777240"/>
           </a:xfrm>
           <a:prstGeom prst="roundRect">
             <a:avLst/>
@@ -15704,7 +15704,7 @@
           <a:solidFill>
             <a:srgbClr val="B3E5FC"/>
           </a:solidFill>
-          <a:ln w="25400">
+          <a:ln w="19050">
             <a:solidFill>
               <a:srgbClr val="191919"/>
             </a:solidFill>
@@ -15725,11 +15725,11 @@
           </a:fontRef>
         </p:style>
         <p:txBody>
-          <a:bodyPr rtlCol="0" anchor="ctr"/>
+          <a:bodyPr rtlCol="0" anchor="ctr" wrap="square"/>
           <a:lstStyle/>
           <a:p>
             <a:pPr algn="ctr">
-              <a:defRPr sz="1600" b="1">
+              <a:defRPr sz="1500" b="1">
                 <a:solidFill>
                   <a:srgbClr val="191919"/>
                 </a:solidFill>
@@ -15756,8 +15756,8 @@
         </p:nvSpPr>
         <p:spPr>
           <a:xfrm>
-            <a:off x="2651760" y="2212848"/>
-            <a:ext cx="228600" cy="420624"/>
+            <a:off x="2807208" y="1828800"/>
+            <a:ext cx="274320" cy="320040"/>
           </a:xfrm>
           <a:prstGeom prst="rightArrow">
             <a:avLst/>
@@ -15808,8 +15808,8 @@
         </p:nvSpPr>
         <p:spPr>
           <a:xfrm>
-            <a:off x="2880360" y="2011680"/>
-            <a:ext cx="2057400" cy="822960"/>
+            <a:off x="3081528" y="1600200"/>
+            <a:ext cx="1828800" cy="777240"/>
           </a:xfrm>
           <a:prstGeom prst="roundRect">
             <a:avLst/>
@@ -15817,7 +15817,7 @@
           <a:solidFill>
             <a:srgbClr val="B3E5FC"/>
           </a:solidFill>
-          <a:ln w="25400">
+          <a:ln w="19050">
             <a:solidFill>
               <a:srgbClr val="191919"/>
             </a:solidFill>
@@ -15838,11 +15838,11 @@
           </a:fontRef>
         </p:style>
         <p:txBody>
-          <a:bodyPr rtlCol="0" anchor="ctr"/>
+          <a:bodyPr rtlCol="0" anchor="ctr" wrap="square"/>
           <a:lstStyle/>
           <a:p>
             <a:pPr algn="ctr">
-              <a:defRPr sz="1600" b="1">
+              <a:defRPr sz="1500" b="1">
                 <a:solidFill>
                   <a:srgbClr val="191919"/>
                 </a:solidFill>
@@ -15869,8 +15869,8 @@
         </p:nvSpPr>
         <p:spPr>
           <a:xfrm>
-            <a:off x="4937760" y="2212848"/>
-            <a:ext cx="228600" cy="420624"/>
+            <a:off x="4910328" y="1828800"/>
+            <a:ext cx="274320" cy="320040"/>
           </a:xfrm>
           <a:prstGeom prst="rightArrow">
             <a:avLst/>
@@ -15921,8 +15921,8 @@
         </p:nvSpPr>
         <p:spPr>
           <a:xfrm>
-            <a:off x="5166360" y="2011680"/>
-            <a:ext cx="2057400" cy="822960"/>
+            <a:off x="5184648" y="1600200"/>
+            <a:ext cx="1828800" cy="777240"/>
           </a:xfrm>
           <a:prstGeom prst="roundRect">
             <a:avLst/>
@@ -15930,7 +15930,7 @@
           <a:solidFill>
             <a:srgbClr val="B3E5FC"/>
           </a:solidFill>
-          <a:ln w="25400">
+          <a:ln w="19050">
             <a:solidFill>
               <a:srgbClr val="191919"/>
             </a:solidFill>
@@ -15951,11 +15951,11 @@
           </a:fontRef>
         </p:style>
         <p:txBody>
-          <a:bodyPr rtlCol="0" anchor="ctr"/>
+          <a:bodyPr rtlCol="0" anchor="ctr" wrap="square"/>
           <a:lstStyle/>
           <a:p>
             <a:pPr algn="ctr">
-              <a:defRPr sz="1600" b="1">
+              <a:defRPr sz="1500" b="1">
                 <a:solidFill>
                   <a:srgbClr val="191919"/>
                 </a:solidFill>
@@ -15982,8 +15982,8 @@
         </p:nvSpPr>
         <p:spPr>
           <a:xfrm>
-            <a:off x="7223760" y="2212848"/>
-            <a:ext cx="228600" cy="420624"/>
+            <a:off x="7013448" y="1828800"/>
+            <a:ext cx="274320" cy="320040"/>
           </a:xfrm>
           <a:prstGeom prst="rightArrow">
             <a:avLst/>
@@ -16034,8 +16034,8 @@
         </p:nvSpPr>
         <p:spPr>
           <a:xfrm>
-            <a:off x="7452360" y="2011680"/>
-            <a:ext cx="2057400" cy="822960"/>
+            <a:off x="7287768" y="1600200"/>
+            <a:ext cx="1828800" cy="777240"/>
           </a:xfrm>
           <a:prstGeom prst="roundRect">
             <a:avLst/>
@@ -16043,7 +16043,7 @@
           <a:solidFill>
             <a:srgbClr val="B3E5FC"/>
           </a:solidFill>
-          <a:ln w="25400">
+          <a:ln w="19050">
             <a:solidFill>
               <a:srgbClr val="191919"/>
             </a:solidFill>
@@ -16064,11 +16064,11 @@
           </a:fontRef>
         </p:style>
         <p:txBody>
-          <a:bodyPr rtlCol="0" anchor="ctr"/>
+          <a:bodyPr rtlCol="0" anchor="ctr" wrap="square"/>
           <a:lstStyle/>
           <a:p>
             <a:pPr algn="ctr">
-              <a:defRPr sz="1600" b="1">
+              <a:defRPr sz="1500" b="1">
                 <a:solidFill>
                   <a:srgbClr val="191919"/>
                 </a:solidFill>
@@ -16095,8 +16095,8 @@
         </p:nvSpPr>
         <p:spPr>
           <a:xfrm>
-            <a:off x="9509760" y="2212848"/>
-            <a:ext cx="228600" cy="420624"/>
+            <a:off x="9116567" y="1828800"/>
+            <a:ext cx="274320" cy="320040"/>
           </a:xfrm>
           <a:prstGeom prst="rightArrow">
             <a:avLst/>
@@ -16147,8 +16147,8 @@
         </p:nvSpPr>
         <p:spPr>
           <a:xfrm>
-            <a:off x="9738360" y="2011680"/>
-            <a:ext cx="2057400" cy="822960"/>
+            <a:off x="9390888" y="1600200"/>
+            <a:ext cx="1828800" cy="777240"/>
           </a:xfrm>
           <a:prstGeom prst="roundRect">
             <a:avLst/>
@@ -16156,7 +16156,7 @@
           <a:solidFill>
             <a:srgbClr val="B3E5FC"/>
           </a:solidFill>
-          <a:ln w="25400">
+          <a:ln w="19050">
             <a:solidFill>
               <a:srgbClr val="191919"/>
             </a:solidFill>
@@ -16177,11 +16177,11 @@
           </a:fontRef>
         </p:style>
         <p:txBody>
-          <a:bodyPr rtlCol="0" anchor="ctr"/>
+          <a:bodyPr rtlCol="0" anchor="ctr" wrap="square"/>
           <a:lstStyle/>
           <a:p>
             <a:pPr algn="ctr">
-              <a:defRPr sz="1600" b="1">
+              <a:defRPr sz="1500" b="1">
                 <a:solidFill>
                   <a:srgbClr val="191919"/>
                 </a:solidFill>
@@ -16208,7 +16208,7 @@
         </p:nvSpPr>
         <p:spPr>
           <a:xfrm>
-            <a:off x="822960" y="3108960"/>
+            <a:off x="612648" y="3108960"/>
             <a:ext cx="10972800" cy="2743200"/>
           </a:xfrm>
           <a:prstGeom prst="rect">
@@ -16224,7 +16224,7 @@
           <a:p>
             <a:pPr>
               <a:spcAft>
-                <a:spcPts val="400"/>
+                <a:spcPts val="500"/>
               </a:spcAft>
               <a:defRPr sz="1800">
                 <a:solidFill>
@@ -16246,7 +16246,7 @@
           <a:p>
             <a:pPr>
               <a:spcAft>
-                <a:spcPts val="400"/>
+                <a:spcPts val="500"/>
               </a:spcAft>
               <a:defRPr sz="1800">
                 <a:solidFill>
@@ -16268,7 +16268,7 @@
           <a:p>
             <a:pPr>
               <a:spcAft>
-                <a:spcPts val="400"/>
+                <a:spcPts val="500"/>
               </a:spcAft>
               <a:defRPr sz="1800">
                 <a:solidFill>
@@ -16290,7 +16290,7 @@
           <a:p>
             <a:pPr>
               <a:spcAft>
-                <a:spcPts val="400"/>
+                <a:spcPts val="500"/>
               </a:spcAft>
               <a:defRPr sz="1800">
                 <a:solidFill>
@@ -16312,7 +16312,7 @@
           <a:p>
             <a:pPr>
               <a:spcAft>
-                <a:spcPts val="400"/>
+                <a:spcPts val="500"/>
               </a:spcAft>
               <a:defRPr sz="1800">
                 <a:solidFill>
@@ -16375,7 +16375,7 @@
           <a:lstStyle/>
           <a:p>
             <a:pPr>
-              <a:defRPr sz="3600" b="1">
+              <a:defRPr sz="3200" b="1">
                 <a:solidFill>
                   <a:srgbClr val="191919"/>
                 </a:solidFill>
@@ -16428,8 +16428,8 @@
         </p:nvSpPr>
         <p:spPr>
           <a:xfrm>
-            <a:off x="822960" y="1645920"/>
-            <a:ext cx="10972800" cy="4754880"/>
+            <a:off x="612648" y="1508760"/>
+            <a:ext cx="10972800" cy="4572000"/>
           </a:xfrm>
           <a:prstGeom prst="rect">
             <a:avLst/>
@@ -16444,29 +16444,29 @@
           <a:p>
             <a:pPr>
               <a:spcAft>
-                <a:spcPts val="400"/>
-              </a:spcAft>
-              <a:defRPr sz="1800">
-                <a:solidFill>
-                  <a:srgbClr val="191919"/>
-                </a:solidFill>
-                <a:latin typeface="Comic Sans MS"/>
-              </a:defRPr>
-            </a:pPr>
-            <a:r>
-              <a:rPr>
-                <a:solidFill>
-                  <a:srgbClr val="191919"/>
-                </a:solidFill>
-                <a:latin typeface="Comic Sans MS"/>
-              </a:rPr>
-              <a:t>Skill inti AI developer pemula: bisa mengukur hasil (metric) dan menjelaskan 'mengapa'.</a:t>
-            </a:r>
-          </a:p>
-          <a:p>
-            <a:pPr>
-              <a:spcAft>
-                <a:spcPts val="400"/>
+                <a:spcPts val="500"/>
+              </a:spcAft>
+              <a:defRPr sz="1800">
+                <a:solidFill>
+                  <a:srgbClr val="191919"/>
+                </a:solidFill>
+                <a:latin typeface="Comic Sans MS"/>
+              </a:defRPr>
+            </a:pPr>
+            <a:r>
+              <a:rPr>
+                <a:solidFill>
+                  <a:srgbClr val="191919"/>
+                </a:solidFill>
+                <a:latin typeface="Comic Sans MS"/>
+              </a:rPr>
+              <a:t>Skill inti AI developer pemula: mengukur hasil (metric) dan menjelaskan 'mengapa'.</a:t>
+            </a:r>
+          </a:p>
+          <a:p>
+            <a:pPr>
+              <a:spcAft>
+                <a:spcPts val="500"/>
               </a:spcAft>
               <a:defRPr sz="1800">
                 <a:solidFill>
@@ -16488,7 +16488,7 @@
           <a:p>
             <a:pPr>
               <a:spcAft>
-                <a:spcPts val="400"/>
+                <a:spcPts val="500"/>
               </a:spcAft>
               <a:defRPr sz="1800">
                 <a:solidFill>
@@ -16551,7 +16551,7 @@
           <a:lstStyle/>
           <a:p>
             <a:pPr>
-              <a:defRPr sz="3600" b="1">
+              <a:defRPr sz="3200" b="1">
                 <a:solidFill>
                   <a:srgbClr val="191919"/>
                 </a:solidFill>
@@ -16604,8 +16604,8 @@
         </p:nvSpPr>
         <p:spPr>
           <a:xfrm>
-            <a:off x="822960" y="1645920"/>
-            <a:ext cx="10972800" cy="2103120"/>
+            <a:off x="612648" y="1508760"/>
+            <a:ext cx="10972800" cy="1828800"/>
           </a:xfrm>
           <a:prstGeom prst="rect">
             <a:avLst/>
@@ -16620,7 +16620,7 @@
           <a:p>
             <a:pPr>
               <a:spcAft>
-                <a:spcPts val="400"/>
+                <a:spcPts val="500"/>
               </a:spcAft>
               <a:defRPr sz="1800">
                 <a:solidFill>
@@ -16642,7 +16642,7 @@
           <a:p>
             <a:pPr>
               <a:spcAft>
-                <a:spcPts val="400"/>
+                <a:spcPts val="500"/>
               </a:spcAft>
               <a:defRPr sz="1800">
                 <a:solidFill>
@@ -16671,7 +16671,7 @@
         </p:nvSpPr>
         <p:spPr>
           <a:xfrm>
-            <a:off x="822960" y="3291840"/>
+            <a:off x="612648" y="3200400"/>
             <a:ext cx="10972800" cy="2011680"/>
           </a:xfrm>
           <a:prstGeom prst="roundRect">
@@ -16680,7 +16680,7 @@
           <a:solidFill>
             <a:srgbClr val="F5F5F5"/>
           </a:solidFill>
-          <a:ln w="25400">
+          <a:ln w="19050">
             <a:solidFill>
               <a:srgbClr val="191919"/>
             </a:solidFill>
@@ -16713,7 +16713,7 @@
               </a:defRPr>
             </a:pPr>
             <a:r>
-              <a:rPr sz="1500">
+              <a:rPr sz="1400">
                 <a:solidFill>
                   <a:srgbClr val="191919"/>
                 </a:solidFill>
@@ -16732,7 +16732,7 @@
               </a:defRPr>
             </a:pPr>
             <a:r>
-              <a:rPr sz="1500">
+              <a:rPr sz="1400">
                 <a:solidFill>
                   <a:srgbClr val="191919"/>
                 </a:solidFill>
@@ -16751,7 +16751,7 @@
               </a:defRPr>
             </a:pPr>
             <a:r>
-              <a:rPr sz="1500">
+              <a:rPr sz="1400">
                 <a:solidFill>
                   <a:srgbClr val="191919"/>
                 </a:solidFill>
@@ -16770,7 +16770,7 @@
               </a:defRPr>
             </a:pPr>
             <a:r>
-              <a:rPr sz="1500">
+              <a:rPr sz="1400">
                 <a:solidFill>
                   <a:srgbClr val="191919"/>
                 </a:solidFill>
@@ -16789,8 +16789,8 @@
         </p:nvSpPr>
         <p:spPr>
           <a:xfrm>
-            <a:off x="685800" y="6035040"/>
-            <a:ext cx="10972800" cy="685800"/>
+            <a:off x="612648" y="5897880"/>
+            <a:ext cx="10972800" cy="658368"/>
           </a:xfrm>
           <a:prstGeom prst="roundRect">
             <a:avLst/>
@@ -16798,7 +16798,7 @@
           <a:solidFill>
             <a:srgbClr val="C8E6C9"/>
           </a:solidFill>
-          <a:ln w="25400">
+          <a:ln w="19050">
             <a:solidFill>
               <a:srgbClr val="191919"/>
             </a:solidFill>
@@ -16819,11 +16819,11 @@
           </a:fontRef>
         </p:style>
         <p:txBody>
-          <a:bodyPr rtlCol="0" anchor="ctr"/>
+          <a:bodyPr rtlCol="0" anchor="ctr" wrap="square"/>
           <a:lstStyle/>
           <a:p>
             <a:pPr algn="ctr">
-              <a:defRPr sz="1400">
+              <a:defRPr sz="1300">
                 <a:solidFill>
                   <a:srgbClr val="191919"/>
                 </a:solidFill>
@@ -16884,7 +16884,7 @@
           <a:lstStyle/>
           <a:p>
             <a:pPr>
-              <a:defRPr sz="3600" b="1">
+              <a:defRPr sz="3200" b="1">
                 <a:solidFill>
                   <a:srgbClr val="191919"/>
                 </a:solidFill>
@@ -16937,8 +16937,8 @@
         </p:nvSpPr>
         <p:spPr>
           <a:xfrm>
-            <a:off x="822960" y="1554480"/>
-            <a:ext cx="5303520" cy="365760"/>
+            <a:off x="612648" y="1508760"/>
+            <a:ext cx="5257800" cy="365760"/>
           </a:xfrm>
           <a:prstGeom prst="rect">
             <a:avLst/>
@@ -16979,8 +16979,8 @@
         </p:nvSpPr>
         <p:spPr>
           <a:xfrm>
-            <a:off x="6400800" y="1554480"/>
-            <a:ext cx="5303520" cy="365760"/>
+            <a:off x="6327648" y="1508760"/>
+            <a:ext cx="5257800" cy="365760"/>
           </a:xfrm>
           <a:prstGeom prst="rect">
             <a:avLst/>
@@ -17021,8 +17021,8 @@
         </p:nvSpPr>
         <p:spPr>
           <a:xfrm>
-            <a:off x="822960" y="2011680"/>
-            <a:ext cx="5303520" cy="4480560"/>
+            <a:off x="612648" y="1920240"/>
+            <a:ext cx="5257800" cy="3840479"/>
           </a:xfrm>
           <a:prstGeom prst="rect">
             <a:avLst/>
@@ -17037,7 +17037,7 @@
           <a:p>
             <a:pPr>
               <a:spcAft>
-                <a:spcPts val="400"/>
+                <a:spcPts val="500"/>
               </a:spcAft>
               <a:defRPr sz="1600">
                 <a:solidFill>
@@ -17059,7 +17059,7 @@
           <a:p>
             <a:pPr>
               <a:spcAft>
-                <a:spcPts val="400"/>
+                <a:spcPts val="500"/>
               </a:spcAft>
               <a:defRPr sz="1600">
                 <a:solidFill>
@@ -17081,7 +17081,7 @@
           <a:p>
             <a:pPr>
               <a:spcAft>
-                <a:spcPts val="400"/>
+                <a:spcPts val="500"/>
               </a:spcAft>
               <a:defRPr sz="1600">
                 <a:solidFill>
@@ -17110,8 +17110,8 @@
         </p:nvSpPr>
         <p:spPr>
           <a:xfrm>
-            <a:off x="6400800" y="2011680"/>
-            <a:ext cx="5303520" cy="4480560"/>
+            <a:off x="6327648" y="1920240"/>
+            <a:ext cx="5257800" cy="3840479"/>
           </a:xfrm>
           <a:prstGeom prst="rect">
             <a:avLst/>
@@ -17126,7 +17126,7 @@
           <a:p>
             <a:pPr>
               <a:spcAft>
-                <a:spcPts val="400"/>
+                <a:spcPts val="500"/>
               </a:spcAft>
               <a:defRPr sz="1600">
                 <a:solidFill>
@@ -17148,7 +17148,7 @@
           <a:p>
             <a:pPr>
               <a:spcAft>
-                <a:spcPts val="400"/>
+                <a:spcPts val="500"/>
               </a:spcAft>
               <a:defRPr sz="1600">
                 <a:solidFill>
@@ -17170,7 +17170,7 @@
           <a:p>
             <a:pPr>
               <a:spcAft>
-                <a:spcPts val="400"/>
+                <a:spcPts val="500"/>
               </a:spcAft>
               <a:defRPr sz="1600">
                 <a:solidFill>
@@ -17199,8 +17199,8 @@
         </p:nvSpPr>
         <p:spPr>
           <a:xfrm>
-            <a:off x="685800" y="6035040"/>
-            <a:ext cx="10972800" cy="685800"/>
+            <a:off x="612648" y="5897880"/>
+            <a:ext cx="10972800" cy="658368"/>
           </a:xfrm>
           <a:prstGeom prst="roundRect">
             <a:avLst/>
@@ -17208,7 +17208,7 @@
           <a:solidFill>
             <a:srgbClr val="C8E6C9"/>
           </a:solidFill>
-          <a:ln w="25400">
+          <a:ln w="19050">
             <a:solidFill>
               <a:srgbClr val="191919"/>
             </a:solidFill>
@@ -17229,25 +17229,25 @@
           </a:fontRef>
         </p:style>
         <p:txBody>
-          <a:bodyPr rtlCol="0" anchor="ctr"/>
+          <a:bodyPr rtlCol="0" anchor="ctr" wrap="square"/>
           <a:lstStyle/>
           <a:p>
             <a:pPr algn="ctr">
-              <a:defRPr sz="1400">
-                <a:solidFill>
-                  <a:srgbClr val="191919"/>
-                </a:solidFill>
-                <a:latin typeface="Comic Sans MS"/>
-              </a:defRPr>
-            </a:pPr>
-            <a:r>
-              <a:rPr>
-                <a:solidFill>
-                  <a:srgbClr val="191919"/>
-                </a:solidFill>
-                <a:latin typeface="Comic Sans MS"/>
-              </a:rPr>
-              <a:t>Rule of thumb: kalau hasil sebelumnya sudah keluar dan Anda yang menghentikan, itu bukan bug model.</a:t>
+              <a:defRPr sz="1300">
+                <a:solidFill>
+                  <a:srgbClr val="191919"/>
+                </a:solidFill>
+                <a:latin typeface="Comic Sans MS"/>
+              </a:defRPr>
+            </a:pPr>
+            <a:r>
+              <a:rPr>
+                <a:solidFill>
+                  <a:srgbClr val="191919"/>
+                </a:solidFill>
+                <a:latin typeface="Comic Sans MS"/>
+              </a:rPr>
+              <a:t>Rule of thumb: kalau hasil sudah keluar dan Anda yang menghentikan, itu bukan bug.</a:t>
             </a:r>
           </a:p>
         </p:txBody>
@@ -17294,7 +17294,7 @@
           <a:lstStyle/>
           <a:p>
             <a:pPr>
-              <a:defRPr sz="3600" b="1">
+              <a:defRPr sz="3200" b="1">
                 <a:solidFill>
                   <a:srgbClr val="191919"/>
                 </a:solidFill>
@@ -17321,8 +17321,8 @@
         </p:nvSpPr>
         <p:spPr>
           <a:xfrm>
-            <a:off x="822960" y="2011680"/>
-            <a:ext cx="10972800" cy="1828800"/>
+            <a:off x="612648" y="2057400"/>
+            <a:ext cx="10972800" cy="1463040"/>
           </a:xfrm>
           <a:prstGeom prst="rect">
             <a:avLst/>
@@ -17397,7 +17397,7 @@
           <a:lstStyle/>
           <a:p>
             <a:pPr>
-              <a:defRPr sz="3600" b="1">
+              <a:defRPr sz="3200" b="1">
                 <a:solidFill>
                   <a:srgbClr val="191919"/>
                 </a:solidFill>
@@ -17450,8 +17450,8 @@
         </p:nvSpPr>
         <p:spPr>
           <a:xfrm>
-            <a:off x="822960" y="1645920"/>
-            <a:ext cx="10972800" cy="4754880"/>
+            <a:off x="612648" y="1508760"/>
+            <a:ext cx="10972800" cy="4572000"/>
           </a:xfrm>
           <a:prstGeom prst="rect">
             <a:avLst/>
@@ -17466,7 +17466,7 @@
           <a:p>
             <a:pPr>
               <a:spcAft>
-                <a:spcPts val="400"/>
+                <a:spcPts val="500"/>
               </a:spcAft>
               <a:defRPr sz="1800">
                 <a:solidFill>
@@ -17488,7 +17488,7 @@
           <a:p>
             <a:pPr>
               <a:spcAft>
-                <a:spcPts val="400"/>
+                <a:spcPts val="500"/>
               </a:spcAft>
               <a:defRPr sz="1800">
                 <a:solidFill>
@@ -17510,7 +17510,7 @@
           <a:p>
             <a:pPr>
               <a:spcAft>
-                <a:spcPts val="400"/>
+                <a:spcPts val="500"/>
               </a:spcAft>
               <a:defRPr sz="1800">
                 <a:solidFill>
@@ -17532,7 +17532,7 @@
           <a:p>
             <a:pPr>
               <a:spcAft>
-                <a:spcPts val="400"/>
+                <a:spcPts val="500"/>
               </a:spcAft>
               <a:defRPr sz="1800">
                 <a:solidFill>
@@ -17554,7 +17554,7 @@
           <a:p>
             <a:pPr>
               <a:spcAft>
-                <a:spcPts val="400"/>
+                <a:spcPts val="500"/>
               </a:spcAft>
               <a:defRPr sz="1800">
                 <a:solidFill>

--- a/AI_Learning_Modul.pptx
+++ b/AI_Learning_Modul.pptx
@@ -3168,18 +3168,13 @@
             <a:pPr>
               <a:defRPr sz="3000" b="1">
                 <a:solidFill>
-                  <a:srgbClr val="212529"/>
-                </a:solidFill>
-                <a:latin typeface="Segoe UI"/>
-              </a:defRPr>
-            </a:pPr>
-            <a:r>
-              <a:rPr>
-                <a:solidFill>
-                  <a:srgbClr val="212529"/>
-                </a:solidFill>
-                <a:latin typeface="Segoe UI"/>
-              </a:rPr>
+                  <a:srgbClr val="0066CC"/>
+                </a:solidFill>
+                <a:latin typeface="Segoe UI Semibold"/>
+              </a:defRPr>
+            </a:pPr>
+            <a:r>
+              <a:rPr/>
               <a:t>Belajar AI untuk Pemula</a:t>
             </a:r>
           </a:p>
@@ -3203,18 +3198,13 @@
             <a:pPr>
               <a:defRPr sz="1800">
                 <a:solidFill>
-                  <a:srgbClr val="212529"/>
-                </a:solidFill>
-                <a:latin typeface="Segoe UI"/>
-              </a:defRPr>
-            </a:pPr>
-            <a:r>
-              <a:rPr>
-                <a:solidFill>
-                  <a:srgbClr val="212529"/>
-                </a:solidFill>
-                <a:latin typeface="Segoe UI"/>
-              </a:rPr>
+                  <a:srgbClr val="6C757D"/>
+                </a:solidFill>
+                <a:latin typeface="Segoe UI"/>
+              </a:defRPr>
+            </a:pPr>
+            <a:r>
+              <a:rPr/>
               <a:t>Modul latihan (Regression, Classification, NN, CNN)</a:t>
             </a:r>
           </a:p>
@@ -3222,18 +3212,13 @@
             <a:pPr>
               <a:defRPr sz="1800">
                 <a:solidFill>
-                  <a:srgbClr val="212529"/>
-                </a:solidFill>
-                <a:latin typeface="Segoe UI"/>
-              </a:defRPr>
-            </a:pPr>
-            <a:r>
-              <a:rPr>
-                <a:solidFill>
-                  <a:srgbClr val="212529"/>
-                </a:solidFill>
-                <a:latin typeface="Segoe UI"/>
-              </a:rPr>
+                  <a:srgbClr val="6C757D"/>
+                </a:solidFill>
+                <a:latin typeface="Segoe UI"/>
+              </a:defRPr>
+            </a:pPr>
+            <a:r>
+              <a:rPr/>
               <a:t>+ alur belajar + latihan + pembahasan + troubleshooting</a:t>
             </a:r>
           </a:p>
@@ -3241,18 +3226,13 @@
             <a:pPr>
               <a:defRPr sz="1800">
                 <a:solidFill>
-                  <a:srgbClr val="212529"/>
-                </a:solidFill>
-                <a:latin typeface="Segoe UI"/>
-              </a:defRPr>
-            </a:pPr>
-            <a:r>
-              <a:rPr>
-                <a:solidFill>
-                  <a:srgbClr val="212529"/>
-                </a:solidFill>
-                <a:latin typeface="Segoe UI"/>
-              </a:rPr>
+                  <a:srgbClr val="6C757D"/>
+                </a:solidFill>
+                <a:latin typeface="Segoe UI"/>
+              </a:defRPr>
+            </a:pPr>
+            <a:r>
+              <a:rPr/>
               <a:t>Generated: 2026-02-17  |  Repo: Ai Learn</a:t>
             </a:r>
           </a:p>
@@ -3260,7 +3240,7 @@
       </p:sp>
       <p:sp>
         <p:nvSpPr>
-          <p:cNvPr id="4" name="Rectangle 3"/>
+          <p:cNvPr id="4" name="__accent_bar__"/>
           <p:cNvSpPr/>
           <p:nvPr/>
         </p:nvSpPr>
@@ -3297,14 +3277,7 @@
           <a:bodyPr rtlCol="0" anchor="ctr"/>
           <a:lstStyle/>
           <a:p>
-            <a:pPr algn="ctr">
-              <a:defRPr sz="1800">
-                <a:solidFill>
-                  <a:srgbClr val="212529"/>
-                </a:solidFill>
-                <a:latin typeface="Segoe UI"/>
-              </a:defRPr>
-            </a:pPr>
+            <a:pPr algn="ctr"/>
           </a:p>
         </p:txBody>
       </p:sp>
@@ -3352,46 +3325,15 @@
             <a:pPr>
               <a:defRPr sz="3000" b="1">
                 <a:solidFill>
-                  <a:srgbClr val="212529"/>
-                </a:solidFill>
-                <a:latin typeface="Segoe UI"/>
-              </a:defRPr>
-            </a:pPr>
-            <a:r>
-              <a:rPr>
-                <a:solidFill>
-                  <a:srgbClr val="212529"/>
-                </a:solidFill>
-                <a:latin typeface="Segoe UI"/>
-              </a:rPr>
+                  <a:srgbClr val="0066CC"/>
+                </a:solidFill>
+                <a:latin typeface="Segoe UI Semibold"/>
+              </a:defRPr>
+            </a:pPr>
+            <a:r>
+              <a:rPr/>
               <a:t>Train / Validation / Test</a:t>
             </a:r>
-          </a:p>
-        </p:txBody>
-      </p:sp>
-      <p:sp>
-        <p:nvSpPr>
-          <p:cNvPr id="3" name="Content Placeholder 2"/>
-          <p:cNvSpPr>
-            <a:spLocks noGrp="1"/>
-          </p:cNvSpPr>
-          <p:nvPr>
-            <p:ph idx="1"/>
-          </p:nvPr>
-        </p:nvSpPr>
-        <p:spPr/>
-        <p:txBody>
-          <a:bodyPr/>
-          <a:lstStyle/>
-          <a:p>
-            <a:pPr>
-              <a:defRPr sz="1800">
-                <a:solidFill>
-                  <a:srgbClr val="212529"/>
-                </a:solidFill>
-                <a:latin typeface="Segoe UI"/>
-              </a:defRPr>
-            </a:pPr>
           </a:p>
         </p:txBody>
       </p:sp>
@@ -3410,6 +3352,9 @@
             <a:avLst/>
           </a:prstGeom>
           <a:noFill/>
+          <a:ln>
+            <a:noFill/>
+          </a:ln>
         </p:spPr>
         <p:txBody>
           <a:bodyPr wrap="square">
@@ -3429,12 +3374,7 @@
               </a:defRPr>
             </a:pPr>
             <a:r>
-              <a:rPr>
-                <a:solidFill>
-                  <a:srgbClr val="212529"/>
-                </a:solidFill>
-                <a:latin typeface="Segoe UI"/>
-              </a:rPr>
+              <a:rPr/>
               <a:t>Train: data untuk belajar (fit).</a:t>
             </a:r>
           </a:p>
@@ -3451,12 +3391,7 @@
               </a:defRPr>
             </a:pPr>
             <a:r>
-              <a:rPr>
-                <a:solidFill>
-                  <a:srgbClr val="212529"/>
-                </a:solidFill>
-                <a:latin typeface="Segoe UI"/>
-              </a:rPr>
+              <a:rPr/>
               <a:t>Validation: data untuk memilih setting (hyperparameter).</a:t>
             </a:r>
           </a:p>
@@ -3473,12 +3408,7 @@
               </a:defRPr>
             </a:pPr>
             <a:r>
-              <a:rPr>
-                <a:solidFill>
-                  <a:srgbClr val="212529"/>
-                </a:solidFill>
-                <a:latin typeface="Segoe UI"/>
-              </a:rPr>
+              <a:rPr/>
               <a:t>Test: data untuk evaluasi final (simulasi dunia nyata).</a:t>
             </a:r>
           </a:p>
@@ -3495,12 +3425,7 @@
               </a:defRPr>
             </a:pPr>
             <a:r>
-              <a:rPr>
-                <a:solidFill>
-                  <a:srgbClr val="212529"/>
-                </a:solidFill>
-                <a:latin typeface="Segoe UI"/>
-              </a:rPr>
+              <a:rPr/>
               <a:t>Kalau pemula: minimal train/test dulu, lalu tambah validation saat tuning.</a:t>
             </a:r>
           </a:p>
@@ -3544,24 +3469,19 @@
           </a:fontRef>
         </p:style>
         <p:txBody>
-          <a:bodyPr rtlCol="0" anchor="ctr" wrap="square"/>
+          <a:bodyPr rtlCol="0" anchor="ctr" wrap="square" lIns="182880" rIns="137160" tIns="73152" bIns="73152"/>
           <a:lstStyle/>
           <a:p>
             <a:pPr algn="ctr">
               <a:defRPr sz="1300">
                 <a:solidFill>
-                  <a:srgbClr val="212529"/>
-                </a:solidFill>
-                <a:latin typeface="Segoe UI"/>
-              </a:defRPr>
-            </a:pPr>
-            <a:r>
-              <a:rPr>
-                <a:solidFill>
-                  <a:srgbClr val="212529"/>
-                </a:solidFill>
-                <a:latin typeface="Segoe UI"/>
-              </a:rPr>
+                  <a:srgbClr val="6C757D"/>
+                </a:solidFill>
+                <a:latin typeface="Segoe UI"/>
+              </a:defRPr>
+            </a:pPr>
+            <a:r>
+              <a:rPr/>
               <a:t>Prinsip: test hanya dipakai sekali untuk hasil final.</a:t>
             </a:r>
           </a:p>
@@ -3569,7 +3489,7 @@
       </p:sp>
       <p:sp>
         <p:nvSpPr>
-          <p:cNvPr id="6" name="Rectangle 5"/>
+          <p:cNvPr id="6" name="__accent_bar__"/>
           <p:cNvSpPr/>
           <p:nvPr/>
         </p:nvSpPr>
@@ -3606,14 +3526,7 @@
           <a:bodyPr rtlCol="0" anchor="ctr"/>
           <a:lstStyle/>
           <a:p>
-            <a:pPr algn="ctr">
-              <a:defRPr sz="1800">
-                <a:solidFill>
-                  <a:srgbClr val="212529"/>
-                </a:solidFill>
-                <a:latin typeface="Segoe UI"/>
-              </a:defRPr>
-            </a:pPr>
+            <a:pPr algn="ctr"/>
           </a:p>
         </p:txBody>
       </p:sp>
@@ -3661,46 +3574,15 @@
             <a:pPr>
               <a:defRPr sz="3000" b="1">
                 <a:solidFill>
-                  <a:srgbClr val="212529"/>
-                </a:solidFill>
-                <a:latin typeface="Segoe UI"/>
-              </a:defRPr>
-            </a:pPr>
-            <a:r>
-              <a:rPr>
-                <a:solidFill>
-                  <a:srgbClr val="212529"/>
-                </a:solidFill>
-                <a:latin typeface="Segoe UI"/>
-              </a:rPr>
+                  <a:srgbClr val="0066CC"/>
+                </a:solidFill>
+                <a:latin typeface="Segoe UI Semibold"/>
+              </a:defRPr>
+            </a:pPr>
+            <a:r>
+              <a:rPr/>
               <a:t>Overfitting vs Underfitting</a:t>
             </a:r>
-          </a:p>
-        </p:txBody>
-      </p:sp>
-      <p:sp>
-        <p:nvSpPr>
-          <p:cNvPr id="3" name="Content Placeholder 2"/>
-          <p:cNvSpPr>
-            <a:spLocks noGrp="1"/>
-          </p:cNvSpPr>
-          <p:nvPr>
-            <p:ph idx="1"/>
-          </p:nvPr>
-        </p:nvSpPr>
-        <p:spPr/>
-        <p:txBody>
-          <a:bodyPr/>
-          <a:lstStyle/>
-          <a:p>
-            <a:pPr>
-              <a:defRPr sz="1800">
-                <a:solidFill>
-                  <a:srgbClr val="212529"/>
-                </a:solidFill>
-                <a:latin typeface="Segoe UI"/>
-              </a:defRPr>
-            </a:pPr>
           </a:p>
         </p:txBody>
       </p:sp>
@@ -3719,6 +3601,9 @@
             <a:avLst/>
           </a:prstGeom>
           <a:noFill/>
+          <a:ln>
+            <a:noFill/>
+          </a:ln>
         </p:spPr>
         <p:txBody>
           <a:bodyPr wrap="none">
@@ -3729,18 +3614,13 @@
             <a:pPr>
               <a:defRPr sz="1700" b="1">
                 <a:solidFill>
-                  <a:srgbClr val="212529"/>
-                </a:solidFill>
-                <a:latin typeface="Segoe UI"/>
-              </a:defRPr>
-            </a:pPr>
-            <a:r>
-              <a:rPr>
-                <a:solidFill>
-                  <a:srgbClr val="212529"/>
-                </a:solidFill>
-                <a:latin typeface="Segoe UI"/>
-              </a:rPr>
+                  <a:srgbClr val="0066CC"/>
+                </a:solidFill>
+                <a:latin typeface="Segoe UI Semibold"/>
+              </a:defRPr>
+            </a:pPr>
+            <a:r>
+              <a:rPr/>
               <a:t>Underfitting</a:t>
             </a:r>
           </a:p>
@@ -3761,6 +3641,9 @@
             <a:avLst/>
           </a:prstGeom>
           <a:noFill/>
+          <a:ln>
+            <a:noFill/>
+          </a:ln>
         </p:spPr>
         <p:txBody>
           <a:bodyPr wrap="none">
@@ -3771,18 +3654,13 @@
             <a:pPr>
               <a:defRPr sz="1700" b="1">
                 <a:solidFill>
-                  <a:srgbClr val="212529"/>
-                </a:solidFill>
-                <a:latin typeface="Segoe UI"/>
-              </a:defRPr>
-            </a:pPr>
-            <a:r>
-              <a:rPr>
-                <a:solidFill>
-                  <a:srgbClr val="212529"/>
-                </a:solidFill>
-                <a:latin typeface="Segoe UI"/>
-              </a:rPr>
+                  <a:srgbClr val="0066CC"/>
+                </a:solidFill>
+                <a:latin typeface="Segoe UI Semibold"/>
+              </a:defRPr>
+            </a:pPr>
+            <a:r>
+              <a:rPr/>
               <a:t>Overfitting</a:t>
             </a:r>
           </a:p>
@@ -3803,6 +3681,9 @@
             <a:avLst/>
           </a:prstGeom>
           <a:noFill/>
+          <a:ln>
+            <a:noFill/>
+          </a:ln>
         </p:spPr>
         <p:txBody>
           <a:bodyPr wrap="square">
@@ -3822,12 +3703,7 @@
               </a:defRPr>
             </a:pPr>
             <a:r>
-              <a:rPr>
-                <a:solidFill>
-                  <a:srgbClr val="212529"/>
-                </a:solidFill>
-                <a:latin typeface="Segoe UI"/>
-              </a:rPr>
+              <a:rPr/>
               <a:t>Model terlalu sederhana</a:t>
             </a:r>
           </a:p>
@@ -3844,12 +3720,7 @@
               </a:defRPr>
             </a:pPr>
             <a:r>
-              <a:rPr>
-                <a:solidFill>
-                  <a:srgbClr val="212529"/>
-                </a:solidFill>
-                <a:latin typeface="Segoe UI"/>
-              </a:rPr>
+              <a:rPr/>
               <a:t>Train score rendah</a:t>
             </a:r>
           </a:p>
@@ -3866,12 +3737,7 @@
               </a:defRPr>
             </a:pPr>
             <a:r>
-              <a:rPr>
-                <a:solidFill>
-                  <a:srgbClr val="212529"/>
-                </a:solidFill>
-                <a:latin typeface="Segoe UI"/>
-              </a:rPr>
+              <a:rPr/>
               <a:t>Test score rendah</a:t>
             </a:r>
           </a:p>
@@ -3888,12 +3754,7 @@
               </a:defRPr>
             </a:pPr>
             <a:r>
-              <a:rPr>
-                <a:solidFill>
-                  <a:srgbClr val="212529"/>
-                </a:solidFill>
-                <a:latin typeface="Segoe UI"/>
-              </a:rPr>
+              <a:rPr/>
               <a:t>Solusi: model lebih kuat, fitur lebih informatif</a:t>
             </a:r>
           </a:p>
@@ -3914,6 +3775,9 @@
             <a:avLst/>
           </a:prstGeom>
           <a:noFill/>
+          <a:ln>
+            <a:noFill/>
+          </a:ln>
         </p:spPr>
         <p:txBody>
           <a:bodyPr wrap="square">
@@ -3933,12 +3797,7 @@
               </a:defRPr>
             </a:pPr>
             <a:r>
-              <a:rPr>
-                <a:solidFill>
-                  <a:srgbClr val="212529"/>
-                </a:solidFill>
-                <a:latin typeface="Segoe UI"/>
-              </a:rPr>
+              <a:rPr/>
               <a:t>Model terlalu menghafal</a:t>
             </a:r>
           </a:p>
@@ -3955,12 +3814,7 @@
               </a:defRPr>
             </a:pPr>
             <a:r>
-              <a:rPr>
-                <a:solidFill>
-                  <a:srgbClr val="212529"/>
-                </a:solidFill>
-                <a:latin typeface="Segoe UI"/>
-              </a:rPr>
+              <a:rPr/>
               <a:t>Train score tinggi</a:t>
             </a:r>
           </a:p>
@@ -3977,12 +3831,7 @@
               </a:defRPr>
             </a:pPr>
             <a:r>
-              <a:rPr>
-                <a:solidFill>
-                  <a:srgbClr val="212529"/>
-                </a:solidFill>
-                <a:latin typeface="Segoe UI"/>
-              </a:rPr>
+              <a:rPr/>
               <a:t>Test score turun</a:t>
             </a:r>
           </a:p>
@@ -3999,12 +3848,7 @@
               </a:defRPr>
             </a:pPr>
             <a:r>
-              <a:rPr>
-                <a:solidFill>
-                  <a:srgbClr val="212529"/>
-                </a:solidFill>
-                <a:latin typeface="Segoe UI"/>
-              </a:rPr>
+              <a:rPr/>
               <a:t>Solusi: regularisasi, data lebih banyak, early stopping</a:t>
             </a:r>
           </a:p>
@@ -4012,7 +3856,7 @@
       </p:sp>
       <p:sp>
         <p:nvSpPr>
-          <p:cNvPr id="8" name="Rectangle 7"/>
+          <p:cNvPr id="8" name="__accent_bar__"/>
           <p:cNvSpPr/>
           <p:nvPr/>
         </p:nvSpPr>
@@ -4049,14 +3893,7 @@
           <a:bodyPr rtlCol="0" anchor="ctr"/>
           <a:lstStyle/>
           <a:p>
-            <a:pPr algn="ctr">
-              <a:defRPr sz="1800">
-                <a:solidFill>
-                  <a:srgbClr val="212529"/>
-                </a:solidFill>
-                <a:latin typeface="Segoe UI"/>
-              </a:defRPr>
-            </a:pPr>
+            <a:pPr algn="ctr"/>
           </a:p>
         </p:txBody>
       </p:sp>
@@ -4104,18 +3941,13 @@
             <a:pPr>
               <a:defRPr sz="3000" b="1">
                 <a:solidFill>
-                  <a:srgbClr val="212529"/>
-                </a:solidFill>
-                <a:latin typeface="Segoe UI"/>
-              </a:defRPr>
-            </a:pPr>
-            <a:r>
-              <a:rPr>
-                <a:solidFill>
-                  <a:srgbClr val="212529"/>
-                </a:solidFill>
-                <a:latin typeface="Segoe UI"/>
-              </a:rPr>
+                  <a:srgbClr val="0066CC"/>
+                </a:solidFill>
+                <a:latin typeface="Segoe UI Semibold"/>
+              </a:defRPr>
+            </a:pPr>
+            <a:r>
+              <a:rPr/>
               <a:t>2) Metrik</a:t>
             </a:r>
           </a:p>
@@ -4136,6 +3968,9 @@
             <a:avLst/>
           </a:prstGeom>
           <a:noFill/>
+          <a:ln>
+            <a:noFill/>
+          </a:ln>
         </p:spPr>
         <p:txBody>
           <a:bodyPr wrap="none">
@@ -4146,18 +3981,13 @@
             <a:pPr>
               <a:defRPr sz="2000" i="1">
                 <a:solidFill>
-                  <a:srgbClr val="212529"/>
-                </a:solidFill>
-                <a:latin typeface="Segoe UI"/>
-              </a:defRPr>
-            </a:pPr>
-            <a:r>
-              <a:rPr>
-                <a:solidFill>
-                  <a:srgbClr val="212529"/>
-                </a:solidFill>
-                <a:latin typeface="Segoe UI"/>
-              </a:rPr>
+                  <a:srgbClr val="6C757D"/>
+                </a:solidFill>
+                <a:latin typeface="Segoe UI"/>
+              </a:defRPr>
+            </a:pPr>
+            <a:r>
+              <a:rPr/>
               <a:t>Cara membaca hasil agar tidak salah interpretasi</a:t>
             </a:r>
           </a:p>
@@ -4165,7 +3995,7 @@
       </p:sp>
       <p:sp>
         <p:nvSpPr>
-          <p:cNvPr id="4" name="Rectangle 3"/>
+          <p:cNvPr id="4" name="__accent_bar__"/>
           <p:cNvSpPr/>
           <p:nvPr/>
         </p:nvSpPr>
@@ -4202,14 +4032,7 @@
           <a:bodyPr rtlCol="0" anchor="ctr"/>
           <a:lstStyle/>
           <a:p>
-            <a:pPr algn="ctr">
-              <a:defRPr sz="1800">
-                <a:solidFill>
-                  <a:srgbClr val="212529"/>
-                </a:solidFill>
-                <a:latin typeface="Segoe UI"/>
-              </a:defRPr>
-            </a:pPr>
+            <a:pPr algn="ctr"/>
           </a:p>
         </p:txBody>
       </p:sp>
@@ -4257,46 +4080,15 @@
             <a:pPr>
               <a:defRPr sz="3000" b="1">
                 <a:solidFill>
-                  <a:srgbClr val="212529"/>
-                </a:solidFill>
-                <a:latin typeface="Segoe UI"/>
-              </a:defRPr>
-            </a:pPr>
-            <a:r>
-              <a:rPr>
-                <a:solidFill>
-                  <a:srgbClr val="212529"/>
-                </a:solidFill>
-                <a:latin typeface="Segoe UI"/>
-              </a:rPr>
+                  <a:srgbClr val="0066CC"/>
+                </a:solidFill>
+                <a:latin typeface="Segoe UI Semibold"/>
+              </a:defRPr>
+            </a:pPr>
+            <a:r>
+              <a:rPr/>
               <a:t>Regression Metrics: MAE / RMSE / R²</a:t>
             </a:r>
-          </a:p>
-        </p:txBody>
-      </p:sp>
-      <p:sp>
-        <p:nvSpPr>
-          <p:cNvPr id="3" name="Content Placeholder 2"/>
-          <p:cNvSpPr>
-            <a:spLocks noGrp="1"/>
-          </p:cNvSpPr>
-          <p:nvPr>
-            <p:ph idx="1"/>
-          </p:nvPr>
-        </p:nvSpPr>
-        <p:spPr/>
-        <p:txBody>
-          <a:bodyPr/>
-          <a:lstStyle/>
-          <a:p>
-            <a:pPr>
-              <a:defRPr sz="1800">
-                <a:solidFill>
-                  <a:srgbClr val="212529"/>
-                </a:solidFill>
-                <a:latin typeface="Segoe UI"/>
-              </a:defRPr>
-            </a:pPr>
           </a:p>
         </p:txBody>
       </p:sp>
@@ -4315,6 +4107,9 @@
             <a:avLst/>
           </a:prstGeom>
           <a:noFill/>
+          <a:ln>
+            <a:noFill/>
+          </a:ln>
         </p:spPr>
         <p:txBody>
           <a:bodyPr wrap="square">
@@ -4334,12 +4129,7 @@
               </a:defRPr>
             </a:pPr>
             <a:r>
-              <a:rPr>
-                <a:solidFill>
-                  <a:srgbClr val="212529"/>
-                </a:solidFill>
-                <a:latin typeface="Segoe UI"/>
-              </a:rPr>
+              <a:rPr/>
               <a:t>MAE: rata-rata selisih |aktual − prediksi| (lebih mudah dipahami).</a:t>
             </a:r>
           </a:p>
@@ -4356,12 +4146,7 @@
               </a:defRPr>
             </a:pPr>
             <a:r>
-              <a:rPr>
-                <a:solidFill>
-                  <a:srgbClr val="212529"/>
-                </a:solidFill>
-                <a:latin typeface="Segoe UI"/>
-              </a:rPr>
+              <a:rPr/>
               <a:t>RMSE: seperti MAE tapi menghukum error besar (lebih sensitif outlier).</a:t>
             </a:r>
           </a:p>
@@ -4378,12 +4163,7 @@
               </a:defRPr>
             </a:pPr>
             <a:r>
-              <a:rPr>
-                <a:solidFill>
-                  <a:srgbClr val="212529"/>
-                </a:solidFill>
-                <a:latin typeface="Segoe UI"/>
-              </a:rPr>
+              <a:rPr/>
               <a:t>R²: seberapa besar variasi y yang bisa dijelaskan model (0.0–1.0).</a:t>
             </a:r>
           </a:p>
@@ -4400,12 +4180,7 @@
               </a:defRPr>
             </a:pPr>
             <a:r>
-              <a:rPr>
-                <a:solidFill>
-                  <a:srgbClr val="212529"/>
-                </a:solidFill>
-                <a:latin typeface="Segoe UI"/>
-              </a:rPr>
+              <a:rPr/>
               <a:t>Interpretasi cepat: R² ~0.8+ bagus untuk data yang cukup linear.</a:t>
             </a:r>
           </a:p>
@@ -4413,7 +4188,7 @@
       </p:sp>
       <p:sp>
         <p:nvSpPr>
-          <p:cNvPr id="5" name="Rectangle 4"/>
+          <p:cNvPr id="5" name="__accent_bar__"/>
           <p:cNvSpPr/>
           <p:nvPr/>
         </p:nvSpPr>
@@ -4450,14 +4225,7 @@
           <a:bodyPr rtlCol="0" anchor="ctr"/>
           <a:lstStyle/>
           <a:p>
-            <a:pPr algn="ctr">
-              <a:defRPr sz="1800">
-                <a:solidFill>
-                  <a:srgbClr val="212529"/>
-                </a:solidFill>
-                <a:latin typeface="Segoe UI"/>
-              </a:defRPr>
-            </a:pPr>
+            <a:pPr algn="ctr"/>
           </a:p>
         </p:txBody>
       </p:sp>
@@ -4505,46 +4273,15 @@
             <a:pPr>
               <a:defRPr sz="3000" b="1">
                 <a:solidFill>
-                  <a:srgbClr val="212529"/>
-                </a:solidFill>
-                <a:latin typeface="Segoe UI"/>
-              </a:defRPr>
-            </a:pPr>
-            <a:r>
-              <a:rPr>
-                <a:solidFill>
-                  <a:srgbClr val="212529"/>
-                </a:solidFill>
-                <a:latin typeface="Segoe UI"/>
-              </a:rPr>
+                  <a:srgbClr val="0066CC"/>
+                </a:solidFill>
+                <a:latin typeface="Segoe UI Semibold"/>
+              </a:defRPr>
+            </a:pPr>
+            <a:r>
+              <a:rPr/>
               <a:t>Cara Membaca R² (Contoh)</a:t>
             </a:r>
-          </a:p>
-        </p:txBody>
-      </p:sp>
-      <p:sp>
-        <p:nvSpPr>
-          <p:cNvPr id="3" name="Content Placeholder 2"/>
-          <p:cNvSpPr>
-            <a:spLocks noGrp="1"/>
-          </p:cNvSpPr>
-          <p:nvPr>
-            <p:ph idx="1"/>
-          </p:nvPr>
-        </p:nvSpPr>
-        <p:spPr/>
-        <p:txBody>
-          <a:bodyPr/>
-          <a:lstStyle/>
-          <a:p>
-            <a:pPr>
-              <a:defRPr sz="1800">
-                <a:solidFill>
-                  <a:srgbClr val="212529"/>
-                </a:solidFill>
-                <a:latin typeface="Segoe UI"/>
-              </a:defRPr>
-            </a:pPr>
           </a:p>
         </p:txBody>
       </p:sp>
@@ -4563,6 +4300,9 @@
             <a:avLst/>
           </a:prstGeom>
           <a:noFill/>
+          <a:ln>
+            <a:noFill/>
+          </a:ln>
         </p:spPr>
         <p:txBody>
           <a:bodyPr wrap="square">
@@ -4582,12 +4322,7 @@
               </a:defRPr>
             </a:pPr>
             <a:r>
-              <a:rPr>
-                <a:solidFill>
-                  <a:srgbClr val="212529"/>
-                </a:solidFill>
-                <a:latin typeface="Segoe UI"/>
-              </a:rPr>
+              <a:rPr/>
               <a:t>R² = 0.90 → model menjelaskan 90% variasi harga (pola sangat tertangkap).</a:t>
             </a:r>
           </a:p>
@@ -4604,12 +4339,7 @@
               </a:defRPr>
             </a:pPr>
             <a:r>
-              <a:rPr>
-                <a:solidFill>
-                  <a:srgbClr val="212529"/>
-                </a:solidFill>
-                <a:latin typeface="Segoe UI"/>
-              </a:rPr>
+              <a:rPr/>
               <a:t>R² = 0.50 → masih banyak variasi yang belum terjelaskan (fitur kurang / noise tinggi).</a:t>
             </a:r>
           </a:p>
@@ -4626,12 +4356,7 @@
               </a:defRPr>
             </a:pPr>
             <a:r>
-              <a:rPr>
-                <a:solidFill>
-                  <a:srgbClr val="212529"/>
-                </a:solidFill>
-                <a:latin typeface="Segoe UI"/>
-              </a:rPr>
+              <a:rPr/>
               <a:t>R² &lt; 0 → model lebih buruk dari prediksi rata-rata (indikasi masalah serius).</a:t>
             </a:r>
           </a:p>
@@ -4675,24 +4400,19 @@
           </a:fontRef>
         </p:style>
         <p:txBody>
-          <a:bodyPr rtlCol="0" anchor="ctr" wrap="square"/>
+          <a:bodyPr rtlCol="0" anchor="ctr" wrap="square" lIns="182880" rIns="137160" tIns="73152" bIns="73152"/>
           <a:lstStyle/>
           <a:p>
             <a:pPr algn="ctr">
               <a:defRPr sz="1300">
                 <a:solidFill>
-                  <a:srgbClr val="212529"/>
-                </a:solidFill>
-                <a:latin typeface="Segoe UI"/>
-              </a:defRPr>
-            </a:pPr>
-            <a:r>
-              <a:rPr>
-                <a:solidFill>
-                  <a:srgbClr val="212529"/>
-                </a:solidFill>
-                <a:latin typeface="Segoe UI"/>
-              </a:rPr>
+                  <a:srgbClr val="6C757D"/>
+                </a:solidFill>
+                <a:latin typeface="Segoe UI"/>
+              </a:defRPr>
+            </a:pPr>
+            <a:r>
+              <a:rPr/>
               <a:t>Jangan lihat 1 metric saja: cek juga plot residual / pred vs actual jika tersedia.</a:t>
             </a:r>
           </a:p>
@@ -4700,7 +4420,7 @@
       </p:sp>
       <p:sp>
         <p:nvSpPr>
-          <p:cNvPr id="6" name="Rectangle 5"/>
+          <p:cNvPr id="6" name="__accent_bar__"/>
           <p:cNvSpPr/>
           <p:nvPr/>
         </p:nvSpPr>
@@ -4737,14 +4457,7 @@
           <a:bodyPr rtlCol="0" anchor="ctr"/>
           <a:lstStyle/>
           <a:p>
-            <a:pPr algn="ctr">
-              <a:defRPr sz="1800">
-                <a:solidFill>
-                  <a:srgbClr val="212529"/>
-                </a:solidFill>
-                <a:latin typeface="Segoe UI"/>
-              </a:defRPr>
-            </a:pPr>
+            <a:pPr algn="ctr"/>
           </a:p>
         </p:txBody>
       </p:sp>
@@ -4792,46 +4505,15 @@
             <a:pPr>
               <a:defRPr sz="3000" b="1">
                 <a:solidFill>
-                  <a:srgbClr val="212529"/>
-                </a:solidFill>
-                <a:latin typeface="Segoe UI"/>
-              </a:defRPr>
-            </a:pPr>
-            <a:r>
-              <a:rPr>
-                <a:solidFill>
-                  <a:srgbClr val="212529"/>
-                </a:solidFill>
-                <a:latin typeface="Segoe UI"/>
-              </a:rPr>
+                  <a:srgbClr val="0066CC"/>
+                </a:solidFill>
+                <a:latin typeface="Segoe UI Semibold"/>
+              </a:defRPr>
+            </a:pPr>
+            <a:r>
+              <a:rPr/>
               <a:t>Classification Metrics</a:t>
             </a:r>
-          </a:p>
-        </p:txBody>
-      </p:sp>
-      <p:sp>
-        <p:nvSpPr>
-          <p:cNvPr id="3" name="Content Placeholder 2"/>
-          <p:cNvSpPr>
-            <a:spLocks noGrp="1"/>
-          </p:cNvSpPr>
-          <p:nvPr>
-            <p:ph idx="1"/>
-          </p:nvPr>
-        </p:nvSpPr>
-        <p:spPr/>
-        <p:txBody>
-          <a:bodyPr/>
-          <a:lstStyle/>
-          <a:p>
-            <a:pPr>
-              <a:defRPr sz="1800">
-                <a:solidFill>
-                  <a:srgbClr val="212529"/>
-                </a:solidFill>
-                <a:latin typeface="Segoe UI"/>
-              </a:defRPr>
-            </a:pPr>
           </a:p>
         </p:txBody>
       </p:sp>
@@ -4850,6 +4532,9 @@
             <a:avLst/>
           </a:prstGeom>
           <a:noFill/>
+          <a:ln>
+            <a:noFill/>
+          </a:ln>
         </p:spPr>
         <p:txBody>
           <a:bodyPr wrap="square">
@@ -4869,12 +4554,7 @@
               </a:defRPr>
             </a:pPr>
             <a:r>
-              <a:rPr>
-                <a:solidFill>
-                  <a:srgbClr val="212529"/>
-                </a:solidFill>
-                <a:latin typeface="Segoe UI"/>
-              </a:rPr>
+              <a:rPr/>
               <a:t>Accuracy: proporsi prediksi yang benar (bagus jika kelas seimbang).</a:t>
             </a:r>
           </a:p>
@@ -4891,12 +4571,7 @@
               </a:defRPr>
             </a:pPr>
             <a:r>
-              <a:rPr>
-                <a:solidFill>
-                  <a:srgbClr val="212529"/>
-                </a:solidFill>
-                <a:latin typeface="Segoe UI"/>
-              </a:rPr>
+              <a:rPr/>
               <a:t>Precision: dari yang diprediksi positif, berapa yang benar positif.</a:t>
             </a:r>
           </a:p>
@@ -4913,12 +4588,7 @@
               </a:defRPr>
             </a:pPr>
             <a:r>
-              <a:rPr>
-                <a:solidFill>
-                  <a:srgbClr val="212529"/>
-                </a:solidFill>
-                <a:latin typeface="Segoe UI"/>
-              </a:rPr>
+              <a:rPr/>
               <a:t>Recall: dari yang sebenarnya positif, berapa yang berhasil ditangkap.</a:t>
             </a:r>
           </a:p>
@@ -4935,12 +4605,7 @@
               </a:defRPr>
             </a:pPr>
             <a:r>
-              <a:rPr>
-                <a:solidFill>
-                  <a:srgbClr val="212529"/>
-                </a:solidFill>
-                <a:latin typeface="Segoe UI"/>
-              </a:rPr>
+              <a:rPr/>
               <a:t>F1: rata-rata harmonik precision &amp; recall (bagus untuk data tidak seimbang).</a:t>
             </a:r>
           </a:p>
@@ -4948,7 +4613,7 @@
       </p:sp>
       <p:sp>
         <p:nvSpPr>
-          <p:cNvPr id="5" name="Rectangle 4"/>
+          <p:cNvPr id="5" name="__accent_bar__"/>
           <p:cNvSpPr/>
           <p:nvPr/>
         </p:nvSpPr>
@@ -4985,14 +4650,7 @@
           <a:bodyPr rtlCol="0" anchor="ctr"/>
           <a:lstStyle/>
           <a:p>
-            <a:pPr algn="ctr">
-              <a:defRPr sz="1800">
-                <a:solidFill>
-                  <a:srgbClr val="212529"/>
-                </a:solidFill>
-                <a:latin typeface="Segoe UI"/>
-              </a:defRPr>
-            </a:pPr>
+            <a:pPr algn="ctr"/>
           </a:p>
         </p:txBody>
       </p:sp>
@@ -5040,46 +4698,15 @@
             <a:pPr>
               <a:defRPr sz="3000" b="1">
                 <a:solidFill>
-                  <a:srgbClr val="212529"/>
-                </a:solidFill>
-                <a:latin typeface="Segoe UI"/>
-              </a:defRPr>
-            </a:pPr>
-            <a:r>
-              <a:rPr>
-                <a:solidFill>
-                  <a:srgbClr val="212529"/>
-                </a:solidFill>
-                <a:latin typeface="Segoe UI"/>
-              </a:rPr>
+                  <a:srgbClr val="0066CC"/>
+                </a:solidFill>
+                <a:latin typeface="Segoe UI Semibold"/>
+              </a:defRPr>
+            </a:pPr>
+            <a:r>
+              <a:rPr/>
               <a:t>Confusion Matrix (Cara Baca)</a:t>
             </a:r>
-          </a:p>
-        </p:txBody>
-      </p:sp>
-      <p:sp>
-        <p:nvSpPr>
-          <p:cNvPr id="3" name="Content Placeholder 2"/>
-          <p:cNvSpPr>
-            <a:spLocks noGrp="1"/>
-          </p:cNvSpPr>
-          <p:nvPr>
-            <p:ph idx="1"/>
-          </p:nvPr>
-        </p:nvSpPr>
-        <p:spPr/>
-        <p:txBody>
-          <a:bodyPr/>
-          <a:lstStyle/>
-          <a:p>
-            <a:pPr>
-              <a:defRPr sz="1800">
-                <a:solidFill>
-                  <a:srgbClr val="212529"/>
-                </a:solidFill>
-                <a:latin typeface="Segoe UI"/>
-              </a:defRPr>
-            </a:pPr>
           </a:p>
         </p:txBody>
       </p:sp>
@@ -5098,6 +4725,9 @@
             <a:avLst/>
           </a:prstGeom>
           <a:noFill/>
+          <a:ln>
+            <a:noFill/>
+          </a:ln>
         </p:spPr>
         <p:txBody>
           <a:bodyPr wrap="none">
@@ -5108,18 +4738,13 @@
             <a:pPr>
               <a:defRPr sz="1700" b="1">
                 <a:solidFill>
-                  <a:srgbClr val="212529"/>
-                </a:solidFill>
-                <a:latin typeface="Segoe UI"/>
-              </a:defRPr>
-            </a:pPr>
-            <a:r>
-              <a:rPr>
-                <a:solidFill>
-                  <a:srgbClr val="212529"/>
-                </a:solidFill>
-                <a:latin typeface="Segoe UI"/>
-              </a:rPr>
+                  <a:srgbClr val="0066CC"/>
+                </a:solidFill>
+                <a:latin typeface="Segoe UI Semibold"/>
+              </a:defRPr>
+            </a:pPr>
+            <a:r>
+              <a:rPr/>
               <a:t>Makna kotak</a:t>
             </a:r>
           </a:p>
@@ -5140,6 +4765,9 @@
             <a:avLst/>
           </a:prstGeom>
           <a:noFill/>
+          <a:ln>
+            <a:noFill/>
+          </a:ln>
         </p:spPr>
         <p:txBody>
           <a:bodyPr wrap="none">
@@ -5150,18 +4778,13 @@
             <a:pPr>
               <a:defRPr sz="1700" b="1">
                 <a:solidFill>
-                  <a:srgbClr val="212529"/>
-                </a:solidFill>
-                <a:latin typeface="Segoe UI"/>
-              </a:defRPr>
-            </a:pPr>
-            <a:r>
-              <a:rPr>
-                <a:solidFill>
-                  <a:srgbClr val="212529"/>
-                </a:solidFill>
-                <a:latin typeface="Segoe UI"/>
-              </a:rPr>
+                  <a:srgbClr val="0066CC"/>
+                </a:solidFill>
+                <a:latin typeface="Segoe UI Semibold"/>
+              </a:defRPr>
+            </a:pPr>
+            <a:r>
+              <a:rPr/>
               <a:t>Kapan fokus apa?</a:t>
             </a:r>
           </a:p>
@@ -5182,6 +4805,9 @@
             <a:avLst/>
           </a:prstGeom>
           <a:noFill/>
+          <a:ln>
+            <a:noFill/>
+          </a:ln>
         </p:spPr>
         <p:txBody>
           <a:bodyPr wrap="square">
@@ -5201,12 +4827,7 @@
               </a:defRPr>
             </a:pPr>
             <a:r>
-              <a:rPr>
-                <a:solidFill>
-                  <a:srgbClr val="212529"/>
-                </a:solidFill>
-                <a:latin typeface="Segoe UI"/>
-              </a:rPr>
+              <a:rPr/>
               <a:t>TP: benar positif</a:t>
             </a:r>
           </a:p>
@@ -5223,12 +4844,7 @@
               </a:defRPr>
             </a:pPr>
             <a:r>
-              <a:rPr>
-                <a:solidFill>
-                  <a:srgbClr val="212529"/>
-                </a:solidFill>
-                <a:latin typeface="Segoe UI"/>
-              </a:rPr>
+              <a:rPr/>
               <a:t>TN: benar negatif</a:t>
             </a:r>
           </a:p>
@@ -5245,12 +4861,7 @@
               </a:defRPr>
             </a:pPr>
             <a:r>
-              <a:rPr>
-                <a:solidFill>
-                  <a:srgbClr val="212529"/>
-                </a:solidFill>
-                <a:latin typeface="Segoe UI"/>
-              </a:rPr>
+              <a:rPr/>
               <a:t>FP: salah positif (false alarm)</a:t>
             </a:r>
           </a:p>
@@ -5267,12 +4878,7 @@
               </a:defRPr>
             </a:pPr>
             <a:r>
-              <a:rPr>
-                <a:solidFill>
-                  <a:srgbClr val="212529"/>
-                </a:solidFill>
-                <a:latin typeface="Segoe UI"/>
-              </a:rPr>
+              <a:rPr/>
               <a:t>FN: salah negatif (miss)</a:t>
             </a:r>
           </a:p>
@@ -5293,6 +4899,9 @@
             <a:avLst/>
           </a:prstGeom>
           <a:noFill/>
+          <a:ln>
+            <a:noFill/>
+          </a:ln>
         </p:spPr>
         <p:txBody>
           <a:bodyPr wrap="square">
@@ -5312,12 +4921,7 @@
               </a:defRPr>
             </a:pPr>
             <a:r>
-              <a:rPr>
-                <a:solidFill>
-                  <a:srgbClr val="212529"/>
-                </a:solidFill>
-                <a:latin typeface="Segoe UI"/>
-              </a:rPr>
+              <a:rPr/>
               <a:t>Jika false alarm mahal → perhatikan precision</a:t>
             </a:r>
           </a:p>
@@ -5334,12 +4938,7 @@
               </a:defRPr>
             </a:pPr>
             <a:r>
-              <a:rPr>
-                <a:solidFill>
-                  <a:srgbClr val="212529"/>
-                </a:solidFill>
-                <a:latin typeface="Segoe UI"/>
-              </a:rPr>
+              <a:rPr/>
               <a:t>Jika miss mahal → perhatikan recall</a:t>
             </a:r>
           </a:p>
@@ -5356,12 +4955,7 @@
               </a:defRPr>
             </a:pPr>
             <a:r>
-              <a:rPr>
-                <a:solidFill>
-                  <a:srgbClr val="212529"/>
-                </a:solidFill>
-                <a:latin typeface="Segoe UI"/>
-              </a:rPr>
+              <a:rPr/>
               <a:t>Jika seimbang → lihat F1</a:t>
             </a:r>
           </a:p>
@@ -5405,24 +4999,19 @@
           </a:fontRef>
         </p:style>
         <p:txBody>
-          <a:bodyPr rtlCol="0" anchor="ctr" wrap="square"/>
+          <a:bodyPr rtlCol="0" anchor="ctr" wrap="square" lIns="182880" rIns="137160" tIns="73152" bIns="73152"/>
           <a:lstStyle/>
           <a:p>
             <a:pPr algn="ctr">
               <a:defRPr sz="1300">
                 <a:solidFill>
-                  <a:srgbClr val="212529"/>
-                </a:solidFill>
-                <a:latin typeface="Segoe UI"/>
-              </a:defRPr>
-            </a:pPr>
-            <a:r>
-              <a:rPr>
-                <a:solidFill>
-                  <a:srgbClr val="212529"/>
-                </a:solidFill>
-                <a:latin typeface="Segoe UI"/>
-              </a:rPr>
+                  <a:srgbClr val="6C757D"/>
+                </a:solidFill>
+                <a:latin typeface="Segoe UI"/>
+              </a:defRPr>
+            </a:pPr>
+            <a:r>
+              <a:rPr/>
               <a:t>Iris biasanya seimbang (accuracy cukup). Pada fraud/spam, F1 lebih aman.</a:t>
             </a:r>
           </a:p>
@@ -5430,7 +5019,7 @@
       </p:sp>
       <p:sp>
         <p:nvSpPr>
-          <p:cNvPr id="9" name="Rectangle 8"/>
+          <p:cNvPr id="9" name="__accent_bar__"/>
           <p:cNvSpPr/>
           <p:nvPr/>
         </p:nvSpPr>
@@ -5467,14 +5056,7 @@
           <a:bodyPr rtlCol="0" anchor="ctr"/>
           <a:lstStyle/>
           <a:p>
-            <a:pPr algn="ctr">
-              <a:defRPr sz="1800">
-                <a:solidFill>
-                  <a:srgbClr val="212529"/>
-                </a:solidFill>
-                <a:latin typeface="Segoe UI"/>
-              </a:defRPr>
-            </a:pPr>
+            <a:pPr algn="ctr"/>
           </a:p>
         </p:txBody>
       </p:sp>
@@ -5522,18 +5104,13 @@
             <a:pPr>
               <a:defRPr sz="3000" b="1">
                 <a:solidFill>
-                  <a:srgbClr val="212529"/>
-                </a:solidFill>
-                <a:latin typeface="Segoe UI"/>
-              </a:defRPr>
-            </a:pPr>
-            <a:r>
-              <a:rPr>
-                <a:solidFill>
-                  <a:srgbClr val="212529"/>
-                </a:solidFill>
-                <a:latin typeface="Segoe UI"/>
-              </a:rPr>
+                  <a:srgbClr val="0066CC"/>
+                </a:solidFill>
+                <a:latin typeface="Segoe UI Semibold"/>
+              </a:defRPr>
+            </a:pPr>
+            <a:r>
+              <a:rPr/>
               <a:t>Modul 1</a:t>
             </a:r>
           </a:p>
@@ -5554,6 +5131,9 @@
             <a:avLst/>
           </a:prstGeom>
           <a:noFill/>
+          <a:ln>
+            <a:noFill/>
+          </a:ln>
         </p:spPr>
         <p:txBody>
           <a:bodyPr wrap="none">
@@ -5564,18 +5144,13 @@
             <a:pPr>
               <a:defRPr sz="2000" i="1">
                 <a:solidFill>
-                  <a:srgbClr val="212529"/>
-                </a:solidFill>
-                <a:latin typeface="Segoe UI"/>
-              </a:defRPr>
-            </a:pPr>
-            <a:r>
-              <a:rPr>
-                <a:solidFill>
-                  <a:srgbClr val="212529"/>
-                </a:solidFill>
-                <a:latin typeface="Segoe UI"/>
-              </a:rPr>
+                  <a:srgbClr val="6C757D"/>
+                </a:solidFill>
+                <a:latin typeface="Segoe UI"/>
+              </a:defRPr>
+            </a:pPr>
+            <a:r>
+              <a:rPr/>
               <a:t>Linear Regression — prediksi angka</a:t>
             </a:r>
           </a:p>
@@ -5583,7 +5158,7 @@
       </p:sp>
       <p:sp>
         <p:nvSpPr>
-          <p:cNvPr id="4" name="Rectangle 3"/>
+          <p:cNvPr id="4" name="__accent_bar__"/>
           <p:cNvSpPr/>
           <p:nvPr/>
         </p:nvSpPr>
@@ -5620,14 +5195,7 @@
           <a:bodyPr rtlCol="0" anchor="ctr"/>
           <a:lstStyle/>
           <a:p>
-            <a:pPr algn="ctr">
-              <a:defRPr sz="1800">
-                <a:solidFill>
-                  <a:srgbClr val="212529"/>
-                </a:solidFill>
-                <a:latin typeface="Segoe UI"/>
-              </a:defRPr>
-            </a:pPr>
+            <a:pPr algn="ctr"/>
           </a:p>
         </p:txBody>
       </p:sp>
@@ -5675,46 +5243,15 @@
             <a:pPr>
               <a:defRPr sz="3000" b="1">
                 <a:solidFill>
-                  <a:srgbClr val="212529"/>
-                </a:solidFill>
-                <a:latin typeface="Segoe UI"/>
-              </a:defRPr>
-            </a:pPr>
-            <a:r>
-              <a:rPr>
-                <a:solidFill>
-                  <a:srgbClr val="212529"/>
-                </a:solidFill>
-                <a:latin typeface="Segoe UI"/>
-              </a:rPr>
+                  <a:srgbClr val="0066CC"/>
+                </a:solidFill>
+                <a:latin typeface="Segoe UI Semibold"/>
+              </a:defRPr>
+            </a:pPr>
+            <a:r>
+              <a:rPr/>
               <a:t>Modul 1: Tujuan &amp; Output</a:t>
             </a:r>
-          </a:p>
-        </p:txBody>
-      </p:sp>
-      <p:sp>
-        <p:nvSpPr>
-          <p:cNvPr id="3" name="Content Placeholder 2"/>
-          <p:cNvSpPr>
-            <a:spLocks noGrp="1"/>
-          </p:cNvSpPr>
-          <p:nvPr>
-            <p:ph idx="1"/>
-          </p:nvPr>
-        </p:nvSpPr>
-        <p:spPr/>
-        <p:txBody>
-          <a:bodyPr/>
-          <a:lstStyle/>
-          <a:p>
-            <a:pPr>
-              <a:defRPr sz="1800">
-                <a:solidFill>
-                  <a:srgbClr val="212529"/>
-                </a:solidFill>
-                <a:latin typeface="Segoe UI"/>
-              </a:defRPr>
-            </a:pPr>
           </a:p>
         </p:txBody>
       </p:sp>
@@ -5733,6 +5270,9 @@
             <a:avLst/>
           </a:prstGeom>
           <a:noFill/>
+          <a:ln>
+            <a:noFill/>
+          </a:ln>
         </p:spPr>
         <p:txBody>
           <a:bodyPr wrap="square">
@@ -5752,12 +5292,7 @@
               </a:defRPr>
             </a:pPr>
             <a:r>
-              <a:rPr>
-                <a:solidFill>
-                  <a:srgbClr val="212529"/>
-                </a:solidFill>
-                <a:latin typeface="Segoe UI"/>
-              </a:rPr>
+              <a:rPr/>
               <a:t>Tujuan: memprediksi harga rumah dari ukuran.</a:t>
             </a:r>
           </a:p>
@@ -5774,12 +5309,7 @@
               </a:defRPr>
             </a:pPr>
             <a:r>
-              <a:rPr>
-                <a:solidFill>
-                  <a:srgbClr val="212529"/>
-                </a:solidFill>
-                <a:latin typeface="Segoe UI"/>
-              </a:rPr>
+              <a:rPr/>
               <a:t>Output: rumus garis (slope &amp; intercept), R² / MAE / RMSE, dan plot.</a:t>
             </a:r>
           </a:p>
@@ -5796,12 +5326,7 @@
               </a:defRPr>
             </a:pPr>
             <a:r>
-              <a:rPr>
-                <a:solidFill>
-                  <a:srgbClr val="212529"/>
-                </a:solidFill>
-                <a:latin typeface="Segoe UI"/>
-              </a:rPr>
+              <a:rPr/>
               <a:t>File: 01_linear_regression.py</a:t>
             </a:r>
           </a:p>
@@ -5845,14 +5370,11 @@
           </a:fontRef>
         </p:style>
         <p:txBody>
-          <a:bodyPr rtlCol="0" anchor="ctr" wrap="square"/>
+          <a:bodyPr rtlCol="0" anchor="ctr" wrap="square" lIns="228600" rIns="137160" tIns="91440" bIns="91440"/>
           <a:lstStyle/>
           <a:p>
             <a:pPr algn="ctr">
               <a:defRPr sz="1800">
-                <a:solidFill>
-                  <a:srgbClr val="212529"/>
-                </a:solidFill>
                 <a:latin typeface="Segoe UI"/>
               </a:defRPr>
             </a:pPr>
@@ -5870,7 +5392,7 @@
       </p:sp>
       <p:sp>
         <p:nvSpPr>
-          <p:cNvPr id="6" name="Rectangle 5"/>
+          <p:cNvPr id="6" name="__accent_bar__"/>
           <p:cNvSpPr/>
           <p:nvPr/>
         </p:nvSpPr>
@@ -5907,14 +5429,7 @@
           <a:bodyPr rtlCol="0" anchor="ctr"/>
           <a:lstStyle/>
           <a:p>
-            <a:pPr algn="ctr">
-              <a:defRPr sz="1800">
-                <a:solidFill>
-                  <a:srgbClr val="212529"/>
-                </a:solidFill>
-                <a:latin typeface="Segoe UI"/>
-              </a:defRPr>
-            </a:pPr>
+            <a:pPr algn="ctr"/>
           </a:p>
         </p:txBody>
       </p:sp>
@@ -5962,46 +5477,15 @@
             <a:pPr>
               <a:defRPr sz="3000" b="1">
                 <a:solidFill>
-                  <a:srgbClr val="212529"/>
-                </a:solidFill>
-                <a:latin typeface="Segoe UI"/>
-              </a:defRPr>
-            </a:pPr>
-            <a:r>
-              <a:rPr>
-                <a:solidFill>
-                  <a:srgbClr val="212529"/>
-                </a:solidFill>
-                <a:latin typeface="Segoe UI"/>
-              </a:rPr>
+                  <a:srgbClr val="0066CC"/>
+                </a:solidFill>
+                <a:latin typeface="Segoe UI Semibold"/>
+              </a:defRPr>
+            </a:pPr>
+            <a:r>
+              <a:rPr/>
               <a:t>Modul 1: Langkah di Kode (Flow)</a:t>
             </a:r>
-          </a:p>
-        </p:txBody>
-      </p:sp>
-      <p:sp>
-        <p:nvSpPr>
-          <p:cNvPr id="3" name="Content Placeholder 2"/>
-          <p:cNvSpPr>
-            <a:spLocks noGrp="1"/>
-          </p:cNvSpPr>
-          <p:nvPr>
-            <p:ph idx="1"/>
-          </p:nvPr>
-        </p:nvSpPr>
-        <p:spPr/>
-        <p:txBody>
-          <a:bodyPr/>
-          <a:lstStyle/>
-          <a:p>
-            <a:pPr>
-              <a:defRPr sz="1800">
-                <a:solidFill>
-                  <a:srgbClr val="212529"/>
-                </a:solidFill>
-                <a:latin typeface="Segoe UI"/>
-              </a:defRPr>
-            </a:pPr>
           </a:p>
         </p:txBody>
       </p:sp>
@@ -6049,18 +5533,13 @@
             <a:pPr algn="ctr">
               <a:defRPr sz="1400" b="1">
                 <a:solidFill>
-                  <a:srgbClr val="212529"/>
-                </a:solidFill>
-                <a:latin typeface="Segoe UI"/>
-              </a:defRPr>
-            </a:pPr>
-            <a:r>
-              <a:rPr>
-                <a:solidFill>
-                  <a:srgbClr val="212529"/>
-                </a:solidFill>
-                <a:latin typeface="Segoe UI"/>
-              </a:rPr>
+                  <a:srgbClr val="0066CC"/>
+                </a:solidFill>
+                <a:latin typeface="Segoe UI Semibold"/>
+              </a:defRPr>
+            </a:pPr>
+            <a:r>
+              <a:rPr/>
               <a:t>Buat data</a:t>
             </a:r>
           </a:p>
@@ -6109,9 +5588,6 @@
           <a:p>
             <a:pPr algn="ctr">
               <a:defRPr sz="1800">
-                <a:solidFill>
-                  <a:srgbClr val="212529"/>
-                </a:solidFill>
                 <a:latin typeface="Segoe UI"/>
               </a:defRPr>
             </a:pPr>
@@ -6162,18 +5638,13 @@
             <a:pPr algn="ctr">
               <a:defRPr sz="1400" b="1">
                 <a:solidFill>
-                  <a:srgbClr val="212529"/>
-                </a:solidFill>
-                <a:latin typeface="Segoe UI"/>
-              </a:defRPr>
-            </a:pPr>
-            <a:r>
-              <a:rPr>
-                <a:solidFill>
-                  <a:srgbClr val="212529"/>
-                </a:solidFill>
-                <a:latin typeface="Segoe UI"/>
-              </a:rPr>
+                  <a:srgbClr val="0066CC"/>
+                </a:solidFill>
+                <a:latin typeface="Segoe UI Semibold"/>
+              </a:defRPr>
+            </a:pPr>
+            <a:r>
+              <a:rPr/>
               <a:t>Plot</a:t>
             </a:r>
           </a:p>
@@ -6222,9 +5693,6 @@
           <a:p>
             <a:pPr algn="ctr">
               <a:defRPr sz="1800">
-                <a:solidFill>
-                  <a:srgbClr val="212529"/>
-                </a:solidFill>
                 <a:latin typeface="Segoe UI"/>
               </a:defRPr>
             </a:pPr>
@@ -6275,18 +5743,13 @@
             <a:pPr algn="ctr">
               <a:defRPr sz="1400" b="1">
                 <a:solidFill>
-                  <a:srgbClr val="212529"/>
-                </a:solidFill>
-                <a:latin typeface="Segoe UI"/>
-              </a:defRPr>
-            </a:pPr>
-            <a:r>
-              <a:rPr>
-                <a:solidFill>
-                  <a:srgbClr val="212529"/>
-                </a:solidFill>
-                <a:latin typeface="Segoe UI"/>
-              </a:rPr>
+                  <a:srgbClr val="0066CC"/>
+                </a:solidFill>
+                <a:latin typeface="Segoe UI Semibold"/>
+              </a:defRPr>
+            </a:pPr>
+            <a:r>
+              <a:rPr/>
               <a:t>Split</a:t>
             </a:r>
           </a:p>
@@ -6335,9 +5798,6 @@
           <a:p>
             <a:pPr algn="ctr">
               <a:defRPr sz="1800">
-                <a:solidFill>
-                  <a:srgbClr val="212529"/>
-                </a:solidFill>
                 <a:latin typeface="Segoe UI"/>
               </a:defRPr>
             </a:pPr>
@@ -6388,18 +5848,13 @@
             <a:pPr algn="ctr">
               <a:defRPr sz="1400" b="1">
                 <a:solidFill>
-                  <a:srgbClr val="212529"/>
-                </a:solidFill>
-                <a:latin typeface="Segoe UI"/>
-              </a:defRPr>
-            </a:pPr>
-            <a:r>
-              <a:rPr>
-                <a:solidFill>
-                  <a:srgbClr val="212529"/>
-                </a:solidFill>
-                <a:latin typeface="Segoe UI"/>
-              </a:rPr>
+                  <a:srgbClr val="0066CC"/>
+                </a:solidFill>
+                <a:latin typeface="Segoe UI Semibold"/>
+              </a:defRPr>
+            </a:pPr>
+            <a:r>
+              <a:rPr/>
               <a:t>Fit</a:t>
             </a:r>
           </a:p>
@@ -6448,9 +5903,6 @@
           <a:p>
             <a:pPr algn="ctr">
               <a:defRPr sz="1800">
-                <a:solidFill>
-                  <a:srgbClr val="212529"/>
-                </a:solidFill>
                 <a:latin typeface="Segoe UI"/>
               </a:defRPr>
             </a:pPr>
@@ -6501,18 +5953,13 @@
             <a:pPr algn="ctr">
               <a:defRPr sz="1400" b="1">
                 <a:solidFill>
-                  <a:srgbClr val="212529"/>
-                </a:solidFill>
-                <a:latin typeface="Segoe UI"/>
-              </a:defRPr>
-            </a:pPr>
-            <a:r>
-              <a:rPr>
-                <a:solidFill>
-                  <a:srgbClr val="212529"/>
-                </a:solidFill>
-                <a:latin typeface="Segoe UI"/>
-              </a:rPr>
+                  <a:srgbClr val="0066CC"/>
+                </a:solidFill>
+                <a:latin typeface="Segoe UI Semibold"/>
+              </a:defRPr>
+            </a:pPr>
+            <a:r>
+              <a:rPr/>
               <a:t>Predict</a:t>
             </a:r>
           </a:p>
@@ -6561,9 +6008,6 @@
           <a:p>
             <a:pPr algn="ctr">
               <a:defRPr sz="1800">
-                <a:solidFill>
-                  <a:srgbClr val="212529"/>
-                </a:solidFill>
                 <a:latin typeface="Segoe UI"/>
               </a:defRPr>
             </a:pPr>
@@ -6614,18 +6058,13 @@
             <a:pPr algn="ctr">
               <a:defRPr sz="1400" b="1">
                 <a:solidFill>
-                  <a:srgbClr val="212529"/>
-                </a:solidFill>
-                <a:latin typeface="Segoe UI"/>
-              </a:defRPr>
-            </a:pPr>
-            <a:r>
-              <a:rPr>
-                <a:solidFill>
-                  <a:srgbClr val="212529"/>
-                </a:solidFill>
-                <a:latin typeface="Segoe UI"/>
-              </a:rPr>
+                  <a:srgbClr val="0066CC"/>
+                </a:solidFill>
+                <a:latin typeface="Segoe UI Semibold"/>
+              </a:defRPr>
+            </a:pPr>
+            <a:r>
+              <a:rPr/>
               <a:t>Evaluate</a:t>
             </a:r>
           </a:p>
@@ -6646,6 +6085,9 @@
             <a:avLst/>
           </a:prstGeom>
           <a:noFill/>
+          <a:ln>
+            <a:noFill/>
+          </a:ln>
         </p:spPr>
         <p:txBody>
           <a:bodyPr wrap="square">
@@ -6665,12 +6107,7 @@
               </a:defRPr>
             </a:pPr>
             <a:r>
-              <a:rPr>
-                <a:solidFill>
-                  <a:srgbClr val="212529"/>
-                </a:solidFill>
-                <a:latin typeface="Segoe UI"/>
-              </a:rPr>
+              <a:rPr/>
               <a:t>Perhatikan: bentuk data X harus 2D untuk scikit-learn.</a:t>
             </a:r>
           </a:p>
@@ -6687,12 +6124,7 @@
               </a:defRPr>
             </a:pPr>
             <a:r>
-              <a:rPr>
-                <a:solidFill>
-                  <a:srgbClr val="212529"/>
-                </a:solidFill>
-                <a:latin typeface="Segoe UI"/>
-              </a:rPr>
+              <a:rPr/>
               <a:t>Jangan lupa: evaluasi pakai data test, bukan training.</a:t>
             </a:r>
           </a:p>
@@ -6700,7 +6132,7 @@
       </p:sp>
       <p:sp>
         <p:nvSpPr>
-          <p:cNvPr id="16" name="Rectangle 15"/>
+          <p:cNvPr id="16" name="__accent_bar__"/>
           <p:cNvSpPr/>
           <p:nvPr/>
         </p:nvSpPr>
@@ -6737,14 +6169,7 @@
           <a:bodyPr rtlCol="0" anchor="ctr"/>
           <a:lstStyle/>
           <a:p>
-            <a:pPr algn="ctr">
-              <a:defRPr sz="1800">
-                <a:solidFill>
-                  <a:srgbClr val="212529"/>
-                </a:solidFill>
-                <a:latin typeface="Segoe UI"/>
-              </a:defRPr>
-            </a:pPr>
+            <a:pPr algn="ctr"/>
           </a:p>
         </p:txBody>
       </p:sp>
@@ -6792,46 +6217,15 @@
             <a:pPr>
               <a:defRPr sz="3000" b="1">
                 <a:solidFill>
-                  <a:srgbClr val="212529"/>
-                </a:solidFill>
-                <a:latin typeface="Segoe UI"/>
-              </a:defRPr>
-            </a:pPr>
-            <a:r>
-              <a:rPr>
-                <a:solidFill>
-                  <a:srgbClr val="212529"/>
-                </a:solidFill>
-                <a:latin typeface="Segoe UI"/>
-              </a:rPr>
+                  <a:srgbClr val="0066CC"/>
+                </a:solidFill>
+                <a:latin typeface="Segoe UI Semibold"/>
+              </a:defRPr>
+            </a:pPr>
+            <a:r>
+              <a:rPr/>
               <a:t>Agenda</a:t>
             </a:r>
-          </a:p>
-        </p:txBody>
-      </p:sp>
-      <p:sp>
-        <p:nvSpPr>
-          <p:cNvPr id="3" name="Content Placeholder 2"/>
-          <p:cNvSpPr>
-            <a:spLocks noGrp="1"/>
-          </p:cNvSpPr>
-          <p:nvPr>
-            <p:ph idx="1"/>
-          </p:nvPr>
-        </p:nvSpPr>
-        <p:spPr/>
-        <p:txBody>
-          <a:bodyPr/>
-          <a:lstStyle/>
-          <a:p>
-            <a:pPr>
-              <a:defRPr sz="1800">
-                <a:solidFill>
-                  <a:srgbClr val="212529"/>
-                </a:solidFill>
-                <a:latin typeface="Segoe UI"/>
-              </a:defRPr>
-            </a:pPr>
           </a:p>
         </p:txBody>
       </p:sp>
@@ -6850,6 +6244,9 @@
             <a:avLst/>
           </a:prstGeom>
           <a:noFill/>
+          <a:ln>
+            <a:noFill/>
+          </a:ln>
         </p:spPr>
         <p:txBody>
           <a:bodyPr wrap="square">
@@ -6869,12 +6266,7 @@
               </a:defRPr>
             </a:pPr>
             <a:r>
-              <a:rPr>
-                <a:solidFill>
-                  <a:srgbClr val="212529"/>
-                </a:solidFill>
-                <a:latin typeface="Segoe UI"/>
-              </a:rPr>
+              <a:rPr/>
               <a:t>0) Cara pakai repo + cara run yang benar</a:t>
             </a:r>
           </a:p>
@@ -6891,12 +6283,7 @@
               </a:defRPr>
             </a:pPr>
             <a:r>
-              <a:rPr>
-                <a:solidFill>
-                  <a:srgbClr val="212529"/>
-                </a:solidFill>
-                <a:latin typeface="Segoe UI"/>
-              </a:rPr>
+              <a:rPr/>
               <a:t>1) Alur ML: Data → Train → Evaluate → Improve</a:t>
             </a:r>
           </a:p>
@@ -6913,12 +6300,7 @@
               </a:defRPr>
             </a:pPr>
             <a:r>
-              <a:rPr>
-                <a:solidFill>
-                  <a:srgbClr val="212529"/>
-                </a:solidFill>
-                <a:latin typeface="Segoe UI"/>
-              </a:rPr>
+              <a:rPr/>
               <a:t>2) Konsep penting: fitur/target, split, overfitting</a:t>
             </a:r>
           </a:p>
@@ -6935,12 +6317,7 @@
               </a:defRPr>
             </a:pPr>
             <a:r>
-              <a:rPr>
-                <a:solidFill>
-                  <a:srgbClr val="212529"/>
-                </a:solidFill>
-                <a:latin typeface="Segoe UI"/>
-              </a:rPr>
+              <a:rPr/>
               <a:t>3) Metrik regression: MAE / RMSE / R² (cara baca)</a:t>
             </a:r>
           </a:p>
@@ -6957,12 +6334,7 @@
               </a:defRPr>
             </a:pPr>
             <a:r>
-              <a:rPr>
-                <a:solidFill>
-                  <a:srgbClr val="212529"/>
-                </a:solidFill>
-                <a:latin typeface="Segoe UI"/>
-              </a:rPr>
+              <a:rPr/>
               <a:t>4) Metrik classification: accuracy / precision / recall / F1</a:t>
             </a:r>
           </a:p>
@@ -6979,12 +6351,7 @@
               </a:defRPr>
             </a:pPr>
             <a:r>
-              <a:rPr>
-                <a:solidFill>
-                  <a:srgbClr val="212529"/>
-                </a:solidFill>
-                <a:latin typeface="Segoe UI"/>
-              </a:rPr>
+              <a:rPr/>
               <a:t>5) Modul 1–4 + latihan + pembahasan</a:t>
             </a:r>
           </a:p>
@@ -7001,12 +6368,7 @@
               </a:defRPr>
             </a:pPr>
             <a:r>
-              <a:rPr>
-                <a:solidFill>
-                  <a:srgbClr val="212529"/>
-                </a:solidFill>
-                <a:latin typeface="Segoe UI"/>
-              </a:rPr>
+              <a:rPr/>
               <a:t>6) Troubleshooting + checklist project</a:t>
             </a:r>
           </a:p>
@@ -7014,7 +6376,7 @@
       </p:sp>
       <p:sp>
         <p:nvSpPr>
-          <p:cNvPr id="5" name="Rectangle 4"/>
+          <p:cNvPr id="5" name="__accent_bar__"/>
           <p:cNvSpPr/>
           <p:nvPr/>
         </p:nvSpPr>
@@ -7051,14 +6413,7 @@
           <a:bodyPr rtlCol="0" anchor="ctr"/>
           <a:lstStyle/>
           <a:p>
-            <a:pPr algn="ctr">
-              <a:defRPr sz="1800">
-                <a:solidFill>
-                  <a:srgbClr val="212529"/>
-                </a:solidFill>
-                <a:latin typeface="Segoe UI"/>
-              </a:defRPr>
-            </a:pPr>
+            <a:pPr algn="ctr"/>
           </a:p>
         </p:txBody>
       </p:sp>
@@ -7106,46 +6461,15 @@
             <a:pPr>
               <a:defRPr sz="3000" b="1">
                 <a:solidFill>
-                  <a:srgbClr val="212529"/>
-                </a:solidFill>
-                <a:latin typeface="Segoe UI"/>
-              </a:defRPr>
-            </a:pPr>
-            <a:r>
-              <a:rPr>
-                <a:solidFill>
-                  <a:srgbClr val="212529"/>
-                </a:solidFill>
-                <a:latin typeface="Segoe UI"/>
-              </a:rPr>
+                  <a:srgbClr val="0066CC"/>
+                </a:solidFill>
+                <a:latin typeface="Segoe UI Semibold"/>
+              </a:defRPr>
+            </a:pPr>
+            <a:r>
+              <a:rPr/>
               <a:t>Modul 1: Mengapa Jawabannya Seperti Itu?</a:t>
             </a:r>
-          </a:p>
-        </p:txBody>
-      </p:sp>
-      <p:sp>
-        <p:nvSpPr>
-          <p:cNvPr id="3" name="Content Placeholder 2"/>
-          <p:cNvSpPr>
-            <a:spLocks noGrp="1"/>
-          </p:cNvSpPr>
-          <p:nvPr>
-            <p:ph idx="1"/>
-          </p:nvPr>
-        </p:nvSpPr>
-        <p:spPr/>
-        <p:txBody>
-          <a:bodyPr/>
-          <a:lstStyle/>
-          <a:p>
-            <a:pPr>
-              <a:defRPr sz="1800">
-                <a:solidFill>
-                  <a:srgbClr val="212529"/>
-                </a:solidFill>
-                <a:latin typeface="Segoe UI"/>
-              </a:defRPr>
-            </a:pPr>
           </a:p>
         </p:txBody>
       </p:sp>
@@ -7164,6 +6488,9 @@
             <a:avLst/>
           </a:prstGeom>
           <a:noFill/>
+          <a:ln>
+            <a:noFill/>
+          </a:ln>
         </p:spPr>
         <p:txBody>
           <a:bodyPr wrap="square">
@@ -7183,12 +6510,7 @@
               </a:defRPr>
             </a:pPr>
             <a:r>
-              <a:rPr>
-                <a:solidFill>
-                  <a:srgbClr val="212529"/>
-                </a:solidFill>
-                <a:latin typeface="Segoe UI"/>
-              </a:rPr>
+              <a:rPr/>
               <a:t>Linear regression mencari garis yang meminimalkan total error kuadrat (least squares).</a:t>
             </a:r>
           </a:p>
@@ -7205,12 +6527,7 @@
               </a:defRPr>
             </a:pPr>
             <a:r>
-              <a:rPr>
-                <a:solidFill>
-                  <a:srgbClr val="212529"/>
-                </a:solidFill>
-                <a:latin typeface="Segoe UI"/>
-              </a:rPr>
+              <a:rPr/>
               <a:t>Slope = dampak perubahan ukuran terhadap harga (per 1 m²).</a:t>
             </a:r>
           </a:p>
@@ -7227,12 +6544,7 @@
               </a:defRPr>
             </a:pPr>
             <a:r>
-              <a:rPr>
-                <a:solidFill>
-                  <a:srgbClr val="212529"/>
-                </a:solidFill>
-                <a:latin typeface="Segoe UI"/>
-              </a:rPr>
+              <a:rPr/>
               <a:t>Intercept = harga dasar ketika ukuran mendekati 0 (makna tergantung data).</a:t>
             </a:r>
           </a:p>
@@ -7249,12 +6561,7 @@
               </a:defRPr>
             </a:pPr>
             <a:r>
-              <a:rPr>
-                <a:solidFill>
-                  <a:srgbClr val="212529"/>
-                </a:solidFill>
-                <a:latin typeface="Segoe UI"/>
-              </a:rPr>
+              <a:rPr/>
               <a:t>Jika noise besar → R² turun karena pola linear tertutup variasi acak.</a:t>
             </a:r>
           </a:p>
@@ -7262,7 +6569,7 @@
       </p:sp>
       <p:sp>
         <p:nvSpPr>
-          <p:cNvPr id="5" name="Rectangle 4"/>
+          <p:cNvPr id="5" name="__accent_bar__"/>
           <p:cNvSpPr/>
           <p:nvPr/>
         </p:nvSpPr>
@@ -7299,14 +6606,7 @@
           <a:bodyPr rtlCol="0" anchor="ctr"/>
           <a:lstStyle/>
           <a:p>
-            <a:pPr algn="ctr">
-              <a:defRPr sz="1800">
-                <a:solidFill>
-                  <a:srgbClr val="212529"/>
-                </a:solidFill>
-                <a:latin typeface="Segoe UI"/>
-              </a:defRPr>
-            </a:pPr>
+            <a:pPr algn="ctr"/>
           </a:p>
         </p:txBody>
       </p:sp>
@@ -7354,46 +6654,15 @@
             <a:pPr>
               <a:defRPr sz="3000" b="1">
                 <a:solidFill>
-                  <a:srgbClr val="212529"/>
-                </a:solidFill>
-                <a:latin typeface="Segoe UI"/>
-              </a:defRPr>
-            </a:pPr>
-            <a:r>
-              <a:rPr>
-                <a:solidFill>
-                  <a:srgbClr val="212529"/>
-                </a:solidFill>
-                <a:latin typeface="Segoe UI"/>
-              </a:rPr>
+                  <a:srgbClr val="0066CC"/>
+                </a:solidFill>
+                <a:latin typeface="Segoe UI Semibold"/>
+              </a:defRPr>
+            </a:pPr>
+            <a:r>
+              <a:rPr/>
               <a:t>Modul 1: Latihan</a:t>
             </a:r>
-          </a:p>
-        </p:txBody>
-      </p:sp>
-      <p:sp>
-        <p:nvSpPr>
-          <p:cNvPr id="3" name="Content Placeholder 2"/>
-          <p:cNvSpPr>
-            <a:spLocks noGrp="1"/>
-          </p:cNvSpPr>
-          <p:nvPr>
-            <p:ph idx="1"/>
-          </p:nvPr>
-        </p:nvSpPr>
-        <p:spPr/>
-        <p:txBody>
-          <a:bodyPr/>
-          <a:lstStyle/>
-          <a:p>
-            <a:pPr>
-              <a:defRPr sz="1800">
-                <a:solidFill>
-                  <a:srgbClr val="212529"/>
-                </a:solidFill>
-                <a:latin typeface="Segoe UI"/>
-              </a:defRPr>
-            </a:pPr>
           </a:p>
         </p:txBody>
       </p:sp>
@@ -7412,6 +6681,9 @@
             <a:avLst/>
           </a:prstGeom>
           <a:noFill/>
+          <a:ln>
+            <a:noFill/>
+          </a:ln>
         </p:spPr>
         <p:txBody>
           <a:bodyPr wrap="square">
@@ -7431,12 +6703,7 @@
               </a:defRPr>
             </a:pPr>
             <a:r>
-              <a:rPr>
-                <a:solidFill>
-                  <a:srgbClr val="212529"/>
-                </a:solidFill>
-                <a:latin typeface="Segoe UI"/>
-              </a:rPr>
+              <a:rPr/>
               <a:t>Latihan A: Naikkan noise → apa yang terjadi pada RMSE dan R²?</a:t>
             </a:r>
           </a:p>
@@ -7453,12 +6720,7 @@
               </a:defRPr>
             </a:pPr>
             <a:r>
-              <a:rPr>
-                <a:solidFill>
-                  <a:srgbClr val="212529"/>
-                </a:solidFill>
-                <a:latin typeface="Segoe UI"/>
-              </a:rPr>
+              <a:rPr/>
               <a:t>Latihan B: Tambah jumlah sampel → apakah hasil makin stabil?</a:t>
             </a:r>
           </a:p>
@@ -7475,12 +6737,7 @@
               </a:defRPr>
             </a:pPr>
             <a:r>
-              <a:rPr>
-                <a:solidFill>
-                  <a:srgbClr val="212529"/>
-                </a:solidFill>
-                <a:latin typeface="Segoe UI"/>
-              </a:rPr>
+              <a:rPr/>
               <a:t>Latihan C: Buat outlier ekstrem → metric mana yang paling terpengaruh (MAE vs RMSE)?</a:t>
             </a:r>
           </a:p>
@@ -7524,24 +6781,19 @@
           </a:fontRef>
         </p:style>
         <p:txBody>
-          <a:bodyPr rtlCol="0" anchor="ctr" wrap="square"/>
+          <a:bodyPr rtlCol="0" anchor="ctr" wrap="square" lIns="182880" rIns="137160" tIns="73152" bIns="73152"/>
           <a:lstStyle/>
           <a:p>
             <a:pPr algn="ctr">
               <a:defRPr sz="1300">
                 <a:solidFill>
-                  <a:srgbClr val="212529"/>
-                </a:solidFill>
-                <a:latin typeface="Segoe UI"/>
-              </a:defRPr>
-            </a:pPr>
-            <a:r>
-              <a:rPr>
-                <a:solidFill>
-                  <a:srgbClr val="212529"/>
-                </a:solidFill>
-                <a:latin typeface="Segoe UI"/>
-              </a:rPr>
+                  <a:srgbClr val="6C757D"/>
+                </a:solidFill>
+                <a:latin typeface="Segoe UI"/>
+              </a:defRPr>
+            </a:pPr>
+            <a:r>
+              <a:rPr/>
               <a:t>Pembahasan singkat: noise/outlier biasanya membuat RMSE naik lebih tajam daripada MAE.</a:t>
             </a:r>
           </a:p>
@@ -7549,7 +6801,7 @@
       </p:sp>
       <p:sp>
         <p:nvSpPr>
-          <p:cNvPr id="6" name="Rectangle 5"/>
+          <p:cNvPr id="6" name="__accent_bar__"/>
           <p:cNvSpPr/>
           <p:nvPr/>
         </p:nvSpPr>
@@ -7586,14 +6838,7 @@
           <a:bodyPr rtlCol="0" anchor="ctr"/>
           <a:lstStyle/>
           <a:p>
-            <a:pPr algn="ctr">
-              <a:defRPr sz="1800">
-                <a:solidFill>
-                  <a:srgbClr val="212529"/>
-                </a:solidFill>
-                <a:latin typeface="Segoe UI"/>
-              </a:defRPr>
-            </a:pPr>
+            <a:pPr algn="ctr"/>
           </a:p>
         </p:txBody>
       </p:sp>
@@ -7641,46 +6886,15 @@
             <a:pPr>
               <a:defRPr sz="3000" b="1">
                 <a:solidFill>
-                  <a:srgbClr val="212529"/>
-                </a:solidFill>
-                <a:latin typeface="Segoe UI"/>
-              </a:defRPr>
-            </a:pPr>
-            <a:r>
-              <a:rPr>
-                <a:solidFill>
-                  <a:srgbClr val="212529"/>
-                </a:solidFill>
-                <a:latin typeface="Segoe UI"/>
-              </a:rPr>
+                  <a:srgbClr val="0066CC"/>
+                </a:solidFill>
+                <a:latin typeface="Segoe UI Semibold"/>
+              </a:defRPr>
+            </a:pPr>
+            <a:r>
+              <a:rPr/>
               <a:t>Modul 1: Pembahasan Latihan (Step-by-step)</a:t>
             </a:r>
-          </a:p>
-        </p:txBody>
-      </p:sp>
-      <p:sp>
-        <p:nvSpPr>
-          <p:cNvPr id="3" name="Content Placeholder 2"/>
-          <p:cNvSpPr>
-            <a:spLocks noGrp="1"/>
-          </p:cNvSpPr>
-          <p:nvPr>
-            <p:ph idx="1"/>
-          </p:nvPr>
-        </p:nvSpPr>
-        <p:spPr/>
-        <p:txBody>
-          <a:bodyPr/>
-          <a:lstStyle/>
-          <a:p>
-            <a:pPr>
-              <a:defRPr sz="1800">
-                <a:solidFill>
-                  <a:srgbClr val="212529"/>
-                </a:solidFill>
-                <a:latin typeface="Segoe UI"/>
-              </a:defRPr>
-            </a:pPr>
           </a:p>
         </p:txBody>
       </p:sp>
@@ -7699,6 +6913,9 @@
             <a:avLst/>
           </a:prstGeom>
           <a:noFill/>
+          <a:ln>
+            <a:noFill/>
+          </a:ln>
         </p:spPr>
         <p:txBody>
           <a:bodyPr wrap="square">
@@ -7718,12 +6935,7 @@
               </a:defRPr>
             </a:pPr>
             <a:r>
-              <a:rPr>
-                <a:solidFill>
-                  <a:srgbClr val="212529"/>
-                </a:solidFill>
-                <a:latin typeface="Segoe UI"/>
-              </a:rPr>
+              <a:rPr/>
               <a:t>A) Noise naik: titik data makin menyebar → error rata-rata naik.</a:t>
             </a:r>
           </a:p>
@@ -7740,12 +6952,7 @@
               </a:defRPr>
             </a:pPr>
             <a:r>
-              <a:rPr>
-                <a:solidFill>
-                  <a:srgbClr val="212529"/>
-                </a:solidFill>
-                <a:latin typeface="Segoe UI"/>
-              </a:rPr>
+              <a:rPr/>
               <a:t>   Dampak: RMSE naik, R² turun (variasi y lebih banyak dari noise).</a:t>
             </a:r>
           </a:p>
@@ -7762,12 +6969,7 @@
               </a:defRPr>
             </a:pPr>
             <a:r>
-              <a:rPr>
-                <a:solidFill>
-                  <a:srgbClr val="212529"/>
-                </a:solidFill>
-                <a:latin typeface="Segoe UI"/>
-              </a:rPr>
+              <a:rPr/>
               <a:t>B) Sample size naik: estimasi slope/intercept makin stabil.</a:t>
             </a:r>
           </a:p>
@@ -7784,12 +6986,7 @@
               </a:defRPr>
             </a:pPr>
             <a:r>
-              <a:rPr>
-                <a:solidFill>
-                  <a:srgbClr val="212529"/>
-                </a:solidFill>
-                <a:latin typeface="Segoe UI"/>
-              </a:rPr>
+              <a:rPr/>
               <a:t>   Dampak: R² biasanya lebih konsisten antar run.</a:t>
             </a:r>
           </a:p>
@@ -7806,12 +7003,7 @@
               </a:defRPr>
             </a:pPr>
             <a:r>
-              <a:rPr>
-                <a:solidFill>
-                  <a:srgbClr val="212529"/>
-                </a:solidFill>
-                <a:latin typeface="Segoe UI"/>
-              </a:rPr>
+              <a:rPr/>
               <a:t>C) Outlier ekstrem: error kuadrat membuat RMSE sangat sensitif.</a:t>
             </a:r>
           </a:p>
@@ -7828,12 +7020,7 @@
               </a:defRPr>
             </a:pPr>
             <a:r>
-              <a:rPr>
-                <a:solidFill>
-                  <a:srgbClr val="212529"/>
-                </a:solidFill>
-                <a:latin typeface="Segoe UI"/>
-              </a:rPr>
+              <a:rPr/>
               <a:t>   Dampak: RMSE melonjak, MAE naik tapi tidak setajam RMSE.</a:t>
             </a:r>
           </a:p>
@@ -7841,7 +7028,7 @@
       </p:sp>
       <p:sp>
         <p:nvSpPr>
-          <p:cNvPr id="5" name="Rectangle 4"/>
+          <p:cNvPr id="5" name="__accent_bar__"/>
           <p:cNvSpPr/>
           <p:nvPr/>
         </p:nvSpPr>
@@ -7878,14 +7065,7 @@
           <a:bodyPr rtlCol="0" anchor="ctr"/>
           <a:lstStyle/>
           <a:p>
-            <a:pPr algn="ctr">
-              <a:defRPr sz="1800">
-                <a:solidFill>
-                  <a:srgbClr val="212529"/>
-                </a:solidFill>
-                <a:latin typeface="Segoe UI"/>
-              </a:defRPr>
-            </a:pPr>
+            <a:pPr algn="ctr"/>
           </a:p>
         </p:txBody>
       </p:sp>
@@ -7933,46 +7113,15 @@
             <a:pPr>
               <a:defRPr sz="3000" b="1">
                 <a:solidFill>
-                  <a:srgbClr val="212529"/>
-                </a:solidFill>
-                <a:latin typeface="Segoe UI"/>
-              </a:defRPr>
-            </a:pPr>
-            <a:r>
-              <a:rPr>
-                <a:solidFill>
-                  <a:srgbClr val="212529"/>
-                </a:solidFill>
-                <a:latin typeface="Segoe UI"/>
-              </a:rPr>
+                  <a:srgbClr val="0066CC"/>
+                </a:solidFill>
+                <a:latin typeface="Segoe UI Semibold"/>
+              </a:defRPr>
+            </a:pPr>
+            <a:r>
+              <a:rPr/>
               <a:t>Modul 1: Contoh Kasus Nyata (Harga Rumah)</a:t>
             </a:r>
-          </a:p>
-        </p:txBody>
-      </p:sp>
-      <p:sp>
-        <p:nvSpPr>
-          <p:cNvPr id="3" name="Content Placeholder 2"/>
-          <p:cNvSpPr>
-            <a:spLocks noGrp="1"/>
-          </p:cNvSpPr>
-          <p:nvPr>
-            <p:ph idx="1"/>
-          </p:nvPr>
-        </p:nvSpPr>
-        <p:spPr/>
-        <p:txBody>
-          <a:bodyPr/>
-          <a:lstStyle/>
-          <a:p>
-            <a:pPr>
-              <a:defRPr sz="1800">
-                <a:solidFill>
-                  <a:srgbClr val="212529"/>
-                </a:solidFill>
-                <a:latin typeface="Segoe UI"/>
-              </a:defRPr>
-            </a:pPr>
           </a:p>
         </p:txBody>
       </p:sp>
@@ -7991,6 +7140,9 @@
             <a:avLst/>
           </a:prstGeom>
           <a:noFill/>
+          <a:ln>
+            <a:noFill/>
+          </a:ln>
         </p:spPr>
         <p:txBody>
           <a:bodyPr wrap="none">
@@ -8001,18 +7153,13 @@
             <a:pPr>
               <a:defRPr sz="1700" b="1">
                 <a:solidFill>
-                  <a:srgbClr val="212529"/>
-                </a:solidFill>
-                <a:latin typeface="Segoe UI"/>
-              </a:defRPr>
-            </a:pPr>
-            <a:r>
-              <a:rPr>
-                <a:solidFill>
-                  <a:srgbClr val="212529"/>
-                </a:solidFill>
-                <a:latin typeface="Segoe UI"/>
-              </a:rPr>
+                  <a:srgbClr val="0066CC"/>
+                </a:solidFill>
+                <a:latin typeface="Segoe UI Semibold"/>
+              </a:defRPr>
+            </a:pPr>
+            <a:r>
+              <a:rPr/>
               <a:t>Fitur (X)</a:t>
             </a:r>
           </a:p>
@@ -8033,6 +7180,9 @@
             <a:avLst/>
           </a:prstGeom>
           <a:noFill/>
+          <a:ln>
+            <a:noFill/>
+          </a:ln>
         </p:spPr>
         <p:txBody>
           <a:bodyPr wrap="none">
@@ -8043,18 +7193,13 @@
             <a:pPr>
               <a:defRPr sz="1700" b="1">
                 <a:solidFill>
-                  <a:srgbClr val="212529"/>
-                </a:solidFill>
-                <a:latin typeface="Segoe UI"/>
-              </a:defRPr>
-            </a:pPr>
-            <a:r>
-              <a:rPr>
-                <a:solidFill>
-                  <a:srgbClr val="212529"/>
-                </a:solidFill>
-                <a:latin typeface="Segoe UI"/>
-              </a:rPr>
+                  <a:srgbClr val="0066CC"/>
+                </a:solidFill>
+                <a:latin typeface="Segoe UI Semibold"/>
+              </a:defRPr>
+            </a:pPr>
+            <a:r>
+              <a:rPr/>
               <a:t>Target (y) + Evaluasi</a:t>
             </a:r>
           </a:p>
@@ -8075,6 +7220,9 @@
             <a:avLst/>
           </a:prstGeom>
           <a:noFill/>
+          <a:ln>
+            <a:noFill/>
+          </a:ln>
         </p:spPr>
         <p:txBody>
           <a:bodyPr wrap="square">
@@ -8094,12 +7242,7 @@
               </a:defRPr>
             </a:pPr>
             <a:r>
-              <a:rPr>
-                <a:solidFill>
-                  <a:srgbClr val="212529"/>
-                </a:solidFill>
-                <a:latin typeface="Segoe UI"/>
-              </a:rPr>
+              <a:rPr/>
               <a:t>Luas bangunan, luas tanah</a:t>
             </a:r>
           </a:p>
@@ -8116,12 +7259,7 @@
               </a:defRPr>
             </a:pPr>
             <a:r>
-              <a:rPr>
-                <a:solidFill>
-                  <a:srgbClr val="212529"/>
-                </a:solidFill>
-                <a:latin typeface="Segoe UI"/>
-              </a:rPr>
+              <a:rPr/>
               <a:t>Lokasi (jarak ke pusat kota)</a:t>
             </a:r>
           </a:p>
@@ -8138,12 +7276,7 @@
               </a:defRPr>
             </a:pPr>
             <a:r>
-              <a:rPr>
-                <a:solidFill>
-                  <a:srgbClr val="212529"/>
-                </a:solidFill>
-                <a:latin typeface="Segoe UI"/>
-              </a:rPr>
+              <a:rPr/>
               <a:t>Jumlah kamar, usia bangunan</a:t>
             </a:r>
           </a:p>
@@ -8160,12 +7293,7 @@
               </a:defRPr>
             </a:pPr>
             <a:r>
-              <a:rPr>
-                <a:solidFill>
-                  <a:srgbClr val="212529"/>
-                </a:solidFill>
-                <a:latin typeface="Segoe UI"/>
-              </a:rPr>
+              <a:rPr/>
               <a:t>Akses jalan / transportasi</a:t>
             </a:r>
           </a:p>
@@ -8186,6 +7314,9 @@
             <a:avLst/>
           </a:prstGeom>
           <a:noFill/>
+          <a:ln>
+            <a:noFill/>
+          </a:ln>
         </p:spPr>
         <p:txBody>
           <a:bodyPr wrap="square">
@@ -8205,12 +7336,7 @@
               </a:defRPr>
             </a:pPr>
             <a:r>
-              <a:rPr>
-                <a:solidFill>
-                  <a:srgbClr val="212529"/>
-                </a:solidFill>
-                <a:latin typeface="Segoe UI"/>
-              </a:rPr>
+              <a:rPr/>
               <a:t>Target: harga jual (angka)</a:t>
             </a:r>
           </a:p>
@@ -8227,12 +7353,7 @@
               </a:defRPr>
             </a:pPr>
             <a:r>
-              <a:rPr>
-                <a:solidFill>
-                  <a:srgbClr val="212529"/>
-                </a:solidFill>
-                <a:latin typeface="Segoe UI"/>
-              </a:rPr>
+              <a:rPr/>
               <a:t>Metric: MAE / RMSE (rupiah) + R²</a:t>
             </a:r>
           </a:p>
@@ -8249,12 +7370,7 @@
               </a:defRPr>
             </a:pPr>
             <a:r>
-              <a:rPr>
-                <a:solidFill>
-                  <a:srgbClr val="212529"/>
-                </a:solidFill>
-                <a:latin typeface="Segoe UI"/>
-              </a:rPr>
+              <a:rPr/>
               <a:t>Waspada: data leakage (harga appraisal)</a:t>
             </a:r>
           </a:p>
@@ -8271,12 +7387,7 @@
               </a:defRPr>
             </a:pPr>
             <a:r>
-              <a:rPr>
-                <a:solidFill>
-                  <a:srgbClr val="212529"/>
-                </a:solidFill>
-                <a:latin typeface="Segoe UI"/>
-              </a:rPr>
+              <a:rPr/>
               <a:t>Output: interval harga &amp; fitur penting</a:t>
             </a:r>
           </a:p>
@@ -8320,24 +7431,19 @@
           </a:fontRef>
         </p:style>
         <p:txBody>
-          <a:bodyPr rtlCol="0" anchor="ctr" wrap="square"/>
+          <a:bodyPr rtlCol="0" anchor="ctr" wrap="square" lIns="182880" rIns="137160" tIns="73152" bIns="73152"/>
           <a:lstStyle/>
           <a:p>
             <a:pPr algn="ctr">
               <a:defRPr sz="1300">
                 <a:solidFill>
-                  <a:srgbClr val="212529"/>
-                </a:solidFill>
-                <a:latin typeface="Segoe UI"/>
-              </a:defRPr>
-            </a:pPr>
-            <a:r>
-              <a:rPr>
-                <a:solidFill>
-                  <a:srgbClr val="212529"/>
-                </a:solidFill>
-                <a:latin typeface="Segoe UI"/>
-              </a:rPr>
+                  <a:srgbClr val="6C757D"/>
+                </a:solidFill>
+                <a:latin typeface="Segoe UI"/>
+              </a:defRPr>
+            </a:pPr>
+            <a:r>
+              <a:rPr/>
               <a:t>Checklist: baseline linear → tambah fitur → bandingkan MAE di test.</a:t>
             </a:r>
           </a:p>
@@ -8345,7 +7451,7 @@
       </p:sp>
       <p:sp>
         <p:nvSpPr>
-          <p:cNvPr id="9" name="Rectangle 8"/>
+          <p:cNvPr id="9" name="__accent_bar__"/>
           <p:cNvSpPr/>
           <p:nvPr/>
         </p:nvSpPr>
@@ -8382,14 +7488,7 @@
           <a:bodyPr rtlCol="0" anchor="ctr"/>
           <a:lstStyle/>
           <a:p>
-            <a:pPr algn="ctr">
-              <a:defRPr sz="1800">
-                <a:solidFill>
-                  <a:srgbClr val="212529"/>
-                </a:solidFill>
-                <a:latin typeface="Segoe UI"/>
-              </a:defRPr>
-            </a:pPr>
+            <a:pPr algn="ctr"/>
           </a:p>
         </p:txBody>
       </p:sp>
@@ -8437,18 +7536,13 @@
             <a:pPr>
               <a:defRPr sz="3000" b="1">
                 <a:solidFill>
-                  <a:srgbClr val="212529"/>
-                </a:solidFill>
-                <a:latin typeface="Segoe UI"/>
-              </a:defRPr>
-            </a:pPr>
-            <a:r>
-              <a:rPr>
-                <a:solidFill>
-                  <a:srgbClr val="212529"/>
-                </a:solidFill>
-                <a:latin typeface="Segoe UI"/>
-              </a:rPr>
+                  <a:srgbClr val="0066CC"/>
+                </a:solidFill>
+                <a:latin typeface="Segoe UI Semibold"/>
+              </a:defRPr>
+            </a:pPr>
+            <a:r>
+              <a:rPr/>
               <a:t>Modul 2</a:t>
             </a:r>
           </a:p>
@@ -8469,6 +7563,9 @@
             <a:avLst/>
           </a:prstGeom>
           <a:noFill/>
+          <a:ln>
+            <a:noFill/>
+          </a:ln>
         </p:spPr>
         <p:txBody>
           <a:bodyPr wrap="none">
@@ -8479,18 +7576,13 @@
             <a:pPr>
               <a:defRPr sz="2000" i="1">
                 <a:solidFill>
-                  <a:srgbClr val="212529"/>
-                </a:solidFill>
-                <a:latin typeface="Segoe UI"/>
-              </a:defRPr>
-            </a:pPr>
-            <a:r>
-              <a:rPr>
-                <a:solidFill>
-                  <a:srgbClr val="212529"/>
-                </a:solidFill>
-                <a:latin typeface="Segoe UI"/>
-              </a:rPr>
+                  <a:srgbClr val="6C757D"/>
+                </a:solidFill>
+                <a:latin typeface="Segoe UI"/>
+              </a:defRPr>
+            </a:pPr>
+            <a:r>
+              <a:rPr/>
               <a:t>Classification — Decision Tree</a:t>
             </a:r>
           </a:p>
@@ -8498,7 +7590,7 @@
       </p:sp>
       <p:sp>
         <p:nvSpPr>
-          <p:cNvPr id="4" name="Rectangle 3"/>
+          <p:cNvPr id="4" name="__accent_bar__"/>
           <p:cNvSpPr/>
           <p:nvPr/>
         </p:nvSpPr>
@@ -8535,14 +7627,7 @@
           <a:bodyPr rtlCol="0" anchor="ctr"/>
           <a:lstStyle/>
           <a:p>
-            <a:pPr algn="ctr">
-              <a:defRPr sz="1800">
-                <a:solidFill>
-                  <a:srgbClr val="212529"/>
-                </a:solidFill>
-                <a:latin typeface="Segoe UI"/>
-              </a:defRPr>
-            </a:pPr>
+            <a:pPr algn="ctr"/>
           </a:p>
         </p:txBody>
       </p:sp>
@@ -8590,46 +7675,15 @@
             <a:pPr>
               <a:defRPr sz="3000" b="1">
                 <a:solidFill>
-                  <a:srgbClr val="212529"/>
-                </a:solidFill>
-                <a:latin typeface="Segoe UI"/>
-              </a:defRPr>
-            </a:pPr>
-            <a:r>
-              <a:rPr>
-                <a:solidFill>
-                  <a:srgbClr val="212529"/>
-                </a:solidFill>
-                <a:latin typeface="Segoe UI"/>
-              </a:rPr>
+                  <a:srgbClr val="0066CC"/>
+                </a:solidFill>
+                <a:latin typeface="Segoe UI Semibold"/>
+              </a:defRPr>
+            </a:pPr>
+            <a:r>
+              <a:rPr/>
               <a:t>Modul 2: Tujuan &amp; Output</a:t>
             </a:r>
-          </a:p>
-        </p:txBody>
-      </p:sp>
-      <p:sp>
-        <p:nvSpPr>
-          <p:cNvPr id="3" name="Content Placeholder 2"/>
-          <p:cNvSpPr>
-            <a:spLocks noGrp="1"/>
-          </p:cNvSpPr>
-          <p:nvPr>
-            <p:ph idx="1"/>
-          </p:nvPr>
-        </p:nvSpPr>
-        <p:spPr/>
-        <p:txBody>
-          <a:bodyPr/>
-          <a:lstStyle/>
-          <a:p>
-            <a:pPr>
-              <a:defRPr sz="1800">
-                <a:solidFill>
-                  <a:srgbClr val="212529"/>
-                </a:solidFill>
-                <a:latin typeface="Segoe UI"/>
-              </a:defRPr>
-            </a:pPr>
           </a:p>
         </p:txBody>
       </p:sp>
@@ -8648,6 +7702,9 @@
             <a:avLst/>
           </a:prstGeom>
           <a:noFill/>
+          <a:ln>
+            <a:noFill/>
+          </a:ln>
         </p:spPr>
         <p:txBody>
           <a:bodyPr wrap="square">
@@ -8667,12 +7724,7 @@
               </a:defRPr>
             </a:pPr>
             <a:r>
-              <a:rPr>
-                <a:solidFill>
-                  <a:srgbClr val="212529"/>
-                </a:solidFill>
-                <a:latin typeface="Segoe UI"/>
-              </a:rPr>
+              <a:rPr/>
               <a:t>Tujuan: klasifikasi bunga iris ke 3 spesies.</a:t>
             </a:r>
           </a:p>
@@ -8689,12 +7741,7 @@
               </a:defRPr>
             </a:pPr>
             <a:r>
-              <a:rPr>
-                <a:solidFill>
-                  <a:srgbClr val="212529"/>
-                </a:solidFill>
-                <a:latin typeface="Segoe UI"/>
-              </a:rPr>
+              <a:rPr/>
               <a:t>Output: accuracy + classification report + confusion matrix + visualisasi tree.</a:t>
             </a:r>
           </a:p>
@@ -8711,12 +7758,7 @@
               </a:defRPr>
             </a:pPr>
             <a:r>
-              <a:rPr>
-                <a:solidFill>
-                  <a:srgbClr val="212529"/>
-                </a:solidFill>
-                <a:latin typeface="Segoe UI"/>
-              </a:rPr>
+              <a:rPr/>
               <a:t>File: 02_classification.py</a:t>
             </a:r>
           </a:p>
@@ -8760,14 +7802,11 @@
           </a:fontRef>
         </p:style>
         <p:txBody>
-          <a:bodyPr rtlCol="0" anchor="ctr" wrap="square"/>
+          <a:bodyPr rtlCol="0" anchor="ctr" wrap="square" lIns="228600" rIns="137160" tIns="91440" bIns="91440"/>
           <a:lstStyle/>
           <a:p>
             <a:pPr algn="ctr">
               <a:defRPr sz="1800">
-                <a:solidFill>
-                  <a:srgbClr val="212529"/>
-                </a:solidFill>
                 <a:latin typeface="Segoe UI"/>
               </a:defRPr>
             </a:pPr>
@@ -8785,7 +7824,7 @@
       </p:sp>
       <p:sp>
         <p:nvSpPr>
-          <p:cNvPr id="6" name="Rectangle 5"/>
+          <p:cNvPr id="6" name="__accent_bar__"/>
           <p:cNvSpPr/>
           <p:nvPr/>
         </p:nvSpPr>
@@ -8822,14 +7861,7 @@
           <a:bodyPr rtlCol="0" anchor="ctr"/>
           <a:lstStyle/>
           <a:p>
-            <a:pPr algn="ctr">
-              <a:defRPr sz="1800">
-                <a:solidFill>
-                  <a:srgbClr val="212529"/>
-                </a:solidFill>
-                <a:latin typeface="Segoe UI"/>
-              </a:defRPr>
-            </a:pPr>
+            <a:pPr algn="ctr"/>
           </a:p>
         </p:txBody>
       </p:sp>
@@ -8877,46 +7909,15 @@
             <a:pPr>
               <a:defRPr sz="3000" b="1">
                 <a:solidFill>
-                  <a:srgbClr val="212529"/>
-                </a:solidFill>
-                <a:latin typeface="Segoe UI"/>
-              </a:defRPr>
-            </a:pPr>
-            <a:r>
-              <a:rPr>
-                <a:solidFill>
-                  <a:srgbClr val="212529"/>
-                </a:solidFill>
-                <a:latin typeface="Segoe UI"/>
-              </a:rPr>
+                  <a:srgbClr val="0066CC"/>
+                </a:solidFill>
+                <a:latin typeface="Segoe UI Semibold"/>
+              </a:defRPr>
+            </a:pPr>
+            <a:r>
+              <a:rPr/>
               <a:t>Modul 2: Mengapa Decision Tree Bisa Benar?</a:t>
             </a:r>
-          </a:p>
-        </p:txBody>
-      </p:sp>
-      <p:sp>
-        <p:nvSpPr>
-          <p:cNvPr id="3" name="Content Placeholder 2"/>
-          <p:cNvSpPr>
-            <a:spLocks noGrp="1"/>
-          </p:cNvSpPr>
-          <p:nvPr>
-            <p:ph idx="1"/>
-          </p:nvPr>
-        </p:nvSpPr>
-        <p:spPr/>
-        <p:txBody>
-          <a:bodyPr/>
-          <a:lstStyle/>
-          <a:p>
-            <a:pPr>
-              <a:defRPr sz="1800">
-                <a:solidFill>
-                  <a:srgbClr val="212529"/>
-                </a:solidFill>
-                <a:latin typeface="Segoe UI"/>
-              </a:defRPr>
-            </a:pPr>
           </a:p>
         </p:txBody>
       </p:sp>
@@ -8935,6 +7936,9 @@
             <a:avLst/>
           </a:prstGeom>
           <a:noFill/>
+          <a:ln>
+            <a:noFill/>
+          </a:ln>
         </p:spPr>
         <p:txBody>
           <a:bodyPr wrap="square">
@@ -8954,12 +7958,7 @@
               </a:defRPr>
             </a:pPr>
             <a:r>
-              <a:rPr>
-                <a:solidFill>
-                  <a:srgbClr val="212529"/>
-                </a:solidFill>
-                <a:latin typeface="Segoe UI"/>
-              </a:rPr>
+              <a:rPr/>
               <a:t>Tree membuat aturan IF-THEN yang memecah data agar tiap bagian makin 'murni'.</a:t>
             </a:r>
           </a:p>
@@ -8976,12 +7975,7 @@
               </a:defRPr>
             </a:pPr>
             <a:r>
-              <a:rPr>
-                <a:solidFill>
-                  <a:srgbClr val="212529"/>
-                </a:solidFill>
-                <a:latin typeface="Segoe UI"/>
-              </a:rPr>
+              <a:rPr/>
               <a:t>Split dipilih yang paling meningkatkan pemisahan kelas (gini / information gain).</a:t>
             </a:r>
           </a:p>
@@ -8998,12 +7992,7 @@
               </a:defRPr>
             </a:pPr>
             <a:r>
-              <a:rPr>
-                <a:solidFill>
-                  <a:srgbClr val="212529"/>
-                </a:solidFill>
-                <a:latin typeface="Segoe UI"/>
-              </a:rPr>
+              <a:rPr/>
               <a:t>Iris: petal length/width sering jadi fitur paling penting karena separasi jelas.</a:t>
             </a:r>
           </a:p>
@@ -9011,7 +8000,7 @@
       </p:sp>
       <p:sp>
         <p:nvSpPr>
-          <p:cNvPr id="5" name="Rectangle 4"/>
+          <p:cNvPr id="5" name="__accent_bar__"/>
           <p:cNvSpPr/>
           <p:nvPr/>
         </p:nvSpPr>
@@ -9048,14 +8037,7 @@
           <a:bodyPr rtlCol="0" anchor="ctr"/>
           <a:lstStyle/>
           <a:p>
-            <a:pPr algn="ctr">
-              <a:defRPr sz="1800">
-                <a:solidFill>
-                  <a:srgbClr val="212529"/>
-                </a:solidFill>
-                <a:latin typeface="Segoe UI"/>
-              </a:defRPr>
-            </a:pPr>
+            <a:pPr algn="ctr"/>
           </a:p>
         </p:txBody>
       </p:sp>
@@ -9103,46 +8085,15 @@
             <a:pPr>
               <a:defRPr sz="3000" b="1">
                 <a:solidFill>
-                  <a:srgbClr val="212529"/>
-                </a:solidFill>
-                <a:latin typeface="Segoe UI"/>
-              </a:defRPr>
-            </a:pPr>
-            <a:r>
-              <a:rPr>
-                <a:solidFill>
-                  <a:srgbClr val="212529"/>
-                </a:solidFill>
-                <a:latin typeface="Segoe UI"/>
-              </a:rPr>
+                  <a:srgbClr val="0066CC"/>
+                </a:solidFill>
+                <a:latin typeface="Segoe UI Semibold"/>
+              </a:defRPr>
+            </a:pPr>
+            <a:r>
+              <a:rPr/>
               <a:t>Modul 2: Cara Baca Confusion Matrix</a:t>
             </a:r>
-          </a:p>
-        </p:txBody>
-      </p:sp>
-      <p:sp>
-        <p:nvSpPr>
-          <p:cNvPr id="3" name="Content Placeholder 2"/>
-          <p:cNvSpPr>
-            <a:spLocks noGrp="1"/>
-          </p:cNvSpPr>
-          <p:nvPr>
-            <p:ph idx="1"/>
-          </p:nvPr>
-        </p:nvSpPr>
-        <p:spPr/>
-        <p:txBody>
-          <a:bodyPr/>
-          <a:lstStyle/>
-          <a:p>
-            <a:pPr>
-              <a:defRPr sz="1800">
-                <a:solidFill>
-                  <a:srgbClr val="212529"/>
-                </a:solidFill>
-                <a:latin typeface="Segoe UI"/>
-              </a:defRPr>
-            </a:pPr>
           </a:p>
         </p:txBody>
       </p:sp>
@@ -9161,6 +8112,9 @@
             <a:avLst/>
           </a:prstGeom>
           <a:noFill/>
+          <a:ln>
+            <a:noFill/>
+          </a:ln>
         </p:spPr>
         <p:txBody>
           <a:bodyPr wrap="square">
@@ -9180,12 +8134,7 @@
               </a:defRPr>
             </a:pPr>
             <a:r>
-              <a:rPr>
-                <a:solidFill>
-                  <a:srgbClr val="212529"/>
-                </a:solidFill>
-                <a:latin typeface="Segoe UI"/>
-              </a:rPr>
+              <a:rPr/>
               <a:t>Diagonal besar = banyak prediksi benar.</a:t>
             </a:r>
           </a:p>
@@ -9202,12 +8151,7 @@
               </a:defRPr>
             </a:pPr>
             <a:r>
-              <a:rPr>
-                <a:solidFill>
-                  <a:srgbClr val="212529"/>
-                </a:solidFill>
-                <a:latin typeface="Segoe UI"/>
-              </a:rPr>
+              <a:rPr/>
               <a:t>Jika versicolor sering diprediksi virginica: fitur overlap di area tersebut.</a:t>
             </a:r>
           </a:p>
@@ -9224,12 +8168,7 @@
               </a:defRPr>
             </a:pPr>
             <a:r>
-              <a:rPr>
-                <a:solidFill>
-                  <a:srgbClr val="212529"/>
-                </a:solidFill>
-                <a:latin typeface="Segoe UI"/>
-              </a:rPr>
+              <a:rPr/>
               <a:t>Fokus improvement: cek fitur tambahan / model ensemble (next level).</a:t>
             </a:r>
           </a:p>
@@ -9237,7 +8176,7 @@
       </p:sp>
       <p:sp>
         <p:nvSpPr>
-          <p:cNvPr id="5" name="Rectangle 4"/>
+          <p:cNvPr id="5" name="__accent_bar__"/>
           <p:cNvSpPr/>
           <p:nvPr/>
         </p:nvSpPr>
@@ -9274,14 +8213,7 @@
           <a:bodyPr rtlCol="0" anchor="ctr"/>
           <a:lstStyle/>
           <a:p>
-            <a:pPr algn="ctr">
-              <a:defRPr sz="1800">
-                <a:solidFill>
-                  <a:srgbClr val="212529"/>
-                </a:solidFill>
-                <a:latin typeface="Segoe UI"/>
-              </a:defRPr>
-            </a:pPr>
+            <a:pPr algn="ctr"/>
           </a:p>
         </p:txBody>
       </p:sp>
@@ -9329,46 +8261,15 @@
             <a:pPr>
               <a:defRPr sz="3000" b="1">
                 <a:solidFill>
-                  <a:srgbClr val="212529"/>
-                </a:solidFill>
-                <a:latin typeface="Segoe UI"/>
-              </a:defRPr>
-            </a:pPr>
-            <a:r>
-              <a:rPr>
-                <a:solidFill>
-                  <a:srgbClr val="212529"/>
-                </a:solidFill>
-                <a:latin typeface="Segoe UI"/>
-              </a:rPr>
+                  <a:srgbClr val="0066CC"/>
+                </a:solidFill>
+                <a:latin typeface="Segoe UI Semibold"/>
+              </a:defRPr>
+            </a:pPr>
+            <a:r>
+              <a:rPr/>
               <a:t>Modul 2: Latihan</a:t>
             </a:r>
-          </a:p>
-        </p:txBody>
-      </p:sp>
-      <p:sp>
-        <p:nvSpPr>
-          <p:cNvPr id="3" name="Content Placeholder 2"/>
-          <p:cNvSpPr>
-            <a:spLocks noGrp="1"/>
-          </p:cNvSpPr>
-          <p:nvPr>
-            <p:ph idx="1"/>
-          </p:nvPr>
-        </p:nvSpPr>
-        <p:spPr/>
-        <p:txBody>
-          <a:bodyPr/>
-          <a:lstStyle/>
-          <a:p>
-            <a:pPr>
-              <a:defRPr sz="1800">
-                <a:solidFill>
-                  <a:srgbClr val="212529"/>
-                </a:solidFill>
-                <a:latin typeface="Segoe UI"/>
-              </a:defRPr>
-            </a:pPr>
           </a:p>
         </p:txBody>
       </p:sp>
@@ -9387,6 +8288,9 @@
             <a:avLst/>
           </a:prstGeom>
           <a:noFill/>
+          <a:ln>
+            <a:noFill/>
+          </a:ln>
         </p:spPr>
         <p:txBody>
           <a:bodyPr wrap="square">
@@ -9406,12 +8310,7 @@
               </a:defRPr>
             </a:pPr>
             <a:r>
-              <a:rPr>
-                <a:solidFill>
-                  <a:srgbClr val="212529"/>
-                </a:solidFill>
-                <a:latin typeface="Segoe UI"/>
-              </a:rPr>
+              <a:rPr/>
               <a:t>Latihan A: Ubah max_depth (1, 2, 3, 5, None). Catat train vs test accuracy.</a:t>
             </a:r>
           </a:p>
@@ -9428,12 +8327,7 @@
               </a:defRPr>
             </a:pPr>
             <a:r>
-              <a:rPr>
-                <a:solidFill>
-                  <a:srgbClr val="212529"/>
-                </a:solidFill>
-                <a:latin typeface="Segoe UI"/>
-              </a:rPr>
+              <a:rPr/>
               <a:t>Latihan B: Cari fitur paling penting. Apakah selalu sama?</a:t>
             </a:r>
           </a:p>
@@ -9450,12 +8344,7 @@
               </a:defRPr>
             </a:pPr>
             <a:r>
-              <a:rPr>
-                <a:solidFill>
-                  <a:srgbClr val="212529"/>
-                </a:solidFill>
-                <a:latin typeface="Segoe UI"/>
-              </a:rPr>
+              <a:rPr/>
               <a:t>Latihan C: Coba cross-validation dan bandingkan dengan 1 kali split.</a:t>
             </a:r>
           </a:p>
@@ -9499,24 +8388,19 @@
           </a:fontRef>
         </p:style>
         <p:txBody>
-          <a:bodyPr rtlCol="0" anchor="ctr" wrap="square"/>
+          <a:bodyPr rtlCol="0" anchor="ctr" wrap="square" lIns="182880" rIns="137160" tIns="73152" bIns="73152"/>
           <a:lstStyle/>
           <a:p>
             <a:pPr algn="ctr">
               <a:defRPr sz="1300">
                 <a:solidFill>
-                  <a:srgbClr val="212529"/>
-                </a:solidFill>
-                <a:latin typeface="Segoe UI"/>
-              </a:defRPr>
-            </a:pPr>
-            <a:r>
-              <a:rPr>
-                <a:solidFill>
-                  <a:srgbClr val="212529"/>
-                </a:solidFill>
-                <a:latin typeface="Segoe UI"/>
-              </a:rPr>
+                  <a:srgbClr val="6C757D"/>
+                </a:solidFill>
+                <a:latin typeface="Segoe UI"/>
+              </a:defRPr>
+            </a:pPr>
+            <a:r>
+              <a:rPr/>
               <a:t>Pembahasan singkat: depth besar → train naik, test bisa turun (overfitting).</a:t>
             </a:r>
           </a:p>
@@ -9524,7 +8408,7 @@
       </p:sp>
       <p:sp>
         <p:nvSpPr>
-          <p:cNvPr id="6" name="Rectangle 5"/>
+          <p:cNvPr id="6" name="__accent_bar__"/>
           <p:cNvSpPr/>
           <p:nvPr/>
         </p:nvSpPr>
@@ -9561,14 +8445,7 @@
           <a:bodyPr rtlCol="0" anchor="ctr"/>
           <a:lstStyle/>
           <a:p>
-            <a:pPr algn="ctr">
-              <a:defRPr sz="1800">
-                <a:solidFill>
-                  <a:srgbClr val="212529"/>
-                </a:solidFill>
-                <a:latin typeface="Segoe UI"/>
-              </a:defRPr>
-            </a:pPr>
+            <a:pPr algn="ctr"/>
           </a:p>
         </p:txBody>
       </p:sp>
@@ -9616,46 +8493,15 @@
             <a:pPr>
               <a:defRPr sz="3000" b="1">
                 <a:solidFill>
-                  <a:srgbClr val="212529"/>
-                </a:solidFill>
-                <a:latin typeface="Segoe UI"/>
-              </a:defRPr>
-            </a:pPr>
-            <a:r>
-              <a:rPr>
-                <a:solidFill>
-                  <a:srgbClr val="212529"/>
-                </a:solidFill>
-                <a:latin typeface="Segoe UI"/>
-              </a:rPr>
+                  <a:srgbClr val="0066CC"/>
+                </a:solidFill>
+                <a:latin typeface="Segoe UI Semibold"/>
+              </a:defRPr>
+            </a:pPr>
+            <a:r>
+              <a:rPr/>
               <a:t>Modul 2: Pembahasan Latihan (Step-by-step)</a:t>
             </a:r>
-          </a:p>
-        </p:txBody>
-      </p:sp>
-      <p:sp>
-        <p:nvSpPr>
-          <p:cNvPr id="3" name="Content Placeholder 2"/>
-          <p:cNvSpPr>
-            <a:spLocks noGrp="1"/>
-          </p:cNvSpPr>
-          <p:nvPr>
-            <p:ph idx="1"/>
-          </p:nvPr>
-        </p:nvSpPr>
-        <p:spPr/>
-        <p:txBody>
-          <a:bodyPr/>
-          <a:lstStyle/>
-          <a:p>
-            <a:pPr>
-              <a:defRPr sz="1800">
-                <a:solidFill>
-                  <a:srgbClr val="212529"/>
-                </a:solidFill>
-                <a:latin typeface="Segoe UI"/>
-              </a:defRPr>
-            </a:pPr>
           </a:p>
         </p:txBody>
       </p:sp>
@@ -9674,6 +8520,9 @@
             <a:avLst/>
           </a:prstGeom>
           <a:noFill/>
+          <a:ln>
+            <a:noFill/>
+          </a:ln>
         </p:spPr>
         <p:txBody>
           <a:bodyPr wrap="square">
@@ -9693,12 +8542,7 @@
               </a:defRPr>
             </a:pPr>
             <a:r>
-              <a:rPr>
-                <a:solidFill>
-                  <a:srgbClr val="212529"/>
-                </a:solidFill>
-                <a:latin typeface="Segoe UI"/>
-              </a:rPr>
+              <a:rPr/>
               <a:t>A) max_depth kecil: aturan sedikit → underfitting (train &amp; test rendah).</a:t>
             </a:r>
           </a:p>
@@ -9715,12 +8559,7 @@
               </a:defRPr>
             </a:pPr>
             <a:r>
-              <a:rPr>
-                <a:solidFill>
-                  <a:srgbClr val="212529"/>
-                </a:solidFill>
-                <a:latin typeface="Segoe UI"/>
-              </a:rPr>
+              <a:rPr/>
               <a:t>   max_depth besar: train tinggi, test bisa turun (overfitting).</a:t>
             </a:r>
           </a:p>
@@ -9737,12 +8576,7 @@
               </a:defRPr>
             </a:pPr>
             <a:r>
-              <a:rPr>
-                <a:solidFill>
-                  <a:srgbClr val="212529"/>
-                </a:solidFill>
-                <a:latin typeface="Segoe UI"/>
-              </a:rPr>
+              <a:rPr/>
               <a:t>B) Fitur penting bisa berubah jika data split berubah sedikit (tree sensitif).</a:t>
             </a:r>
           </a:p>
@@ -9759,12 +8593,7 @@
               </a:defRPr>
             </a:pPr>
             <a:r>
-              <a:rPr>
-                <a:solidFill>
-                  <a:srgbClr val="212529"/>
-                </a:solidFill>
-                <a:latin typeface="Segoe UI"/>
-              </a:rPr>
+              <a:rPr/>
               <a:t>   Solusi: lihat rata-rata feature importance dari beberapa run.</a:t>
             </a:r>
           </a:p>
@@ -9781,12 +8610,7 @@
               </a:defRPr>
             </a:pPr>
             <a:r>
-              <a:rPr>
-                <a:solidFill>
-                  <a:srgbClr val="212529"/>
-                </a:solidFill>
-                <a:latin typeface="Segoe UI"/>
-              </a:rPr>
+              <a:rPr/>
               <a:t>C) Cross-validation memberi estimasi performa lebih stabil dibanding 1 kali split.</a:t>
             </a:r>
           </a:p>
@@ -9794,7 +8618,7 @@
       </p:sp>
       <p:sp>
         <p:nvSpPr>
-          <p:cNvPr id="5" name="Rectangle 4"/>
+          <p:cNvPr id="5" name="__accent_bar__"/>
           <p:cNvSpPr/>
           <p:nvPr/>
         </p:nvSpPr>
@@ -9831,14 +8655,7 @@
           <a:bodyPr rtlCol="0" anchor="ctr"/>
           <a:lstStyle/>
           <a:p>
-            <a:pPr algn="ctr">
-              <a:defRPr sz="1800">
-                <a:solidFill>
-                  <a:srgbClr val="212529"/>
-                </a:solidFill>
-                <a:latin typeface="Segoe UI"/>
-              </a:defRPr>
-            </a:pPr>
+            <a:pPr algn="ctr"/>
           </a:p>
         </p:txBody>
       </p:sp>
@@ -9886,46 +8703,15 @@
             <a:pPr>
               <a:defRPr sz="3000" b="1">
                 <a:solidFill>
-                  <a:srgbClr val="212529"/>
-                </a:solidFill>
-                <a:latin typeface="Segoe UI"/>
-              </a:defRPr>
-            </a:pPr>
-            <a:r>
-              <a:rPr>
-                <a:solidFill>
-                  <a:srgbClr val="212529"/>
-                </a:solidFill>
-                <a:latin typeface="Segoe UI"/>
-              </a:rPr>
+                  <a:srgbClr val="0066CC"/>
+                </a:solidFill>
+                <a:latin typeface="Segoe UI Semibold"/>
+              </a:defRPr>
+            </a:pPr>
+            <a:r>
+              <a:rPr/>
               <a:t>Isi Repo (Yang Akan Anda Pakai)</a:t>
             </a:r>
-          </a:p>
-        </p:txBody>
-      </p:sp>
-      <p:sp>
-        <p:nvSpPr>
-          <p:cNvPr id="3" name="Content Placeholder 2"/>
-          <p:cNvSpPr>
-            <a:spLocks noGrp="1"/>
-          </p:cNvSpPr>
-          <p:nvPr>
-            <p:ph idx="1"/>
-          </p:nvPr>
-        </p:nvSpPr>
-        <p:spPr/>
-        <p:txBody>
-          <a:bodyPr/>
-          <a:lstStyle/>
-          <a:p>
-            <a:pPr>
-              <a:defRPr sz="1800">
-                <a:solidFill>
-                  <a:srgbClr val="212529"/>
-                </a:solidFill>
-                <a:latin typeface="Segoe UI"/>
-              </a:defRPr>
-            </a:pPr>
           </a:p>
         </p:txBody>
       </p:sp>
@@ -9944,6 +8730,9 @@
             <a:avLst/>
           </a:prstGeom>
           <a:noFill/>
+          <a:ln>
+            <a:noFill/>
+          </a:ln>
         </p:spPr>
         <p:txBody>
           <a:bodyPr wrap="none">
@@ -9954,18 +8743,13 @@
             <a:pPr>
               <a:defRPr sz="1700" b="1">
                 <a:solidFill>
-                  <a:srgbClr val="212529"/>
-                </a:solidFill>
-                <a:latin typeface="Segoe UI"/>
-              </a:defRPr>
-            </a:pPr>
-            <a:r>
-              <a:rPr>
-                <a:solidFill>
-                  <a:srgbClr val="212529"/>
-                </a:solidFill>
-                <a:latin typeface="Segoe UI"/>
-              </a:rPr>
+                  <a:srgbClr val="0066CC"/>
+                </a:solidFill>
+                <a:latin typeface="Segoe UI Semibold"/>
+              </a:defRPr>
+            </a:pPr>
+            <a:r>
+              <a:rPr/>
               <a:t>Program latihan</a:t>
             </a:r>
           </a:p>
@@ -9986,6 +8770,9 @@
             <a:avLst/>
           </a:prstGeom>
           <a:noFill/>
+          <a:ln>
+            <a:noFill/>
+          </a:ln>
         </p:spPr>
         <p:txBody>
           <a:bodyPr wrap="none">
@@ -9996,18 +8783,13 @@
             <a:pPr>
               <a:defRPr sz="1700" b="1">
                 <a:solidFill>
-                  <a:srgbClr val="212529"/>
-                </a:solidFill>
-                <a:latin typeface="Segoe UI"/>
-              </a:defRPr>
-            </a:pPr>
-            <a:r>
-              <a:rPr>
-                <a:solidFill>
-                  <a:srgbClr val="212529"/>
-                </a:solidFill>
-                <a:latin typeface="Segoe UI"/>
-              </a:rPr>
+                  <a:srgbClr val="0066CC"/>
+                </a:solidFill>
+                <a:latin typeface="Segoe UI Semibold"/>
+              </a:defRPr>
+            </a:pPr>
+            <a:r>
+              <a:rPr/>
               <a:t>Dokumentasi</a:t>
             </a:r>
           </a:p>
@@ -10028,6 +8810,9 @@
             <a:avLst/>
           </a:prstGeom>
           <a:noFill/>
+          <a:ln>
+            <a:noFill/>
+          </a:ln>
         </p:spPr>
         <p:txBody>
           <a:bodyPr wrap="square">
@@ -10047,12 +8832,7 @@
               </a:defRPr>
             </a:pPr>
             <a:r>
-              <a:rPr>
-                <a:solidFill>
-                  <a:srgbClr val="212529"/>
-                </a:solidFill>
-                <a:latin typeface="Segoe UI"/>
-              </a:rPr>
+              <a:rPr/>
               <a:t>01_linear_regression.py  (Regression)</a:t>
             </a:r>
           </a:p>
@@ -10069,12 +8849,7 @@
               </a:defRPr>
             </a:pPr>
             <a:r>
-              <a:rPr>
-                <a:solidFill>
-                  <a:srgbClr val="212529"/>
-                </a:solidFill>
-                <a:latin typeface="Segoe UI"/>
-              </a:rPr>
+              <a:rPr/>
               <a:t>02_classification.py  (Classification)</a:t>
             </a:r>
           </a:p>
@@ -10091,12 +8866,7 @@
               </a:defRPr>
             </a:pPr>
             <a:r>
-              <a:rPr>
-                <a:solidFill>
-                  <a:srgbClr val="212529"/>
-                </a:solidFill>
-                <a:latin typeface="Segoe UI"/>
-              </a:rPr>
+              <a:rPr/>
               <a:t>03_neural_network.py  (MNIST NN)</a:t>
             </a:r>
           </a:p>
@@ -10113,12 +8883,7 @@
               </a:defRPr>
             </a:pPr>
             <a:r>
-              <a:rPr>
-                <a:solidFill>
-                  <a:srgbClr val="212529"/>
-                </a:solidFill>
-                <a:latin typeface="Segoe UI"/>
-              </a:rPr>
+              <a:rPr/>
               <a:t>04_computer_vision.py  (CNN CIFAR-10)</a:t>
             </a:r>
           </a:p>
@@ -10139,6 +8904,9 @@
             <a:avLst/>
           </a:prstGeom>
           <a:noFill/>
+          <a:ln>
+            <a:noFill/>
+          </a:ln>
         </p:spPr>
         <p:txBody>
           <a:bodyPr wrap="square">
@@ -10158,12 +8926,7 @@
               </a:defRPr>
             </a:pPr>
             <a:r>
-              <a:rPr>
-                <a:solidFill>
-                  <a:srgbClr val="212529"/>
-                </a:solidFill>
-                <a:latin typeface="Segoe UI"/>
-              </a:rPr>
+              <a:rPr/>
               <a:t>BUKU_PANDUAN_AI.pdf  (buku modul)</a:t>
             </a:r>
           </a:p>
@@ -10180,12 +8943,7 @@
               </a:defRPr>
             </a:pPr>
             <a:r>
-              <a:rPr>
-                <a:solidFill>
-                  <a:srgbClr val="212529"/>
-                </a:solidFill>
-                <a:latin typeface="Segoe UI"/>
-              </a:rPr>
+              <a:rPr/>
               <a:t>AI_Learning_Modul.pptx  (slide ini)</a:t>
             </a:r>
           </a:p>
@@ -10202,12 +8960,7 @@
               </a:defRPr>
             </a:pPr>
             <a:r>
-              <a:rPr>
-                <a:solidFill>
-                  <a:srgbClr val="212529"/>
-                </a:solidFill>
-                <a:latin typeface="Segoe UI"/>
-              </a:rPr>
+              <a:rPr/>
               <a:t>TUTORIAL.md  (cara run + tips)</a:t>
             </a:r>
           </a:p>
@@ -10224,12 +8977,7 @@
               </a:defRPr>
             </a:pPr>
             <a:r>
-              <a:rPr>
-                <a:solidFill>
-                  <a:srgbClr val="212529"/>
-                </a:solidFill>
-                <a:latin typeface="Segoe UI"/>
-              </a:rPr>
+              <a:rPr/>
               <a:t>PANDUAN.md  (perilaku normal vs error)</a:t>
             </a:r>
           </a:p>
@@ -10246,12 +8994,7 @@
               </a:defRPr>
             </a:pPr>
             <a:r>
-              <a:rPr>
-                <a:solidFill>
-                  <a:srgbClr val="212529"/>
-                </a:solidFill>
-                <a:latin typeface="Segoe UI"/>
-              </a:rPr>
+              <a:rPr/>
               <a:t>GLOSSARY.md  (istilah)</a:t>
             </a:r>
           </a:p>
@@ -10295,24 +9038,19 @@
           </a:fontRef>
         </p:style>
         <p:txBody>
-          <a:bodyPr rtlCol="0" anchor="ctr" wrap="square"/>
+          <a:bodyPr rtlCol="0" anchor="ctr" wrap="square" lIns="182880" rIns="137160" tIns="73152" bIns="73152"/>
           <a:lstStyle/>
           <a:p>
             <a:pPr algn="ctr">
               <a:defRPr sz="1300">
                 <a:solidFill>
-                  <a:srgbClr val="212529"/>
-                </a:solidFill>
-                <a:latin typeface="Segoe UI"/>
-              </a:defRPr>
-            </a:pPr>
-            <a:r>
-              <a:rPr>
-                <a:solidFill>
-                  <a:srgbClr val="212529"/>
-                </a:solidFill>
-                <a:latin typeface="Segoe UI"/>
-              </a:rPr>
+                  <a:srgbClr val="6C757D"/>
+                </a:solidFill>
+                <a:latin typeface="Segoe UI"/>
+              </a:defRPr>
+            </a:pPr>
+            <a:r>
+              <a:rPr/>
               <a:t>Prinsip: baca 1–2 halaman → jalankan 1 program → ubah 1 parameter → catat hasil.</a:t>
             </a:r>
           </a:p>
@@ -10320,7 +9058,7 @@
       </p:sp>
       <p:sp>
         <p:nvSpPr>
-          <p:cNvPr id="9" name="Rectangle 8"/>
+          <p:cNvPr id="9" name="__accent_bar__"/>
           <p:cNvSpPr/>
           <p:nvPr/>
         </p:nvSpPr>
@@ -10357,14 +9095,7 @@
           <a:bodyPr rtlCol="0" anchor="ctr"/>
           <a:lstStyle/>
           <a:p>
-            <a:pPr algn="ctr">
-              <a:defRPr sz="1800">
-                <a:solidFill>
-                  <a:srgbClr val="212529"/>
-                </a:solidFill>
-                <a:latin typeface="Segoe UI"/>
-              </a:defRPr>
-            </a:pPr>
+            <a:pPr algn="ctr"/>
           </a:p>
         </p:txBody>
       </p:sp>
@@ -10412,46 +9143,15 @@
             <a:pPr>
               <a:defRPr sz="3000" b="1">
                 <a:solidFill>
-                  <a:srgbClr val="212529"/>
-                </a:solidFill>
-                <a:latin typeface="Segoe UI"/>
-              </a:defRPr>
-            </a:pPr>
-            <a:r>
-              <a:rPr>
-                <a:solidFill>
-                  <a:srgbClr val="212529"/>
-                </a:solidFill>
-                <a:latin typeface="Segoe UI"/>
-              </a:rPr>
+                  <a:srgbClr val="0066CC"/>
+                </a:solidFill>
+                <a:latin typeface="Segoe UI Semibold"/>
+              </a:defRPr>
+            </a:pPr>
+            <a:r>
+              <a:rPr/>
               <a:t>Modul 2: Contoh Kasus Nyata (Spam / Fraud)</a:t>
             </a:r>
-          </a:p>
-        </p:txBody>
-      </p:sp>
-      <p:sp>
-        <p:nvSpPr>
-          <p:cNvPr id="3" name="Content Placeholder 2"/>
-          <p:cNvSpPr>
-            <a:spLocks noGrp="1"/>
-          </p:cNvSpPr>
-          <p:nvPr>
-            <p:ph idx="1"/>
-          </p:nvPr>
-        </p:nvSpPr>
-        <p:spPr/>
-        <p:txBody>
-          <a:bodyPr/>
-          <a:lstStyle/>
-          <a:p>
-            <a:pPr>
-              <a:defRPr sz="1800">
-                <a:solidFill>
-                  <a:srgbClr val="212529"/>
-                </a:solidFill>
-                <a:latin typeface="Segoe UI"/>
-              </a:defRPr>
-            </a:pPr>
           </a:p>
         </p:txBody>
       </p:sp>
@@ -10470,6 +9170,9 @@
             <a:avLst/>
           </a:prstGeom>
           <a:noFill/>
+          <a:ln>
+            <a:noFill/>
+          </a:ln>
         </p:spPr>
         <p:txBody>
           <a:bodyPr wrap="none">
@@ -10480,18 +9183,13 @@
             <a:pPr>
               <a:defRPr sz="1700" b="1">
                 <a:solidFill>
-                  <a:srgbClr val="212529"/>
-                </a:solidFill>
-                <a:latin typeface="Segoe UI"/>
-              </a:defRPr>
-            </a:pPr>
-            <a:r>
-              <a:rPr>
-                <a:solidFill>
-                  <a:srgbClr val="212529"/>
-                </a:solidFill>
-                <a:latin typeface="Segoe UI"/>
-              </a:rPr>
+                  <a:srgbClr val="0066CC"/>
+                </a:solidFill>
+                <a:latin typeface="Segoe UI Semibold"/>
+              </a:defRPr>
+            </a:pPr>
+            <a:r>
+              <a:rPr/>
               <a:t>Yang sering terjadi</a:t>
             </a:r>
           </a:p>
@@ -10512,6 +9210,9 @@
             <a:avLst/>
           </a:prstGeom>
           <a:noFill/>
+          <a:ln>
+            <a:noFill/>
+          </a:ln>
         </p:spPr>
         <p:txBody>
           <a:bodyPr wrap="none">
@@ -10522,18 +9223,13 @@
             <a:pPr>
               <a:defRPr sz="1700" b="1">
                 <a:solidFill>
-                  <a:srgbClr val="212529"/>
-                </a:solidFill>
-                <a:latin typeface="Segoe UI"/>
-              </a:defRPr>
-            </a:pPr>
-            <a:r>
-              <a:rPr>
-                <a:solidFill>
-                  <a:srgbClr val="212529"/>
-                </a:solidFill>
-                <a:latin typeface="Segoe UI"/>
-              </a:rPr>
+                  <a:srgbClr val="0066CC"/>
+                </a:solidFill>
+                <a:latin typeface="Segoe UI Semibold"/>
+              </a:defRPr>
+            </a:pPr>
+            <a:r>
+              <a:rPr/>
               <a:t>Solusi evaluasi</a:t>
             </a:r>
           </a:p>
@@ -10554,6 +9250,9 @@
             <a:avLst/>
           </a:prstGeom>
           <a:noFill/>
+          <a:ln>
+            <a:noFill/>
+          </a:ln>
         </p:spPr>
         <p:txBody>
           <a:bodyPr wrap="square">
@@ -10573,12 +9272,7 @@
               </a:defRPr>
             </a:pPr>
             <a:r>
-              <a:rPr>
-                <a:solidFill>
-                  <a:srgbClr val="212529"/>
-                </a:solidFill>
-                <a:latin typeface="Segoe UI"/>
-              </a:rPr>
+              <a:rPr/>
               <a:t>Data tidak seimbang (fraud sangat sedikit)</a:t>
             </a:r>
           </a:p>
@@ -10595,12 +9289,7 @@
               </a:defRPr>
             </a:pPr>
             <a:r>
-              <a:rPr>
-                <a:solidFill>
-                  <a:srgbClr val="212529"/>
-                </a:solidFill>
-                <a:latin typeface="Segoe UI"/>
-              </a:rPr>
+              <a:rPr/>
               <a:t>Accuracy bisa menipu (99% 'normal')</a:t>
             </a:r>
           </a:p>
@@ -10617,12 +9306,7 @@
               </a:defRPr>
             </a:pPr>
             <a:r>
-              <a:rPr>
-                <a:solidFill>
-                  <a:srgbClr val="212529"/>
-                </a:solidFill>
-                <a:latin typeface="Segoe UI"/>
-              </a:rPr>
+              <a:rPr/>
               <a:t>Biaya salah beda: FN lebih mahal</a:t>
             </a:r>
           </a:p>
@@ -10643,6 +9327,9 @@
             <a:avLst/>
           </a:prstGeom>
           <a:noFill/>
+          <a:ln>
+            <a:noFill/>
+          </a:ln>
         </p:spPr>
         <p:txBody>
           <a:bodyPr wrap="square">
@@ -10662,12 +9349,7 @@
               </a:defRPr>
             </a:pPr>
             <a:r>
-              <a:rPr>
-                <a:solidFill>
-                  <a:srgbClr val="212529"/>
-                </a:solidFill>
-                <a:latin typeface="Segoe UI"/>
-              </a:rPr>
+              <a:rPr/>
               <a:t>Fokus: precision / recall / F1</a:t>
             </a:r>
           </a:p>
@@ -10684,12 +9366,7 @@
               </a:defRPr>
             </a:pPr>
             <a:r>
-              <a:rPr>
-                <a:solidFill>
-                  <a:srgbClr val="212529"/>
-                </a:solidFill>
-                <a:latin typeface="Segoe UI"/>
-              </a:rPr>
+              <a:rPr/>
               <a:t>Confusion matrix: lihat FP vs FN</a:t>
             </a:r>
           </a:p>
@@ -10706,12 +9383,7 @@
               </a:defRPr>
             </a:pPr>
             <a:r>
-              <a:rPr>
-                <a:solidFill>
-                  <a:srgbClr val="212529"/>
-                </a:solidFill>
-                <a:latin typeface="Segoe UI"/>
-              </a:rPr>
+              <a:rPr/>
               <a:t>Pertimbangkan threshold tuning</a:t>
             </a:r>
           </a:p>
@@ -10728,12 +9400,7 @@
               </a:defRPr>
             </a:pPr>
             <a:r>
-              <a:rPr>
-                <a:solidFill>
-                  <a:srgbClr val="212529"/>
-                </a:solidFill>
-                <a:latin typeface="Segoe UI"/>
-              </a:rPr>
+              <a:rPr/>
               <a:t>Stratified split + cross-validation</a:t>
             </a:r>
           </a:p>
@@ -10777,24 +9444,19 @@
           </a:fontRef>
         </p:style>
         <p:txBody>
-          <a:bodyPr rtlCol="0" anchor="ctr" wrap="square"/>
+          <a:bodyPr rtlCol="0" anchor="ctr" wrap="square" lIns="182880" rIns="137160" tIns="73152" bIns="73152"/>
           <a:lstStyle/>
           <a:p>
             <a:pPr algn="ctr">
               <a:defRPr sz="1300">
                 <a:solidFill>
-                  <a:srgbClr val="212529"/>
-                </a:solidFill>
-                <a:latin typeface="Segoe UI"/>
-              </a:defRPr>
-            </a:pPr>
-            <a:r>
-              <a:rPr>
-                <a:solidFill>
-                  <a:srgbClr val="212529"/>
-                </a:solidFill>
-                <a:latin typeface="Segoe UI"/>
-              </a:rPr>
+                  <a:srgbClr val="6C757D"/>
+                </a:solidFill>
+                <a:latin typeface="Segoe UI"/>
+              </a:defRPr>
+            </a:pPr>
+            <a:r>
+              <a:rPr/>
               <a:t>Rule: pilih metric sesuai biaya bisnis, bukan sekadar accuracy.</a:t>
             </a:r>
           </a:p>
@@ -10802,7 +9464,7 @@
       </p:sp>
       <p:sp>
         <p:nvSpPr>
-          <p:cNvPr id="9" name="Rectangle 8"/>
+          <p:cNvPr id="9" name="__accent_bar__"/>
           <p:cNvSpPr/>
           <p:nvPr/>
         </p:nvSpPr>
@@ -10839,14 +9501,7 @@
           <a:bodyPr rtlCol="0" anchor="ctr"/>
           <a:lstStyle/>
           <a:p>
-            <a:pPr algn="ctr">
-              <a:defRPr sz="1800">
-                <a:solidFill>
-                  <a:srgbClr val="212529"/>
-                </a:solidFill>
-                <a:latin typeface="Segoe UI"/>
-              </a:defRPr>
-            </a:pPr>
+            <a:pPr algn="ctr"/>
           </a:p>
         </p:txBody>
       </p:sp>
@@ -10894,18 +9549,13 @@
             <a:pPr>
               <a:defRPr sz="3000" b="1">
                 <a:solidFill>
-                  <a:srgbClr val="212529"/>
-                </a:solidFill>
-                <a:latin typeface="Segoe UI"/>
-              </a:defRPr>
-            </a:pPr>
-            <a:r>
-              <a:rPr>
-                <a:solidFill>
-                  <a:srgbClr val="212529"/>
-                </a:solidFill>
-                <a:latin typeface="Segoe UI"/>
-              </a:rPr>
+                  <a:srgbClr val="0066CC"/>
+                </a:solidFill>
+                <a:latin typeface="Segoe UI Semibold"/>
+              </a:defRPr>
+            </a:pPr>
+            <a:r>
+              <a:rPr/>
               <a:t>Modul 3</a:t>
             </a:r>
           </a:p>
@@ -10926,6 +9576,9 @@
             <a:avLst/>
           </a:prstGeom>
           <a:noFill/>
+          <a:ln>
+            <a:noFill/>
+          </a:ln>
         </p:spPr>
         <p:txBody>
           <a:bodyPr wrap="none">
@@ -10936,18 +9589,13 @@
             <a:pPr>
               <a:defRPr sz="2000" i="1">
                 <a:solidFill>
-                  <a:srgbClr val="212529"/>
-                </a:solidFill>
-                <a:latin typeface="Segoe UI"/>
-              </a:defRPr>
-            </a:pPr>
-            <a:r>
-              <a:rPr>
-                <a:solidFill>
-                  <a:srgbClr val="212529"/>
-                </a:solidFill>
-                <a:latin typeface="Segoe UI"/>
-              </a:rPr>
+                  <a:srgbClr val="6C757D"/>
+                </a:solidFill>
+                <a:latin typeface="Segoe UI"/>
+              </a:defRPr>
+            </a:pPr>
+            <a:r>
+              <a:rPr/>
               <a:t>Neural Network — MNIST</a:t>
             </a:r>
           </a:p>
@@ -10955,7 +9603,7 @@
       </p:sp>
       <p:sp>
         <p:nvSpPr>
-          <p:cNvPr id="4" name="Rectangle 3"/>
+          <p:cNvPr id="4" name="__accent_bar__"/>
           <p:cNvSpPr/>
           <p:nvPr/>
         </p:nvSpPr>
@@ -10992,14 +9640,7 @@
           <a:bodyPr rtlCol="0" anchor="ctr"/>
           <a:lstStyle/>
           <a:p>
-            <a:pPr algn="ctr">
-              <a:defRPr sz="1800">
-                <a:solidFill>
-                  <a:srgbClr val="212529"/>
-                </a:solidFill>
-                <a:latin typeface="Segoe UI"/>
-              </a:defRPr>
-            </a:pPr>
+            <a:pPr algn="ctr"/>
           </a:p>
         </p:txBody>
       </p:sp>
@@ -11047,46 +9688,15 @@
             <a:pPr>
               <a:defRPr sz="3000" b="1">
                 <a:solidFill>
-                  <a:srgbClr val="212529"/>
-                </a:solidFill>
-                <a:latin typeface="Segoe UI"/>
-              </a:defRPr>
-            </a:pPr>
-            <a:r>
-              <a:rPr>
-                <a:solidFill>
-                  <a:srgbClr val="212529"/>
-                </a:solidFill>
-                <a:latin typeface="Segoe UI"/>
-              </a:rPr>
+                  <a:srgbClr val="0066CC"/>
+                </a:solidFill>
+                <a:latin typeface="Segoe UI Semibold"/>
+              </a:defRPr>
+            </a:pPr>
+            <a:r>
+              <a:rPr/>
               <a:t>Modul 3: Tujuan &amp; Output</a:t>
             </a:r>
-          </a:p>
-        </p:txBody>
-      </p:sp>
-      <p:sp>
-        <p:nvSpPr>
-          <p:cNvPr id="3" name="Content Placeholder 2"/>
-          <p:cNvSpPr>
-            <a:spLocks noGrp="1"/>
-          </p:cNvSpPr>
-          <p:nvPr>
-            <p:ph idx="1"/>
-          </p:nvPr>
-        </p:nvSpPr>
-        <p:spPr/>
-        <p:txBody>
-          <a:bodyPr/>
-          <a:lstStyle/>
-          <a:p>
-            <a:pPr>
-              <a:defRPr sz="1800">
-                <a:solidFill>
-                  <a:srgbClr val="212529"/>
-                </a:solidFill>
-                <a:latin typeface="Segoe UI"/>
-              </a:defRPr>
-            </a:pPr>
           </a:p>
         </p:txBody>
       </p:sp>
@@ -11105,6 +9715,9 @@
             <a:avLst/>
           </a:prstGeom>
           <a:noFill/>
+          <a:ln>
+            <a:noFill/>
+          </a:ln>
         </p:spPr>
         <p:txBody>
           <a:bodyPr wrap="square">
@@ -11124,12 +9737,7 @@
               </a:defRPr>
             </a:pPr>
             <a:r>
-              <a:rPr>
-                <a:solidFill>
-                  <a:srgbClr val="212529"/>
-                </a:solidFill>
-                <a:latin typeface="Segoe UI"/>
-              </a:rPr>
+              <a:rPr/>
               <a:t>Tujuan: mengenali digit 0–9 dari gambar.</a:t>
             </a:r>
           </a:p>
@@ -11146,12 +9754,7 @@
               </a:defRPr>
             </a:pPr>
             <a:r>
-              <a:rPr>
-                <a:solidFill>
-                  <a:srgbClr val="212529"/>
-                </a:solidFill>
-                <a:latin typeface="Segoe UI"/>
-              </a:rPr>
+              <a:rPr/>
               <a:t>Output: loss/accuracy per epoch + evaluasi test + prediksi contoh.</a:t>
             </a:r>
           </a:p>
@@ -11168,12 +9771,7 @@
               </a:defRPr>
             </a:pPr>
             <a:r>
-              <a:rPr>
-                <a:solidFill>
-                  <a:srgbClr val="212529"/>
-                </a:solidFill>
-                <a:latin typeface="Segoe UI"/>
-              </a:rPr>
+              <a:rPr/>
               <a:t>File: 03_neural_network.py</a:t>
             </a:r>
           </a:p>
@@ -11217,14 +9815,11 @@
           </a:fontRef>
         </p:style>
         <p:txBody>
-          <a:bodyPr rtlCol="0" anchor="ctr" wrap="square"/>
+          <a:bodyPr rtlCol="0" anchor="ctr" wrap="square" lIns="228600" rIns="137160" tIns="91440" bIns="91440"/>
           <a:lstStyle/>
           <a:p>
             <a:pPr algn="ctr">
               <a:defRPr sz="1800">
-                <a:solidFill>
-                  <a:srgbClr val="212529"/>
-                </a:solidFill>
                 <a:latin typeface="Segoe UI"/>
               </a:defRPr>
             </a:pPr>
@@ -11242,7 +9837,7 @@
       </p:sp>
       <p:sp>
         <p:nvSpPr>
-          <p:cNvPr id="6" name="Rectangle 5"/>
+          <p:cNvPr id="6" name="__accent_bar__"/>
           <p:cNvSpPr/>
           <p:nvPr/>
         </p:nvSpPr>
@@ -11279,14 +9874,7 @@
           <a:bodyPr rtlCol="0" anchor="ctr"/>
           <a:lstStyle/>
           <a:p>
-            <a:pPr algn="ctr">
-              <a:defRPr sz="1800">
-                <a:solidFill>
-                  <a:srgbClr val="212529"/>
-                </a:solidFill>
-                <a:latin typeface="Segoe UI"/>
-              </a:defRPr>
-            </a:pPr>
+            <a:pPr algn="ctr"/>
           </a:p>
         </p:txBody>
       </p:sp>
@@ -11334,46 +9922,15 @@
             <a:pPr>
               <a:defRPr sz="3000" b="1">
                 <a:solidFill>
-                  <a:srgbClr val="212529"/>
-                </a:solidFill>
-                <a:latin typeface="Segoe UI"/>
-              </a:defRPr>
-            </a:pPr>
-            <a:r>
-              <a:rPr>
-                <a:solidFill>
-                  <a:srgbClr val="212529"/>
-                </a:solidFill>
-                <a:latin typeface="Segoe UI"/>
-              </a:rPr>
+                  <a:srgbClr val="0066CC"/>
+                </a:solidFill>
+                <a:latin typeface="Segoe UI Semibold"/>
+              </a:defRPr>
+            </a:pPr>
+            <a:r>
+              <a:rPr/>
               <a:t>Modul 3: Komponen NN (Yang Harus Dihafal)</a:t>
             </a:r>
-          </a:p>
-        </p:txBody>
-      </p:sp>
-      <p:sp>
-        <p:nvSpPr>
-          <p:cNvPr id="3" name="Content Placeholder 2"/>
-          <p:cNvSpPr>
-            <a:spLocks noGrp="1"/>
-          </p:cNvSpPr>
-          <p:nvPr>
-            <p:ph idx="1"/>
-          </p:nvPr>
-        </p:nvSpPr>
-        <p:spPr/>
-        <p:txBody>
-          <a:bodyPr/>
-          <a:lstStyle/>
-          <a:p>
-            <a:pPr>
-              <a:defRPr sz="1800">
-                <a:solidFill>
-                  <a:srgbClr val="212529"/>
-                </a:solidFill>
-                <a:latin typeface="Segoe UI"/>
-              </a:defRPr>
-            </a:pPr>
           </a:p>
         </p:txBody>
       </p:sp>
@@ -11392,6 +9949,9 @@
             <a:avLst/>
           </a:prstGeom>
           <a:noFill/>
+          <a:ln>
+            <a:noFill/>
+          </a:ln>
         </p:spPr>
         <p:txBody>
           <a:bodyPr wrap="none">
@@ -11402,18 +9962,13 @@
             <a:pPr>
               <a:defRPr sz="1700" b="1">
                 <a:solidFill>
-                  <a:srgbClr val="212529"/>
-                </a:solidFill>
-                <a:latin typeface="Segoe UI"/>
-              </a:defRPr>
-            </a:pPr>
-            <a:r>
-              <a:rPr>
-                <a:solidFill>
-                  <a:srgbClr val="212529"/>
-                </a:solidFill>
-                <a:latin typeface="Segoe UI"/>
-              </a:rPr>
+                  <a:srgbClr val="0066CC"/>
+                </a:solidFill>
+                <a:latin typeface="Segoe UI Semibold"/>
+              </a:defRPr>
+            </a:pPr>
+            <a:r>
+              <a:rPr/>
               <a:t>Komponen</a:t>
             </a:r>
           </a:p>
@@ -11434,6 +9989,9 @@
             <a:avLst/>
           </a:prstGeom>
           <a:noFill/>
+          <a:ln>
+            <a:noFill/>
+          </a:ln>
         </p:spPr>
         <p:txBody>
           <a:bodyPr wrap="none">
@@ -11444,18 +10002,13 @@
             <a:pPr>
               <a:defRPr sz="1700" b="1">
                 <a:solidFill>
-                  <a:srgbClr val="212529"/>
-                </a:solidFill>
-                <a:latin typeface="Segoe UI"/>
-              </a:defRPr>
-            </a:pPr>
-            <a:r>
-              <a:rPr>
-                <a:solidFill>
-                  <a:srgbClr val="212529"/>
-                </a:solidFill>
-                <a:latin typeface="Segoe UI"/>
-              </a:rPr>
+                  <a:srgbClr val="0066CC"/>
+                </a:solidFill>
+                <a:latin typeface="Segoe UI Semibold"/>
+              </a:defRPr>
+            </a:pPr>
+            <a:r>
+              <a:rPr/>
               <a:t>Makna</a:t>
             </a:r>
           </a:p>
@@ -11476,6 +10029,9 @@
             <a:avLst/>
           </a:prstGeom>
           <a:noFill/>
+          <a:ln>
+            <a:noFill/>
+          </a:ln>
         </p:spPr>
         <p:txBody>
           <a:bodyPr wrap="square">
@@ -11495,12 +10051,7 @@
               </a:defRPr>
             </a:pPr>
             <a:r>
-              <a:rPr>
-                <a:solidFill>
-                  <a:srgbClr val="212529"/>
-                </a:solidFill>
-                <a:latin typeface="Segoe UI"/>
-              </a:rPr>
+              <a:rPr/>
               <a:t>Layer: Dense / Conv</a:t>
             </a:r>
           </a:p>
@@ -11517,12 +10068,7 @@
               </a:defRPr>
             </a:pPr>
             <a:r>
-              <a:rPr>
-                <a:solidFill>
-                  <a:srgbClr val="212529"/>
-                </a:solidFill>
-                <a:latin typeface="Segoe UI"/>
-              </a:rPr>
+              <a:rPr/>
               <a:t>Activation: ReLU / Softmax</a:t>
             </a:r>
           </a:p>
@@ -11539,12 +10085,7 @@
               </a:defRPr>
             </a:pPr>
             <a:r>
-              <a:rPr>
-                <a:solidFill>
-                  <a:srgbClr val="212529"/>
-                </a:solidFill>
-                <a:latin typeface="Segoe UI"/>
-              </a:rPr>
+              <a:rPr/>
               <a:t>Loss: cross-entropy</a:t>
             </a:r>
           </a:p>
@@ -11561,12 +10102,7 @@
               </a:defRPr>
             </a:pPr>
             <a:r>
-              <a:rPr>
-                <a:solidFill>
-                  <a:srgbClr val="212529"/>
-                </a:solidFill>
-                <a:latin typeface="Segoe UI"/>
-              </a:rPr>
+              <a:rPr/>
               <a:t>Optimizer: Adam</a:t>
             </a:r>
           </a:p>
@@ -11587,6 +10123,9 @@
             <a:avLst/>
           </a:prstGeom>
           <a:noFill/>
+          <a:ln>
+            <a:noFill/>
+          </a:ln>
         </p:spPr>
         <p:txBody>
           <a:bodyPr wrap="square">
@@ -11606,12 +10145,7 @@
               </a:defRPr>
             </a:pPr>
             <a:r>
-              <a:rPr>
-                <a:solidFill>
-                  <a:srgbClr val="212529"/>
-                </a:solidFill>
-                <a:latin typeface="Segoe UI"/>
-              </a:rPr>
+              <a:rPr/>
               <a:t>Layer = transformasi fitur</a:t>
             </a:r>
           </a:p>
@@ -11628,12 +10162,7 @@
               </a:defRPr>
             </a:pPr>
             <a:r>
-              <a:rPr>
-                <a:solidFill>
-                  <a:srgbClr val="212529"/>
-                </a:solidFill>
-                <a:latin typeface="Segoe UI"/>
-              </a:rPr>
+              <a:rPr/>
               <a:t>Activation = non-linearitas</a:t>
             </a:r>
           </a:p>
@@ -11650,12 +10179,7 @@
               </a:defRPr>
             </a:pPr>
             <a:r>
-              <a:rPr>
-                <a:solidFill>
-                  <a:srgbClr val="212529"/>
-                </a:solidFill>
-                <a:latin typeface="Segoe UI"/>
-              </a:rPr>
+              <a:rPr/>
               <a:t>Loss = ukuran salah</a:t>
             </a:r>
           </a:p>
@@ -11672,12 +10196,7 @@
               </a:defRPr>
             </a:pPr>
             <a:r>
-              <a:rPr>
-                <a:solidFill>
-                  <a:srgbClr val="212529"/>
-                </a:solidFill>
-                <a:latin typeface="Segoe UI"/>
-              </a:rPr>
+              <a:rPr/>
               <a:t>Optimizer = cara update weights</a:t>
             </a:r>
           </a:p>
@@ -11685,7 +10204,7 @@
       </p:sp>
       <p:sp>
         <p:nvSpPr>
-          <p:cNvPr id="8" name="Rectangle 7"/>
+          <p:cNvPr id="8" name="__accent_bar__"/>
           <p:cNvSpPr/>
           <p:nvPr/>
         </p:nvSpPr>
@@ -11722,14 +10241,7 @@
           <a:bodyPr rtlCol="0" anchor="ctr"/>
           <a:lstStyle/>
           <a:p>
-            <a:pPr algn="ctr">
-              <a:defRPr sz="1800">
-                <a:solidFill>
-                  <a:srgbClr val="212529"/>
-                </a:solidFill>
-                <a:latin typeface="Segoe UI"/>
-              </a:defRPr>
-            </a:pPr>
+            <a:pPr algn="ctr"/>
           </a:p>
         </p:txBody>
       </p:sp>
@@ -11777,46 +10289,15 @@
             <a:pPr>
               <a:defRPr sz="3000" b="1">
                 <a:solidFill>
-                  <a:srgbClr val="212529"/>
-                </a:solidFill>
-                <a:latin typeface="Segoe UI"/>
-              </a:defRPr>
-            </a:pPr>
-            <a:r>
-              <a:rPr>
-                <a:solidFill>
-                  <a:srgbClr val="212529"/>
-                </a:solidFill>
-                <a:latin typeface="Segoe UI"/>
-              </a:rPr>
+                  <a:srgbClr val="0066CC"/>
+                </a:solidFill>
+                <a:latin typeface="Segoe UI Semibold"/>
+              </a:defRPr>
+            </a:pPr>
+            <a:r>
+              <a:rPr/>
               <a:t>Modul 3: Mengapa Prediksi Bisa Benar?</a:t>
             </a:r>
-          </a:p>
-        </p:txBody>
-      </p:sp>
-      <p:sp>
-        <p:nvSpPr>
-          <p:cNvPr id="3" name="Content Placeholder 2"/>
-          <p:cNvSpPr>
-            <a:spLocks noGrp="1"/>
-          </p:cNvSpPr>
-          <p:nvPr>
-            <p:ph idx="1"/>
-          </p:nvPr>
-        </p:nvSpPr>
-        <p:spPr/>
-        <p:txBody>
-          <a:bodyPr/>
-          <a:lstStyle/>
-          <a:p>
-            <a:pPr>
-              <a:defRPr sz="1800">
-                <a:solidFill>
-                  <a:srgbClr val="212529"/>
-                </a:solidFill>
-                <a:latin typeface="Segoe UI"/>
-              </a:defRPr>
-            </a:pPr>
           </a:p>
         </p:txBody>
       </p:sp>
@@ -11835,6 +10316,9 @@
             <a:avLst/>
           </a:prstGeom>
           <a:noFill/>
+          <a:ln>
+            <a:noFill/>
+          </a:ln>
         </p:spPr>
         <p:txBody>
           <a:bodyPr wrap="square">
@@ -11854,12 +10338,7 @@
               </a:defRPr>
             </a:pPr>
             <a:r>
-              <a:rPr>
-                <a:solidFill>
-                  <a:srgbClr val="212529"/>
-                </a:solidFill>
-                <a:latin typeface="Segoe UI"/>
-              </a:rPr>
+              <a:rPr/>
               <a:t>Output softmax = probabilitas 10 kelas.</a:t>
             </a:r>
           </a:p>
@@ -11876,12 +10355,7 @@
               </a:defRPr>
             </a:pPr>
             <a:r>
-              <a:rPr>
-                <a:solidFill>
-                  <a:srgbClr val="212529"/>
-                </a:solidFill>
-                <a:latin typeface="Segoe UI"/>
-              </a:rPr>
+              <a:rPr/>
               <a:t>Backpropagation menghitung gradien: bagaimana weights harus berubah agar loss turun.</a:t>
             </a:r>
           </a:p>
@@ -11898,12 +10372,7 @@
               </a:defRPr>
             </a:pPr>
             <a:r>
-              <a:rPr>
-                <a:solidFill>
-                  <a:srgbClr val="212529"/>
-                </a:solidFill>
-                <a:latin typeface="Segoe UI"/>
-              </a:rPr>
+              <a:rPr/>
               <a:t>Gradient descent / Adam melakukan update kecil berulang sampai model membaik.</a:t>
             </a:r>
           </a:p>
@@ -11920,12 +10389,7 @@
               </a:defRPr>
             </a:pPr>
             <a:r>
-              <a:rPr>
-                <a:solidFill>
-                  <a:srgbClr val="212529"/>
-                </a:solidFill>
-                <a:latin typeface="Segoe UI"/>
-              </a:rPr>
+              <a:rPr/>
               <a:t>Overfitting muncul jika model terlalu kompleks / epoch terlalu banyak.</a:t>
             </a:r>
           </a:p>
@@ -11933,7 +10397,7 @@
       </p:sp>
       <p:sp>
         <p:nvSpPr>
-          <p:cNvPr id="5" name="Rectangle 4"/>
+          <p:cNvPr id="5" name="__accent_bar__"/>
           <p:cNvSpPr/>
           <p:nvPr/>
         </p:nvSpPr>
@@ -11970,14 +10434,7 @@
           <a:bodyPr rtlCol="0" anchor="ctr"/>
           <a:lstStyle/>
           <a:p>
-            <a:pPr algn="ctr">
-              <a:defRPr sz="1800">
-                <a:solidFill>
-                  <a:srgbClr val="212529"/>
-                </a:solidFill>
-                <a:latin typeface="Segoe UI"/>
-              </a:defRPr>
-            </a:pPr>
+            <a:pPr algn="ctr"/>
           </a:p>
         </p:txBody>
       </p:sp>
@@ -12025,46 +10482,15 @@
             <a:pPr>
               <a:defRPr sz="3000" b="1">
                 <a:solidFill>
-                  <a:srgbClr val="212529"/>
-                </a:solidFill>
-                <a:latin typeface="Segoe UI"/>
-              </a:defRPr>
-            </a:pPr>
-            <a:r>
-              <a:rPr>
-                <a:solidFill>
-                  <a:srgbClr val="212529"/>
-                </a:solidFill>
-                <a:latin typeface="Segoe UI"/>
-              </a:rPr>
+                  <a:srgbClr val="0066CC"/>
+                </a:solidFill>
+                <a:latin typeface="Segoe UI Semibold"/>
+              </a:defRPr>
+            </a:pPr>
+            <a:r>
+              <a:rPr/>
               <a:t>Modul 3: Latihan</a:t>
             </a:r>
-          </a:p>
-        </p:txBody>
-      </p:sp>
-      <p:sp>
-        <p:nvSpPr>
-          <p:cNvPr id="3" name="Content Placeholder 2"/>
-          <p:cNvSpPr>
-            <a:spLocks noGrp="1"/>
-          </p:cNvSpPr>
-          <p:nvPr>
-            <p:ph idx="1"/>
-          </p:nvPr>
-        </p:nvSpPr>
-        <p:spPr/>
-        <p:txBody>
-          <a:bodyPr/>
-          <a:lstStyle/>
-          <a:p>
-            <a:pPr>
-              <a:defRPr sz="1800">
-                <a:solidFill>
-                  <a:srgbClr val="212529"/>
-                </a:solidFill>
-                <a:latin typeface="Segoe UI"/>
-              </a:defRPr>
-            </a:pPr>
           </a:p>
         </p:txBody>
       </p:sp>
@@ -12083,6 +10509,9 @@
             <a:avLst/>
           </a:prstGeom>
           <a:noFill/>
+          <a:ln>
+            <a:noFill/>
+          </a:ln>
         </p:spPr>
         <p:txBody>
           <a:bodyPr wrap="square">
@@ -12102,12 +10531,7 @@
               </a:defRPr>
             </a:pPr>
             <a:r>
-              <a:rPr>
-                <a:solidFill>
-                  <a:srgbClr val="212529"/>
-                </a:solidFill>
-                <a:latin typeface="Segoe UI"/>
-              </a:rPr>
+              <a:rPr/>
               <a:t>Latihan A: Ubah epochs (1, 3, 10). Catat train/test accuracy.</a:t>
             </a:r>
           </a:p>
@@ -12124,12 +10548,7 @@
               </a:defRPr>
             </a:pPr>
             <a:r>
-              <a:rPr>
-                <a:solidFill>
-                  <a:srgbClr val="212529"/>
-                </a:solidFill>
-                <a:latin typeface="Segoe UI"/>
-              </a:rPr>
+              <a:rPr/>
               <a:t>Latihan B: Tambah Dropout. Apa dampaknya pada gap train vs val?</a:t>
             </a:r>
           </a:p>
@@ -12146,12 +10565,7 @@
               </a:defRPr>
             </a:pPr>
             <a:r>
-              <a:rPr>
-                <a:solidFill>
-                  <a:srgbClr val="212529"/>
-                </a:solidFill>
-                <a:latin typeface="Segoe UI"/>
-              </a:rPr>
+              <a:rPr/>
               <a:t>Latihan C: Digit mana yang sering salah (mis. 4 vs 9)? Kenapa?</a:t>
             </a:r>
           </a:p>
@@ -12159,7 +10573,7 @@
       </p:sp>
       <p:sp>
         <p:nvSpPr>
-          <p:cNvPr id="5" name="Rectangle 4"/>
+          <p:cNvPr id="5" name="__accent_bar__"/>
           <p:cNvSpPr/>
           <p:nvPr/>
         </p:nvSpPr>
@@ -12196,14 +10610,7 @@
           <a:bodyPr rtlCol="0" anchor="ctr"/>
           <a:lstStyle/>
           <a:p>
-            <a:pPr algn="ctr">
-              <a:defRPr sz="1800">
-                <a:solidFill>
-                  <a:srgbClr val="212529"/>
-                </a:solidFill>
-                <a:latin typeface="Segoe UI"/>
-              </a:defRPr>
-            </a:pPr>
+            <a:pPr algn="ctr"/>
           </a:p>
         </p:txBody>
       </p:sp>
@@ -12251,46 +10658,15 @@
             <a:pPr>
               <a:defRPr sz="3000" b="1">
                 <a:solidFill>
-                  <a:srgbClr val="212529"/>
-                </a:solidFill>
-                <a:latin typeface="Segoe UI"/>
-              </a:defRPr>
-            </a:pPr>
-            <a:r>
-              <a:rPr>
-                <a:solidFill>
-                  <a:srgbClr val="212529"/>
-                </a:solidFill>
-                <a:latin typeface="Segoe UI"/>
-              </a:rPr>
+                  <a:srgbClr val="0066CC"/>
+                </a:solidFill>
+                <a:latin typeface="Segoe UI Semibold"/>
+              </a:defRPr>
+            </a:pPr>
+            <a:r>
+              <a:rPr/>
               <a:t>Modul 3: Pembahasan Latihan (Step-by-step)</a:t>
             </a:r>
-          </a:p>
-        </p:txBody>
-      </p:sp>
-      <p:sp>
-        <p:nvSpPr>
-          <p:cNvPr id="3" name="Content Placeholder 2"/>
-          <p:cNvSpPr>
-            <a:spLocks noGrp="1"/>
-          </p:cNvSpPr>
-          <p:nvPr>
-            <p:ph idx="1"/>
-          </p:nvPr>
-        </p:nvSpPr>
-        <p:spPr/>
-        <p:txBody>
-          <a:bodyPr/>
-          <a:lstStyle/>
-          <a:p>
-            <a:pPr>
-              <a:defRPr sz="1800">
-                <a:solidFill>
-                  <a:srgbClr val="212529"/>
-                </a:solidFill>
-                <a:latin typeface="Segoe UI"/>
-              </a:defRPr>
-            </a:pPr>
           </a:p>
         </p:txBody>
       </p:sp>
@@ -12309,6 +10685,9 @@
             <a:avLst/>
           </a:prstGeom>
           <a:noFill/>
+          <a:ln>
+            <a:noFill/>
+          </a:ln>
         </p:spPr>
         <p:txBody>
           <a:bodyPr wrap="square">
@@ -12328,12 +10707,7 @@
               </a:defRPr>
             </a:pPr>
             <a:r>
-              <a:rPr>
-                <a:solidFill>
-                  <a:srgbClr val="212529"/>
-                </a:solidFill>
-                <a:latin typeface="Segoe UI"/>
-              </a:rPr>
+              <a:rPr/>
               <a:t>A) Epoch naik: train accuracy naik; kalau val tidak naik → overfitting.</a:t>
             </a:r>
           </a:p>
@@ -12350,12 +10724,7 @@
               </a:defRPr>
             </a:pPr>
             <a:r>
-              <a:rPr>
-                <a:solidFill>
-                  <a:srgbClr val="212529"/>
-                </a:solidFill>
-                <a:latin typeface="Segoe UI"/>
-              </a:rPr>
+              <a:rPr/>
               <a:t>B) Dropout: train accuracy turun sedikit, tapi val/test bisa lebih stabil.</a:t>
             </a:r>
           </a:p>
@@ -12372,12 +10741,7 @@
               </a:defRPr>
             </a:pPr>
             <a:r>
-              <a:rPr>
-                <a:solidFill>
-                  <a:srgbClr val="212529"/>
-                </a:solidFill>
-                <a:latin typeface="Segoe UI"/>
-              </a:rPr>
+              <a:rPr/>
               <a:t>C) Digit mirip (4 vs 9): gaya tulisan bervariasi; noise bikin overlap.</a:t>
             </a:r>
           </a:p>
@@ -12394,12 +10758,7 @@
               </a:defRPr>
             </a:pPr>
             <a:r>
-              <a:rPr>
-                <a:solidFill>
-                  <a:srgbClr val="212529"/>
-                </a:solidFill>
-                <a:latin typeface="Segoe UI"/>
-              </a:rPr>
+              <a:rPr/>
               <a:t>   Cara cek: tampilkan contoh yang salah → amati apakah memang ambigu.</a:t>
             </a:r>
           </a:p>
@@ -12407,7 +10766,7 @@
       </p:sp>
       <p:sp>
         <p:nvSpPr>
-          <p:cNvPr id="5" name="Rectangle 4"/>
+          <p:cNvPr id="5" name="__accent_bar__"/>
           <p:cNvSpPr/>
           <p:nvPr/>
         </p:nvSpPr>
@@ -12444,14 +10803,7 @@
           <a:bodyPr rtlCol="0" anchor="ctr"/>
           <a:lstStyle/>
           <a:p>
-            <a:pPr algn="ctr">
-              <a:defRPr sz="1800">
-                <a:solidFill>
-                  <a:srgbClr val="212529"/>
-                </a:solidFill>
-                <a:latin typeface="Segoe UI"/>
-              </a:defRPr>
-            </a:pPr>
+            <a:pPr algn="ctr"/>
           </a:p>
         </p:txBody>
       </p:sp>
@@ -12499,46 +10851,15 @@
             <a:pPr>
               <a:defRPr sz="3000" b="1">
                 <a:solidFill>
-                  <a:srgbClr val="212529"/>
-                </a:solidFill>
-                <a:latin typeface="Segoe UI"/>
-              </a:defRPr>
-            </a:pPr>
-            <a:r>
-              <a:rPr>
-                <a:solidFill>
-                  <a:srgbClr val="212529"/>
-                </a:solidFill>
-                <a:latin typeface="Segoe UI"/>
-              </a:rPr>
+                  <a:srgbClr val="0066CC"/>
+                </a:solidFill>
+                <a:latin typeface="Segoe UI Semibold"/>
+              </a:defRPr>
+            </a:pPr>
+            <a:r>
+              <a:rPr/>
               <a:t>Modul 3: Contoh Kasus Nyata (OCR / Dokumen)</a:t>
             </a:r>
-          </a:p>
-        </p:txBody>
-      </p:sp>
-      <p:sp>
-        <p:nvSpPr>
-          <p:cNvPr id="3" name="Content Placeholder 2"/>
-          <p:cNvSpPr>
-            <a:spLocks noGrp="1"/>
-          </p:cNvSpPr>
-          <p:nvPr>
-            <p:ph idx="1"/>
-          </p:nvPr>
-        </p:nvSpPr>
-        <p:spPr/>
-        <p:txBody>
-          <a:bodyPr/>
-          <a:lstStyle/>
-          <a:p>
-            <a:pPr>
-              <a:defRPr sz="1800">
-                <a:solidFill>
-                  <a:srgbClr val="212529"/>
-                </a:solidFill>
-                <a:latin typeface="Segoe UI"/>
-              </a:defRPr>
-            </a:pPr>
           </a:p>
         </p:txBody>
       </p:sp>
@@ -12557,6 +10878,9 @@
             <a:avLst/>
           </a:prstGeom>
           <a:noFill/>
+          <a:ln>
+            <a:noFill/>
+          </a:ln>
         </p:spPr>
         <p:txBody>
           <a:bodyPr wrap="none">
@@ -12567,18 +10891,13 @@
             <a:pPr>
               <a:defRPr sz="1700" b="1">
                 <a:solidFill>
-                  <a:srgbClr val="212529"/>
-                </a:solidFill>
-                <a:latin typeface="Segoe UI"/>
-              </a:defRPr>
-            </a:pPr>
-            <a:r>
-              <a:rPr>
-                <a:solidFill>
-                  <a:srgbClr val="212529"/>
-                </a:solidFill>
-                <a:latin typeface="Segoe UI"/>
-              </a:rPr>
+                  <a:srgbClr val="0066CC"/>
+                </a:solidFill>
+                <a:latin typeface="Segoe UI Semibold"/>
+              </a:defRPr>
+            </a:pPr>
+            <a:r>
+              <a:rPr/>
               <a:t>Masalah dunia nyata</a:t>
             </a:r>
           </a:p>
@@ -12599,6 +10918,9 @@
             <a:avLst/>
           </a:prstGeom>
           <a:noFill/>
+          <a:ln>
+            <a:noFill/>
+          </a:ln>
         </p:spPr>
         <p:txBody>
           <a:bodyPr wrap="none">
@@ -12609,18 +10931,13 @@
             <a:pPr>
               <a:defRPr sz="1700" b="1">
                 <a:solidFill>
-                  <a:srgbClr val="212529"/>
-                </a:solidFill>
-                <a:latin typeface="Segoe UI"/>
-              </a:defRPr>
-            </a:pPr>
-            <a:r>
-              <a:rPr>
-                <a:solidFill>
-                  <a:srgbClr val="212529"/>
-                </a:solidFill>
-                <a:latin typeface="Segoe UI"/>
-              </a:rPr>
+                  <a:srgbClr val="0066CC"/>
+                </a:solidFill>
+                <a:latin typeface="Segoe UI Semibold"/>
+              </a:defRPr>
+            </a:pPr>
+            <a:r>
+              <a:rPr/>
               <a:t>Strategi</a:t>
             </a:r>
           </a:p>
@@ -12641,6 +10958,9 @@
             <a:avLst/>
           </a:prstGeom>
           <a:noFill/>
+          <a:ln>
+            <a:noFill/>
+          </a:ln>
         </p:spPr>
         <p:txBody>
           <a:bodyPr wrap="square">
@@ -12660,12 +10980,7 @@
               </a:defRPr>
             </a:pPr>
             <a:r>
-              <a:rPr>
-                <a:solidFill>
-                  <a:srgbClr val="212529"/>
-                </a:solidFill>
-                <a:latin typeface="Segoe UI"/>
-              </a:rPr>
+              <a:rPr/>
               <a:t>Foto blur, miring, cahaya buruk</a:t>
             </a:r>
           </a:p>
@@ -12682,12 +10997,7 @@
               </a:defRPr>
             </a:pPr>
             <a:r>
-              <a:rPr>
-                <a:solidFill>
-                  <a:srgbClr val="212529"/>
-                </a:solidFill>
-                <a:latin typeface="Segoe UI"/>
-              </a:rPr>
+              <a:rPr/>
               <a:t>Font beragam, tulisan tangan</a:t>
             </a:r>
           </a:p>
@@ -12704,12 +11014,7 @@
               </a:defRPr>
             </a:pPr>
             <a:r>
-              <a:rPr>
-                <a:solidFill>
-                  <a:srgbClr val="212529"/>
-                </a:solidFill>
-                <a:latin typeface="Segoe UI"/>
-              </a:rPr>
+              <a:rPr/>
               <a:t>Background mengganggu</a:t>
             </a:r>
           </a:p>
@@ -12730,6 +11035,9 @@
             <a:avLst/>
           </a:prstGeom>
           <a:noFill/>
+          <a:ln>
+            <a:noFill/>
+          </a:ln>
         </p:spPr>
         <p:txBody>
           <a:bodyPr wrap="square">
@@ -12749,12 +11057,7 @@
               </a:defRPr>
             </a:pPr>
             <a:r>
-              <a:rPr>
-                <a:solidFill>
-                  <a:srgbClr val="212529"/>
-                </a:solidFill>
-                <a:latin typeface="Segoe UI"/>
-              </a:rPr>
+              <a:rPr/>
               <a:t>Preprocessing (crop, threshold, denoise)</a:t>
             </a:r>
           </a:p>
@@ -12771,12 +11074,7 @@
               </a:defRPr>
             </a:pPr>
             <a:r>
-              <a:rPr>
-                <a:solidFill>
-                  <a:srgbClr val="212529"/>
-                </a:solidFill>
-                <a:latin typeface="Segoe UI"/>
-              </a:rPr>
+              <a:rPr/>
               <a:t>Data augmentation (rotasi, noise)</a:t>
             </a:r>
           </a:p>
@@ -12793,12 +11091,7 @@
               </a:defRPr>
             </a:pPr>
             <a:r>
-              <a:rPr>
-                <a:solidFill>
-                  <a:srgbClr val="212529"/>
-                </a:solidFill>
-                <a:latin typeface="Segoe UI"/>
-              </a:rPr>
+              <a:rPr/>
               <a:t>Model CNN / CRNN untuk teks panjang</a:t>
             </a:r>
           </a:p>
@@ -12815,12 +11108,7 @@
               </a:defRPr>
             </a:pPr>
             <a:r>
-              <a:rPr>
-                <a:solidFill>
-                  <a:srgbClr val="212529"/>
-                </a:solidFill>
-                <a:latin typeface="Segoe UI"/>
-              </a:rPr>
+              <a:rPr/>
               <a:t>Evaluasi: word error rate</a:t>
             </a:r>
           </a:p>
@@ -12864,24 +11152,19 @@
           </a:fontRef>
         </p:style>
         <p:txBody>
-          <a:bodyPr rtlCol="0" anchor="ctr" wrap="square"/>
+          <a:bodyPr rtlCol="0" anchor="ctr" wrap="square" lIns="182880" rIns="137160" tIns="73152" bIns="73152"/>
           <a:lstStyle/>
           <a:p>
             <a:pPr algn="ctr">
               <a:defRPr sz="1300">
                 <a:solidFill>
-                  <a:srgbClr val="212529"/>
-                </a:solidFill>
-                <a:latin typeface="Segoe UI"/>
-              </a:defRPr>
-            </a:pPr>
-            <a:r>
-              <a:rPr>
-                <a:solidFill>
-                  <a:srgbClr val="212529"/>
-                </a:solidFill>
-                <a:latin typeface="Segoe UI"/>
-              </a:rPr>
+                  <a:srgbClr val="6C757D"/>
+                </a:solidFill>
+                <a:latin typeface="Segoe UI"/>
+              </a:defRPr>
+            </a:pPr>
+            <a:r>
+              <a:rPr/>
               <a:t>MNIST adalah latihan dasar. OCR nyata butuh data &amp; preprocessing lebih serius.</a:t>
             </a:r>
           </a:p>
@@ -12889,7 +11172,7 @@
       </p:sp>
       <p:sp>
         <p:nvSpPr>
-          <p:cNvPr id="9" name="Rectangle 8"/>
+          <p:cNvPr id="9" name="__accent_bar__"/>
           <p:cNvSpPr/>
           <p:nvPr/>
         </p:nvSpPr>
@@ -12926,14 +11209,7 @@
           <a:bodyPr rtlCol="0" anchor="ctr"/>
           <a:lstStyle/>
           <a:p>
-            <a:pPr algn="ctr">
-              <a:defRPr sz="1800">
-                <a:solidFill>
-                  <a:srgbClr val="212529"/>
-                </a:solidFill>
-                <a:latin typeface="Segoe UI"/>
-              </a:defRPr>
-            </a:pPr>
+            <a:pPr algn="ctr"/>
           </a:p>
         </p:txBody>
       </p:sp>
@@ -12981,18 +11257,13 @@
             <a:pPr>
               <a:defRPr sz="3000" b="1">
                 <a:solidFill>
-                  <a:srgbClr val="212529"/>
-                </a:solidFill>
-                <a:latin typeface="Segoe UI"/>
-              </a:defRPr>
-            </a:pPr>
-            <a:r>
-              <a:rPr>
-                <a:solidFill>
-                  <a:srgbClr val="212529"/>
-                </a:solidFill>
-                <a:latin typeface="Segoe UI"/>
-              </a:rPr>
+                  <a:srgbClr val="0066CC"/>
+                </a:solidFill>
+                <a:latin typeface="Segoe UI Semibold"/>
+              </a:defRPr>
+            </a:pPr>
+            <a:r>
+              <a:rPr/>
               <a:t>Modul 4</a:t>
             </a:r>
           </a:p>
@@ -13013,6 +11284,9 @@
             <a:avLst/>
           </a:prstGeom>
           <a:noFill/>
+          <a:ln>
+            <a:noFill/>
+          </a:ln>
         </p:spPr>
         <p:txBody>
           <a:bodyPr wrap="none">
@@ -13023,18 +11297,13 @@
             <a:pPr>
               <a:defRPr sz="2000" i="1">
                 <a:solidFill>
-                  <a:srgbClr val="212529"/>
-                </a:solidFill>
-                <a:latin typeface="Segoe UI"/>
-              </a:defRPr>
-            </a:pPr>
-            <a:r>
-              <a:rPr>
-                <a:solidFill>
-                  <a:srgbClr val="212529"/>
-                </a:solidFill>
-                <a:latin typeface="Segoe UI"/>
-              </a:rPr>
+                  <a:srgbClr val="6C757D"/>
+                </a:solidFill>
+                <a:latin typeface="Segoe UI"/>
+              </a:defRPr>
+            </a:pPr>
+            <a:r>
+              <a:rPr/>
               <a:t>Computer Vision — CNN CIFAR-10</a:t>
             </a:r>
           </a:p>
@@ -13042,7 +11311,7 @@
       </p:sp>
       <p:sp>
         <p:nvSpPr>
-          <p:cNvPr id="4" name="Rectangle 3"/>
+          <p:cNvPr id="4" name="__accent_bar__"/>
           <p:cNvSpPr/>
           <p:nvPr/>
         </p:nvSpPr>
@@ -13079,14 +11348,7 @@
           <a:bodyPr rtlCol="0" anchor="ctr"/>
           <a:lstStyle/>
           <a:p>
-            <a:pPr algn="ctr">
-              <a:defRPr sz="1800">
-                <a:solidFill>
-                  <a:srgbClr val="212529"/>
-                </a:solidFill>
-                <a:latin typeface="Segoe UI"/>
-              </a:defRPr>
-            </a:pPr>
+            <a:pPr algn="ctr"/>
           </a:p>
         </p:txBody>
       </p:sp>
@@ -13134,46 +11396,15 @@
             <a:pPr>
               <a:defRPr sz="3000" b="1">
                 <a:solidFill>
-                  <a:srgbClr val="212529"/>
-                </a:solidFill>
-                <a:latin typeface="Segoe UI"/>
-              </a:defRPr>
-            </a:pPr>
-            <a:r>
-              <a:rPr>
-                <a:solidFill>
-                  <a:srgbClr val="212529"/>
-                </a:solidFill>
-                <a:latin typeface="Segoe UI"/>
-              </a:rPr>
+                  <a:srgbClr val="0066CC"/>
+                </a:solidFill>
+                <a:latin typeface="Segoe UI Semibold"/>
+              </a:defRPr>
+            </a:pPr>
+            <a:r>
+              <a:rPr/>
               <a:t>Modul 4: Tujuan &amp; Output</a:t>
             </a:r>
-          </a:p>
-        </p:txBody>
-      </p:sp>
-      <p:sp>
-        <p:nvSpPr>
-          <p:cNvPr id="3" name="Content Placeholder 2"/>
-          <p:cNvSpPr>
-            <a:spLocks noGrp="1"/>
-          </p:cNvSpPr>
-          <p:nvPr>
-            <p:ph idx="1"/>
-          </p:nvPr>
-        </p:nvSpPr>
-        <p:spPr/>
-        <p:txBody>
-          <a:bodyPr/>
-          <a:lstStyle/>
-          <a:p>
-            <a:pPr>
-              <a:defRPr sz="1800">
-                <a:solidFill>
-                  <a:srgbClr val="212529"/>
-                </a:solidFill>
-                <a:latin typeface="Segoe UI"/>
-              </a:defRPr>
-            </a:pPr>
           </a:p>
         </p:txBody>
       </p:sp>
@@ -13192,6 +11423,9 @@
             <a:avLst/>
           </a:prstGeom>
           <a:noFill/>
+          <a:ln>
+            <a:noFill/>
+          </a:ln>
         </p:spPr>
         <p:txBody>
           <a:bodyPr wrap="square">
@@ -13211,12 +11445,7 @@
               </a:defRPr>
             </a:pPr>
             <a:r>
-              <a:rPr>
-                <a:solidFill>
-                  <a:srgbClr val="212529"/>
-                </a:solidFill>
-                <a:latin typeface="Segoe UI"/>
-              </a:rPr>
+              <a:rPr/>
               <a:t>Tujuan: klasifikasi gambar warna 10 kelas.</a:t>
             </a:r>
           </a:p>
@@ -13233,12 +11462,7 @@
               </a:defRPr>
             </a:pPr>
             <a:r>
-              <a:rPr>
-                <a:solidFill>
-                  <a:srgbClr val="212529"/>
-                </a:solidFill>
-                <a:latin typeface="Segoe UI"/>
-              </a:rPr>
+              <a:rPr/>
               <a:t>Output: loss/accuracy + evaluasi + contoh prediksi.</a:t>
             </a:r>
           </a:p>
@@ -13255,12 +11479,7 @@
               </a:defRPr>
             </a:pPr>
             <a:r>
-              <a:rPr>
-                <a:solidFill>
-                  <a:srgbClr val="212529"/>
-                </a:solidFill>
-                <a:latin typeface="Segoe UI"/>
-              </a:rPr>
+              <a:rPr/>
               <a:t>File: 04_computer_vision.py</a:t>
             </a:r>
           </a:p>
@@ -13304,14 +11523,11 @@
           </a:fontRef>
         </p:style>
         <p:txBody>
-          <a:bodyPr rtlCol="0" anchor="ctr" wrap="square"/>
+          <a:bodyPr rtlCol="0" anchor="ctr" wrap="square" lIns="228600" rIns="137160" tIns="91440" bIns="91440"/>
           <a:lstStyle/>
           <a:p>
             <a:pPr algn="ctr">
               <a:defRPr sz="1800">
-                <a:solidFill>
-                  <a:srgbClr val="212529"/>
-                </a:solidFill>
                 <a:latin typeface="Segoe UI"/>
               </a:defRPr>
             </a:pPr>
@@ -13329,7 +11545,7 @@
       </p:sp>
       <p:sp>
         <p:nvSpPr>
-          <p:cNvPr id="6" name="Rectangle 5"/>
+          <p:cNvPr id="6" name="__accent_bar__"/>
           <p:cNvSpPr/>
           <p:nvPr/>
         </p:nvSpPr>
@@ -13366,14 +11582,7 @@
           <a:bodyPr rtlCol="0" anchor="ctr"/>
           <a:lstStyle/>
           <a:p>
-            <a:pPr algn="ctr">
-              <a:defRPr sz="1800">
-                <a:solidFill>
-                  <a:srgbClr val="212529"/>
-                </a:solidFill>
-                <a:latin typeface="Segoe UI"/>
-              </a:defRPr>
-            </a:pPr>
+            <a:pPr algn="ctr"/>
           </a:p>
         </p:txBody>
       </p:sp>
@@ -13421,18 +11630,13 @@
             <a:pPr>
               <a:defRPr sz="3000" b="1">
                 <a:solidFill>
-                  <a:srgbClr val="212529"/>
-                </a:solidFill>
-                <a:latin typeface="Segoe UI"/>
-              </a:defRPr>
-            </a:pPr>
-            <a:r>
-              <a:rPr>
-                <a:solidFill>
-                  <a:srgbClr val="212529"/>
-                </a:solidFill>
-                <a:latin typeface="Segoe UI"/>
-              </a:rPr>
+                  <a:srgbClr val="0066CC"/>
+                </a:solidFill>
+                <a:latin typeface="Segoe UI Semibold"/>
+              </a:defRPr>
+            </a:pPr>
+            <a:r>
+              <a:rPr/>
               <a:t>Alur Belajar (Flow)</a:t>
             </a:r>
           </a:p>
@@ -13482,18 +11686,13 @@
             <a:pPr algn="ctr">
               <a:defRPr sz="1400" b="1">
                 <a:solidFill>
-                  <a:srgbClr val="212529"/>
-                </a:solidFill>
-                <a:latin typeface="Segoe UI"/>
-              </a:defRPr>
-            </a:pPr>
-            <a:r>
-              <a:rPr>
-                <a:solidFill>
-                  <a:srgbClr val="212529"/>
-                </a:solidFill>
-                <a:latin typeface="Segoe UI"/>
-              </a:rPr>
+                  <a:srgbClr val="0066CC"/>
+                </a:solidFill>
+                <a:latin typeface="Segoe UI Semibold"/>
+              </a:defRPr>
+            </a:pPr>
+            <a:r>
+              <a:rPr/>
               <a:t>Setup</a:t>
             </a:r>
           </a:p>
@@ -13542,9 +11741,6 @@
           <a:p>
             <a:pPr algn="ctr">
               <a:defRPr sz="1800">
-                <a:solidFill>
-                  <a:srgbClr val="212529"/>
-                </a:solidFill>
                 <a:latin typeface="Segoe UI"/>
               </a:defRPr>
             </a:pPr>
@@ -13595,18 +11791,13 @@
             <a:pPr algn="ctr">
               <a:defRPr sz="1400" b="1">
                 <a:solidFill>
-                  <a:srgbClr val="212529"/>
-                </a:solidFill>
-                <a:latin typeface="Segoe UI"/>
-              </a:defRPr>
-            </a:pPr>
-            <a:r>
-              <a:rPr>
-                <a:solidFill>
-                  <a:srgbClr val="212529"/>
-                </a:solidFill>
-                <a:latin typeface="Segoe UI"/>
-              </a:rPr>
+                  <a:srgbClr val="0066CC"/>
+                </a:solidFill>
+                <a:latin typeface="Segoe UI Semibold"/>
+              </a:defRPr>
+            </a:pPr>
+            <a:r>
+              <a:rPr/>
               <a:t>Data</a:t>
             </a:r>
           </a:p>
@@ -13655,9 +11846,6 @@
           <a:p>
             <a:pPr algn="ctr">
               <a:defRPr sz="1800">
-                <a:solidFill>
-                  <a:srgbClr val="212529"/>
-                </a:solidFill>
                 <a:latin typeface="Segoe UI"/>
               </a:defRPr>
             </a:pPr>
@@ -13708,18 +11896,13 @@
             <a:pPr algn="ctr">
               <a:defRPr sz="1400" b="1">
                 <a:solidFill>
-                  <a:srgbClr val="212529"/>
-                </a:solidFill>
-                <a:latin typeface="Segoe UI"/>
-              </a:defRPr>
-            </a:pPr>
-            <a:r>
-              <a:rPr>
-                <a:solidFill>
-                  <a:srgbClr val="212529"/>
-                </a:solidFill>
-                <a:latin typeface="Segoe UI"/>
-              </a:rPr>
+                  <a:srgbClr val="0066CC"/>
+                </a:solidFill>
+                <a:latin typeface="Segoe UI Semibold"/>
+              </a:defRPr>
+            </a:pPr>
+            <a:r>
+              <a:rPr/>
               <a:t>Train</a:t>
             </a:r>
           </a:p>
@@ -13768,9 +11951,6 @@
           <a:p>
             <a:pPr algn="ctr">
               <a:defRPr sz="1800">
-                <a:solidFill>
-                  <a:srgbClr val="212529"/>
-                </a:solidFill>
                 <a:latin typeface="Segoe UI"/>
               </a:defRPr>
             </a:pPr>
@@ -13821,18 +12001,13 @@
             <a:pPr algn="ctr">
               <a:defRPr sz="1400" b="1">
                 <a:solidFill>
-                  <a:srgbClr val="212529"/>
-                </a:solidFill>
-                <a:latin typeface="Segoe UI"/>
-              </a:defRPr>
-            </a:pPr>
-            <a:r>
-              <a:rPr>
-                <a:solidFill>
-                  <a:srgbClr val="212529"/>
-                </a:solidFill>
-                <a:latin typeface="Segoe UI"/>
-              </a:rPr>
+                  <a:srgbClr val="0066CC"/>
+                </a:solidFill>
+                <a:latin typeface="Segoe UI Semibold"/>
+              </a:defRPr>
+            </a:pPr>
+            <a:r>
+              <a:rPr/>
               <a:t>Evaluate</a:t>
             </a:r>
           </a:p>
@@ -13881,9 +12056,6 @@
           <a:p>
             <a:pPr algn="ctr">
               <a:defRPr sz="1800">
-                <a:solidFill>
-                  <a:srgbClr val="212529"/>
-                </a:solidFill>
                 <a:latin typeface="Segoe UI"/>
               </a:defRPr>
             </a:pPr>
@@ -13934,18 +12106,13 @@
             <a:pPr algn="ctr">
               <a:defRPr sz="1400" b="1">
                 <a:solidFill>
-                  <a:srgbClr val="212529"/>
-                </a:solidFill>
-                <a:latin typeface="Segoe UI"/>
-              </a:defRPr>
-            </a:pPr>
-            <a:r>
-              <a:rPr>
-                <a:solidFill>
-                  <a:srgbClr val="212529"/>
-                </a:solidFill>
-                <a:latin typeface="Segoe UI"/>
-              </a:rPr>
+                  <a:srgbClr val="0066CC"/>
+                </a:solidFill>
+                <a:latin typeface="Segoe UI Semibold"/>
+              </a:defRPr>
+            </a:pPr>
+            <a:r>
+              <a:rPr/>
               <a:t>Improve</a:t>
             </a:r>
           </a:p>
@@ -13994,9 +12161,6 @@
           <a:p>
             <a:pPr algn="ctr">
               <a:defRPr sz="1800">
-                <a:solidFill>
-                  <a:srgbClr val="212529"/>
-                </a:solidFill>
                 <a:latin typeface="Segoe UI"/>
               </a:defRPr>
             </a:pPr>
@@ -14047,18 +12211,13 @@
             <a:pPr algn="ctr">
               <a:defRPr sz="1400" b="1">
                 <a:solidFill>
-                  <a:srgbClr val="212529"/>
-                </a:solidFill>
-                <a:latin typeface="Segoe UI"/>
-              </a:defRPr>
-            </a:pPr>
-            <a:r>
-              <a:rPr>
-                <a:solidFill>
-                  <a:srgbClr val="212529"/>
-                </a:solidFill>
-                <a:latin typeface="Segoe UI"/>
-              </a:rPr>
+                  <a:srgbClr val="0066CC"/>
+                </a:solidFill>
+                <a:latin typeface="Segoe UI Semibold"/>
+              </a:defRPr>
+            </a:pPr>
+            <a:r>
+              <a:rPr/>
               <a:t>Project</a:t>
             </a:r>
           </a:p>
@@ -14079,6 +12238,9 @@
             <a:avLst/>
           </a:prstGeom>
           <a:noFill/>
+          <a:ln>
+            <a:noFill/>
+          </a:ln>
         </p:spPr>
         <p:txBody>
           <a:bodyPr wrap="square">
@@ -14098,12 +12260,7 @@
               </a:defRPr>
             </a:pPr>
             <a:r>
-              <a:rPr>
-                <a:solidFill>
-                  <a:srgbClr val="212529"/>
-                </a:solidFill>
-                <a:latin typeface="Segoe UI"/>
-              </a:rPr>
+              <a:rPr/>
               <a:t>Kalau Anda bingung: kembali ke flow ini. Semua modul mengikuti pola yang sama.</a:t>
             </a:r>
           </a:p>
@@ -14120,12 +12277,7 @@
               </a:defRPr>
             </a:pPr>
             <a:r>
-              <a:rPr>
-                <a:solidFill>
-                  <a:srgbClr val="212529"/>
-                </a:solidFill>
-                <a:latin typeface="Segoe UI"/>
-              </a:rPr>
+              <a:rPr/>
               <a:t>Target akhir: Anda bisa menjelaskan 2 hal — (1) hasil/metric, (2) mengapa hasilnya begitu.</a:t>
             </a:r>
           </a:p>
@@ -14133,7 +12285,7 @@
       </p:sp>
       <p:sp>
         <p:nvSpPr>
-          <p:cNvPr id="15" name="Rectangle 14"/>
+          <p:cNvPr id="15" name="__accent_bar__"/>
           <p:cNvSpPr/>
           <p:nvPr/>
         </p:nvSpPr>
@@ -14170,14 +12322,7 @@
           <a:bodyPr rtlCol="0" anchor="ctr"/>
           <a:lstStyle/>
           <a:p>
-            <a:pPr algn="ctr">
-              <a:defRPr sz="1800">
-                <a:solidFill>
-                  <a:srgbClr val="212529"/>
-                </a:solidFill>
-                <a:latin typeface="Segoe UI"/>
-              </a:defRPr>
-            </a:pPr>
+            <a:pPr algn="ctr"/>
           </a:p>
         </p:txBody>
       </p:sp>
@@ -14225,46 +12370,15 @@
             <a:pPr>
               <a:defRPr sz="3000" b="1">
                 <a:solidFill>
-                  <a:srgbClr val="212529"/>
-                </a:solidFill>
-                <a:latin typeface="Segoe UI"/>
-              </a:defRPr>
-            </a:pPr>
-            <a:r>
-              <a:rPr>
-                <a:solidFill>
-                  <a:srgbClr val="212529"/>
-                </a:solidFill>
-                <a:latin typeface="Segoe UI"/>
-              </a:rPr>
+                  <a:srgbClr val="0066CC"/>
+                </a:solidFill>
+                <a:latin typeface="Segoe UI Semibold"/>
+              </a:defRPr>
+            </a:pPr>
+            <a:r>
+              <a:rPr/>
               <a:t>Modul 4: Mengapa CNN Lebih Cocok untuk Gambar?</a:t>
             </a:r>
-          </a:p>
-        </p:txBody>
-      </p:sp>
-      <p:sp>
-        <p:nvSpPr>
-          <p:cNvPr id="3" name="Content Placeholder 2"/>
-          <p:cNvSpPr>
-            <a:spLocks noGrp="1"/>
-          </p:cNvSpPr>
-          <p:nvPr>
-            <p:ph idx="1"/>
-          </p:nvPr>
-        </p:nvSpPr>
-        <p:spPr/>
-        <p:txBody>
-          <a:bodyPr/>
-          <a:lstStyle/>
-          <a:p>
-            <a:pPr>
-              <a:defRPr sz="1800">
-                <a:solidFill>
-                  <a:srgbClr val="212529"/>
-                </a:solidFill>
-                <a:latin typeface="Segoe UI"/>
-              </a:defRPr>
-            </a:pPr>
           </a:p>
         </p:txBody>
       </p:sp>
@@ -14283,6 +12397,9 @@
             <a:avLst/>
           </a:prstGeom>
           <a:noFill/>
+          <a:ln>
+            <a:noFill/>
+          </a:ln>
         </p:spPr>
         <p:txBody>
           <a:bodyPr wrap="square">
@@ -14302,12 +12419,7 @@
               </a:defRPr>
             </a:pPr>
             <a:r>
-              <a:rPr>
-                <a:solidFill>
-                  <a:srgbClr val="212529"/>
-                </a:solidFill>
-                <a:latin typeface="Segoe UI"/>
-              </a:rPr>
+              <a:rPr/>
               <a:t>Convolution menangkap pola lokal (edge/texture) tanpa 'melihat' seluruh gambar.</a:t>
             </a:r>
           </a:p>
@@ -14324,12 +12436,7 @@
               </a:defRPr>
             </a:pPr>
             <a:r>
-              <a:rPr>
-                <a:solidFill>
-                  <a:srgbClr val="212529"/>
-                </a:solidFill>
-                <a:latin typeface="Segoe UI"/>
-              </a:rPr>
+              <a:rPr/>
               <a:t>Pooling mereduksi ukuran dan membuat model tahan terhadap pergeseran kecil.</a:t>
             </a:r>
           </a:p>
@@ -14346,12 +12453,7 @@
               </a:defRPr>
             </a:pPr>
             <a:r>
-              <a:rPr>
-                <a:solidFill>
-                  <a:srgbClr val="212529"/>
-                </a:solidFill>
-                <a:latin typeface="Segoe UI"/>
-              </a:rPr>
+              <a:rPr/>
               <a:t>Layer awal belajar fitur sederhana; layer akhir belajar konsep objek.</a:t>
             </a:r>
           </a:p>
@@ -14359,7 +12461,7 @@
       </p:sp>
       <p:sp>
         <p:nvSpPr>
-          <p:cNvPr id="5" name="Rectangle 4"/>
+          <p:cNvPr id="5" name="__accent_bar__"/>
           <p:cNvSpPr/>
           <p:nvPr/>
         </p:nvSpPr>
@@ -14396,14 +12498,7 @@
           <a:bodyPr rtlCol="0" anchor="ctr"/>
           <a:lstStyle/>
           <a:p>
-            <a:pPr algn="ctr">
-              <a:defRPr sz="1800">
-                <a:solidFill>
-                  <a:srgbClr val="212529"/>
-                </a:solidFill>
-                <a:latin typeface="Segoe UI"/>
-              </a:defRPr>
-            </a:pPr>
+            <a:pPr algn="ctr"/>
           </a:p>
         </p:txBody>
       </p:sp>
@@ -14451,46 +12546,15 @@
             <a:pPr>
               <a:defRPr sz="3000" b="1">
                 <a:solidFill>
-                  <a:srgbClr val="212529"/>
-                </a:solidFill>
-                <a:latin typeface="Segoe UI"/>
-              </a:defRPr>
-            </a:pPr>
-            <a:r>
-              <a:rPr>
-                <a:solidFill>
-                  <a:srgbClr val="212529"/>
-                </a:solidFill>
-                <a:latin typeface="Segoe UI"/>
-              </a:rPr>
+                  <a:srgbClr val="0066CC"/>
+                </a:solidFill>
+                <a:latin typeface="Segoe UI Semibold"/>
+              </a:defRPr>
+            </a:pPr>
+            <a:r>
+              <a:rPr/>
               <a:t>Modul 4: Latihan</a:t>
             </a:r>
-          </a:p>
-        </p:txBody>
-      </p:sp>
-      <p:sp>
-        <p:nvSpPr>
-          <p:cNvPr id="3" name="Content Placeholder 2"/>
-          <p:cNvSpPr>
-            <a:spLocks noGrp="1"/>
-          </p:cNvSpPr>
-          <p:nvPr>
-            <p:ph idx="1"/>
-          </p:nvPr>
-        </p:nvSpPr>
-        <p:spPr/>
-        <p:txBody>
-          <a:bodyPr/>
-          <a:lstStyle/>
-          <a:p>
-            <a:pPr>
-              <a:defRPr sz="1800">
-                <a:solidFill>
-                  <a:srgbClr val="212529"/>
-                </a:solidFill>
-                <a:latin typeface="Segoe UI"/>
-              </a:defRPr>
-            </a:pPr>
           </a:p>
         </p:txBody>
       </p:sp>
@@ -14509,6 +12573,9 @@
             <a:avLst/>
           </a:prstGeom>
           <a:noFill/>
+          <a:ln>
+            <a:noFill/>
+          </a:ln>
         </p:spPr>
         <p:txBody>
           <a:bodyPr wrap="square">
@@ -14528,12 +12595,7 @@
               </a:defRPr>
             </a:pPr>
             <a:r>
-              <a:rPr>
-                <a:solidFill>
-                  <a:srgbClr val="212529"/>
-                </a:solidFill>
-                <a:latin typeface="Segoe UI"/>
-              </a:rPr>
+              <a:rPr/>
               <a:t>Latihan A: Tambah filter (16→32) dan lihat akurasi + waktu training.</a:t>
             </a:r>
           </a:p>
@@ -14550,12 +12612,7 @@
               </a:defRPr>
             </a:pPr>
             <a:r>
-              <a:rPr>
-                <a:solidFill>
-                  <a:srgbClr val="212529"/>
-                </a:solidFill>
-                <a:latin typeface="Segoe UI"/>
-              </a:rPr>
+              <a:rPr/>
               <a:t>Latihan B: Tambah 1 layer conv. Akurasi naik atau overfitting?</a:t>
             </a:r>
           </a:p>
@@ -14572,12 +12629,7 @@
               </a:defRPr>
             </a:pPr>
             <a:r>
-              <a:rPr>
-                <a:solidFill>
-                  <a:srgbClr val="212529"/>
-                </a:solidFill>
-                <a:latin typeface="Segoe UI"/>
-              </a:rPr>
+              <a:rPr/>
               <a:t>Latihan C: Kurangi epoch untuk eksperimen cepat. Trade-off waktu vs performa?</a:t>
             </a:r>
           </a:p>
@@ -14585,7 +12637,7 @@
       </p:sp>
       <p:sp>
         <p:nvSpPr>
-          <p:cNvPr id="5" name="Rectangle 4"/>
+          <p:cNvPr id="5" name="__accent_bar__"/>
           <p:cNvSpPr/>
           <p:nvPr/>
         </p:nvSpPr>
@@ -14622,14 +12674,7 @@
           <a:bodyPr rtlCol="0" anchor="ctr"/>
           <a:lstStyle/>
           <a:p>
-            <a:pPr algn="ctr">
-              <a:defRPr sz="1800">
-                <a:solidFill>
-                  <a:srgbClr val="212529"/>
-                </a:solidFill>
-                <a:latin typeface="Segoe UI"/>
-              </a:defRPr>
-            </a:pPr>
+            <a:pPr algn="ctr"/>
           </a:p>
         </p:txBody>
       </p:sp>
@@ -14677,46 +12722,15 @@
             <a:pPr>
               <a:defRPr sz="3000" b="1">
                 <a:solidFill>
-                  <a:srgbClr val="212529"/>
-                </a:solidFill>
-                <a:latin typeface="Segoe UI"/>
-              </a:defRPr>
-            </a:pPr>
-            <a:r>
-              <a:rPr>
-                <a:solidFill>
-                  <a:srgbClr val="212529"/>
-                </a:solidFill>
-                <a:latin typeface="Segoe UI"/>
-              </a:rPr>
+                  <a:srgbClr val="0066CC"/>
+                </a:solidFill>
+                <a:latin typeface="Segoe UI Semibold"/>
+              </a:defRPr>
+            </a:pPr>
+            <a:r>
+              <a:rPr/>
               <a:t>Modul 4: Pembahasan Latihan (Step-by-step)</a:t>
             </a:r>
-          </a:p>
-        </p:txBody>
-      </p:sp>
-      <p:sp>
-        <p:nvSpPr>
-          <p:cNvPr id="3" name="Content Placeholder 2"/>
-          <p:cNvSpPr>
-            <a:spLocks noGrp="1"/>
-          </p:cNvSpPr>
-          <p:nvPr>
-            <p:ph idx="1"/>
-          </p:nvPr>
-        </p:nvSpPr>
-        <p:spPr/>
-        <p:txBody>
-          <a:bodyPr/>
-          <a:lstStyle/>
-          <a:p>
-            <a:pPr>
-              <a:defRPr sz="1800">
-                <a:solidFill>
-                  <a:srgbClr val="212529"/>
-                </a:solidFill>
-                <a:latin typeface="Segoe UI"/>
-              </a:defRPr>
-            </a:pPr>
           </a:p>
         </p:txBody>
       </p:sp>
@@ -14735,6 +12749,9 @@
             <a:avLst/>
           </a:prstGeom>
           <a:noFill/>
+          <a:ln>
+            <a:noFill/>
+          </a:ln>
         </p:spPr>
         <p:txBody>
           <a:bodyPr wrap="square">
@@ -14754,12 +12771,7 @@
               </a:defRPr>
             </a:pPr>
             <a:r>
-              <a:rPr>
-                <a:solidFill>
-                  <a:srgbClr val="212529"/>
-                </a:solidFill>
-                <a:latin typeface="Segoe UI"/>
-              </a:rPr>
+              <a:rPr/>
               <a:t>A) Filter naik: kapasitas naik → akurasi bisa naik, tapi training lebih lama.</a:t>
             </a:r>
           </a:p>
@@ -14776,12 +12788,7 @@
               </a:defRPr>
             </a:pPr>
             <a:r>
-              <a:rPr>
-                <a:solidFill>
-                  <a:srgbClr val="212529"/>
-                </a:solidFill>
-                <a:latin typeface="Segoe UI"/>
-              </a:rPr>
+              <a:rPr/>
               <a:t>B) Layer bertambah: pola lebih kompleks, tapi risiko overfitting naik.</a:t>
             </a:r>
           </a:p>
@@ -14798,12 +12805,7 @@
               </a:defRPr>
             </a:pPr>
             <a:r>
-              <a:rPr>
-                <a:solidFill>
-                  <a:srgbClr val="212529"/>
-                </a:solidFill>
-                <a:latin typeface="Segoe UI"/>
-              </a:rPr>
+              <a:rPr/>
               <a:t>C) Epoch turun: cepat untuk eksperimen, tapi mungkin belum konvergen.</a:t>
             </a:r>
           </a:p>
@@ -14820,12 +12822,7 @@
               </a:defRPr>
             </a:pPr>
             <a:r>
-              <a:rPr>
-                <a:solidFill>
-                  <a:srgbClr val="212529"/>
-                </a:solidFill>
-                <a:latin typeface="Segoe UI"/>
-              </a:rPr>
+              <a:rPr/>
               <a:t>   Praktik: baseline cepat dulu → training lama saat arsitektur oke.</a:t>
             </a:r>
           </a:p>
@@ -14833,7 +12830,7 @@
       </p:sp>
       <p:sp>
         <p:nvSpPr>
-          <p:cNvPr id="5" name="Rectangle 4"/>
+          <p:cNvPr id="5" name="__accent_bar__"/>
           <p:cNvSpPr/>
           <p:nvPr/>
         </p:nvSpPr>
@@ -14870,14 +12867,7 @@
           <a:bodyPr rtlCol="0" anchor="ctr"/>
           <a:lstStyle/>
           <a:p>
-            <a:pPr algn="ctr">
-              <a:defRPr sz="1800">
-                <a:solidFill>
-                  <a:srgbClr val="212529"/>
-                </a:solidFill>
-                <a:latin typeface="Segoe UI"/>
-              </a:defRPr>
-            </a:pPr>
+            <a:pPr algn="ctr"/>
           </a:p>
         </p:txBody>
       </p:sp>
@@ -14925,46 +12915,15 @@
             <a:pPr>
               <a:defRPr sz="3000" b="1">
                 <a:solidFill>
-                  <a:srgbClr val="212529"/>
-                </a:solidFill>
-                <a:latin typeface="Segoe UI"/>
-              </a:defRPr>
-            </a:pPr>
-            <a:r>
-              <a:rPr>
-                <a:solidFill>
-                  <a:srgbClr val="212529"/>
-                </a:solidFill>
-                <a:latin typeface="Segoe UI"/>
-              </a:rPr>
+                  <a:srgbClr val="0066CC"/>
+                </a:solidFill>
+                <a:latin typeface="Segoe UI Semibold"/>
+              </a:defRPr>
+            </a:pPr>
+            <a:r>
+              <a:rPr/>
               <a:t>Modul 4: Kasus Nyata (Quality Check / Klasifikasi Produk)</a:t>
             </a:r>
-          </a:p>
-        </p:txBody>
-      </p:sp>
-      <p:sp>
-        <p:nvSpPr>
-          <p:cNvPr id="3" name="Content Placeholder 2"/>
-          <p:cNvSpPr>
-            <a:spLocks noGrp="1"/>
-          </p:cNvSpPr>
-          <p:nvPr>
-            <p:ph idx="1"/>
-          </p:nvPr>
-        </p:nvSpPr>
-        <p:spPr/>
-        <p:txBody>
-          <a:bodyPr/>
-          <a:lstStyle/>
-          <a:p>
-            <a:pPr>
-              <a:defRPr sz="1800">
-                <a:solidFill>
-                  <a:srgbClr val="212529"/>
-                </a:solidFill>
-                <a:latin typeface="Segoe UI"/>
-              </a:defRPr>
-            </a:pPr>
           </a:p>
         </p:txBody>
       </p:sp>
@@ -14983,6 +12942,9 @@
             <a:avLst/>
           </a:prstGeom>
           <a:noFill/>
+          <a:ln>
+            <a:noFill/>
+          </a:ln>
         </p:spPr>
         <p:txBody>
           <a:bodyPr wrap="none">
@@ -14993,18 +12955,13 @@
             <a:pPr>
               <a:defRPr sz="1700" b="1">
                 <a:solidFill>
-                  <a:srgbClr val="212529"/>
-                </a:solidFill>
-                <a:latin typeface="Segoe UI"/>
-              </a:defRPr>
-            </a:pPr>
-            <a:r>
-              <a:rPr>
-                <a:solidFill>
-                  <a:srgbClr val="212529"/>
-                </a:solidFill>
-                <a:latin typeface="Segoe UI"/>
-              </a:rPr>
+                  <a:srgbClr val="0066CC"/>
+                </a:solidFill>
+                <a:latin typeface="Segoe UI Semibold"/>
+              </a:defRPr>
+            </a:pPr>
+            <a:r>
+              <a:rPr/>
               <a:t>Contoh</a:t>
             </a:r>
           </a:p>
@@ -15025,6 +12982,9 @@
             <a:avLst/>
           </a:prstGeom>
           <a:noFill/>
+          <a:ln>
+            <a:noFill/>
+          </a:ln>
         </p:spPr>
         <p:txBody>
           <a:bodyPr wrap="none">
@@ -15035,18 +12995,13 @@
             <a:pPr>
               <a:defRPr sz="1700" b="1">
                 <a:solidFill>
-                  <a:srgbClr val="212529"/>
-                </a:solidFill>
-                <a:latin typeface="Segoe UI"/>
-              </a:defRPr>
-            </a:pPr>
-            <a:r>
-              <a:rPr>
-                <a:solidFill>
-                  <a:srgbClr val="212529"/>
-                </a:solidFill>
-                <a:latin typeface="Segoe UI"/>
-              </a:rPr>
+                  <a:srgbClr val="0066CC"/>
+                </a:solidFill>
+                <a:latin typeface="Segoe UI Semibold"/>
+              </a:defRPr>
+            </a:pPr>
+            <a:r>
+              <a:rPr/>
               <a:t>Catatan penting</a:t>
             </a:r>
           </a:p>
@@ -15067,6 +13022,9 @@
             <a:avLst/>
           </a:prstGeom>
           <a:noFill/>
+          <a:ln>
+            <a:noFill/>
+          </a:ln>
         </p:spPr>
         <p:txBody>
           <a:bodyPr wrap="square">
@@ -15086,12 +13044,7 @@
               </a:defRPr>
             </a:pPr>
             <a:r>
-              <a:rPr>
-                <a:solidFill>
-                  <a:srgbClr val="212529"/>
-                </a:solidFill>
-                <a:latin typeface="Segoe UI"/>
-              </a:rPr>
+              <a:rPr/>
               <a:t>Deteksi cacat produk (retak/lecet)</a:t>
             </a:r>
           </a:p>
@@ -15108,12 +13061,7 @@
               </a:defRPr>
             </a:pPr>
             <a:r>
-              <a:rPr>
-                <a:solidFill>
-                  <a:srgbClr val="212529"/>
-                </a:solidFill>
-                <a:latin typeface="Segoe UI"/>
-              </a:rPr>
+              <a:rPr/>
               <a:t>Klasifikasi jenis barang di gudang</a:t>
             </a:r>
           </a:p>
@@ -15130,12 +13078,7 @@
               </a:defRPr>
             </a:pPr>
             <a:r>
-              <a:rPr>
-                <a:solidFill>
-                  <a:srgbClr val="212529"/>
-                </a:solidFill>
-                <a:latin typeface="Segoe UI"/>
-              </a:rPr>
+              <a:rPr/>
               <a:t>Klasifikasi makanan (fresh / tidak)</a:t>
             </a:r>
           </a:p>
@@ -15156,6 +13099,9 @@
             <a:avLst/>
           </a:prstGeom>
           <a:noFill/>
+          <a:ln>
+            <a:noFill/>
+          </a:ln>
         </p:spPr>
         <p:txBody>
           <a:bodyPr wrap="square">
@@ -15175,12 +13121,7 @@
               </a:defRPr>
             </a:pPr>
             <a:r>
-              <a:rPr>
-                <a:solidFill>
-                  <a:srgbClr val="212529"/>
-                </a:solidFill>
-                <a:latin typeface="Segoe UI"/>
-              </a:rPr>
+              <a:rPr/>
               <a:t>Data harus representatif (cahaya, sudut)</a:t>
             </a:r>
           </a:p>
@@ -15197,12 +13138,7 @@
               </a:defRPr>
             </a:pPr>
             <a:r>
-              <a:rPr>
-                <a:solidFill>
-                  <a:srgbClr val="212529"/>
-                </a:solidFill>
-                <a:latin typeface="Segoe UI"/>
-              </a:rPr>
+              <a:rPr/>
               <a:t>Evaluasi per kelas (minoritas sering gagal)</a:t>
             </a:r>
           </a:p>
@@ -15219,12 +13155,7 @@
               </a:defRPr>
             </a:pPr>
             <a:r>
-              <a:rPr>
-                <a:solidFill>
-                  <a:srgbClr val="212529"/>
-                </a:solidFill>
-                <a:latin typeface="Segoe UI"/>
-              </a:rPr>
+              <a:rPr/>
               <a:t>Waspada: domain shift</a:t>
             </a:r>
           </a:p>
@@ -15241,12 +13172,7 @@
               </a:defRPr>
             </a:pPr>
             <a:r>
-              <a:rPr>
-                <a:solidFill>
-                  <a:srgbClr val="212529"/>
-                </a:solidFill>
-                <a:latin typeface="Segoe UI"/>
-              </a:rPr>
+              <a:rPr/>
               <a:t>Solusi: transfer learning + monitoring</a:t>
             </a:r>
           </a:p>
@@ -15254,7 +13180,7 @@
       </p:sp>
       <p:sp>
         <p:nvSpPr>
-          <p:cNvPr id="8" name="Rectangle 7"/>
+          <p:cNvPr id="8" name="__accent_bar__"/>
           <p:cNvSpPr/>
           <p:nvPr/>
         </p:nvSpPr>
@@ -15291,14 +13217,7 @@
           <a:bodyPr rtlCol="0" anchor="ctr"/>
           <a:lstStyle/>
           <a:p>
-            <a:pPr algn="ctr">
-              <a:defRPr sz="1800">
-                <a:solidFill>
-                  <a:srgbClr val="212529"/>
-                </a:solidFill>
-                <a:latin typeface="Segoe UI"/>
-              </a:defRPr>
-            </a:pPr>
+            <a:pPr algn="ctr"/>
           </a:p>
         </p:txBody>
       </p:sp>
@@ -15346,18 +13265,13 @@
             <a:pPr>
               <a:defRPr sz="3000" b="1">
                 <a:solidFill>
-                  <a:srgbClr val="212529"/>
-                </a:solidFill>
-                <a:latin typeface="Segoe UI"/>
-              </a:defRPr>
-            </a:pPr>
-            <a:r>
-              <a:rPr>
-                <a:solidFill>
-                  <a:srgbClr val="212529"/>
-                </a:solidFill>
-                <a:latin typeface="Segoe UI"/>
-              </a:rPr>
+                  <a:srgbClr val="0066CC"/>
+                </a:solidFill>
+                <a:latin typeface="Segoe UI Semibold"/>
+              </a:defRPr>
+            </a:pPr>
+            <a:r>
+              <a:rPr/>
               <a:t>Troubleshooting</a:t>
             </a:r>
           </a:p>
@@ -15378,6 +13292,9 @@
             <a:avLst/>
           </a:prstGeom>
           <a:noFill/>
+          <a:ln>
+            <a:noFill/>
+          </a:ln>
         </p:spPr>
         <p:txBody>
           <a:bodyPr wrap="none">
@@ -15388,18 +13305,13 @@
             <a:pPr>
               <a:defRPr sz="2000" i="1">
                 <a:solidFill>
-                  <a:srgbClr val="212529"/>
-                </a:solidFill>
-                <a:latin typeface="Segoe UI"/>
-              </a:defRPr>
-            </a:pPr>
-            <a:r>
-              <a:rPr>
-                <a:solidFill>
-                  <a:srgbClr val="212529"/>
-                </a:solidFill>
-                <a:latin typeface="Segoe UI"/>
-              </a:rPr>
+                  <a:srgbClr val="6C757D"/>
+                </a:solidFill>
+                <a:latin typeface="Segoe UI"/>
+              </a:defRPr>
+            </a:pPr>
+            <a:r>
+              <a:rPr/>
               <a:t>Jika ada error, cek ini dulu (urut)!</a:t>
             </a:r>
           </a:p>
@@ -15407,7 +13319,7 @@
       </p:sp>
       <p:sp>
         <p:nvSpPr>
-          <p:cNvPr id="4" name="Rectangle 3"/>
+          <p:cNvPr id="4" name="__accent_bar__"/>
           <p:cNvSpPr/>
           <p:nvPr/>
         </p:nvSpPr>
@@ -15444,14 +13356,7 @@
           <a:bodyPr rtlCol="0" anchor="ctr"/>
           <a:lstStyle/>
           <a:p>
-            <a:pPr algn="ctr">
-              <a:defRPr sz="1800">
-                <a:solidFill>
-                  <a:srgbClr val="212529"/>
-                </a:solidFill>
-                <a:latin typeface="Segoe UI"/>
-              </a:defRPr>
-            </a:pPr>
+            <a:pPr algn="ctr"/>
           </a:p>
         </p:txBody>
       </p:sp>
@@ -15499,46 +13404,15 @@
             <a:pPr>
               <a:defRPr sz="3000" b="1">
                 <a:solidFill>
-                  <a:srgbClr val="212529"/>
-                </a:solidFill>
-                <a:latin typeface="Segoe UI"/>
-              </a:defRPr>
-            </a:pPr>
-            <a:r>
-              <a:rPr>
-                <a:solidFill>
-                  <a:srgbClr val="212529"/>
-                </a:solidFill>
-                <a:latin typeface="Segoe UI"/>
-              </a:rPr>
+                  <a:srgbClr val="0066CC"/>
+                </a:solidFill>
+                <a:latin typeface="Segoe UI Semibold"/>
+              </a:defRPr>
+            </a:pPr>
+            <a:r>
+              <a:rPr/>
               <a:t>1) Pastikan Interpreter Benar</a:t>
             </a:r>
-          </a:p>
-        </p:txBody>
-      </p:sp>
-      <p:sp>
-        <p:nvSpPr>
-          <p:cNvPr id="3" name="Content Placeholder 2"/>
-          <p:cNvSpPr>
-            <a:spLocks noGrp="1"/>
-          </p:cNvSpPr>
-          <p:nvPr>
-            <p:ph idx="1"/>
-          </p:nvPr>
-        </p:nvSpPr>
-        <p:spPr/>
-        <p:txBody>
-          <a:bodyPr/>
-          <a:lstStyle/>
-          <a:p>
-            <a:pPr>
-              <a:defRPr sz="1800">
-                <a:solidFill>
-                  <a:srgbClr val="212529"/>
-                </a:solidFill>
-                <a:latin typeface="Segoe UI"/>
-              </a:defRPr>
-            </a:pPr>
           </a:p>
         </p:txBody>
       </p:sp>
@@ -15557,6 +13431,9 @@
             <a:avLst/>
           </a:prstGeom>
           <a:noFill/>
+          <a:ln>
+            <a:noFill/>
+          </a:ln>
         </p:spPr>
         <p:txBody>
           <a:bodyPr wrap="square">
@@ -15576,12 +13453,7 @@
               </a:defRPr>
             </a:pPr>
             <a:r>
-              <a:rPr>
-                <a:solidFill>
-                  <a:srgbClr val="212529"/>
-                </a:solidFill>
-                <a:latin typeface="Segoe UI"/>
-              </a:rPr>
+              <a:rPr/>
               <a:t>Gejala: ModuleNotFoundError / versi package tidak sesuai.</a:t>
             </a:r>
           </a:p>
@@ -15598,12 +13470,7 @@
               </a:defRPr>
             </a:pPr>
             <a:r>
-              <a:rPr>
-                <a:solidFill>
-                  <a:srgbClr val="212529"/>
-                </a:solidFill>
-                <a:latin typeface="Segoe UI"/>
-              </a:rPr>
+              <a:rPr/>
               <a:t>Solusi: jalankan dengan .venv dan cek sys.executable.</a:t>
             </a:r>
           </a:p>
@@ -15647,14 +13514,11 @@
           </a:fontRef>
         </p:style>
         <p:txBody>
-          <a:bodyPr rtlCol="0" anchor="ctr" wrap="square"/>
+          <a:bodyPr rtlCol="0" anchor="ctr" wrap="square" lIns="228600" rIns="137160" tIns="91440" bIns="91440"/>
           <a:lstStyle/>
           <a:p>
             <a:pPr algn="ctr">
               <a:defRPr sz="1800">
-                <a:solidFill>
-                  <a:srgbClr val="212529"/>
-                </a:solidFill>
                 <a:latin typeface="Segoe UI"/>
               </a:defRPr>
             </a:pPr>
@@ -15672,7 +13536,7 @@
       </p:sp>
       <p:sp>
         <p:nvSpPr>
-          <p:cNvPr id="6" name="Rectangle 5"/>
+          <p:cNvPr id="6" name="__accent_bar__"/>
           <p:cNvSpPr/>
           <p:nvPr/>
         </p:nvSpPr>
@@ -15709,14 +13573,7 @@
           <a:bodyPr rtlCol="0" anchor="ctr"/>
           <a:lstStyle/>
           <a:p>
-            <a:pPr algn="ctr">
-              <a:defRPr sz="1800">
-                <a:solidFill>
-                  <a:srgbClr val="212529"/>
-                </a:solidFill>
-                <a:latin typeface="Segoe UI"/>
-              </a:defRPr>
-            </a:pPr>
+            <a:pPr algn="ctr"/>
           </a:p>
         </p:txBody>
       </p:sp>
@@ -15764,46 +13621,15 @@
             <a:pPr>
               <a:defRPr sz="3000" b="1">
                 <a:solidFill>
-                  <a:srgbClr val="212529"/>
-                </a:solidFill>
-                <a:latin typeface="Segoe UI"/>
-              </a:defRPr>
-            </a:pPr>
-            <a:r>
-              <a:rPr>
-                <a:solidFill>
-                  <a:srgbClr val="212529"/>
-                </a:solidFill>
-                <a:latin typeface="Segoe UI"/>
-              </a:rPr>
+                  <a:srgbClr val="0066CC"/>
+                </a:solidFill>
+                <a:latin typeface="Segoe UI Semibold"/>
+              </a:defRPr>
+            </a:pPr>
+            <a:r>
+              <a:rPr/>
               <a:t>2) Install Dependency</a:t>
             </a:r>
-          </a:p>
-        </p:txBody>
-      </p:sp>
-      <p:sp>
-        <p:nvSpPr>
-          <p:cNvPr id="3" name="Content Placeholder 2"/>
-          <p:cNvSpPr>
-            <a:spLocks noGrp="1"/>
-          </p:cNvSpPr>
-          <p:nvPr>
-            <p:ph idx="1"/>
-          </p:nvPr>
-        </p:nvSpPr>
-        <p:spPr/>
-        <p:txBody>
-          <a:bodyPr/>
-          <a:lstStyle/>
-          <a:p>
-            <a:pPr>
-              <a:defRPr sz="1800">
-                <a:solidFill>
-                  <a:srgbClr val="212529"/>
-                </a:solidFill>
-                <a:latin typeface="Segoe UI"/>
-              </a:defRPr>
-            </a:pPr>
           </a:p>
         </p:txBody>
       </p:sp>
@@ -15822,6 +13648,9 @@
             <a:avLst/>
           </a:prstGeom>
           <a:noFill/>
+          <a:ln>
+            <a:noFill/>
+          </a:ln>
         </p:spPr>
         <p:txBody>
           <a:bodyPr wrap="square">
@@ -15841,12 +13670,7 @@
               </a:defRPr>
             </a:pPr>
             <a:r>
-              <a:rPr>
-                <a:solidFill>
-                  <a:srgbClr val="212529"/>
-                </a:solidFill>
-                <a:latin typeface="Segoe UI"/>
-              </a:rPr>
+              <a:rPr/>
               <a:t>Jika pip install gagal: update pip dulu.</a:t>
             </a:r>
           </a:p>
@@ -15863,12 +13687,7 @@
               </a:defRPr>
             </a:pPr>
             <a:r>
-              <a:rPr>
-                <a:solidFill>
-                  <a:srgbClr val="212529"/>
-                </a:solidFill>
-                <a:latin typeface="Segoe UI"/>
-              </a:rPr>
+              <a:rPr/>
               <a:t>Install paket satu per satu untuk menemukan penyebab.</a:t>
             </a:r>
           </a:p>
@@ -15912,14 +13731,11 @@
           </a:fontRef>
         </p:style>
         <p:txBody>
-          <a:bodyPr rtlCol="0" anchor="ctr" wrap="square"/>
+          <a:bodyPr rtlCol="0" anchor="ctr" wrap="square" lIns="228600" rIns="137160" tIns="91440" bIns="91440"/>
           <a:lstStyle/>
           <a:p>
             <a:pPr algn="ctr">
               <a:defRPr sz="1800">
-                <a:solidFill>
-                  <a:srgbClr val="212529"/>
-                </a:solidFill>
                 <a:latin typeface="Segoe UI"/>
               </a:defRPr>
             </a:pPr>
@@ -15936,9 +13752,6 @@
           <a:p>
             <a:pPr>
               <a:defRPr sz="1800">
-                <a:solidFill>
-                  <a:srgbClr val="212529"/>
-                </a:solidFill>
                 <a:latin typeface="Segoe UI"/>
               </a:defRPr>
             </a:pPr>
@@ -15956,7 +13769,7 @@
       </p:sp>
       <p:sp>
         <p:nvSpPr>
-          <p:cNvPr id="6" name="Rectangle 5"/>
+          <p:cNvPr id="6" name="__accent_bar__"/>
           <p:cNvSpPr/>
           <p:nvPr/>
         </p:nvSpPr>
@@ -15993,14 +13806,7 @@
           <a:bodyPr rtlCol="0" anchor="ctr"/>
           <a:lstStyle/>
           <a:p>
-            <a:pPr algn="ctr">
-              <a:defRPr sz="1800">
-                <a:solidFill>
-                  <a:srgbClr val="212529"/>
-                </a:solidFill>
-                <a:latin typeface="Segoe UI"/>
-              </a:defRPr>
-            </a:pPr>
+            <a:pPr algn="ctr"/>
           </a:p>
         </p:txBody>
       </p:sp>
@@ -16048,46 +13854,15 @@
             <a:pPr>
               <a:defRPr sz="3000" b="1">
                 <a:solidFill>
-                  <a:srgbClr val="212529"/>
-                </a:solidFill>
-                <a:latin typeface="Segoe UI"/>
-              </a:defRPr>
-            </a:pPr>
-            <a:r>
-              <a:rPr>
-                <a:solidFill>
-                  <a:srgbClr val="212529"/>
-                </a:solidFill>
-                <a:latin typeface="Segoe UI"/>
-              </a:rPr>
+                  <a:srgbClr val="0066CC"/>
+                </a:solidFill>
+                <a:latin typeface="Segoe UI Semibold"/>
+              </a:defRPr>
+            </a:pPr>
+            <a:r>
+              <a:rPr/>
               <a:t>3) Program Terasa Lama</a:t>
             </a:r>
-          </a:p>
-        </p:txBody>
-      </p:sp>
-      <p:sp>
-        <p:nvSpPr>
-          <p:cNvPr id="3" name="Content Placeholder 2"/>
-          <p:cNvSpPr>
-            <a:spLocks noGrp="1"/>
-          </p:cNvSpPr>
-          <p:nvPr>
-            <p:ph idx="1"/>
-          </p:nvPr>
-        </p:nvSpPr>
-        <p:spPr/>
-        <p:txBody>
-          <a:bodyPr/>
-          <a:lstStyle/>
-          <a:p>
-            <a:pPr>
-              <a:defRPr sz="1800">
-                <a:solidFill>
-                  <a:srgbClr val="212529"/>
-                </a:solidFill>
-                <a:latin typeface="Segoe UI"/>
-              </a:defRPr>
-            </a:pPr>
           </a:p>
         </p:txBody>
       </p:sp>
@@ -16106,6 +13881,9 @@
             <a:avLst/>
           </a:prstGeom>
           <a:noFill/>
+          <a:ln>
+            <a:noFill/>
+          </a:ln>
         </p:spPr>
         <p:txBody>
           <a:bodyPr wrap="square">
@@ -16125,12 +13903,7 @@
               </a:defRPr>
             </a:pPr>
             <a:r>
-              <a:rPr>
-                <a:solidFill>
-                  <a:srgbClr val="212529"/>
-                </a:solidFill>
-                <a:latin typeface="Segoe UI"/>
-              </a:rPr>
+              <a:rPr/>
               <a:t>Kemungkinan: download dataset (MNIST/CIFAR) pertama kali.</a:t>
             </a:r>
           </a:p>
@@ -16147,12 +13920,7 @@
               </a:defRPr>
             </a:pPr>
             <a:r>
-              <a:rPr>
-                <a:solidFill>
-                  <a:srgbClr val="212529"/>
-                </a:solidFill>
-                <a:latin typeface="Segoe UI"/>
-              </a:rPr>
+              <a:rPr/>
               <a:t>Kemungkinan: training berjalan di CPU (wajar lebih lambat).</a:t>
             </a:r>
           </a:p>
@@ -16169,12 +13937,7 @@
               </a:defRPr>
             </a:pPr>
             <a:r>
-              <a:rPr>
-                <a:solidFill>
-                  <a:srgbClr val="212529"/>
-                </a:solidFill>
-                <a:latin typeface="Segoe UI"/>
-              </a:rPr>
+              <a:rPr/>
               <a:t>Solusi cepat: kurangi epoch dulu untuk eksperimen.</a:t>
             </a:r>
           </a:p>
@@ -16191,12 +13954,7 @@
               </a:defRPr>
             </a:pPr>
             <a:r>
-              <a:rPr>
-                <a:solidFill>
-                  <a:srgbClr val="212529"/>
-                </a:solidFill>
-                <a:latin typeface="Segoe UI"/>
-              </a:rPr>
+              <a:rPr/>
               <a:t>Solusi: pastikan storage cukup dan internet stabil.</a:t>
             </a:r>
           </a:p>
@@ -16204,7 +13962,7 @@
       </p:sp>
       <p:sp>
         <p:nvSpPr>
-          <p:cNvPr id="5" name="Rectangle 4"/>
+          <p:cNvPr id="5" name="__accent_bar__"/>
           <p:cNvSpPr/>
           <p:nvPr/>
         </p:nvSpPr>
@@ -16241,14 +13999,7 @@
           <a:bodyPr rtlCol="0" anchor="ctr"/>
           <a:lstStyle/>
           <a:p>
-            <a:pPr algn="ctr">
-              <a:defRPr sz="1800">
-                <a:solidFill>
-                  <a:srgbClr val="212529"/>
-                </a:solidFill>
-                <a:latin typeface="Segoe UI"/>
-              </a:defRPr>
-            </a:pPr>
+            <a:pPr algn="ctr"/>
           </a:p>
         </p:txBody>
       </p:sp>
@@ -16296,46 +14047,15 @@
             <a:pPr>
               <a:defRPr sz="3000" b="1">
                 <a:solidFill>
-                  <a:srgbClr val="212529"/>
-                </a:solidFill>
-                <a:latin typeface="Segoe UI"/>
-              </a:defRPr>
-            </a:pPr>
-            <a:r>
-              <a:rPr>
-                <a:solidFill>
-                  <a:srgbClr val="212529"/>
-                </a:solidFill>
-                <a:latin typeface="Segoe UI"/>
-              </a:rPr>
+                  <a:srgbClr val="0066CC"/>
+                </a:solidFill>
+                <a:latin typeface="Segoe UI Semibold"/>
+              </a:defRPr>
+            </a:pPr>
+            <a:r>
+              <a:rPr/>
               <a:t>Cara Mencatat Eksperimen (Wajib)</a:t>
             </a:r>
-          </a:p>
-        </p:txBody>
-      </p:sp>
-      <p:sp>
-        <p:nvSpPr>
-          <p:cNvPr id="3" name="Content Placeholder 2"/>
-          <p:cNvSpPr>
-            <a:spLocks noGrp="1"/>
-          </p:cNvSpPr>
-          <p:nvPr>
-            <p:ph idx="1"/>
-          </p:nvPr>
-        </p:nvSpPr>
-        <p:spPr/>
-        <p:txBody>
-          <a:bodyPr/>
-          <a:lstStyle/>
-          <a:p>
-            <a:pPr>
-              <a:defRPr sz="1800">
-                <a:solidFill>
-                  <a:srgbClr val="212529"/>
-                </a:solidFill>
-                <a:latin typeface="Segoe UI"/>
-              </a:defRPr>
-            </a:pPr>
           </a:p>
         </p:txBody>
       </p:sp>
@@ -16354,6 +14074,9 @@
             <a:avLst/>
           </a:prstGeom>
           <a:noFill/>
+          <a:ln>
+            <a:noFill/>
+          </a:ln>
         </p:spPr>
         <p:txBody>
           <a:bodyPr wrap="square">
@@ -16373,12 +14096,7 @@
               </a:defRPr>
             </a:pPr>
             <a:r>
-              <a:rPr>
-                <a:solidFill>
-                  <a:srgbClr val="212529"/>
-                </a:solidFill>
-                <a:latin typeface="Segoe UI"/>
-              </a:rPr>
+              <a:rPr/>
               <a:t>Buat tabel sederhana: (Tanggal, Model, Setting, Metric, Catatan).</a:t>
             </a:r>
           </a:p>
@@ -16395,12 +14113,7 @@
               </a:defRPr>
             </a:pPr>
             <a:r>
-              <a:rPr>
-                <a:solidFill>
-                  <a:srgbClr val="212529"/>
-                </a:solidFill>
-                <a:latin typeface="Segoe UI"/>
-              </a:rPr>
+              <a:rPr/>
               <a:t>Ubah 1 hal saja per eksperimen (epoch, depth, filter, dll.).</a:t>
             </a:r>
           </a:p>
@@ -16417,12 +14130,7 @@
               </a:defRPr>
             </a:pPr>
             <a:r>
-              <a:rPr>
-                <a:solidFill>
-                  <a:srgbClr val="212529"/>
-                </a:solidFill>
-                <a:latin typeface="Segoe UI"/>
-              </a:rPr>
+              <a:rPr/>
               <a:t>Simpan hasil: screenshot plot / log training / confusion matrix.</a:t>
             </a:r>
           </a:p>
@@ -16439,12 +14147,7 @@
               </a:defRPr>
             </a:pPr>
             <a:r>
-              <a:rPr>
-                <a:solidFill>
-                  <a:srgbClr val="212529"/>
-                </a:solidFill>
-                <a:latin typeface="Segoe UI"/>
-              </a:rPr>
+              <a:rPr/>
               <a:t>Tujuan: menjawab 'perubahan apa yang membuat model membaik?'.</a:t>
             </a:r>
           </a:p>
@@ -16452,7 +14155,7 @@
       </p:sp>
       <p:sp>
         <p:nvSpPr>
-          <p:cNvPr id="5" name="Rectangle 4"/>
+          <p:cNvPr id="5" name="__accent_bar__"/>
           <p:cNvSpPr/>
           <p:nvPr/>
         </p:nvSpPr>
@@ -16489,14 +14192,7 @@
           <a:bodyPr rtlCol="0" anchor="ctr"/>
           <a:lstStyle/>
           <a:p>
-            <a:pPr algn="ctr">
-              <a:defRPr sz="1800">
-                <a:solidFill>
-                  <a:srgbClr val="212529"/>
-                </a:solidFill>
-                <a:latin typeface="Segoe UI"/>
-              </a:defRPr>
-            </a:pPr>
+            <a:pPr algn="ctr"/>
           </a:p>
         </p:txBody>
       </p:sp>
@@ -16544,46 +14240,15 @@
             <a:pPr>
               <a:defRPr sz="3000" b="1">
                 <a:solidFill>
-                  <a:srgbClr val="212529"/>
-                </a:solidFill>
-                <a:latin typeface="Segoe UI"/>
-              </a:defRPr>
-            </a:pPr>
-            <a:r>
-              <a:rPr>
-                <a:solidFill>
-                  <a:srgbClr val="212529"/>
-                </a:solidFill>
-                <a:latin typeface="Segoe UI"/>
-              </a:rPr>
+                  <a:srgbClr val="0066CC"/>
+                </a:solidFill>
+                <a:latin typeface="Segoe UI Semibold"/>
+              </a:defRPr>
+            </a:pPr>
+            <a:r>
+              <a:rPr/>
               <a:t>Checklist Evaluasi (Agar Tidak Salah Klaim)</a:t>
             </a:r>
-          </a:p>
-        </p:txBody>
-      </p:sp>
-      <p:sp>
-        <p:nvSpPr>
-          <p:cNvPr id="3" name="Content Placeholder 2"/>
-          <p:cNvSpPr>
-            <a:spLocks noGrp="1"/>
-          </p:cNvSpPr>
-          <p:nvPr>
-            <p:ph idx="1"/>
-          </p:nvPr>
-        </p:nvSpPr>
-        <p:spPr/>
-        <p:txBody>
-          <a:bodyPr/>
-          <a:lstStyle/>
-          <a:p>
-            <a:pPr>
-              <a:defRPr sz="1800">
-                <a:solidFill>
-                  <a:srgbClr val="212529"/>
-                </a:solidFill>
-                <a:latin typeface="Segoe UI"/>
-              </a:defRPr>
-            </a:pPr>
           </a:p>
         </p:txBody>
       </p:sp>
@@ -16602,6 +14267,9 @@
             <a:avLst/>
           </a:prstGeom>
           <a:noFill/>
+          <a:ln>
+            <a:noFill/>
+          </a:ln>
         </p:spPr>
         <p:txBody>
           <a:bodyPr wrap="square">
@@ -16621,12 +14289,7 @@
               </a:defRPr>
             </a:pPr>
             <a:r>
-              <a:rPr>
-                <a:solidFill>
-                  <a:srgbClr val="212529"/>
-                </a:solidFill>
-                <a:latin typeface="Segoe UI"/>
-              </a:rPr>
+              <a:rPr/>
               <a:t>Apakah test set tidak pernah dipakai saat tuning?</a:t>
             </a:r>
           </a:p>
@@ -16643,12 +14306,7 @@
               </a:defRPr>
             </a:pPr>
             <a:r>
-              <a:rPr>
-                <a:solidFill>
-                  <a:srgbClr val="212529"/>
-                </a:solidFill>
-                <a:latin typeface="Segoe UI"/>
-              </a:rPr>
+              <a:rPr/>
               <a:t>Apakah metric sesuai problem (dan biaya bisnis)?</a:t>
             </a:r>
           </a:p>
@@ -16665,12 +14323,7 @@
               </a:defRPr>
             </a:pPr>
             <a:r>
-              <a:rPr>
-                <a:solidFill>
-                  <a:srgbClr val="212529"/>
-                </a:solidFill>
-                <a:latin typeface="Segoe UI"/>
-              </a:rPr>
+              <a:rPr/>
               <a:t>Apakah ada data leakage?</a:t>
             </a:r>
           </a:p>
@@ -16687,12 +14340,7 @@
               </a:defRPr>
             </a:pPr>
             <a:r>
-              <a:rPr>
-                <a:solidFill>
-                  <a:srgbClr val="212529"/>
-                </a:solidFill>
-                <a:latin typeface="Segoe UI"/>
-              </a:rPr>
+              <a:rPr/>
               <a:t>Apakah Anda cek error cases (contoh yang salah)?</a:t>
             </a:r>
           </a:p>
@@ -16709,12 +14357,7 @@
               </a:defRPr>
             </a:pPr>
             <a:r>
-              <a:rPr>
-                <a:solidFill>
-                  <a:srgbClr val="212529"/>
-                </a:solidFill>
-                <a:latin typeface="Segoe UI"/>
-              </a:rPr>
+              <a:rPr/>
               <a:t>Apakah performa stabil (cross-validation / beberapa seed)?</a:t>
             </a:r>
           </a:p>
@@ -16722,7 +14365,7 @@
       </p:sp>
       <p:sp>
         <p:nvSpPr>
-          <p:cNvPr id="5" name="Rectangle 4"/>
+          <p:cNvPr id="5" name="__accent_bar__"/>
           <p:cNvSpPr/>
           <p:nvPr/>
         </p:nvSpPr>
@@ -16759,14 +14402,7 @@
           <a:bodyPr rtlCol="0" anchor="ctr"/>
           <a:lstStyle/>
           <a:p>
-            <a:pPr algn="ctr">
-              <a:defRPr sz="1800">
-                <a:solidFill>
-                  <a:srgbClr val="212529"/>
-                </a:solidFill>
-                <a:latin typeface="Segoe UI"/>
-              </a:defRPr>
-            </a:pPr>
+            <a:pPr algn="ctr"/>
           </a:p>
         </p:txBody>
       </p:sp>
@@ -16814,18 +14450,13 @@
             <a:pPr>
               <a:defRPr sz="3000" b="1">
                 <a:solidFill>
-                  <a:srgbClr val="212529"/>
-                </a:solidFill>
-                <a:latin typeface="Segoe UI"/>
-              </a:defRPr>
-            </a:pPr>
-            <a:r>
-              <a:rPr>
-                <a:solidFill>
-                  <a:srgbClr val="212529"/>
-                </a:solidFill>
-                <a:latin typeface="Segoe UI"/>
-              </a:rPr>
+                  <a:srgbClr val="0066CC"/>
+                </a:solidFill>
+                <a:latin typeface="Segoe UI Semibold"/>
+              </a:defRPr>
+            </a:pPr>
+            <a:r>
+              <a:rPr/>
               <a:t>0) Setup</a:t>
             </a:r>
           </a:p>
@@ -16846,6 +14477,9 @@
             <a:avLst/>
           </a:prstGeom>
           <a:noFill/>
+          <a:ln>
+            <a:noFill/>
+          </a:ln>
         </p:spPr>
         <p:txBody>
           <a:bodyPr wrap="none">
@@ -16856,18 +14490,13 @@
             <a:pPr>
               <a:defRPr sz="2000" i="1">
                 <a:solidFill>
-                  <a:srgbClr val="212529"/>
-                </a:solidFill>
-                <a:latin typeface="Segoe UI"/>
-              </a:defRPr>
-            </a:pPr>
-            <a:r>
-              <a:rPr>
-                <a:solidFill>
-                  <a:srgbClr val="212529"/>
-                </a:solidFill>
-                <a:latin typeface="Segoe UI"/>
-              </a:rPr>
+                  <a:srgbClr val="6C757D"/>
+                </a:solidFill>
+                <a:latin typeface="Segoe UI"/>
+              </a:defRPr>
+            </a:pPr>
+            <a:r>
+              <a:rPr/>
               <a:t>Pastikan cara run benar (biar tidak error palsu)</a:t>
             </a:r>
           </a:p>
@@ -16875,7 +14504,7 @@
       </p:sp>
       <p:sp>
         <p:nvSpPr>
-          <p:cNvPr id="4" name="Rectangle 3"/>
+          <p:cNvPr id="4" name="__accent_bar__"/>
           <p:cNvSpPr/>
           <p:nvPr/>
         </p:nvSpPr>
@@ -16912,14 +14541,7 @@
           <a:bodyPr rtlCol="0" anchor="ctr"/>
           <a:lstStyle/>
           <a:p>
-            <a:pPr algn="ctr">
-              <a:defRPr sz="1800">
-                <a:solidFill>
-                  <a:srgbClr val="212529"/>
-                </a:solidFill>
-                <a:latin typeface="Segoe UI"/>
-              </a:defRPr>
-            </a:pPr>
+            <a:pPr algn="ctr"/>
           </a:p>
         </p:txBody>
       </p:sp>
@@ -16967,46 +14589,15 @@
             <a:pPr>
               <a:defRPr sz="3000" b="1">
                 <a:solidFill>
-                  <a:srgbClr val="212529"/>
-                </a:solidFill>
-                <a:latin typeface="Segoe UI"/>
-              </a:defRPr>
-            </a:pPr>
-            <a:r>
-              <a:rPr>
-                <a:solidFill>
-                  <a:srgbClr val="212529"/>
-                </a:solidFill>
-                <a:latin typeface="Segoe UI"/>
-              </a:rPr>
+                  <a:srgbClr val="0066CC"/>
+                </a:solidFill>
+                <a:latin typeface="Segoe UI Semibold"/>
+              </a:defRPr>
+            </a:pPr>
+            <a:r>
+              <a:rPr/>
               <a:t>Next Step: Deploy Sederhana (Opsional)</a:t>
             </a:r>
-          </a:p>
-        </p:txBody>
-      </p:sp>
-      <p:sp>
-        <p:nvSpPr>
-          <p:cNvPr id="3" name="Content Placeholder 2"/>
-          <p:cNvSpPr>
-            <a:spLocks noGrp="1"/>
-          </p:cNvSpPr>
-          <p:nvPr>
-            <p:ph idx="1"/>
-          </p:nvPr>
-        </p:nvSpPr>
-        <p:spPr/>
-        <p:txBody>
-          <a:bodyPr/>
-          <a:lstStyle/>
-          <a:p>
-            <a:pPr>
-              <a:defRPr sz="1800">
-                <a:solidFill>
-                  <a:srgbClr val="212529"/>
-                </a:solidFill>
-                <a:latin typeface="Segoe UI"/>
-              </a:defRPr>
-            </a:pPr>
           </a:p>
         </p:txBody>
       </p:sp>
@@ -17025,6 +14616,9 @@
             <a:avLst/>
           </a:prstGeom>
           <a:noFill/>
+          <a:ln>
+            <a:noFill/>
+          </a:ln>
         </p:spPr>
         <p:txBody>
           <a:bodyPr wrap="none">
@@ -17035,18 +14629,13 @@
             <a:pPr>
               <a:defRPr sz="1700" b="1">
                 <a:solidFill>
-                  <a:srgbClr val="212529"/>
-                </a:solidFill>
-                <a:latin typeface="Segoe UI"/>
-              </a:defRPr>
-            </a:pPr>
-            <a:r>
-              <a:rPr>
-                <a:solidFill>
-                  <a:srgbClr val="212529"/>
-                </a:solidFill>
-                <a:latin typeface="Segoe UI"/>
-              </a:rPr>
+                  <a:srgbClr val="0066CC"/>
+                </a:solidFill>
+                <a:latin typeface="Segoe UI Semibold"/>
+              </a:defRPr>
+            </a:pPr>
+            <a:r>
+              <a:rPr/>
               <a:t>Pilihan mudah</a:t>
             </a:r>
           </a:p>
@@ -17067,6 +14656,9 @@
             <a:avLst/>
           </a:prstGeom>
           <a:noFill/>
+          <a:ln>
+            <a:noFill/>
+          </a:ln>
         </p:spPr>
         <p:txBody>
           <a:bodyPr wrap="none">
@@ -17077,18 +14669,13 @@
             <a:pPr>
               <a:defRPr sz="1700" b="1">
                 <a:solidFill>
-                  <a:srgbClr val="212529"/>
-                </a:solidFill>
-                <a:latin typeface="Segoe UI"/>
-              </a:defRPr>
-            </a:pPr>
-            <a:r>
-              <a:rPr>
-                <a:solidFill>
-                  <a:srgbClr val="212529"/>
-                </a:solidFill>
-                <a:latin typeface="Segoe UI"/>
-              </a:rPr>
+                  <a:srgbClr val="0066CC"/>
+                </a:solidFill>
+                <a:latin typeface="Segoe UI Semibold"/>
+              </a:defRPr>
+            </a:pPr>
+            <a:r>
+              <a:rPr/>
               <a:t>Yang perlu dipikirkan</a:t>
             </a:r>
           </a:p>
@@ -17109,6 +14696,9 @@
             <a:avLst/>
           </a:prstGeom>
           <a:noFill/>
+          <a:ln>
+            <a:noFill/>
+          </a:ln>
         </p:spPr>
         <p:txBody>
           <a:bodyPr wrap="square">
@@ -17128,12 +14718,7 @@
               </a:defRPr>
             </a:pPr>
             <a:r>
-              <a:rPr>
-                <a:solidFill>
-                  <a:srgbClr val="212529"/>
-                </a:solidFill>
-                <a:latin typeface="Segoe UI"/>
-              </a:rPr>
+              <a:rPr/>
               <a:t>Streamlit: UI cepat untuk demo</a:t>
             </a:r>
           </a:p>
@@ -17150,12 +14735,7 @@
               </a:defRPr>
             </a:pPr>
             <a:r>
-              <a:rPr>
-                <a:solidFill>
-                  <a:srgbClr val="212529"/>
-                </a:solidFill>
-                <a:latin typeface="Segoe UI"/>
-              </a:rPr>
+              <a:rPr/>
               <a:t>FastAPI: API endpoint untuk model</a:t>
             </a:r>
           </a:p>
@@ -17172,12 +14752,7 @@
               </a:defRPr>
             </a:pPr>
             <a:r>
-              <a:rPr>
-                <a:solidFill>
-                  <a:srgbClr val="212529"/>
-                </a:solidFill>
-                <a:latin typeface="Segoe UI"/>
-              </a:rPr>
+              <a:rPr/>
               <a:t>Notebook: laporan eksperimen</a:t>
             </a:r>
           </a:p>
@@ -17198,6 +14773,9 @@
             <a:avLst/>
           </a:prstGeom>
           <a:noFill/>
+          <a:ln>
+            <a:noFill/>
+          </a:ln>
         </p:spPr>
         <p:txBody>
           <a:bodyPr wrap="square">
@@ -17217,12 +14795,7 @@
               </a:defRPr>
             </a:pPr>
             <a:r>
-              <a:rPr>
-                <a:solidFill>
-                  <a:srgbClr val="212529"/>
-                </a:solidFill>
-                <a:latin typeface="Segoe UI"/>
-              </a:rPr>
+              <a:rPr/>
               <a:t>Simpan model (joblib / keras .h5)</a:t>
             </a:r>
           </a:p>
@@ -17239,12 +14812,7 @@
               </a:defRPr>
             </a:pPr>
             <a:r>
-              <a:rPr>
-                <a:solidFill>
-                  <a:srgbClr val="212529"/>
-                </a:solidFill>
-                <a:latin typeface="Segoe UI"/>
-              </a:rPr>
+              <a:rPr/>
               <a:t>Input validation (hindari input aneh)</a:t>
             </a:r>
           </a:p>
@@ -17261,12 +14829,7 @@
               </a:defRPr>
             </a:pPr>
             <a:r>
-              <a:rPr>
-                <a:solidFill>
-                  <a:srgbClr val="212529"/>
-                </a:solidFill>
-                <a:latin typeface="Segoe UI"/>
-              </a:rPr>
+              <a:rPr/>
               <a:t>Monitoring: data baru beda dari training</a:t>
             </a:r>
           </a:p>
@@ -17310,24 +14873,19 @@
           </a:fontRef>
         </p:style>
         <p:txBody>
-          <a:bodyPr rtlCol="0" anchor="ctr" wrap="square"/>
+          <a:bodyPr rtlCol="0" anchor="ctr" wrap="square" lIns="182880" rIns="137160" tIns="73152" bIns="73152"/>
           <a:lstStyle/>
           <a:p>
             <a:pPr algn="ctr">
               <a:defRPr sz="1300">
                 <a:solidFill>
-                  <a:srgbClr val="212529"/>
-                </a:solidFill>
-                <a:latin typeface="Segoe UI"/>
-              </a:defRPr>
-            </a:pPr>
-            <a:r>
-              <a:rPr>
-                <a:solidFill>
-                  <a:srgbClr val="212529"/>
-                </a:solidFill>
-                <a:latin typeface="Segoe UI"/>
-              </a:rPr>
+                  <a:srgbClr val="6C757D"/>
+                </a:solidFill>
+                <a:latin typeface="Segoe UI"/>
+              </a:defRPr>
+            </a:pPr>
+            <a:r>
+              <a:rPr/>
               <a:t>Saya bisa bantu buat 1 demo Streamlit untuk Modul 1 atau 2.</a:t>
             </a:r>
           </a:p>
@@ -17335,7 +14893,7 @@
       </p:sp>
       <p:sp>
         <p:nvSpPr>
-          <p:cNvPr id="9" name="Rectangle 8"/>
+          <p:cNvPr id="9" name="__accent_bar__"/>
           <p:cNvSpPr/>
           <p:nvPr/>
         </p:nvSpPr>
@@ -17372,14 +14930,7 @@
           <a:bodyPr rtlCol="0" anchor="ctr"/>
           <a:lstStyle/>
           <a:p>
-            <a:pPr algn="ctr">
-              <a:defRPr sz="1800">
-                <a:solidFill>
-                  <a:srgbClr val="212529"/>
-                </a:solidFill>
-                <a:latin typeface="Segoe UI"/>
-              </a:defRPr>
-            </a:pPr>
+            <a:pPr algn="ctr"/>
           </a:p>
         </p:txBody>
       </p:sp>
@@ -17427,46 +14978,15 @@
             <a:pPr>
               <a:defRPr sz="3000" b="1">
                 <a:solidFill>
-                  <a:srgbClr val="212529"/>
-                </a:solidFill>
-                <a:latin typeface="Segoe UI"/>
-              </a:defRPr>
-            </a:pPr>
-            <a:r>
-              <a:rPr>
-                <a:solidFill>
-                  <a:srgbClr val="212529"/>
-                </a:solidFill>
-                <a:latin typeface="Segoe UI"/>
-              </a:rPr>
+                  <a:srgbClr val="0066CC"/>
+                </a:solidFill>
+                <a:latin typeface="Segoe UI Semibold"/>
+              </a:defRPr>
+            </a:pPr>
+            <a:r>
+              <a:rPr/>
               <a:t>Portofolio (Agar Terlihat Progress)</a:t>
             </a:r>
-          </a:p>
-        </p:txBody>
-      </p:sp>
-      <p:sp>
-        <p:nvSpPr>
-          <p:cNvPr id="3" name="Content Placeholder 2"/>
-          <p:cNvSpPr>
-            <a:spLocks noGrp="1"/>
-          </p:cNvSpPr>
-          <p:nvPr>
-            <p:ph idx="1"/>
-          </p:nvPr>
-        </p:nvSpPr>
-        <p:spPr/>
-        <p:txBody>
-          <a:bodyPr/>
-          <a:lstStyle/>
-          <a:p>
-            <a:pPr>
-              <a:defRPr sz="1800">
-                <a:solidFill>
-                  <a:srgbClr val="212529"/>
-                </a:solidFill>
-                <a:latin typeface="Segoe UI"/>
-              </a:defRPr>
-            </a:pPr>
           </a:p>
         </p:txBody>
       </p:sp>
@@ -17485,6 +15005,9 @@
             <a:avLst/>
           </a:prstGeom>
           <a:noFill/>
+          <a:ln>
+            <a:noFill/>
+          </a:ln>
         </p:spPr>
         <p:txBody>
           <a:bodyPr wrap="square">
@@ -17504,12 +15027,7 @@
               </a:defRPr>
             </a:pPr>
             <a:r>
-              <a:rPr>
-                <a:solidFill>
-                  <a:srgbClr val="212529"/>
-                </a:solidFill>
-                <a:latin typeface="Segoe UI"/>
-              </a:rPr>
+              <a:rPr/>
               <a:t>Buat 2–3 repo kecil: 1 regression, 1 classification, 1 vision.</a:t>
             </a:r>
           </a:p>
@@ -17526,12 +15044,7 @@
               </a:defRPr>
             </a:pPr>
             <a:r>
-              <a:rPr>
-                <a:solidFill>
-                  <a:srgbClr val="212529"/>
-                </a:solidFill>
-                <a:latin typeface="Segoe UI"/>
-              </a:rPr>
+              <a:rPr/>
               <a:t>Setiap repo wajib ada: README, cara run, metric, contoh output.</a:t>
             </a:r>
           </a:p>
@@ -17548,12 +15061,7 @@
               </a:defRPr>
             </a:pPr>
             <a:r>
-              <a:rPr>
-                <a:solidFill>
-                  <a:srgbClr val="212529"/>
-                </a:solidFill>
-                <a:latin typeface="Segoe UI"/>
-              </a:rPr>
+              <a:rPr/>
               <a:t>Tulis 'mengapa' Anda memilih metric/model tersebut.</a:t>
             </a:r>
           </a:p>
@@ -17570,12 +15078,7 @@
               </a:defRPr>
             </a:pPr>
             <a:r>
-              <a:rPr>
-                <a:solidFill>
-                  <a:srgbClr val="212529"/>
-                </a:solidFill>
-                <a:latin typeface="Segoe UI"/>
-              </a:rPr>
+              <a:rPr/>
               <a:t>Ini yang membedakan 'sekadar run code' vs 'paham alur AI'.</a:t>
             </a:r>
           </a:p>
@@ -17583,7 +15086,7 @@
       </p:sp>
       <p:sp>
         <p:nvSpPr>
-          <p:cNvPr id="5" name="Rectangle 4"/>
+          <p:cNvPr id="5" name="__accent_bar__"/>
           <p:cNvSpPr/>
           <p:nvPr/>
         </p:nvSpPr>
@@ -17620,14 +15123,7 @@
           <a:bodyPr rtlCol="0" anchor="ctr"/>
           <a:lstStyle/>
           <a:p>
-            <a:pPr algn="ctr">
-              <a:defRPr sz="1800">
-                <a:solidFill>
-                  <a:srgbClr val="212529"/>
-                </a:solidFill>
-                <a:latin typeface="Segoe UI"/>
-              </a:defRPr>
-            </a:pPr>
+            <a:pPr algn="ctr"/>
           </a:p>
         </p:txBody>
       </p:sp>
@@ -17675,18 +15171,13 @@
             <a:pPr>
               <a:defRPr sz="3000" b="1">
                 <a:solidFill>
-                  <a:srgbClr val="212529"/>
-                </a:solidFill>
-                <a:latin typeface="Segoe UI"/>
-              </a:defRPr>
-            </a:pPr>
-            <a:r>
-              <a:rPr>
-                <a:solidFill>
-                  <a:srgbClr val="212529"/>
-                </a:solidFill>
-                <a:latin typeface="Segoe UI"/>
-              </a:rPr>
+                  <a:srgbClr val="0066CC"/>
+                </a:solidFill>
+                <a:latin typeface="Segoe UI Semibold"/>
+              </a:defRPr>
+            </a:pPr>
+            <a:r>
+              <a:rPr/>
               <a:t>Next Level</a:t>
             </a:r>
           </a:p>
@@ -17707,6 +15198,9 @@
             <a:avLst/>
           </a:prstGeom>
           <a:noFill/>
+          <a:ln>
+            <a:noFill/>
+          </a:ln>
         </p:spPr>
         <p:txBody>
           <a:bodyPr wrap="none">
@@ -17717,18 +15211,13 @@
             <a:pPr>
               <a:defRPr sz="2000" i="1">
                 <a:solidFill>
-                  <a:srgbClr val="212529"/>
-                </a:solidFill>
-                <a:latin typeface="Segoe UI"/>
-              </a:defRPr>
-            </a:pPr>
-            <a:r>
-              <a:rPr>
-                <a:solidFill>
-                  <a:srgbClr val="212529"/>
-                </a:solidFill>
-                <a:latin typeface="Segoe UI"/>
-              </a:rPr>
+                  <a:srgbClr val="6C757D"/>
+                </a:solidFill>
+                <a:latin typeface="Segoe UI"/>
+              </a:defRPr>
+            </a:pPr>
+            <a:r>
+              <a:rPr/>
               <a:t>Kalau sudah selesai modul, buat 1 project nyata</a:t>
             </a:r>
           </a:p>
@@ -17736,7 +15225,7 @@
       </p:sp>
       <p:sp>
         <p:nvSpPr>
-          <p:cNvPr id="4" name="Rectangle 3"/>
+          <p:cNvPr id="4" name="__accent_bar__"/>
           <p:cNvSpPr/>
           <p:nvPr/>
         </p:nvSpPr>
@@ -17773,14 +15262,7 @@
           <a:bodyPr rtlCol="0" anchor="ctr"/>
           <a:lstStyle/>
           <a:p>
-            <a:pPr algn="ctr">
-              <a:defRPr sz="1800">
-                <a:solidFill>
-                  <a:srgbClr val="212529"/>
-                </a:solidFill>
-                <a:latin typeface="Segoe UI"/>
-              </a:defRPr>
-            </a:pPr>
+            <a:pPr algn="ctr"/>
           </a:p>
         </p:txBody>
       </p:sp>
@@ -17828,46 +15310,15 @@
             <a:pPr>
               <a:defRPr sz="3000" b="1">
                 <a:solidFill>
-                  <a:srgbClr val="212529"/>
-                </a:solidFill>
-                <a:latin typeface="Segoe UI"/>
-              </a:defRPr>
-            </a:pPr>
-            <a:r>
-              <a:rPr>
-                <a:solidFill>
-                  <a:srgbClr val="212529"/>
-                </a:solidFill>
-                <a:latin typeface="Segoe UI"/>
-              </a:rPr>
+                  <a:srgbClr val="0066CC"/>
+                </a:solidFill>
+                <a:latin typeface="Segoe UI Semibold"/>
+              </a:defRPr>
+            </a:pPr>
+            <a:r>
+              <a:rPr/>
               <a:t>Template Project (Wajib Ada)</a:t>
             </a:r>
-          </a:p>
-        </p:txBody>
-      </p:sp>
-      <p:sp>
-        <p:nvSpPr>
-          <p:cNvPr id="3" name="Content Placeholder 2"/>
-          <p:cNvSpPr>
-            <a:spLocks noGrp="1"/>
-          </p:cNvSpPr>
-          <p:nvPr>
-            <p:ph idx="1"/>
-          </p:nvPr>
-        </p:nvSpPr>
-        <p:spPr/>
-        <p:txBody>
-          <a:bodyPr/>
-          <a:lstStyle/>
-          <a:p>
-            <a:pPr>
-              <a:defRPr sz="1800">
-                <a:solidFill>
-                  <a:srgbClr val="212529"/>
-                </a:solidFill>
-                <a:latin typeface="Segoe UI"/>
-              </a:defRPr>
-            </a:pPr>
           </a:p>
         </p:txBody>
       </p:sp>
@@ -17886,6 +15337,9 @@
             <a:avLst/>
           </a:prstGeom>
           <a:noFill/>
+          <a:ln>
+            <a:noFill/>
+          </a:ln>
         </p:spPr>
         <p:txBody>
           <a:bodyPr wrap="square">
@@ -17905,12 +15359,7 @@
               </a:defRPr>
             </a:pPr>
             <a:r>
-              <a:rPr>
-                <a:solidFill>
-                  <a:srgbClr val="212529"/>
-                </a:solidFill>
-                <a:latin typeface="Segoe UI"/>
-              </a:rPr>
+              <a:rPr/>
               <a:t>1) Problem statement (apa yang diprediksi, untuk siapa)</a:t>
             </a:r>
           </a:p>
@@ -17927,12 +15376,7 @@
               </a:defRPr>
             </a:pPr>
             <a:r>
-              <a:rPr>
-                <a:solidFill>
-                  <a:srgbClr val="212529"/>
-                </a:solidFill>
-                <a:latin typeface="Segoe UI"/>
-              </a:rPr>
+              <a:rPr/>
               <a:t>2) Data: sumber, jumlah, fitur/target, pembersihan</a:t>
             </a:r>
           </a:p>
@@ -17949,12 +15393,7 @@
               </a:defRPr>
             </a:pPr>
             <a:r>
-              <a:rPr>
-                <a:solidFill>
-                  <a:srgbClr val="212529"/>
-                </a:solidFill>
-                <a:latin typeface="Segoe UI"/>
-              </a:rPr>
+              <a:rPr/>
               <a:t>3) Baseline sederhana (model paling simple dulu)</a:t>
             </a:r>
           </a:p>
@@ -17971,12 +15410,7 @@
               </a:defRPr>
             </a:pPr>
             <a:r>
-              <a:rPr>
-                <a:solidFill>
-                  <a:srgbClr val="212529"/>
-                </a:solidFill>
-                <a:latin typeface="Segoe UI"/>
-              </a:rPr>
+              <a:rPr/>
               <a:t>4) Evaluasi: metric yang tepat + interpretasi</a:t>
             </a:r>
           </a:p>
@@ -17993,12 +15427,7 @@
               </a:defRPr>
             </a:pPr>
             <a:r>
-              <a:rPr>
-                <a:solidFill>
-                  <a:srgbClr val="212529"/>
-                </a:solidFill>
-                <a:latin typeface="Segoe UI"/>
-              </a:rPr>
+              <a:rPr/>
               <a:t>5) Improvement: 2–3 eksperimen dan catat hasil</a:t>
             </a:r>
           </a:p>
@@ -18015,12 +15444,7 @@
               </a:defRPr>
             </a:pPr>
             <a:r>
-              <a:rPr>
-                <a:solidFill>
-                  <a:srgbClr val="212529"/>
-                </a:solidFill>
-                <a:latin typeface="Segoe UI"/>
-              </a:rPr>
+              <a:rPr/>
               <a:t>6) Kesimpulan: kapan model bisa dipakai, kapan tidak</a:t>
             </a:r>
           </a:p>
@@ -18028,7 +15452,7 @@
       </p:sp>
       <p:sp>
         <p:nvSpPr>
-          <p:cNvPr id="5" name="Rectangle 4"/>
+          <p:cNvPr id="5" name="__accent_bar__"/>
           <p:cNvSpPr/>
           <p:nvPr/>
         </p:nvSpPr>
@@ -18065,14 +15489,7 @@
           <a:bodyPr rtlCol="0" anchor="ctr"/>
           <a:lstStyle/>
           <a:p>
-            <a:pPr algn="ctr">
-              <a:defRPr sz="1800">
-                <a:solidFill>
-                  <a:srgbClr val="212529"/>
-                </a:solidFill>
-                <a:latin typeface="Segoe UI"/>
-              </a:defRPr>
-            </a:pPr>
+            <a:pPr algn="ctr"/>
           </a:p>
         </p:txBody>
       </p:sp>
@@ -18120,18 +15537,13 @@
             <a:pPr>
               <a:defRPr sz="3000" b="1">
                 <a:solidFill>
-                  <a:srgbClr val="212529"/>
-                </a:solidFill>
-                <a:latin typeface="Segoe UI"/>
-              </a:defRPr>
-            </a:pPr>
-            <a:r>
-              <a:rPr>
-                <a:solidFill>
-                  <a:srgbClr val="212529"/>
-                </a:solidFill>
-                <a:latin typeface="Segoe UI"/>
-              </a:rPr>
+                  <a:srgbClr val="0066CC"/>
+                </a:solidFill>
+                <a:latin typeface="Segoe UI Semibold"/>
+              </a:defRPr>
+            </a:pPr>
+            <a:r>
+              <a:rPr/>
               <a:t>Roadmap Latihan 2 Minggu</a:t>
             </a:r>
           </a:p>
@@ -18181,18 +15593,13 @@
             <a:pPr algn="ctr">
               <a:defRPr sz="1400" b="1">
                 <a:solidFill>
-                  <a:srgbClr val="212529"/>
-                </a:solidFill>
-                <a:latin typeface="Segoe UI"/>
-              </a:defRPr>
-            </a:pPr>
-            <a:r>
-              <a:rPr>
-                <a:solidFill>
-                  <a:srgbClr val="212529"/>
-                </a:solidFill>
-                <a:latin typeface="Segoe UI"/>
-              </a:rPr>
+                  <a:srgbClr val="0066CC"/>
+                </a:solidFill>
+                <a:latin typeface="Segoe UI Semibold"/>
+              </a:defRPr>
+            </a:pPr>
+            <a:r>
+              <a:rPr/>
               <a:t>Hari 1-2</a:t>
             </a:r>
           </a:p>
@@ -18241,9 +15648,6 @@
           <a:p>
             <a:pPr algn="ctr">
               <a:defRPr sz="1800">
-                <a:solidFill>
-                  <a:srgbClr val="212529"/>
-                </a:solidFill>
                 <a:latin typeface="Segoe UI"/>
               </a:defRPr>
             </a:pPr>
@@ -18294,18 +15698,13 @@
             <a:pPr algn="ctr">
               <a:defRPr sz="1400" b="1">
                 <a:solidFill>
-                  <a:srgbClr val="212529"/>
-                </a:solidFill>
-                <a:latin typeface="Segoe UI"/>
-              </a:defRPr>
-            </a:pPr>
-            <a:r>
-              <a:rPr>
-                <a:solidFill>
-                  <a:srgbClr val="212529"/>
-                </a:solidFill>
-                <a:latin typeface="Segoe UI"/>
-              </a:rPr>
+                  <a:srgbClr val="0066CC"/>
+                </a:solidFill>
+                <a:latin typeface="Segoe UI Semibold"/>
+              </a:defRPr>
+            </a:pPr>
+            <a:r>
+              <a:rPr/>
               <a:t>Hari 3-4</a:t>
             </a:r>
           </a:p>
@@ -18354,9 +15753,6 @@
           <a:p>
             <a:pPr algn="ctr">
               <a:defRPr sz="1800">
-                <a:solidFill>
-                  <a:srgbClr val="212529"/>
-                </a:solidFill>
                 <a:latin typeface="Segoe UI"/>
               </a:defRPr>
             </a:pPr>
@@ -18407,18 +15803,13 @@
             <a:pPr algn="ctr">
               <a:defRPr sz="1400" b="1">
                 <a:solidFill>
-                  <a:srgbClr val="212529"/>
-                </a:solidFill>
-                <a:latin typeface="Segoe UI"/>
-              </a:defRPr>
-            </a:pPr>
-            <a:r>
-              <a:rPr>
-                <a:solidFill>
-                  <a:srgbClr val="212529"/>
-                </a:solidFill>
-                <a:latin typeface="Segoe UI"/>
-              </a:rPr>
+                  <a:srgbClr val="0066CC"/>
+                </a:solidFill>
+                <a:latin typeface="Segoe UI Semibold"/>
+              </a:defRPr>
+            </a:pPr>
+            <a:r>
+              <a:rPr/>
               <a:t>Hari 5-7</a:t>
             </a:r>
           </a:p>
@@ -18467,9 +15858,6 @@
           <a:p>
             <a:pPr algn="ctr">
               <a:defRPr sz="1800">
-                <a:solidFill>
-                  <a:srgbClr val="212529"/>
-                </a:solidFill>
                 <a:latin typeface="Segoe UI"/>
               </a:defRPr>
             </a:pPr>
@@ -18520,18 +15908,13 @@
             <a:pPr algn="ctr">
               <a:defRPr sz="1400" b="1">
                 <a:solidFill>
-                  <a:srgbClr val="212529"/>
-                </a:solidFill>
-                <a:latin typeface="Segoe UI"/>
-              </a:defRPr>
-            </a:pPr>
-            <a:r>
-              <a:rPr>
-                <a:solidFill>
-                  <a:srgbClr val="212529"/>
-                </a:solidFill>
-                <a:latin typeface="Segoe UI"/>
-              </a:rPr>
+                  <a:srgbClr val="0066CC"/>
+                </a:solidFill>
+                <a:latin typeface="Segoe UI Semibold"/>
+              </a:defRPr>
+            </a:pPr>
+            <a:r>
+              <a:rPr/>
               <a:t>Minggu 2</a:t>
             </a:r>
           </a:p>
@@ -18580,9 +15963,6 @@
           <a:p>
             <a:pPr algn="ctr">
               <a:defRPr sz="1800">
-                <a:solidFill>
-                  <a:srgbClr val="212529"/>
-                </a:solidFill>
                 <a:latin typeface="Segoe UI"/>
               </a:defRPr>
             </a:pPr>
@@ -18633,18 +16013,13 @@
             <a:pPr algn="ctr">
               <a:defRPr sz="1400" b="1">
                 <a:solidFill>
-                  <a:srgbClr val="212529"/>
-                </a:solidFill>
-                <a:latin typeface="Segoe UI"/>
-              </a:defRPr>
-            </a:pPr>
-            <a:r>
-              <a:rPr>
-                <a:solidFill>
-                  <a:srgbClr val="212529"/>
-                </a:solidFill>
-                <a:latin typeface="Segoe UI"/>
-              </a:rPr>
+                  <a:srgbClr val="0066CC"/>
+                </a:solidFill>
+                <a:latin typeface="Segoe UI Semibold"/>
+              </a:defRPr>
+            </a:pPr>
+            <a:r>
+              <a:rPr/>
               <a:t>Project</a:t>
             </a:r>
           </a:p>
@@ -18665,6 +16040,9 @@
             <a:avLst/>
           </a:prstGeom>
           <a:noFill/>
+          <a:ln>
+            <a:noFill/>
+          </a:ln>
         </p:spPr>
         <p:txBody>
           <a:bodyPr wrap="square">
@@ -18684,12 +16062,7 @@
               </a:defRPr>
             </a:pPr>
             <a:r>
-              <a:rPr>
-                <a:solidFill>
-                  <a:srgbClr val="212529"/>
-                </a:solidFill>
-                <a:latin typeface="Segoe UI"/>
-              </a:rPr>
+              <a:rPr/>
               <a:t>Hari 1–2: Regression + R² + visualisasi</a:t>
             </a:r>
           </a:p>
@@ -18706,12 +16079,7 @@
               </a:defRPr>
             </a:pPr>
             <a:r>
-              <a:rPr>
-                <a:solidFill>
-                  <a:srgbClr val="212529"/>
-                </a:solidFill>
-                <a:latin typeface="Segoe UI"/>
-              </a:rPr>
+              <a:rPr/>
               <a:t>Hari 3–4: Classification + confusion matrix + depth tuning</a:t>
             </a:r>
           </a:p>
@@ -18728,12 +16096,7 @@
               </a:defRPr>
             </a:pPr>
             <a:r>
-              <a:rPr>
-                <a:solidFill>
-                  <a:srgbClr val="212529"/>
-                </a:solidFill>
-                <a:latin typeface="Segoe UI"/>
-              </a:rPr>
+              <a:rPr/>
               <a:t>Hari 5–7: NN + epoch/batch + overfitting</a:t>
             </a:r>
           </a:p>
@@ -18750,12 +16113,7 @@
               </a:defRPr>
             </a:pPr>
             <a:r>
-              <a:rPr>
-                <a:solidFill>
-                  <a:srgbClr val="212529"/>
-                </a:solidFill>
-                <a:latin typeface="Segoe UI"/>
-              </a:rPr>
+              <a:rPr/>
               <a:t>Minggu 2: CNN + eksperimen arsitektur sederhana</a:t>
             </a:r>
           </a:p>
@@ -18772,12 +16130,7 @@
               </a:defRPr>
             </a:pPr>
             <a:r>
-              <a:rPr>
-                <a:solidFill>
-                  <a:srgbClr val="212529"/>
-                </a:solidFill>
-                <a:latin typeface="Segoe UI"/>
-              </a:rPr>
+              <a:rPr/>
               <a:t>Project: 1 kasus nyata + README hasil</a:t>
             </a:r>
           </a:p>
@@ -18785,7 +16138,7 @@
       </p:sp>
       <p:sp>
         <p:nvSpPr>
-          <p:cNvPr id="13" name="Rectangle 12"/>
+          <p:cNvPr id="13" name="__accent_bar__"/>
           <p:cNvSpPr/>
           <p:nvPr/>
         </p:nvSpPr>
@@ -18822,14 +16175,7 @@
           <a:bodyPr rtlCol="0" anchor="ctr"/>
           <a:lstStyle/>
           <a:p>
-            <a:pPr algn="ctr">
-              <a:defRPr sz="1800">
-                <a:solidFill>
-                  <a:srgbClr val="212529"/>
-                </a:solidFill>
-                <a:latin typeface="Segoe UI"/>
-              </a:defRPr>
-            </a:pPr>
+            <a:pPr algn="ctr"/>
           </a:p>
         </p:txBody>
       </p:sp>
@@ -18877,46 +16223,15 @@
             <a:pPr>
               <a:defRPr sz="3000" b="1">
                 <a:solidFill>
-                  <a:srgbClr val="212529"/>
-                </a:solidFill>
-                <a:latin typeface="Segoe UI"/>
-              </a:defRPr>
-            </a:pPr>
-            <a:r>
-              <a:rPr>
-                <a:solidFill>
-                  <a:srgbClr val="212529"/>
-                </a:solidFill>
-                <a:latin typeface="Segoe UI"/>
-              </a:rPr>
+                  <a:srgbClr val="0066CC"/>
+                </a:solidFill>
+                <a:latin typeface="Segoe UI Semibold"/>
+              </a:defRPr>
+            </a:pPr>
+            <a:r>
+              <a:rPr/>
               <a:t>Penutup</a:t>
             </a:r>
-          </a:p>
-        </p:txBody>
-      </p:sp>
-      <p:sp>
-        <p:nvSpPr>
-          <p:cNvPr id="3" name="Content Placeholder 2"/>
-          <p:cNvSpPr>
-            <a:spLocks noGrp="1"/>
-          </p:cNvSpPr>
-          <p:nvPr>
-            <p:ph idx="1"/>
-          </p:nvPr>
-        </p:nvSpPr>
-        <p:spPr/>
-        <p:txBody>
-          <a:bodyPr/>
-          <a:lstStyle/>
-          <a:p>
-            <a:pPr>
-              <a:defRPr sz="1800">
-                <a:solidFill>
-                  <a:srgbClr val="212529"/>
-                </a:solidFill>
-                <a:latin typeface="Segoe UI"/>
-              </a:defRPr>
-            </a:pPr>
           </a:p>
         </p:txBody>
       </p:sp>
@@ -18935,6 +16250,9 @@
             <a:avLst/>
           </a:prstGeom>
           <a:noFill/>
+          <a:ln>
+            <a:noFill/>
+          </a:ln>
         </p:spPr>
         <p:txBody>
           <a:bodyPr wrap="square">
@@ -18954,12 +16272,7 @@
               </a:defRPr>
             </a:pPr>
             <a:r>
-              <a:rPr>
-                <a:solidFill>
-                  <a:srgbClr val="212529"/>
-                </a:solidFill>
-                <a:latin typeface="Segoe UI"/>
-              </a:rPr>
+              <a:rPr/>
               <a:t>Skill inti AI developer pemula: mengukur hasil (metric) dan menjelaskan 'mengapa'.</a:t>
             </a:r>
           </a:p>
@@ -18976,12 +16289,7 @@
               </a:defRPr>
             </a:pPr>
             <a:r>
-              <a:rPr>
-                <a:solidFill>
-                  <a:srgbClr val="212529"/>
-                </a:solidFill>
-                <a:latin typeface="Segoe UI"/>
-              </a:rPr>
+              <a:rPr/>
               <a:t>Saran: ulangi tiap modul 2x sambil ubah parameter dan catat.</a:t>
             </a:r>
           </a:p>
@@ -18998,12 +16306,7 @@
               </a:defRPr>
             </a:pPr>
             <a:r>
-              <a:rPr>
-                <a:solidFill>
-                  <a:srgbClr val="212529"/>
-                </a:solidFill>
-                <a:latin typeface="Segoe UI"/>
-              </a:rPr>
+              <a:rPr/>
               <a:t>Referensi: BUKU_PANDUAN_AI.pdf (buku) untuk penjelasan lebih panjang.</a:t>
             </a:r>
           </a:p>
@@ -19011,7 +16314,7 @@
       </p:sp>
       <p:sp>
         <p:nvSpPr>
-          <p:cNvPr id="5" name="Rectangle 4"/>
+          <p:cNvPr id="5" name="__accent_bar__"/>
           <p:cNvSpPr/>
           <p:nvPr/>
         </p:nvSpPr>
@@ -19048,14 +16351,7 @@
           <a:bodyPr rtlCol="0" anchor="ctr"/>
           <a:lstStyle/>
           <a:p>
-            <a:pPr algn="ctr">
-              <a:defRPr sz="1800">
-                <a:solidFill>
-                  <a:srgbClr val="212529"/>
-                </a:solidFill>
-                <a:latin typeface="Segoe UI"/>
-              </a:defRPr>
-            </a:pPr>
+            <a:pPr algn="ctr"/>
           </a:p>
         </p:txBody>
       </p:sp>
@@ -19103,46 +16399,15 @@
             <a:pPr>
               <a:defRPr sz="3000" b="1">
                 <a:solidFill>
-                  <a:srgbClr val="212529"/>
-                </a:solidFill>
-                <a:latin typeface="Segoe UI"/>
-              </a:defRPr>
-            </a:pPr>
-            <a:r>
-              <a:rPr>
-                <a:solidFill>
-                  <a:srgbClr val="212529"/>
-                </a:solidFill>
-                <a:latin typeface="Segoe UI"/>
-              </a:rPr>
+                  <a:srgbClr val="0066CC"/>
+                </a:solidFill>
+                <a:latin typeface="Segoe UI Semibold"/>
+              </a:defRPr>
+            </a:pPr>
+            <a:r>
+              <a:rPr/>
               <a:t>Cara Menjalankan (Windows PowerShell)</a:t>
             </a:r>
-          </a:p>
-        </p:txBody>
-      </p:sp>
-      <p:sp>
-        <p:nvSpPr>
-          <p:cNvPr id="3" name="Content Placeholder 2"/>
-          <p:cNvSpPr>
-            <a:spLocks noGrp="1"/>
-          </p:cNvSpPr>
-          <p:nvPr>
-            <p:ph idx="1"/>
-          </p:nvPr>
-        </p:nvSpPr>
-        <p:spPr/>
-        <p:txBody>
-          <a:bodyPr/>
-          <a:lstStyle/>
-          <a:p>
-            <a:pPr>
-              <a:defRPr sz="1800">
-                <a:solidFill>
-                  <a:srgbClr val="212529"/>
-                </a:solidFill>
-                <a:latin typeface="Segoe UI"/>
-              </a:defRPr>
-            </a:pPr>
           </a:p>
         </p:txBody>
       </p:sp>
@@ -19161,6 +16426,9 @@
             <a:avLst/>
           </a:prstGeom>
           <a:noFill/>
+          <a:ln>
+            <a:noFill/>
+          </a:ln>
         </p:spPr>
         <p:txBody>
           <a:bodyPr wrap="square">
@@ -19180,12 +16448,7 @@
               </a:defRPr>
             </a:pPr>
             <a:r>
-              <a:rPr>
-                <a:solidFill>
-                  <a:srgbClr val="212529"/>
-                </a:solidFill>
-                <a:latin typeface="Segoe UI"/>
-              </a:rPr>
+              <a:rPr/>
               <a:t>Selalu jalankan Python dari .venv project (bukan Python global).</a:t>
             </a:r>
           </a:p>
@@ -19202,12 +16465,7 @@
               </a:defRPr>
             </a:pPr>
             <a:r>
-              <a:rPr>
-                <a:solidFill>
-                  <a:srgbClr val="212529"/>
-                </a:solidFill>
-                <a:latin typeface="Segoe UI"/>
-              </a:rPr>
+              <a:rPr/>
               <a:t>Format perintah: &amp; "./.venv/Scripts/python.exe" &lt;nama_file.py&gt;</a:t>
             </a:r>
           </a:p>
@@ -19251,14 +16509,11 @@
           </a:fontRef>
         </p:style>
         <p:txBody>
-          <a:bodyPr rtlCol="0" anchor="ctr" wrap="square"/>
+          <a:bodyPr rtlCol="0" anchor="ctr" wrap="square" lIns="228600" rIns="137160" tIns="91440" bIns="91440"/>
           <a:lstStyle/>
           <a:p>
             <a:pPr algn="ctr">
               <a:defRPr sz="1800">
-                <a:solidFill>
-                  <a:srgbClr val="212529"/>
-                </a:solidFill>
                 <a:latin typeface="Segoe UI"/>
               </a:defRPr>
             </a:pPr>
@@ -19275,9 +16530,6 @@
           <a:p>
             <a:pPr>
               <a:defRPr sz="1800">
-                <a:solidFill>
-                  <a:srgbClr val="212529"/>
-                </a:solidFill>
                 <a:latin typeface="Segoe UI"/>
               </a:defRPr>
             </a:pPr>
@@ -19294,9 +16546,6 @@
           <a:p>
             <a:pPr>
               <a:defRPr sz="1800">
-                <a:solidFill>
-                  <a:srgbClr val="212529"/>
-                </a:solidFill>
                 <a:latin typeface="Segoe UI"/>
               </a:defRPr>
             </a:pPr>
@@ -19313,9 +16562,6 @@
           <a:p>
             <a:pPr>
               <a:defRPr sz="1800">
-                <a:solidFill>
-                  <a:srgbClr val="212529"/>
-                </a:solidFill>
                 <a:latin typeface="Segoe UI"/>
               </a:defRPr>
             </a:pPr>
@@ -19369,24 +16615,19 @@
           </a:fontRef>
         </p:style>
         <p:txBody>
-          <a:bodyPr rtlCol="0" anchor="ctr" wrap="square"/>
+          <a:bodyPr rtlCol="0" anchor="ctr" wrap="square" lIns="182880" rIns="137160" tIns="73152" bIns="73152"/>
           <a:lstStyle/>
           <a:p>
             <a:pPr algn="ctr">
               <a:defRPr sz="1300">
                 <a:solidFill>
-                  <a:srgbClr val="212529"/>
-                </a:solidFill>
-                <a:latin typeface="Segoe UI"/>
-              </a:defRPr>
-            </a:pPr>
-            <a:r>
-              <a:rPr>
-                <a:solidFill>
-                  <a:srgbClr val="212529"/>
-                </a:solidFill>
-                <a:latin typeface="Segoe UI"/>
-              </a:rPr>
+                  <a:srgbClr val="6C757D"/>
+                </a:solidFill>
+                <a:latin typeface="Segoe UI"/>
+              </a:defRPr>
+            </a:pPr>
+            <a:r>
+              <a:rPr/>
               <a:t>Jika Anda pakai VS Code: pastikan interpreter VS Code juga menunjuk ke .venv.</a:t>
             </a:r>
           </a:p>
@@ -19394,7 +16635,7 @@
       </p:sp>
       <p:sp>
         <p:nvSpPr>
-          <p:cNvPr id="7" name="Rectangle 6"/>
+          <p:cNvPr id="7" name="__accent_bar__"/>
           <p:cNvSpPr/>
           <p:nvPr/>
         </p:nvSpPr>
@@ -19431,14 +16672,7 @@
           <a:bodyPr rtlCol="0" anchor="ctr"/>
           <a:lstStyle/>
           <a:p>
-            <a:pPr algn="ctr">
-              <a:defRPr sz="1800">
-                <a:solidFill>
-                  <a:srgbClr val="212529"/>
-                </a:solidFill>
-                <a:latin typeface="Segoe UI"/>
-              </a:defRPr>
-            </a:pPr>
+            <a:pPr algn="ctr"/>
           </a:p>
         </p:txBody>
       </p:sp>
@@ -19486,46 +16720,15 @@
             <a:pPr>
               <a:defRPr sz="3000" b="1">
                 <a:solidFill>
-                  <a:srgbClr val="212529"/>
-                </a:solidFill>
-                <a:latin typeface="Segoe UI"/>
-              </a:defRPr>
-            </a:pPr>
-            <a:r>
-              <a:rPr>
-                <a:solidFill>
-                  <a:srgbClr val="212529"/>
-                </a:solidFill>
-                <a:latin typeface="Segoe UI"/>
-              </a:rPr>
+                  <a:srgbClr val="0066CC"/>
+                </a:solidFill>
+                <a:latin typeface="Segoe UI Semibold"/>
+              </a:defRPr>
+            </a:pPr>
+            <a:r>
+              <a:rPr/>
               <a:t>Matplotlib: Grafik Muncul, Lalu Apa?</a:t>
             </a:r>
-          </a:p>
-        </p:txBody>
-      </p:sp>
-      <p:sp>
-        <p:nvSpPr>
-          <p:cNvPr id="3" name="Content Placeholder 2"/>
-          <p:cNvSpPr>
-            <a:spLocks noGrp="1"/>
-          </p:cNvSpPr>
-          <p:nvPr>
-            <p:ph idx="1"/>
-          </p:nvPr>
-        </p:nvSpPr>
-        <p:spPr/>
-        <p:txBody>
-          <a:bodyPr/>
-          <a:lstStyle/>
-          <a:p>
-            <a:pPr>
-              <a:defRPr sz="1800">
-                <a:solidFill>
-                  <a:srgbClr val="212529"/>
-                </a:solidFill>
-                <a:latin typeface="Segoe UI"/>
-              </a:defRPr>
-            </a:pPr>
           </a:p>
         </p:txBody>
       </p:sp>
@@ -19544,6 +16747,9 @@
             <a:avLst/>
           </a:prstGeom>
           <a:noFill/>
+          <a:ln>
+            <a:noFill/>
+          </a:ln>
         </p:spPr>
         <p:txBody>
           <a:bodyPr wrap="none">
@@ -19554,18 +16760,13 @@
             <a:pPr>
               <a:defRPr sz="1700" b="1">
                 <a:solidFill>
-                  <a:srgbClr val="212529"/>
-                </a:solidFill>
-                <a:latin typeface="Segoe UI"/>
-              </a:defRPr>
-            </a:pPr>
-            <a:r>
-              <a:rPr>
-                <a:solidFill>
-                  <a:srgbClr val="212529"/>
-                </a:solidFill>
-                <a:latin typeface="Segoe UI"/>
-              </a:rPr>
+                  <a:srgbClr val="0066CC"/>
+                </a:solidFill>
+                <a:latin typeface="Segoe UI Semibold"/>
+              </a:defRPr>
+            </a:pPr>
+            <a:r>
+              <a:rPr/>
               <a:t>Perilaku normal</a:t>
             </a:r>
           </a:p>
@@ -19586,6 +16787,9 @@
             <a:avLst/>
           </a:prstGeom>
           <a:noFill/>
+          <a:ln>
+            <a:noFill/>
+          </a:ln>
         </p:spPr>
         <p:txBody>
           <a:bodyPr wrap="none">
@@ -19596,18 +16800,13 @@
             <a:pPr>
               <a:defRPr sz="1700" b="1">
                 <a:solidFill>
-                  <a:srgbClr val="212529"/>
-                </a:solidFill>
-                <a:latin typeface="Segoe UI"/>
-              </a:defRPr>
-            </a:pPr>
-            <a:r>
-              <a:rPr>
-                <a:solidFill>
-                  <a:srgbClr val="212529"/>
-                </a:solidFill>
-                <a:latin typeface="Segoe UI"/>
-              </a:rPr>
+                  <a:srgbClr val="0066CC"/>
+                </a:solidFill>
+                <a:latin typeface="Segoe UI Semibold"/>
+              </a:defRPr>
+            </a:pPr>
+            <a:r>
+              <a:rPr/>
               <a:t>Yang sering disangka error</a:t>
             </a:r>
           </a:p>
@@ -19628,6 +16827,9 @@
             <a:avLst/>
           </a:prstGeom>
           <a:noFill/>
+          <a:ln>
+            <a:noFill/>
+          </a:ln>
         </p:spPr>
         <p:txBody>
           <a:bodyPr wrap="square">
@@ -19647,12 +16849,7 @@
               </a:defRPr>
             </a:pPr>
             <a:r>
-              <a:rPr>
-                <a:solidFill>
-                  <a:srgbClr val="212529"/>
-                </a:solidFill>
-                <a:latin typeface="Segoe UI"/>
-              </a:rPr>
+              <a:rPr/>
               <a:t>Program berhenti sejenak di plt.show()</a:t>
             </a:r>
           </a:p>
@@ -19669,12 +16866,7 @@
               </a:defRPr>
             </a:pPr>
             <a:r>
-              <a:rPr>
-                <a:solidFill>
-                  <a:srgbClr val="212529"/>
-                </a:solidFill>
-                <a:latin typeface="Segoe UI"/>
-              </a:rPr>
+              <a:rPr/>
               <a:t>Anda melihat grafik</a:t>
             </a:r>
           </a:p>
@@ -19691,12 +16883,7 @@
               </a:defRPr>
             </a:pPr>
             <a:r>
-              <a:rPr>
-                <a:solidFill>
-                  <a:srgbClr val="212529"/>
-                </a:solidFill>
-                <a:latin typeface="Segoe UI"/>
-              </a:rPr>
+              <a:rPr/>
               <a:t>Tutup window grafik → program lanjut</a:t>
             </a:r>
           </a:p>
@@ -19717,6 +16904,9 @@
             <a:avLst/>
           </a:prstGeom>
           <a:noFill/>
+          <a:ln>
+            <a:noFill/>
+          </a:ln>
         </p:spPr>
         <p:txBody>
           <a:bodyPr wrap="square">
@@ -19736,12 +16926,7 @@
               </a:defRPr>
             </a:pPr>
             <a:r>
-              <a:rPr>
-                <a:solidFill>
-                  <a:srgbClr val="212529"/>
-                </a:solidFill>
-                <a:latin typeface="Segoe UI"/>
-              </a:rPr>
+              <a:rPr/>
               <a:t>Tutup window lalu muncul KeyboardInterrupt</a:t>
             </a:r>
           </a:p>
@@ -19758,12 +16943,7 @@
               </a:defRPr>
             </a:pPr>
             <a:r>
-              <a:rPr>
-                <a:solidFill>
-                  <a:srgbClr val="212529"/>
-                </a:solidFill>
-                <a:latin typeface="Segoe UI"/>
-              </a:rPr>
+              <a:rPr/>
               <a:t>Atau Anda tekan Ctrl+C</a:t>
             </a:r>
           </a:p>
@@ -19780,12 +16960,7 @@
               </a:defRPr>
             </a:pPr>
             <a:r>
-              <a:rPr>
-                <a:solidFill>
-                  <a:srgbClr val="212529"/>
-                </a:solidFill>
-                <a:latin typeface="Segoe UI"/>
-              </a:rPr>
+              <a:rPr/>
               <a:t>Artinya program dihentikan manual</a:t>
             </a:r>
           </a:p>
@@ -19829,24 +17004,19 @@
           </a:fontRef>
         </p:style>
         <p:txBody>
-          <a:bodyPr rtlCol="0" anchor="ctr" wrap="square"/>
+          <a:bodyPr rtlCol="0" anchor="ctr" wrap="square" lIns="182880" rIns="137160" tIns="73152" bIns="73152"/>
           <a:lstStyle/>
           <a:p>
             <a:pPr algn="ctr">
               <a:defRPr sz="1300">
                 <a:solidFill>
-                  <a:srgbClr val="212529"/>
-                </a:solidFill>
-                <a:latin typeface="Segoe UI"/>
-              </a:defRPr>
-            </a:pPr>
-            <a:r>
-              <a:rPr>
-                <a:solidFill>
-                  <a:srgbClr val="212529"/>
-                </a:solidFill>
-                <a:latin typeface="Segoe UI"/>
-              </a:rPr>
+                  <a:srgbClr val="6C757D"/>
+                </a:solidFill>
+                <a:latin typeface="Segoe UI"/>
+              </a:defRPr>
+            </a:pPr>
+            <a:r>
+              <a:rPr/>
               <a:t>Rule of thumb: kalau hasil sudah keluar dan Anda yang menghentikan, itu bukan bug.</a:t>
             </a:r>
           </a:p>
@@ -19854,7 +17024,7 @@
       </p:sp>
       <p:sp>
         <p:nvSpPr>
-          <p:cNvPr id="9" name="Rectangle 8"/>
+          <p:cNvPr id="9" name="__accent_bar__"/>
           <p:cNvSpPr/>
           <p:nvPr/>
         </p:nvSpPr>
@@ -19891,14 +17061,7 @@
           <a:bodyPr rtlCol="0" anchor="ctr"/>
           <a:lstStyle/>
           <a:p>
-            <a:pPr algn="ctr">
-              <a:defRPr sz="1800">
-                <a:solidFill>
-                  <a:srgbClr val="212529"/>
-                </a:solidFill>
-                <a:latin typeface="Segoe UI"/>
-              </a:defRPr>
-            </a:pPr>
+            <a:pPr algn="ctr"/>
           </a:p>
         </p:txBody>
       </p:sp>
@@ -19946,18 +17109,13 @@
             <a:pPr>
               <a:defRPr sz="3000" b="1">
                 <a:solidFill>
-                  <a:srgbClr val="212529"/>
-                </a:solidFill>
-                <a:latin typeface="Segoe UI"/>
-              </a:defRPr>
-            </a:pPr>
-            <a:r>
-              <a:rPr>
-                <a:solidFill>
-                  <a:srgbClr val="212529"/>
-                </a:solidFill>
-                <a:latin typeface="Segoe UI"/>
-              </a:rPr>
+                  <a:srgbClr val="0066CC"/>
+                </a:solidFill>
+                <a:latin typeface="Segoe UI Semibold"/>
+              </a:defRPr>
+            </a:pPr>
+            <a:r>
+              <a:rPr/>
               <a:t>1) Fondasi</a:t>
             </a:r>
           </a:p>
@@ -19978,6 +17136,9 @@
             <a:avLst/>
           </a:prstGeom>
           <a:noFill/>
+          <a:ln>
+            <a:noFill/>
+          </a:ln>
         </p:spPr>
         <p:txBody>
           <a:bodyPr wrap="none">
@@ -19988,18 +17149,13 @@
             <a:pPr>
               <a:defRPr sz="2000" i="1">
                 <a:solidFill>
-                  <a:srgbClr val="212529"/>
-                </a:solidFill>
-                <a:latin typeface="Segoe UI"/>
-              </a:defRPr>
-            </a:pPr>
-            <a:r>
-              <a:rPr>
-                <a:solidFill>
-                  <a:srgbClr val="212529"/>
-                </a:solidFill>
-                <a:latin typeface="Segoe UI"/>
-              </a:rPr>
+                  <a:srgbClr val="6C757D"/>
+                </a:solidFill>
+                <a:latin typeface="Segoe UI"/>
+              </a:defRPr>
+            </a:pPr>
+            <a:r>
+              <a:rPr/>
               <a:t>Konsep wajib sebelum masuk ke model</a:t>
             </a:r>
           </a:p>
@@ -20007,7 +17163,7 @@
       </p:sp>
       <p:sp>
         <p:nvSpPr>
-          <p:cNvPr id="4" name="Rectangle 3"/>
+          <p:cNvPr id="4" name="__accent_bar__"/>
           <p:cNvSpPr/>
           <p:nvPr/>
         </p:nvSpPr>
@@ -20044,14 +17200,7 @@
           <a:bodyPr rtlCol="0" anchor="ctr"/>
           <a:lstStyle/>
           <a:p>
-            <a:pPr algn="ctr">
-              <a:defRPr sz="1800">
-                <a:solidFill>
-                  <a:srgbClr val="212529"/>
-                </a:solidFill>
-                <a:latin typeface="Segoe UI"/>
-              </a:defRPr>
-            </a:pPr>
+            <a:pPr algn="ctr"/>
           </a:p>
         </p:txBody>
       </p:sp>
@@ -20099,46 +17248,15 @@
             <a:pPr>
               <a:defRPr sz="3000" b="1">
                 <a:solidFill>
-                  <a:srgbClr val="212529"/>
-                </a:solidFill>
-                <a:latin typeface="Segoe UI"/>
-              </a:defRPr>
-            </a:pPr>
-            <a:r>
-              <a:rPr>
-                <a:solidFill>
-                  <a:srgbClr val="212529"/>
-                </a:solidFill>
-                <a:latin typeface="Segoe UI"/>
-              </a:rPr>
+                  <a:srgbClr val="0066CC"/>
+                </a:solidFill>
+                <a:latin typeface="Segoe UI Semibold"/>
+              </a:defRPr>
+            </a:pPr>
+            <a:r>
+              <a:rPr/>
               <a:t>Fitur (X) dan Target (y)</a:t>
             </a:r>
-          </a:p>
-        </p:txBody>
-      </p:sp>
-      <p:sp>
-        <p:nvSpPr>
-          <p:cNvPr id="3" name="Content Placeholder 2"/>
-          <p:cNvSpPr>
-            <a:spLocks noGrp="1"/>
-          </p:cNvSpPr>
-          <p:nvPr>
-            <p:ph idx="1"/>
-          </p:nvPr>
-        </p:nvSpPr>
-        <p:spPr/>
-        <p:txBody>
-          <a:bodyPr/>
-          <a:lstStyle/>
-          <a:p>
-            <a:pPr>
-              <a:defRPr sz="1800">
-                <a:solidFill>
-                  <a:srgbClr val="212529"/>
-                </a:solidFill>
-                <a:latin typeface="Segoe UI"/>
-              </a:defRPr>
-            </a:pPr>
           </a:p>
         </p:txBody>
       </p:sp>
@@ -20157,6 +17275,9 @@
             <a:avLst/>
           </a:prstGeom>
           <a:noFill/>
+          <a:ln>
+            <a:noFill/>
+          </a:ln>
         </p:spPr>
         <p:txBody>
           <a:bodyPr wrap="square">
@@ -20176,12 +17297,7 @@
               </a:defRPr>
             </a:pPr>
             <a:r>
-              <a:rPr>
-                <a:solidFill>
-                  <a:srgbClr val="212529"/>
-                </a:solidFill>
-                <a:latin typeface="Segoe UI"/>
-              </a:rPr>
+              <a:rPr/>
               <a:t>Fitur (X): data input yang dipakai model untuk membuat prediksi.</a:t>
             </a:r>
           </a:p>
@@ -20198,12 +17314,7 @@
               </a:defRPr>
             </a:pPr>
             <a:r>
-              <a:rPr>
-                <a:solidFill>
-                  <a:srgbClr val="212529"/>
-                </a:solidFill>
-                <a:latin typeface="Segoe UI"/>
-              </a:rPr>
+              <a:rPr/>
               <a:t>Target (y): jawaban yang ingin dipelajari model.</a:t>
             </a:r>
           </a:p>
@@ -20220,12 +17331,7 @@
               </a:defRPr>
             </a:pPr>
             <a:r>
-              <a:rPr>
-                <a:solidFill>
-                  <a:srgbClr val="212529"/>
-                </a:solidFill>
-                <a:latin typeface="Segoe UI"/>
-              </a:rPr>
+              <a:rPr/>
               <a:t>Regression: y berupa angka (mis. harga).</a:t>
             </a:r>
           </a:p>
@@ -20242,12 +17348,7 @@
               </a:defRPr>
             </a:pPr>
             <a:r>
-              <a:rPr>
-                <a:solidFill>
-                  <a:srgbClr val="212529"/>
-                </a:solidFill>
-                <a:latin typeface="Segoe UI"/>
-              </a:rPr>
+              <a:rPr/>
               <a:t>Classification: y berupa kelas (mis. spam / tidak).</a:t>
             </a:r>
           </a:p>
@@ -20264,12 +17365,7 @@
               </a:defRPr>
             </a:pPr>
             <a:r>
-              <a:rPr>
-                <a:solidFill>
-                  <a:srgbClr val="212529"/>
-                </a:solidFill>
-                <a:latin typeface="Segoe UI"/>
-              </a:rPr>
+              <a:rPr/>
               <a:t>Kesalahan umum: fitur bocor (data leakage) — memasukkan info masa depan ke fitur.</a:t>
             </a:r>
           </a:p>
@@ -20277,7 +17373,7 @@
       </p:sp>
       <p:sp>
         <p:nvSpPr>
-          <p:cNvPr id="5" name="Rectangle 4"/>
+          <p:cNvPr id="5" name="__accent_bar__"/>
           <p:cNvSpPr/>
           <p:nvPr/>
         </p:nvSpPr>
@@ -20314,14 +17410,7 @@
           <a:bodyPr rtlCol="0" anchor="ctr"/>
           <a:lstStyle/>
           <a:p>
-            <a:pPr algn="ctr">
-              <a:defRPr sz="1800">
-                <a:solidFill>
-                  <a:srgbClr val="212529"/>
-                </a:solidFill>
-                <a:latin typeface="Segoe UI"/>
-              </a:defRPr>
-            </a:pPr>
+            <a:pPr algn="ctr"/>
           </a:p>
         </p:txBody>
       </p:sp>
